--- a/finalPresentation.pptx
+++ b/finalPresentation.pptx
@@ -12,10 +12,11 @@
     <p:sldId id="258" r:id="rId6"/>
     <p:sldId id="260" r:id="rId7"/>
     <p:sldId id="266" r:id="rId8"/>
-    <p:sldId id="263" r:id="rId9"/>
-    <p:sldId id="261" r:id="rId10"/>
-    <p:sldId id="262" r:id="rId11"/>
-    <p:sldId id="264" r:id="rId12"/>
+    <p:sldId id="267" r:id="rId9"/>
+    <p:sldId id="263" r:id="rId10"/>
+    <p:sldId id="261" r:id="rId11"/>
+    <p:sldId id="262" r:id="rId12"/>
+    <p:sldId id="264" r:id="rId13"/>
   </p:sldIdLst>
   <p:sldSz cx="12192000" cy="6858000"/>
   <p:notesSz cx="6858000" cy="9144000"/>
@@ -5991,6 +5992,390 @@
           <p:cNvPr id="2" name="Title 1">
             <a:extLst>
               <a:ext uri="{FF2B5EF4-FFF2-40B4-BE49-F238E27FC236}">
+                <a16:creationId xmlns:a16="http://schemas.microsoft.com/office/drawing/2014/main" id="{81C669BF-8099-4FAA-8220-FDC17EC77C19}"/>
+              </a:ext>
+            </a:extLst>
+          </p:cNvPr>
+          <p:cNvSpPr>
+            <a:spLocks noGrp="1"/>
+          </p:cNvSpPr>
+          <p:nvPr>
+            <p:ph type="title"/>
+          </p:nvPr>
+        </p:nvSpPr>
+        <p:spPr/>
+        <p:txBody>
+          <a:bodyPr/>
+          <a:lstStyle/>
+          <a:p>
+            <a:r>
+              <a:rPr lang="en-US" dirty="0"/>
+              <a:t>Program in </a:t>
+            </a:r>
+            <a:r>
+              <a:rPr lang="en-US" dirty="0" err="1"/>
+              <a:t>scala</a:t>
+            </a:r>
+            <a:endParaRPr lang="en-US" dirty="0"/>
+          </a:p>
+        </p:txBody>
+      </p:sp>
+      <p:sp>
+        <p:nvSpPr>
+          <p:cNvPr id="3" name="Content Placeholder 2">
+            <a:extLst>
+              <a:ext uri="{FF2B5EF4-FFF2-40B4-BE49-F238E27FC236}">
+                <a16:creationId xmlns:a16="http://schemas.microsoft.com/office/drawing/2014/main" id="{5F13A9C0-B03F-43DD-BEE9-9577777F84FF}"/>
+              </a:ext>
+            </a:extLst>
+          </p:cNvPr>
+          <p:cNvSpPr>
+            <a:spLocks noGrp="1"/>
+          </p:cNvSpPr>
+          <p:nvPr>
+            <p:ph idx="1"/>
+          </p:nvPr>
+        </p:nvSpPr>
+        <p:spPr>
+          <a:xfrm>
+            <a:off x="1295402" y="2597982"/>
+            <a:ext cx="10515600" cy="2053917"/>
+          </a:xfrm>
+        </p:spPr>
+        <p:txBody>
+          <a:bodyPr>
+            <a:normAutofit lnSpcReduction="10000"/>
+          </a:bodyPr>
+          <a:lstStyle/>
+          <a:p>
+            <a:r>
+              <a:rPr lang="en-US" dirty="0"/>
+              <a:t>The implements of predict model</a:t>
+            </a:r>
+          </a:p>
+          <a:p>
+            <a:r>
+              <a:rPr lang="en-US" dirty="0"/>
+              <a:t>All the unit test</a:t>
+            </a:r>
+          </a:p>
+          <a:p>
+            <a:r>
+              <a:rPr lang="en-US" dirty="0"/>
+              <a:t>Extraction of data</a:t>
+            </a:r>
+          </a:p>
+          <a:p>
+            <a:r>
+              <a:rPr lang="en-US" dirty="0"/>
+              <a:t>Store the user information data</a:t>
+            </a:r>
+          </a:p>
+          <a:p>
+            <a:endParaRPr lang="en-US" dirty="0"/>
+          </a:p>
+        </p:txBody>
+      </p:sp>
+      <p:sp>
+        <p:nvSpPr>
+          <p:cNvPr id="4" name="Title 1">
+            <a:extLst>
+              <a:ext uri="{FF2B5EF4-FFF2-40B4-BE49-F238E27FC236}">
+                <a16:creationId xmlns:a16="http://schemas.microsoft.com/office/drawing/2014/main" id="{1BBD5097-76EF-4331-8B4F-7FC5173D24FF}"/>
+              </a:ext>
+            </a:extLst>
+          </p:cNvPr>
+          <p:cNvSpPr txBox="1">
+            <a:spLocks/>
+          </p:cNvSpPr>
+          <p:nvPr/>
+        </p:nvSpPr>
+        <p:spPr>
+          <a:xfrm>
+            <a:off x="944733" y="4550305"/>
+            <a:ext cx="10515600" cy="1325563"/>
+          </a:xfrm>
+          <a:prstGeom prst="rect">
+            <a:avLst/>
+          </a:prstGeom>
+        </p:spPr>
+        <p:txBody>
+          <a:bodyPr vert="horz" lIns="91440" tIns="45720" rIns="91440" bIns="45720" rtlCol="0" anchor="ctr">
+            <a:normAutofit/>
+          </a:bodyPr>
+          <a:lstStyle>
+            <a:lvl1pPr algn="l" defTabSz="914400" rtl="0" eaLnBrk="1" latinLnBrk="0" hangingPunct="1">
+              <a:lnSpc>
+                <a:spcPct val="90000"/>
+              </a:lnSpc>
+              <a:spcBef>
+                <a:spcPct val="0"/>
+              </a:spcBef>
+              <a:buNone/>
+              <a:defRPr sz="4400" kern="1200">
+                <a:solidFill>
+                  <a:schemeClr val="tx1"/>
+                </a:solidFill>
+                <a:latin typeface="+mj-lt"/>
+                <a:ea typeface="+mj-ea"/>
+                <a:cs typeface="+mj-cs"/>
+              </a:defRPr>
+            </a:lvl1pPr>
+          </a:lstStyle>
+          <a:p>
+            <a:pPr marL="0" lvl="0" indent="0" algn="l" rtl="0">
+              <a:spcBef>
+                <a:spcPts val="0"/>
+              </a:spcBef>
+              <a:spcAft>
+                <a:spcPts val="0"/>
+              </a:spcAft>
+              <a:buNone/>
+            </a:pPr>
+            <a:r>
+              <a:rPr lang="en-US" sz="2800" dirty="0"/>
+              <a:t>Repository</a:t>
+            </a:r>
+          </a:p>
+        </p:txBody>
+      </p:sp>
+      <p:sp>
+        <p:nvSpPr>
+          <p:cNvPr id="5" name="Content Placeholder 2">
+            <a:extLst>
+              <a:ext uri="{FF2B5EF4-FFF2-40B4-BE49-F238E27FC236}">
+                <a16:creationId xmlns:a16="http://schemas.microsoft.com/office/drawing/2014/main" id="{0FCBC51E-3F25-46EB-85AB-AABA0C43DBAD}"/>
+              </a:ext>
+            </a:extLst>
+          </p:cNvPr>
+          <p:cNvSpPr txBox="1">
+            <a:spLocks/>
+          </p:cNvSpPr>
+          <p:nvPr/>
+        </p:nvSpPr>
+        <p:spPr>
+          <a:xfrm>
+            <a:off x="944733" y="5589371"/>
+            <a:ext cx="10515600" cy="741287"/>
+          </a:xfrm>
+          <a:prstGeom prst="rect">
+            <a:avLst/>
+          </a:prstGeom>
+        </p:spPr>
+        <p:txBody>
+          <a:bodyPr vert="horz" lIns="91440" tIns="45720" rIns="91440" bIns="45720" rtlCol="0">
+            <a:normAutofit/>
+          </a:bodyPr>
+          <a:lstStyle>
+            <a:lvl1pPr marL="228600" indent="-228600" algn="l" defTabSz="914400" rtl="0" eaLnBrk="1" latinLnBrk="0" hangingPunct="1">
+              <a:lnSpc>
+                <a:spcPct val="90000"/>
+              </a:lnSpc>
+              <a:spcBef>
+                <a:spcPts val="1000"/>
+              </a:spcBef>
+              <a:buFont typeface="Arial" panose="020B0604020202020204" pitchFamily="34" charset="0"/>
+              <a:buChar char="•"/>
+              <a:defRPr sz="2800" kern="1200">
+                <a:solidFill>
+                  <a:schemeClr val="tx1"/>
+                </a:solidFill>
+                <a:latin typeface="+mn-lt"/>
+                <a:ea typeface="+mn-ea"/>
+                <a:cs typeface="+mn-cs"/>
+              </a:defRPr>
+            </a:lvl1pPr>
+            <a:lvl2pPr marL="685800" indent="-228600" algn="l" defTabSz="914400" rtl="0" eaLnBrk="1" latinLnBrk="0" hangingPunct="1">
+              <a:lnSpc>
+                <a:spcPct val="90000"/>
+              </a:lnSpc>
+              <a:spcBef>
+                <a:spcPts val="500"/>
+              </a:spcBef>
+              <a:buFont typeface="Arial" panose="020B0604020202020204" pitchFamily="34" charset="0"/>
+              <a:buChar char="•"/>
+              <a:defRPr sz="2400" kern="1200">
+                <a:solidFill>
+                  <a:schemeClr val="tx1"/>
+                </a:solidFill>
+                <a:latin typeface="+mn-lt"/>
+                <a:ea typeface="+mn-ea"/>
+                <a:cs typeface="+mn-cs"/>
+              </a:defRPr>
+            </a:lvl2pPr>
+            <a:lvl3pPr marL="1143000" indent="-228600" algn="l" defTabSz="914400" rtl="0" eaLnBrk="1" latinLnBrk="0" hangingPunct="1">
+              <a:lnSpc>
+                <a:spcPct val="90000"/>
+              </a:lnSpc>
+              <a:spcBef>
+                <a:spcPts val="500"/>
+              </a:spcBef>
+              <a:buFont typeface="Arial" panose="020B0604020202020204" pitchFamily="34" charset="0"/>
+              <a:buChar char="•"/>
+              <a:defRPr sz="2000" kern="1200">
+                <a:solidFill>
+                  <a:schemeClr val="tx1"/>
+                </a:solidFill>
+                <a:latin typeface="+mn-lt"/>
+                <a:ea typeface="+mn-ea"/>
+                <a:cs typeface="+mn-cs"/>
+              </a:defRPr>
+            </a:lvl3pPr>
+            <a:lvl4pPr marL="1600200" indent="-228600" algn="l" defTabSz="914400" rtl="0" eaLnBrk="1" latinLnBrk="0" hangingPunct="1">
+              <a:lnSpc>
+                <a:spcPct val="90000"/>
+              </a:lnSpc>
+              <a:spcBef>
+                <a:spcPts val="500"/>
+              </a:spcBef>
+              <a:buFont typeface="Arial" panose="020B0604020202020204" pitchFamily="34" charset="0"/>
+              <a:buChar char="•"/>
+              <a:defRPr sz="1800" kern="1200">
+                <a:solidFill>
+                  <a:schemeClr val="tx1"/>
+                </a:solidFill>
+                <a:latin typeface="+mn-lt"/>
+                <a:ea typeface="+mn-ea"/>
+                <a:cs typeface="+mn-cs"/>
+              </a:defRPr>
+            </a:lvl4pPr>
+            <a:lvl5pPr marL="2057400" indent="-228600" algn="l" defTabSz="914400" rtl="0" eaLnBrk="1" latinLnBrk="0" hangingPunct="1">
+              <a:lnSpc>
+                <a:spcPct val="90000"/>
+              </a:lnSpc>
+              <a:spcBef>
+                <a:spcPts val="500"/>
+              </a:spcBef>
+              <a:buFont typeface="Arial" panose="020B0604020202020204" pitchFamily="34" charset="0"/>
+              <a:buChar char="•"/>
+              <a:defRPr sz="1800" kern="1200">
+                <a:solidFill>
+                  <a:schemeClr val="tx1"/>
+                </a:solidFill>
+                <a:latin typeface="+mn-lt"/>
+                <a:ea typeface="+mn-ea"/>
+                <a:cs typeface="+mn-cs"/>
+              </a:defRPr>
+            </a:lvl5pPr>
+            <a:lvl6pPr marL="2514600" indent="-228600" algn="l" defTabSz="914400" rtl="0" eaLnBrk="1" latinLnBrk="0" hangingPunct="1">
+              <a:lnSpc>
+                <a:spcPct val="90000"/>
+              </a:lnSpc>
+              <a:spcBef>
+                <a:spcPts val="500"/>
+              </a:spcBef>
+              <a:buFont typeface="Arial" panose="020B0604020202020204" pitchFamily="34" charset="0"/>
+              <a:buChar char="•"/>
+              <a:defRPr sz="1800" kern="1200">
+                <a:solidFill>
+                  <a:schemeClr val="tx1"/>
+                </a:solidFill>
+                <a:latin typeface="+mn-lt"/>
+                <a:ea typeface="+mn-ea"/>
+                <a:cs typeface="+mn-cs"/>
+              </a:defRPr>
+            </a:lvl6pPr>
+            <a:lvl7pPr marL="2971800" indent="-228600" algn="l" defTabSz="914400" rtl="0" eaLnBrk="1" latinLnBrk="0" hangingPunct="1">
+              <a:lnSpc>
+                <a:spcPct val="90000"/>
+              </a:lnSpc>
+              <a:spcBef>
+                <a:spcPts val="500"/>
+              </a:spcBef>
+              <a:buFont typeface="Arial" panose="020B0604020202020204" pitchFamily="34" charset="0"/>
+              <a:buChar char="•"/>
+              <a:defRPr sz="1800" kern="1200">
+                <a:solidFill>
+                  <a:schemeClr val="tx1"/>
+                </a:solidFill>
+                <a:latin typeface="+mn-lt"/>
+                <a:ea typeface="+mn-ea"/>
+                <a:cs typeface="+mn-cs"/>
+              </a:defRPr>
+            </a:lvl7pPr>
+            <a:lvl8pPr marL="3429000" indent="-228600" algn="l" defTabSz="914400" rtl="0" eaLnBrk="1" latinLnBrk="0" hangingPunct="1">
+              <a:lnSpc>
+                <a:spcPct val="90000"/>
+              </a:lnSpc>
+              <a:spcBef>
+                <a:spcPts val="500"/>
+              </a:spcBef>
+              <a:buFont typeface="Arial" panose="020B0604020202020204" pitchFamily="34" charset="0"/>
+              <a:buChar char="•"/>
+              <a:defRPr sz="1800" kern="1200">
+                <a:solidFill>
+                  <a:schemeClr val="tx1"/>
+                </a:solidFill>
+                <a:latin typeface="+mn-lt"/>
+                <a:ea typeface="+mn-ea"/>
+                <a:cs typeface="+mn-cs"/>
+              </a:defRPr>
+            </a:lvl8pPr>
+            <a:lvl9pPr marL="3886200" indent="-228600" algn="l" defTabSz="914400" rtl="0" eaLnBrk="1" latinLnBrk="0" hangingPunct="1">
+              <a:lnSpc>
+                <a:spcPct val="90000"/>
+              </a:lnSpc>
+              <a:spcBef>
+                <a:spcPts val="500"/>
+              </a:spcBef>
+              <a:buFont typeface="Arial" panose="020B0604020202020204" pitchFamily="34" charset="0"/>
+              <a:buChar char="•"/>
+              <a:defRPr sz="1800" kern="1200">
+                <a:solidFill>
+                  <a:schemeClr val="tx1"/>
+                </a:solidFill>
+                <a:latin typeface="+mn-lt"/>
+                <a:ea typeface="+mn-ea"/>
+                <a:cs typeface="+mn-cs"/>
+              </a:defRPr>
+            </a:lvl9pPr>
+          </a:lstStyle>
+          <a:p>
+            <a:r>
+              <a:rPr lang="en-US" dirty="0">
+                <a:hlinkClick r:id="rId2"/>
+              </a:rPr>
+              <a:t>https://github.com/MAQI-SHI/CSYE-7200-Final-Project-Team-6</a:t>
+            </a:r>
+            <a:endParaRPr lang="en-US" dirty="0"/>
+          </a:p>
+        </p:txBody>
+      </p:sp>
+    </p:spTree>
+    <p:extLst>
+      <p:ext uri="{BB962C8B-B14F-4D97-AF65-F5344CB8AC3E}">
+        <p14:creationId xmlns:p14="http://schemas.microsoft.com/office/powerpoint/2010/main" val="3693813384"/>
+      </p:ext>
+    </p:extLst>
+  </p:cSld>
+  <p:clrMapOvr>
+    <a:masterClrMapping/>
+  </p:clrMapOvr>
+</p:sld>
+</file>
+
+<file path=ppt/slides/slide11.xml><?xml version="1.0" encoding="utf-8"?>
+<p:sld xmlns:a="http://schemas.openxmlformats.org/drawingml/2006/main" xmlns:r="http://schemas.openxmlformats.org/officeDocument/2006/relationships" xmlns:p="http://schemas.openxmlformats.org/presentationml/2006/main">
+  <p:cSld>
+    <p:spTree>
+      <p:nvGrpSpPr>
+        <p:cNvPr id="1" name=""/>
+        <p:cNvGrpSpPr/>
+        <p:nvPr/>
+      </p:nvGrpSpPr>
+      <p:grpSpPr>
+        <a:xfrm>
+          <a:off x="0" y="0"/>
+          <a:ext cx="0" cy="0"/>
+          <a:chOff x="0" y="0"/>
+          <a:chExt cx="0" cy="0"/>
+        </a:xfrm>
+      </p:grpSpPr>
+      <p:sp>
+        <p:nvSpPr>
+          <p:cNvPr id="2" name="Title 1">
+            <a:extLst>
+              <a:ext uri="{FF2B5EF4-FFF2-40B4-BE49-F238E27FC236}">
                 <a16:creationId xmlns:a16="http://schemas.microsoft.com/office/drawing/2014/main" id="{3E75BD9C-A4DD-4C30-8800-862812A254D2}"/>
               </a:ext>
             </a:extLst>
@@ -6148,7 +6533,7 @@
 </p:sld>
 </file>
 
-<file path=ppt/slides/slide11.xml><?xml version="1.0" encoding="utf-8"?>
+<file path=ppt/slides/slide12.xml><?xml version="1.0" encoding="utf-8"?>
 <p:sld xmlns:a="http://schemas.openxmlformats.org/drawingml/2006/main" xmlns:r="http://schemas.openxmlformats.org/officeDocument/2006/relationships" xmlns:p="http://schemas.openxmlformats.org/presentationml/2006/main">
   <p:cSld>
     <p:spTree>
@@ -7015,6 +7400,154 @@
           <p:cNvPr id="2" name="Title 1">
             <a:extLst>
               <a:ext uri="{FF2B5EF4-FFF2-40B4-BE49-F238E27FC236}">
+                <a16:creationId xmlns:a16="http://schemas.microsoft.com/office/drawing/2014/main" id="{FDC80355-207B-4744-AB58-80E226A99AE4}"/>
+              </a:ext>
+            </a:extLst>
+          </p:cNvPr>
+          <p:cNvSpPr>
+            <a:spLocks noGrp="1"/>
+          </p:cNvSpPr>
+          <p:nvPr>
+            <p:ph type="title"/>
+          </p:nvPr>
+        </p:nvSpPr>
+        <p:spPr/>
+        <p:txBody>
+          <a:bodyPr/>
+          <a:lstStyle/>
+          <a:p>
+            <a:r>
+              <a:rPr lang="en-US" dirty="0"/>
+              <a:t>result</a:t>
+            </a:r>
+          </a:p>
+        </p:txBody>
+      </p:sp>
+      <p:pic>
+        <p:nvPicPr>
+          <p:cNvPr id="5" name="Picture 4">
+            <a:extLst>
+              <a:ext uri="{FF2B5EF4-FFF2-40B4-BE49-F238E27FC236}">
+                <a16:creationId xmlns:a16="http://schemas.microsoft.com/office/drawing/2014/main" id="{29095C45-4E0D-4B94-840A-5DEE4ABB0CAE}"/>
+              </a:ext>
+            </a:extLst>
+          </p:cNvPr>
+          <p:cNvPicPr>
+            <a:picLocks noChangeAspect="1"/>
+          </p:cNvPicPr>
+          <p:nvPr/>
+        </p:nvPicPr>
+        <p:blipFill>
+          <a:blip r:embed="rId2"/>
+          <a:stretch>
+            <a:fillRect/>
+          </a:stretch>
+        </p:blipFill>
+        <p:spPr>
+          <a:xfrm>
+            <a:off x="1420844" y="2805112"/>
+            <a:ext cx="2638425" cy="1066800"/>
+          </a:xfrm>
+          <a:prstGeom prst="rect">
+            <a:avLst/>
+          </a:prstGeom>
+        </p:spPr>
+      </p:pic>
+      <p:pic>
+        <p:nvPicPr>
+          <p:cNvPr id="7" name="Picture 6">
+            <a:extLst>
+              <a:ext uri="{FF2B5EF4-FFF2-40B4-BE49-F238E27FC236}">
+                <a16:creationId xmlns:a16="http://schemas.microsoft.com/office/drawing/2014/main" id="{4B3E89FC-3CA9-4965-84BC-4129FE3D8814}"/>
+              </a:ext>
+            </a:extLst>
+          </p:cNvPr>
+          <p:cNvPicPr>
+            <a:picLocks noChangeAspect="1"/>
+          </p:cNvPicPr>
+          <p:nvPr/>
+        </p:nvPicPr>
+        <p:blipFill>
+          <a:blip r:embed="rId3"/>
+          <a:stretch>
+            <a:fillRect/>
+          </a:stretch>
+        </p:blipFill>
+        <p:spPr>
+          <a:xfrm>
+            <a:off x="4207718" y="2895600"/>
+            <a:ext cx="3390900" cy="857250"/>
+          </a:xfrm>
+          <a:prstGeom prst="rect">
+            <a:avLst/>
+          </a:prstGeom>
+        </p:spPr>
+      </p:pic>
+      <p:pic>
+        <p:nvPicPr>
+          <p:cNvPr id="9" name="Picture 8">
+            <a:extLst>
+              <a:ext uri="{FF2B5EF4-FFF2-40B4-BE49-F238E27FC236}">
+                <a16:creationId xmlns:a16="http://schemas.microsoft.com/office/drawing/2014/main" id="{6336DE43-A69E-4EF6-83A2-591F932A9CFC}"/>
+              </a:ext>
+            </a:extLst>
+          </p:cNvPr>
+          <p:cNvPicPr>
+            <a:picLocks noChangeAspect="1"/>
+          </p:cNvPicPr>
+          <p:nvPr/>
+        </p:nvPicPr>
+        <p:blipFill>
+          <a:blip r:embed="rId4"/>
+          <a:stretch>
+            <a:fillRect/>
+          </a:stretch>
+        </p:blipFill>
+        <p:spPr>
+          <a:xfrm>
+            <a:off x="7747067" y="2895600"/>
+            <a:ext cx="3409950" cy="885825"/>
+          </a:xfrm>
+          <a:prstGeom prst="rect">
+            <a:avLst/>
+          </a:prstGeom>
+        </p:spPr>
+      </p:pic>
+    </p:spTree>
+    <p:extLst>
+      <p:ext uri="{BB962C8B-B14F-4D97-AF65-F5344CB8AC3E}">
+        <p14:creationId xmlns:p14="http://schemas.microsoft.com/office/powerpoint/2010/main" val="868078674"/>
+      </p:ext>
+    </p:extLst>
+  </p:cSld>
+  <p:clrMapOvr>
+    <a:masterClrMapping/>
+  </p:clrMapOvr>
+</p:sld>
+</file>
+
+<file path=ppt/slides/slide9.xml><?xml version="1.0" encoding="utf-8"?>
+<p:sld xmlns:a="http://schemas.openxmlformats.org/drawingml/2006/main" xmlns:r="http://schemas.openxmlformats.org/officeDocument/2006/relationships" xmlns:p="http://schemas.openxmlformats.org/presentationml/2006/main">
+  <p:cSld>
+    <p:spTree>
+      <p:nvGrpSpPr>
+        <p:cNvPr id="1" name=""/>
+        <p:cNvGrpSpPr/>
+        <p:nvPr/>
+      </p:nvGrpSpPr>
+      <p:grpSpPr>
+        <a:xfrm>
+          <a:off x="0" y="0"/>
+          <a:ext cx="0" cy="0"/>
+          <a:chOff x="0" y="0"/>
+          <a:chExt cx="0" cy="0"/>
+        </a:xfrm>
+      </p:grpSpPr>
+      <p:sp>
+        <p:nvSpPr>
+          <p:cNvPr id="2" name="Title 1">
+            <a:extLst>
+              <a:ext uri="{FF2B5EF4-FFF2-40B4-BE49-F238E27FC236}">
                 <a16:creationId xmlns:a16="http://schemas.microsoft.com/office/drawing/2014/main" id="{D4EF6ECC-DD9D-4CF4-BAE6-37C931F8E8DC}"/>
               </a:ext>
             </a:extLst>
@@ -7120,390 +7653,6 @@
     <p:extLst>
       <p:ext uri="{BB962C8B-B14F-4D97-AF65-F5344CB8AC3E}">
         <p14:creationId xmlns:p14="http://schemas.microsoft.com/office/powerpoint/2010/main" val="3652558185"/>
-      </p:ext>
-    </p:extLst>
-  </p:cSld>
-  <p:clrMapOvr>
-    <a:masterClrMapping/>
-  </p:clrMapOvr>
-</p:sld>
-</file>
-
-<file path=ppt/slides/slide9.xml><?xml version="1.0" encoding="utf-8"?>
-<p:sld xmlns:a="http://schemas.openxmlformats.org/drawingml/2006/main" xmlns:r="http://schemas.openxmlformats.org/officeDocument/2006/relationships" xmlns:p="http://schemas.openxmlformats.org/presentationml/2006/main">
-  <p:cSld>
-    <p:spTree>
-      <p:nvGrpSpPr>
-        <p:cNvPr id="1" name=""/>
-        <p:cNvGrpSpPr/>
-        <p:nvPr/>
-      </p:nvGrpSpPr>
-      <p:grpSpPr>
-        <a:xfrm>
-          <a:off x="0" y="0"/>
-          <a:ext cx="0" cy="0"/>
-          <a:chOff x="0" y="0"/>
-          <a:chExt cx="0" cy="0"/>
-        </a:xfrm>
-      </p:grpSpPr>
-      <p:sp>
-        <p:nvSpPr>
-          <p:cNvPr id="2" name="Title 1">
-            <a:extLst>
-              <a:ext uri="{FF2B5EF4-FFF2-40B4-BE49-F238E27FC236}">
-                <a16:creationId xmlns:a16="http://schemas.microsoft.com/office/drawing/2014/main" id="{81C669BF-8099-4FAA-8220-FDC17EC77C19}"/>
-              </a:ext>
-            </a:extLst>
-          </p:cNvPr>
-          <p:cNvSpPr>
-            <a:spLocks noGrp="1"/>
-          </p:cNvSpPr>
-          <p:nvPr>
-            <p:ph type="title"/>
-          </p:nvPr>
-        </p:nvSpPr>
-        <p:spPr/>
-        <p:txBody>
-          <a:bodyPr/>
-          <a:lstStyle/>
-          <a:p>
-            <a:r>
-              <a:rPr lang="en-US" dirty="0"/>
-              <a:t>Program in </a:t>
-            </a:r>
-            <a:r>
-              <a:rPr lang="en-US" dirty="0" err="1"/>
-              <a:t>scala</a:t>
-            </a:r>
-            <a:endParaRPr lang="en-US" dirty="0"/>
-          </a:p>
-        </p:txBody>
-      </p:sp>
-      <p:sp>
-        <p:nvSpPr>
-          <p:cNvPr id="3" name="Content Placeholder 2">
-            <a:extLst>
-              <a:ext uri="{FF2B5EF4-FFF2-40B4-BE49-F238E27FC236}">
-                <a16:creationId xmlns:a16="http://schemas.microsoft.com/office/drawing/2014/main" id="{5F13A9C0-B03F-43DD-BEE9-9577777F84FF}"/>
-              </a:ext>
-            </a:extLst>
-          </p:cNvPr>
-          <p:cNvSpPr>
-            <a:spLocks noGrp="1"/>
-          </p:cNvSpPr>
-          <p:nvPr>
-            <p:ph idx="1"/>
-          </p:nvPr>
-        </p:nvSpPr>
-        <p:spPr>
-          <a:xfrm>
-            <a:off x="1295402" y="2597982"/>
-            <a:ext cx="10515600" cy="2053917"/>
-          </a:xfrm>
-        </p:spPr>
-        <p:txBody>
-          <a:bodyPr>
-            <a:normAutofit lnSpcReduction="10000"/>
-          </a:bodyPr>
-          <a:lstStyle/>
-          <a:p>
-            <a:r>
-              <a:rPr lang="en-US" dirty="0"/>
-              <a:t>The implements of predict model</a:t>
-            </a:r>
-          </a:p>
-          <a:p>
-            <a:r>
-              <a:rPr lang="en-US" dirty="0"/>
-              <a:t>All the unit test</a:t>
-            </a:r>
-          </a:p>
-          <a:p>
-            <a:r>
-              <a:rPr lang="en-US" dirty="0"/>
-              <a:t>Extraction of data</a:t>
-            </a:r>
-          </a:p>
-          <a:p>
-            <a:r>
-              <a:rPr lang="en-US" dirty="0"/>
-              <a:t>Store the user information data</a:t>
-            </a:r>
-          </a:p>
-          <a:p>
-            <a:endParaRPr lang="en-US" dirty="0"/>
-          </a:p>
-        </p:txBody>
-      </p:sp>
-      <p:sp>
-        <p:nvSpPr>
-          <p:cNvPr id="4" name="Title 1">
-            <a:extLst>
-              <a:ext uri="{FF2B5EF4-FFF2-40B4-BE49-F238E27FC236}">
-                <a16:creationId xmlns:a16="http://schemas.microsoft.com/office/drawing/2014/main" id="{1BBD5097-76EF-4331-8B4F-7FC5173D24FF}"/>
-              </a:ext>
-            </a:extLst>
-          </p:cNvPr>
-          <p:cNvSpPr txBox="1">
-            <a:spLocks/>
-          </p:cNvSpPr>
-          <p:nvPr/>
-        </p:nvSpPr>
-        <p:spPr>
-          <a:xfrm>
-            <a:off x="944733" y="4550305"/>
-            <a:ext cx="10515600" cy="1325563"/>
-          </a:xfrm>
-          <a:prstGeom prst="rect">
-            <a:avLst/>
-          </a:prstGeom>
-        </p:spPr>
-        <p:txBody>
-          <a:bodyPr vert="horz" lIns="91440" tIns="45720" rIns="91440" bIns="45720" rtlCol="0" anchor="ctr">
-            <a:normAutofit/>
-          </a:bodyPr>
-          <a:lstStyle>
-            <a:lvl1pPr algn="l" defTabSz="914400" rtl="0" eaLnBrk="1" latinLnBrk="0" hangingPunct="1">
-              <a:lnSpc>
-                <a:spcPct val="90000"/>
-              </a:lnSpc>
-              <a:spcBef>
-                <a:spcPct val="0"/>
-              </a:spcBef>
-              <a:buNone/>
-              <a:defRPr sz="4400" kern="1200">
-                <a:solidFill>
-                  <a:schemeClr val="tx1"/>
-                </a:solidFill>
-                <a:latin typeface="+mj-lt"/>
-                <a:ea typeface="+mj-ea"/>
-                <a:cs typeface="+mj-cs"/>
-              </a:defRPr>
-            </a:lvl1pPr>
-          </a:lstStyle>
-          <a:p>
-            <a:pPr marL="0" lvl="0" indent="0" algn="l" rtl="0">
-              <a:spcBef>
-                <a:spcPts val="0"/>
-              </a:spcBef>
-              <a:spcAft>
-                <a:spcPts val="0"/>
-              </a:spcAft>
-              <a:buNone/>
-            </a:pPr>
-            <a:r>
-              <a:rPr lang="en-US" sz="2800" dirty="0"/>
-              <a:t>Repository</a:t>
-            </a:r>
-          </a:p>
-        </p:txBody>
-      </p:sp>
-      <p:sp>
-        <p:nvSpPr>
-          <p:cNvPr id="5" name="Content Placeholder 2">
-            <a:extLst>
-              <a:ext uri="{FF2B5EF4-FFF2-40B4-BE49-F238E27FC236}">
-                <a16:creationId xmlns:a16="http://schemas.microsoft.com/office/drawing/2014/main" id="{0FCBC51E-3F25-46EB-85AB-AABA0C43DBAD}"/>
-              </a:ext>
-            </a:extLst>
-          </p:cNvPr>
-          <p:cNvSpPr txBox="1">
-            <a:spLocks/>
-          </p:cNvSpPr>
-          <p:nvPr/>
-        </p:nvSpPr>
-        <p:spPr>
-          <a:xfrm>
-            <a:off x="944733" y="5589371"/>
-            <a:ext cx="10515600" cy="741287"/>
-          </a:xfrm>
-          <a:prstGeom prst="rect">
-            <a:avLst/>
-          </a:prstGeom>
-        </p:spPr>
-        <p:txBody>
-          <a:bodyPr vert="horz" lIns="91440" tIns="45720" rIns="91440" bIns="45720" rtlCol="0">
-            <a:normAutofit/>
-          </a:bodyPr>
-          <a:lstStyle>
-            <a:lvl1pPr marL="228600" indent="-228600" algn="l" defTabSz="914400" rtl="0" eaLnBrk="1" latinLnBrk="0" hangingPunct="1">
-              <a:lnSpc>
-                <a:spcPct val="90000"/>
-              </a:lnSpc>
-              <a:spcBef>
-                <a:spcPts val="1000"/>
-              </a:spcBef>
-              <a:buFont typeface="Arial" panose="020B0604020202020204" pitchFamily="34" charset="0"/>
-              <a:buChar char="•"/>
-              <a:defRPr sz="2800" kern="1200">
-                <a:solidFill>
-                  <a:schemeClr val="tx1"/>
-                </a:solidFill>
-                <a:latin typeface="+mn-lt"/>
-                <a:ea typeface="+mn-ea"/>
-                <a:cs typeface="+mn-cs"/>
-              </a:defRPr>
-            </a:lvl1pPr>
-            <a:lvl2pPr marL="685800" indent="-228600" algn="l" defTabSz="914400" rtl="0" eaLnBrk="1" latinLnBrk="0" hangingPunct="1">
-              <a:lnSpc>
-                <a:spcPct val="90000"/>
-              </a:lnSpc>
-              <a:spcBef>
-                <a:spcPts val="500"/>
-              </a:spcBef>
-              <a:buFont typeface="Arial" panose="020B0604020202020204" pitchFamily="34" charset="0"/>
-              <a:buChar char="•"/>
-              <a:defRPr sz="2400" kern="1200">
-                <a:solidFill>
-                  <a:schemeClr val="tx1"/>
-                </a:solidFill>
-                <a:latin typeface="+mn-lt"/>
-                <a:ea typeface="+mn-ea"/>
-                <a:cs typeface="+mn-cs"/>
-              </a:defRPr>
-            </a:lvl2pPr>
-            <a:lvl3pPr marL="1143000" indent="-228600" algn="l" defTabSz="914400" rtl="0" eaLnBrk="1" latinLnBrk="0" hangingPunct="1">
-              <a:lnSpc>
-                <a:spcPct val="90000"/>
-              </a:lnSpc>
-              <a:spcBef>
-                <a:spcPts val="500"/>
-              </a:spcBef>
-              <a:buFont typeface="Arial" panose="020B0604020202020204" pitchFamily="34" charset="0"/>
-              <a:buChar char="•"/>
-              <a:defRPr sz="2000" kern="1200">
-                <a:solidFill>
-                  <a:schemeClr val="tx1"/>
-                </a:solidFill>
-                <a:latin typeface="+mn-lt"/>
-                <a:ea typeface="+mn-ea"/>
-                <a:cs typeface="+mn-cs"/>
-              </a:defRPr>
-            </a:lvl3pPr>
-            <a:lvl4pPr marL="1600200" indent="-228600" algn="l" defTabSz="914400" rtl="0" eaLnBrk="1" latinLnBrk="0" hangingPunct="1">
-              <a:lnSpc>
-                <a:spcPct val="90000"/>
-              </a:lnSpc>
-              <a:spcBef>
-                <a:spcPts val="500"/>
-              </a:spcBef>
-              <a:buFont typeface="Arial" panose="020B0604020202020204" pitchFamily="34" charset="0"/>
-              <a:buChar char="•"/>
-              <a:defRPr sz="1800" kern="1200">
-                <a:solidFill>
-                  <a:schemeClr val="tx1"/>
-                </a:solidFill>
-                <a:latin typeface="+mn-lt"/>
-                <a:ea typeface="+mn-ea"/>
-                <a:cs typeface="+mn-cs"/>
-              </a:defRPr>
-            </a:lvl4pPr>
-            <a:lvl5pPr marL="2057400" indent="-228600" algn="l" defTabSz="914400" rtl="0" eaLnBrk="1" latinLnBrk="0" hangingPunct="1">
-              <a:lnSpc>
-                <a:spcPct val="90000"/>
-              </a:lnSpc>
-              <a:spcBef>
-                <a:spcPts val="500"/>
-              </a:spcBef>
-              <a:buFont typeface="Arial" panose="020B0604020202020204" pitchFamily="34" charset="0"/>
-              <a:buChar char="•"/>
-              <a:defRPr sz="1800" kern="1200">
-                <a:solidFill>
-                  <a:schemeClr val="tx1"/>
-                </a:solidFill>
-                <a:latin typeface="+mn-lt"/>
-                <a:ea typeface="+mn-ea"/>
-                <a:cs typeface="+mn-cs"/>
-              </a:defRPr>
-            </a:lvl5pPr>
-            <a:lvl6pPr marL="2514600" indent="-228600" algn="l" defTabSz="914400" rtl="0" eaLnBrk="1" latinLnBrk="0" hangingPunct="1">
-              <a:lnSpc>
-                <a:spcPct val="90000"/>
-              </a:lnSpc>
-              <a:spcBef>
-                <a:spcPts val="500"/>
-              </a:spcBef>
-              <a:buFont typeface="Arial" panose="020B0604020202020204" pitchFamily="34" charset="0"/>
-              <a:buChar char="•"/>
-              <a:defRPr sz="1800" kern="1200">
-                <a:solidFill>
-                  <a:schemeClr val="tx1"/>
-                </a:solidFill>
-                <a:latin typeface="+mn-lt"/>
-                <a:ea typeface="+mn-ea"/>
-                <a:cs typeface="+mn-cs"/>
-              </a:defRPr>
-            </a:lvl6pPr>
-            <a:lvl7pPr marL="2971800" indent="-228600" algn="l" defTabSz="914400" rtl="0" eaLnBrk="1" latinLnBrk="0" hangingPunct="1">
-              <a:lnSpc>
-                <a:spcPct val="90000"/>
-              </a:lnSpc>
-              <a:spcBef>
-                <a:spcPts val="500"/>
-              </a:spcBef>
-              <a:buFont typeface="Arial" panose="020B0604020202020204" pitchFamily="34" charset="0"/>
-              <a:buChar char="•"/>
-              <a:defRPr sz="1800" kern="1200">
-                <a:solidFill>
-                  <a:schemeClr val="tx1"/>
-                </a:solidFill>
-                <a:latin typeface="+mn-lt"/>
-                <a:ea typeface="+mn-ea"/>
-                <a:cs typeface="+mn-cs"/>
-              </a:defRPr>
-            </a:lvl7pPr>
-            <a:lvl8pPr marL="3429000" indent="-228600" algn="l" defTabSz="914400" rtl="0" eaLnBrk="1" latinLnBrk="0" hangingPunct="1">
-              <a:lnSpc>
-                <a:spcPct val="90000"/>
-              </a:lnSpc>
-              <a:spcBef>
-                <a:spcPts val="500"/>
-              </a:spcBef>
-              <a:buFont typeface="Arial" panose="020B0604020202020204" pitchFamily="34" charset="0"/>
-              <a:buChar char="•"/>
-              <a:defRPr sz="1800" kern="1200">
-                <a:solidFill>
-                  <a:schemeClr val="tx1"/>
-                </a:solidFill>
-                <a:latin typeface="+mn-lt"/>
-                <a:ea typeface="+mn-ea"/>
-                <a:cs typeface="+mn-cs"/>
-              </a:defRPr>
-            </a:lvl8pPr>
-            <a:lvl9pPr marL="3886200" indent="-228600" algn="l" defTabSz="914400" rtl="0" eaLnBrk="1" latinLnBrk="0" hangingPunct="1">
-              <a:lnSpc>
-                <a:spcPct val="90000"/>
-              </a:lnSpc>
-              <a:spcBef>
-                <a:spcPts val="500"/>
-              </a:spcBef>
-              <a:buFont typeface="Arial" panose="020B0604020202020204" pitchFamily="34" charset="0"/>
-              <a:buChar char="•"/>
-              <a:defRPr sz="1800" kern="1200">
-                <a:solidFill>
-                  <a:schemeClr val="tx1"/>
-                </a:solidFill>
-                <a:latin typeface="+mn-lt"/>
-                <a:ea typeface="+mn-ea"/>
-                <a:cs typeface="+mn-cs"/>
-              </a:defRPr>
-            </a:lvl9pPr>
-          </a:lstStyle>
-          <a:p>
-            <a:r>
-              <a:rPr lang="en-US" dirty="0">
-                <a:hlinkClick r:id="rId2"/>
-              </a:rPr>
-              <a:t>https://github.com/MAQI-SHI/CSYE-7200-Final-Project-Team-6</a:t>
-            </a:r>
-            <a:endParaRPr lang="en-US" dirty="0"/>
-          </a:p>
-        </p:txBody>
-      </p:sp>
-    </p:spTree>
-    <p:extLst>
-      <p:ext uri="{BB962C8B-B14F-4D97-AF65-F5344CB8AC3E}">
-        <p14:creationId xmlns:p14="http://schemas.microsoft.com/office/powerpoint/2010/main" val="3693813384"/>
       </p:ext>
     </p:extLst>
   </p:cSld>

--- a/finalPresentation.pptx
+++ b/finalPresentation.pptx
@@ -12,10 +12,12 @@
     <p:sldId id="258" r:id="rId6"/>
     <p:sldId id="260" r:id="rId7"/>
     <p:sldId id="266" r:id="rId8"/>
-    <p:sldId id="263" r:id="rId9"/>
-    <p:sldId id="261" r:id="rId10"/>
-    <p:sldId id="262" r:id="rId11"/>
-    <p:sldId id="264" r:id="rId12"/>
+    <p:sldId id="267" r:id="rId9"/>
+    <p:sldId id="268" r:id="rId10"/>
+    <p:sldId id="263" r:id="rId11"/>
+    <p:sldId id="261" r:id="rId12"/>
+    <p:sldId id="262" r:id="rId13"/>
+    <p:sldId id="264" r:id="rId14"/>
   </p:sldIdLst>
   <p:sldSz cx="12192000" cy="6858000"/>
   <p:notesSz cx="6858000" cy="9144000"/>
@@ -453,7 +455,7 @@
           <a:p>
             <a:fld id="{12939CF1-E958-4374-A660-E9B0C47FA2E4}" type="datetimeFigureOut">
               <a:rPr lang="en-US" smtClean="0"/>
-              <a:t>4/21/2021</a:t>
+              <a:t>4/21/21</a:t>
             </a:fld>
             <a:endParaRPr lang="en-US"/>
           </a:p>
@@ -777,7 +779,7 @@
           <a:p>
             <a:fld id="{12939CF1-E958-4374-A660-E9B0C47FA2E4}" type="datetimeFigureOut">
               <a:rPr lang="en-US" smtClean="0"/>
-              <a:t>4/21/2021</a:t>
+              <a:t>4/21/21</a:t>
             </a:fld>
             <a:endParaRPr lang="en-US"/>
           </a:p>
@@ -1025,7 +1027,7 @@
           <a:p>
             <a:fld id="{12939CF1-E958-4374-A660-E9B0C47FA2E4}" type="datetimeFigureOut">
               <a:rPr lang="en-US" smtClean="0"/>
-              <a:t>4/21/2021</a:t>
+              <a:t>4/21/21</a:t>
             </a:fld>
             <a:endParaRPr lang="en-US"/>
           </a:p>
@@ -1364,7 +1366,7 @@
           <a:p>
             <a:fld id="{12939CF1-E958-4374-A660-E9B0C47FA2E4}" type="datetimeFigureOut">
               <a:rPr lang="en-US" smtClean="0"/>
-              <a:t>4/21/2021</a:t>
+              <a:t>4/21/21</a:t>
             </a:fld>
             <a:endParaRPr lang="en-US"/>
           </a:p>
@@ -1711,7 +1713,7 @@
           <a:p>
             <a:fld id="{12939CF1-E958-4374-A660-E9B0C47FA2E4}" type="datetimeFigureOut">
               <a:rPr lang="en-US" smtClean="0"/>
-              <a:t>4/21/2021</a:t>
+              <a:t>4/21/21</a:t>
             </a:fld>
             <a:endParaRPr lang="en-US"/>
           </a:p>
@@ -2085,7 +2087,7 @@
           <a:p>
             <a:fld id="{12939CF1-E958-4374-A660-E9B0C47FA2E4}" type="datetimeFigureOut">
               <a:rPr lang="en-US" smtClean="0"/>
-              <a:t>4/21/2021</a:t>
+              <a:t>4/21/21</a:t>
             </a:fld>
             <a:endParaRPr lang="en-US"/>
           </a:p>
@@ -2555,7 +2557,7 @@
           <a:p>
             <a:fld id="{12939CF1-E958-4374-A660-E9B0C47FA2E4}" type="datetimeFigureOut">
               <a:rPr lang="en-US" smtClean="0"/>
-              <a:t>4/21/2021</a:t>
+              <a:t>4/21/21</a:t>
             </a:fld>
             <a:endParaRPr lang="en-US"/>
           </a:p>
@@ -2760,7 +2762,7 @@
           <a:p>
             <a:fld id="{12939CF1-E958-4374-A660-E9B0C47FA2E4}" type="datetimeFigureOut">
               <a:rPr lang="en-US" smtClean="0"/>
-              <a:t>4/21/2021</a:t>
+              <a:t>4/21/21</a:t>
             </a:fld>
             <a:endParaRPr lang="en-US"/>
           </a:p>
@@ -2971,7 +2973,7 @@
           <a:p>
             <a:fld id="{12939CF1-E958-4374-A660-E9B0C47FA2E4}" type="datetimeFigureOut">
               <a:rPr lang="en-US" smtClean="0"/>
-              <a:t>4/21/2021</a:t>
+              <a:t>4/21/21</a:t>
             </a:fld>
             <a:endParaRPr lang="en-US"/>
           </a:p>
@@ -3203,7 +3205,7 @@
           <a:p>
             <a:fld id="{12939CF1-E958-4374-A660-E9B0C47FA2E4}" type="datetimeFigureOut">
               <a:rPr lang="en-US" smtClean="0"/>
-              <a:t>4/21/2021</a:t>
+              <a:t>4/21/21</a:t>
             </a:fld>
             <a:endParaRPr lang="en-US"/>
           </a:p>
@@ -3451,7 +3453,7 @@
           <a:p>
             <a:fld id="{12939CF1-E958-4374-A660-E9B0C47FA2E4}" type="datetimeFigureOut">
               <a:rPr lang="en-US" smtClean="0"/>
-              <a:t>4/21/2021</a:t>
+              <a:t>4/21/21</a:t>
             </a:fld>
             <a:endParaRPr lang="en-US"/>
           </a:p>
@@ -3749,7 +3751,7 @@
           <a:p>
             <a:fld id="{12939CF1-E958-4374-A660-E9B0C47FA2E4}" type="datetimeFigureOut">
               <a:rPr lang="en-US" smtClean="0"/>
-              <a:t>4/21/2021</a:t>
+              <a:t>4/21/21</a:t>
             </a:fld>
             <a:endParaRPr lang="en-US"/>
           </a:p>
@@ -4143,7 +4145,7 @@
           <a:p>
             <a:fld id="{12939CF1-E958-4374-A660-E9B0C47FA2E4}" type="datetimeFigureOut">
               <a:rPr lang="en-US" smtClean="0"/>
-              <a:t>4/21/2021</a:t>
+              <a:t>4/21/21</a:t>
             </a:fld>
             <a:endParaRPr lang="en-US"/>
           </a:p>
@@ -4292,7 +4294,7 @@
           <a:p>
             <a:fld id="{12939CF1-E958-4374-A660-E9B0C47FA2E4}" type="datetimeFigureOut">
               <a:rPr lang="en-US" smtClean="0"/>
-              <a:t>4/21/2021</a:t>
+              <a:t>4/21/21</a:t>
             </a:fld>
             <a:endParaRPr lang="en-US"/>
           </a:p>
@@ -4418,7 +4420,7 @@
           <a:p>
             <a:fld id="{12939CF1-E958-4374-A660-E9B0C47FA2E4}" type="datetimeFigureOut">
               <a:rPr lang="en-US" smtClean="0"/>
-              <a:t>4/21/2021</a:t>
+              <a:t>4/21/21</a:t>
             </a:fld>
             <a:endParaRPr lang="en-US"/>
           </a:p>
@@ -4673,7 +4675,7 @@
           <a:p>
             <a:fld id="{12939CF1-E958-4374-A660-E9B0C47FA2E4}" type="datetimeFigureOut">
               <a:rPr lang="en-US" smtClean="0"/>
-              <a:t>4/21/2021</a:t>
+              <a:t>4/21/21</a:t>
             </a:fld>
             <a:endParaRPr lang="en-US"/>
           </a:p>
@@ -4988,7 +4990,7 @@
           <a:p>
             <a:fld id="{12939CF1-E958-4374-A660-E9B0C47FA2E4}" type="datetimeFigureOut">
               <a:rPr lang="en-US" smtClean="0"/>
-              <a:t>4/21/2021</a:t>
+              <a:t>4/21/21</a:t>
             </a:fld>
             <a:endParaRPr lang="en-US"/>
           </a:p>
@@ -5339,7 +5341,7 @@
           <a:p>
             <a:fld id="{12939CF1-E958-4374-A660-E9B0C47FA2E4}" type="datetimeFigureOut">
               <a:rPr lang="en-US" smtClean="0"/>
-              <a:t>4/21/2021</a:t>
+              <a:t>4/21/21</a:t>
             </a:fld>
             <a:endParaRPr lang="en-US"/>
           </a:p>
@@ -5991,6 +5993,526 @@
           <p:cNvPr id="2" name="Title 1">
             <a:extLst>
               <a:ext uri="{FF2B5EF4-FFF2-40B4-BE49-F238E27FC236}">
+                <a16:creationId xmlns:a16="http://schemas.microsoft.com/office/drawing/2014/main" id="{D4EF6ECC-DD9D-4CF4-BAE6-37C931F8E8DC}"/>
+              </a:ext>
+            </a:extLst>
+          </p:cNvPr>
+          <p:cNvSpPr>
+            <a:spLocks noGrp="1"/>
+          </p:cNvSpPr>
+          <p:nvPr>
+            <p:ph type="title"/>
+          </p:nvPr>
+        </p:nvSpPr>
+        <p:spPr/>
+        <p:txBody>
+          <a:bodyPr/>
+          <a:lstStyle/>
+          <a:p>
+            <a:r>
+              <a:rPr lang="en" dirty="0"/>
+              <a:t>Acceptance criteria</a:t>
+            </a:r>
+            <a:endParaRPr lang="en-US" dirty="0"/>
+          </a:p>
+        </p:txBody>
+      </p:sp>
+      <p:sp>
+        <p:nvSpPr>
+          <p:cNvPr id="3" name="Content Placeholder 2">
+            <a:extLst>
+              <a:ext uri="{FF2B5EF4-FFF2-40B4-BE49-F238E27FC236}">
+                <a16:creationId xmlns:a16="http://schemas.microsoft.com/office/drawing/2014/main" id="{FAEEFD48-86F9-4D2A-A422-1A91F4248C5E}"/>
+              </a:ext>
+            </a:extLst>
+          </p:cNvPr>
+          <p:cNvSpPr>
+            <a:spLocks noGrp="1"/>
+          </p:cNvSpPr>
+          <p:nvPr>
+            <p:ph idx="1"/>
+          </p:nvPr>
+        </p:nvSpPr>
+        <p:spPr/>
+        <p:txBody>
+          <a:bodyPr/>
+          <a:lstStyle/>
+          <a:p>
+            <a:r>
+              <a:rPr lang="en-US" dirty="0"/>
+              <a:t>Verify analysis results with test set(from dataset)</a:t>
+            </a:r>
+          </a:p>
+          <a:p>
+            <a:pPr marL="0" indent="0">
+              <a:buNone/>
+            </a:pPr>
+            <a:r>
+              <a:rPr lang="en-US" dirty="0"/>
+              <a:t>	The accuracy should reach 70%</a:t>
+            </a:r>
+          </a:p>
+          <a:p>
+            <a:r>
+              <a:rPr lang="en-US"/>
+              <a:t>Response </a:t>
+            </a:r>
+            <a:r>
+              <a:rPr lang="en-US" dirty="0"/>
+              <a:t>time &lt; 2 Seconds</a:t>
+            </a:r>
+          </a:p>
+        </p:txBody>
+      </p:sp>
+      <p:pic>
+        <p:nvPicPr>
+          <p:cNvPr id="9" name="Picture 8">
+            <a:extLst>
+              <a:ext uri="{FF2B5EF4-FFF2-40B4-BE49-F238E27FC236}">
+                <a16:creationId xmlns:a16="http://schemas.microsoft.com/office/drawing/2014/main" id="{204100CC-356D-4353-AC13-68452A739365}"/>
+              </a:ext>
+            </a:extLst>
+          </p:cNvPr>
+          <p:cNvPicPr>
+            <a:picLocks noChangeAspect="1"/>
+          </p:cNvPicPr>
+          <p:nvPr/>
+        </p:nvPicPr>
+        <p:blipFill>
+          <a:blip r:embed="rId2"/>
+          <a:stretch>
+            <a:fillRect/>
+          </a:stretch>
+        </p:blipFill>
+        <p:spPr>
+          <a:xfrm>
+            <a:off x="1709058" y="4043277"/>
+            <a:ext cx="3200816" cy="591620"/>
+          </a:xfrm>
+          <a:prstGeom prst="rect">
+            <a:avLst/>
+          </a:prstGeom>
+        </p:spPr>
+      </p:pic>
+    </p:spTree>
+    <p:extLst>
+      <p:ext uri="{BB962C8B-B14F-4D97-AF65-F5344CB8AC3E}">
+        <p14:creationId xmlns:p14="http://schemas.microsoft.com/office/powerpoint/2010/main" val="3652558185"/>
+      </p:ext>
+    </p:extLst>
+  </p:cSld>
+  <p:clrMapOvr>
+    <a:masterClrMapping/>
+  </p:clrMapOvr>
+</p:sld>
+</file>
+
+<file path=ppt/slides/slide11.xml><?xml version="1.0" encoding="utf-8"?>
+<p:sld xmlns:a="http://schemas.openxmlformats.org/drawingml/2006/main" xmlns:r="http://schemas.openxmlformats.org/officeDocument/2006/relationships" xmlns:p="http://schemas.openxmlformats.org/presentationml/2006/main">
+  <p:cSld>
+    <p:spTree>
+      <p:nvGrpSpPr>
+        <p:cNvPr id="1" name=""/>
+        <p:cNvGrpSpPr/>
+        <p:nvPr/>
+      </p:nvGrpSpPr>
+      <p:grpSpPr>
+        <a:xfrm>
+          <a:off x="0" y="0"/>
+          <a:ext cx="0" cy="0"/>
+          <a:chOff x="0" y="0"/>
+          <a:chExt cx="0" cy="0"/>
+        </a:xfrm>
+      </p:grpSpPr>
+      <p:sp>
+        <p:nvSpPr>
+          <p:cNvPr id="2" name="Title 1">
+            <a:extLst>
+              <a:ext uri="{FF2B5EF4-FFF2-40B4-BE49-F238E27FC236}">
+                <a16:creationId xmlns:a16="http://schemas.microsoft.com/office/drawing/2014/main" id="{81C669BF-8099-4FAA-8220-FDC17EC77C19}"/>
+              </a:ext>
+            </a:extLst>
+          </p:cNvPr>
+          <p:cNvSpPr>
+            <a:spLocks noGrp="1"/>
+          </p:cNvSpPr>
+          <p:nvPr>
+            <p:ph type="title"/>
+          </p:nvPr>
+        </p:nvSpPr>
+        <p:spPr/>
+        <p:txBody>
+          <a:bodyPr/>
+          <a:lstStyle/>
+          <a:p>
+            <a:r>
+              <a:rPr lang="en-US" dirty="0"/>
+              <a:t>Program in </a:t>
+            </a:r>
+            <a:r>
+              <a:rPr lang="en-US" dirty="0" err="1"/>
+              <a:t>scala</a:t>
+            </a:r>
+            <a:endParaRPr lang="en-US" dirty="0"/>
+          </a:p>
+        </p:txBody>
+      </p:sp>
+      <p:sp>
+        <p:nvSpPr>
+          <p:cNvPr id="3" name="Content Placeholder 2">
+            <a:extLst>
+              <a:ext uri="{FF2B5EF4-FFF2-40B4-BE49-F238E27FC236}">
+                <a16:creationId xmlns:a16="http://schemas.microsoft.com/office/drawing/2014/main" id="{5F13A9C0-B03F-43DD-BEE9-9577777F84FF}"/>
+              </a:ext>
+            </a:extLst>
+          </p:cNvPr>
+          <p:cNvSpPr>
+            <a:spLocks noGrp="1"/>
+          </p:cNvSpPr>
+          <p:nvPr>
+            <p:ph idx="1"/>
+          </p:nvPr>
+        </p:nvSpPr>
+        <p:spPr>
+          <a:xfrm>
+            <a:off x="1295402" y="2597982"/>
+            <a:ext cx="10515600" cy="2053917"/>
+          </a:xfrm>
+        </p:spPr>
+        <p:txBody>
+          <a:bodyPr>
+            <a:normAutofit lnSpcReduction="10000"/>
+          </a:bodyPr>
+          <a:lstStyle/>
+          <a:p>
+            <a:r>
+              <a:rPr lang="en-US" dirty="0"/>
+              <a:t>The implements of predict model</a:t>
+            </a:r>
+          </a:p>
+          <a:p>
+            <a:r>
+              <a:rPr lang="en-US" dirty="0"/>
+              <a:t>All the unit test</a:t>
+            </a:r>
+          </a:p>
+          <a:p>
+            <a:r>
+              <a:rPr lang="en-US" dirty="0"/>
+              <a:t>Extraction of data</a:t>
+            </a:r>
+          </a:p>
+          <a:p>
+            <a:r>
+              <a:rPr lang="en-US" dirty="0"/>
+              <a:t>Store the user information data</a:t>
+            </a:r>
+          </a:p>
+          <a:p>
+            <a:endParaRPr lang="en-US" dirty="0"/>
+          </a:p>
+        </p:txBody>
+      </p:sp>
+      <p:sp>
+        <p:nvSpPr>
+          <p:cNvPr id="4" name="Title 1">
+            <a:extLst>
+              <a:ext uri="{FF2B5EF4-FFF2-40B4-BE49-F238E27FC236}">
+                <a16:creationId xmlns:a16="http://schemas.microsoft.com/office/drawing/2014/main" id="{1BBD5097-76EF-4331-8B4F-7FC5173D24FF}"/>
+              </a:ext>
+            </a:extLst>
+          </p:cNvPr>
+          <p:cNvSpPr txBox="1">
+            <a:spLocks/>
+          </p:cNvSpPr>
+          <p:nvPr/>
+        </p:nvSpPr>
+        <p:spPr>
+          <a:xfrm>
+            <a:off x="944733" y="4550305"/>
+            <a:ext cx="10515600" cy="1325563"/>
+          </a:xfrm>
+          <a:prstGeom prst="rect">
+            <a:avLst/>
+          </a:prstGeom>
+        </p:spPr>
+        <p:txBody>
+          <a:bodyPr vert="horz" lIns="91440" tIns="45720" rIns="91440" bIns="45720" rtlCol="0" anchor="ctr">
+            <a:normAutofit/>
+          </a:bodyPr>
+          <a:lstStyle>
+            <a:lvl1pPr algn="l" defTabSz="914400" rtl="0" eaLnBrk="1" latinLnBrk="0" hangingPunct="1">
+              <a:lnSpc>
+                <a:spcPct val="90000"/>
+              </a:lnSpc>
+              <a:spcBef>
+                <a:spcPct val="0"/>
+              </a:spcBef>
+              <a:buNone/>
+              <a:defRPr sz="4400" kern="1200">
+                <a:solidFill>
+                  <a:schemeClr val="tx1"/>
+                </a:solidFill>
+                <a:latin typeface="+mj-lt"/>
+                <a:ea typeface="+mj-ea"/>
+                <a:cs typeface="+mj-cs"/>
+              </a:defRPr>
+            </a:lvl1pPr>
+          </a:lstStyle>
+          <a:p>
+            <a:pPr marL="0" lvl="0" indent="0" algn="l" rtl="0">
+              <a:spcBef>
+                <a:spcPts val="0"/>
+              </a:spcBef>
+              <a:spcAft>
+                <a:spcPts val="0"/>
+              </a:spcAft>
+              <a:buNone/>
+            </a:pPr>
+            <a:r>
+              <a:rPr lang="en-US" sz="2800" dirty="0"/>
+              <a:t>Repository</a:t>
+            </a:r>
+          </a:p>
+        </p:txBody>
+      </p:sp>
+      <p:sp>
+        <p:nvSpPr>
+          <p:cNvPr id="5" name="Content Placeholder 2">
+            <a:extLst>
+              <a:ext uri="{FF2B5EF4-FFF2-40B4-BE49-F238E27FC236}">
+                <a16:creationId xmlns:a16="http://schemas.microsoft.com/office/drawing/2014/main" id="{0FCBC51E-3F25-46EB-85AB-AABA0C43DBAD}"/>
+              </a:ext>
+            </a:extLst>
+          </p:cNvPr>
+          <p:cNvSpPr txBox="1">
+            <a:spLocks/>
+          </p:cNvSpPr>
+          <p:nvPr/>
+        </p:nvSpPr>
+        <p:spPr>
+          <a:xfrm>
+            <a:off x="944733" y="5589371"/>
+            <a:ext cx="10515600" cy="741287"/>
+          </a:xfrm>
+          <a:prstGeom prst="rect">
+            <a:avLst/>
+          </a:prstGeom>
+        </p:spPr>
+        <p:txBody>
+          <a:bodyPr vert="horz" lIns="91440" tIns="45720" rIns="91440" bIns="45720" rtlCol="0">
+            <a:normAutofit/>
+          </a:bodyPr>
+          <a:lstStyle>
+            <a:lvl1pPr marL="228600" indent="-228600" algn="l" defTabSz="914400" rtl="0" eaLnBrk="1" latinLnBrk="0" hangingPunct="1">
+              <a:lnSpc>
+                <a:spcPct val="90000"/>
+              </a:lnSpc>
+              <a:spcBef>
+                <a:spcPts val="1000"/>
+              </a:spcBef>
+              <a:buFont typeface="Arial" panose="020B0604020202020204" pitchFamily="34" charset="0"/>
+              <a:buChar char="•"/>
+              <a:defRPr sz="2800" kern="1200">
+                <a:solidFill>
+                  <a:schemeClr val="tx1"/>
+                </a:solidFill>
+                <a:latin typeface="+mn-lt"/>
+                <a:ea typeface="+mn-ea"/>
+                <a:cs typeface="+mn-cs"/>
+              </a:defRPr>
+            </a:lvl1pPr>
+            <a:lvl2pPr marL="685800" indent="-228600" algn="l" defTabSz="914400" rtl="0" eaLnBrk="1" latinLnBrk="0" hangingPunct="1">
+              <a:lnSpc>
+                <a:spcPct val="90000"/>
+              </a:lnSpc>
+              <a:spcBef>
+                <a:spcPts val="500"/>
+              </a:spcBef>
+              <a:buFont typeface="Arial" panose="020B0604020202020204" pitchFamily="34" charset="0"/>
+              <a:buChar char="•"/>
+              <a:defRPr sz="2400" kern="1200">
+                <a:solidFill>
+                  <a:schemeClr val="tx1"/>
+                </a:solidFill>
+                <a:latin typeface="+mn-lt"/>
+                <a:ea typeface="+mn-ea"/>
+                <a:cs typeface="+mn-cs"/>
+              </a:defRPr>
+            </a:lvl2pPr>
+            <a:lvl3pPr marL="1143000" indent="-228600" algn="l" defTabSz="914400" rtl="0" eaLnBrk="1" latinLnBrk="0" hangingPunct="1">
+              <a:lnSpc>
+                <a:spcPct val="90000"/>
+              </a:lnSpc>
+              <a:spcBef>
+                <a:spcPts val="500"/>
+              </a:spcBef>
+              <a:buFont typeface="Arial" panose="020B0604020202020204" pitchFamily="34" charset="0"/>
+              <a:buChar char="•"/>
+              <a:defRPr sz="2000" kern="1200">
+                <a:solidFill>
+                  <a:schemeClr val="tx1"/>
+                </a:solidFill>
+                <a:latin typeface="+mn-lt"/>
+                <a:ea typeface="+mn-ea"/>
+                <a:cs typeface="+mn-cs"/>
+              </a:defRPr>
+            </a:lvl3pPr>
+            <a:lvl4pPr marL="1600200" indent="-228600" algn="l" defTabSz="914400" rtl="0" eaLnBrk="1" latinLnBrk="0" hangingPunct="1">
+              <a:lnSpc>
+                <a:spcPct val="90000"/>
+              </a:lnSpc>
+              <a:spcBef>
+                <a:spcPts val="500"/>
+              </a:spcBef>
+              <a:buFont typeface="Arial" panose="020B0604020202020204" pitchFamily="34" charset="0"/>
+              <a:buChar char="•"/>
+              <a:defRPr sz="1800" kern="1200">
+                <a:solidFill>
+                  <a:schemeClr val="tx1"/>
+                </a:solidFill>
+                <a:latin typeface="+mn-lt"/>
+                <a:ea typeface="+mn-ea"/>
+                <a:cs typeface="+mn-cs"/>
+              </a:defRPr>
+            </a:lvl4pPr>
+            <a:lvl5pPr marL="2057400" indent="-228600" algn="l" defTabSz="914400" rtl="0" eaLnBrk="1" latinLnBrk="0" hangingPunct="1">
+              <a:lnSpc>
+                <a:spcPct val="90000"/>
+              </a:lnSpc>
+              <a:spcBef>
+                <a:spcPts val="500"/>
+              </a:spcBef>
+              <a:buFont typeface="Arial" panose="020B0604020202020204" pitchFamily="34" charset="0"/>
+              <a:buChar char="•"/>
+              <a:defRPr sz="1800" kern="1200">
+                <a:solidFill>
+                  <a:schemeClr val="tx1"/>
+                </a:solidFill>
+                <a:latin typeface="+mn-lt"/>
+                <a:ea typeface="+mn-ea"/>
+                <a:cs typeface="+mn-cs"/>
+              </a:defRPr>
+            </a:lvl5pPr>
+            <a:lvl6pPr marL="2514600" indent="-228600" algn="l" defTabSz="914400" rtl="0" eaLnBrk="1" latinLnBrk="0" hangingPunct="1">
+              <a:lnSpc>
+                <a:spcPct val="90000"/>
+              </a:lnSpc>
+              <a:spcBef>
+                <a:spcPts val="500"/>
+              </a:spcBef>
+              <a:buFont typeface="Arial" panose="020B0604020202020204" pitchFamily="34" charset="0"/>
+              <a:buChar char="•"/>
+              <a:defRPr sz="1800" kern="1200">
+                <a:solidFill>
+                  <a:schemeClr val="tx1"/>
+                </a:solidFill>
+                <a:latin typeface="+mn-lt"/>
+                <a:ea typeface="+mn-ea"/>
+                <a:cs typeface="+mn-cs"/>
+              </a:defRPr>
+            </a:lvl6pPr>
+            <a:lvl7pPr marL="2971800" indent="-228600" algn="l" defTabSz="914400" rtl="0" eaLnBrk="1" latinLnBrk="0" hangingPunct="1">
+              <a:lnSpc>
+                <a:spcPct val="90000"/>
+              </a:lnSpc>
+              <a:spcBef>
+                <a:spcPts val="500"/>
+              </a:spcBef>
+              <a:buFont typeface="Arial" panose="020B0604020202020204" pitchFamily="34" charset="0"/>
+              <a:buChar char="•"/>
+              <a:defRPr sz="1800" kern="1200">
+                <a:solidFill>
+                  <a:schemeClr val="tx1"/>
+                </a:solidFill>
+                <a:latin typeface="+mn-lt"/>
+                <a:ea typeface="+mn-ea"/>
+                <a:cs typeface="+mn-cs"/>
+              </a:defRPr>
+            </a:lvl7pPr>
+            <a:lvl8pPr marL="3429000" indent="-228600" algn="l" defTabSz="914400" rtl="0" eaLnBrk="1" latinLnBrk="0" hangingPunct="1">
+              <a:lnSpc>
+                <a:spcPct val="90000"/>
+              </a:lnSpc>
+              <a:spcBef>
+                <a:spcPts val="500"/>
+              </a:spcBef>
+              <a:buFont typeface="Arial" panose="020B0604020202020204" pitchFamily="34" charset="0"/>
+              <a:buChar char="•"/>
+              <a:defRPr sz="1800" kern="1200">
+                <a:solidFill>
+                  <a:schemeClr val="tx1"/>
+                </a:solidFill>
+                <a:latin typeface="+mn-lt"/>
+                <a:ea typeface="+mn-ea"/>
+                <a:cs typeface="+mn-cs"/>
+              </a:defRPr>
+            </a:lvl8pPr>
+            <a:lvl9pPr marL="3886200" indent="-228600" algn="l" defTabSz="914400" rtl="0" eaLnBrk="1" latinLnBrk="0" hangingPunct="1">
+              <a:lnSpc>
+                <a:spcPct val="90000"/>
+              </a:lnSpc>
+              <a:spcBef>
+                <a:spcPts val="500"/>
+              </a:spcBef>
+              <a:buFont typeface="Arial" panose="020B0604020202020204" pitchFamily="34" charset="0"/>
+              <a:buChar char="•"/>
+              <a:defRPr sz="1800" kern="1200">
+                <a:solidFill>
+                  <a:schemeClr val="tx1"/>
+                </a:solidFill>
+                <a:latin typeface="+mn-lt"/>
+                <a:ea typeface="+mn-ea"/>
+                <a:cs typeface="+mn-cs"/>
+              </a:defRPr>
+            </a:lvl9pPr>
+          </a:lstStyle>
+          <a:p>
+            <a:r>
+              <a:rPr lang="en-US" dirty="0">
+                <a:hlinkClick r:id="rId2"/>
+              </a:rPr>
+              <a:t>https://github.com/MAQI-SHI/CSYE-7200-Final-Project-Team-6</a:t>
+            </a:r>
+            <a:endParaRPr lang="en-US" dirty="0"/>
+          </a:p>
+        </p:txBody>
+      </p:sp>
+    </p:spTree>
+    <p:extLst>
+      <p:ext uri="{BB962C8B-B14F-4D97-AF65-F5344CB8AC3E}">
+        <p14:creationId xmlns:p14="http://schemas.microsoft.com/office/powerpoint/2010/main" val="3693813384"/>
+      </p:ext>
+    </p:extLst>
+  </p:cSld>
+  <p:clrMapOvr>
+    <a:masterClrMapping/>
+  </p:clrMapOvr>
+</p:sld>
+</file>
+
+<file path=ppt/slides/slide12.xml><?xml version="1.0" encoding="utf-8"?>
+<p:sld xmlns:a="http://schemas.openxmlformats.org/drawingml/2006/main" xmlns:r="http://schemas.openxmlformats.org/officeDocument/2006/relationships" xmlns:p="http://schemas.openxmlformats.org/presentationml/2006/main">
+  <p:cSld>
+    <p:spTree>
+      <p:nvGrpSpPr>
+        <p:cNvPr id="1" name=""/>
+        <p:cNvGrpSpPr/>
+        <p:nvPr/>
+      </p:nvGrpSpPr>
+      <p:grpSpPr>
+        <a:xfrm>
+          <a:off x="0" y="0"/>
+          <a:ext cx="0" cy="0"/>
+          <a:chOff x="0" y="0"/>
+          <a:chExt cx="0" cy="0"/>
+        </a:xfrm>
+      </p:grpSpPr>
+      <p:sp>
+        <p:nvSpPr>
+          <p:cNvPr id="2" name="Title 1">
+            <a:extLst>
+              <a:ext uri="{FF2B5EF4-FFF2-40B4-BE49-F238E27FC236}">
                 <a16:creationId xmlns:a16="http://schemas.microsoft.com/office/drawing/2014/main" id="{3E75BD9C-A4DD-4C30-8800-862812A254D2}"/>
               </a:ext>
             </a:extLst>
@@ -6148,7 +6670,7 @@
 </p:sld>
 </file>
 
-<file path=ppt/slides/slide11.xml><?xml version="1.0" encoding="utf-8"?>
+<file path=ppt/slides/slide13.xml><?xml version="1.0" encoding="utf-8"?>
 <p:sld xmlns:a="http://schemas.openxmlformats.org/drawingml/2006/main" xmlns:r="http://schemas.openxmlformats.org/officeDocument/2006/relationships" xmlns:p="http://schemas.openxmlformats.org/presentationml/2006/main">
   <p:cSld>
     <p:spTree>
@@ -7015,7 +7537,7 @@
           <p:cNvPr id="2" name="Title 1">
             <a:extLst>
               <a:ext uri="{FF2B5EF4-FFF2-40B4-BE49-F238E27FC236}">
-                <a16:creationId xmlns:a16="http://schemas.microsoft.com/office/drawing/2014/main" id="{D4EF6ECC-DD9D-4CF4-BAE6-37C931F8E8DC}"/>
+                <a16:creationId xmlns:a16="http://schemas.microsoft.com/office/drawing/2014/main" id="{87CDC66F-AFF3-4AFA-8C98-FF6236F4CAB0}"/>
               </a:ext>
             </a:extLst>
           </p:cNvPr>
@@ -7032,8 +7554,12 @@
           <a:lstStyle/>
           <a:p>
             <a:r>
+              <a:rPr lang="en-US" altLang="zh-CN" dirty="0"/>
+              <a:t>Logistic Regression</a:t>
+            </a:r>
+            <a:r>
               <a:rPr lang="en" dirty="0"/>
-              <a:t>Acceptance criteria</a:t>
+              <a:t> Model</a:t>
             </a:r>
             <a:endParaRPr lang="en-US" dirty="0"/>
           </a:p>
@@ -7044,7 +7570,7 @@
           <p:cNvPr id="3" name="Content Placeholder 2">
             <a:extLst>
               <a:ext uri="{FF2B5EF4-FFF2-40B4-BE49-F238E27FC236}">
-                <a16:creationId xmlns:a16="http://schemas.microsoft.com/office/drawing/2014/main" id="{FAEEFD48-86F9-4D2A-A422-1A91F4248C5E}"/>
+                <a16:creationId xmlns:a16="http://schemas.microsoft.com/office/drawing/2014/main" id="{3D0B39FB-5C76-41CD-B9D6-00C7615086F3}"/>
               </a:ext>
             </a:extLst>
           </p:cNvPr>
@@ -7055,71 +7581,50 @@
             <p:ph idx="1"/>
           </p:nvPr>
         </p:nvSpPr>
-        <p:spPr/>
-        <p:txBody>
-          <a:bodyPr/>
-          <a:lstStyle/>
-          <a:p>
-            <a:r>
-              <a:rPr lang="en-US" dirty="0"/>
-              <a:t>Verify analysis results with test set(from dataset)</a:t>
-            </a:r>
-          </a:p>
-          <a:p>
-            <a:pPr marL="0" indent="0">
-              <a:buNone/>
-            </a:pPr>
-            <a:r>
-              <a:rPr lang="en-US" dirty="0"/>
-              <a:t>	The accuracy should reach 70%</a:t>
-            </a:r>
-          </a:p>
-          <a:p>
-            <a:r>
-              <a:rPr lang="en-US"/>
-              <a:t>Response </a:t>
-            </a:r>
-            <a:r>
-              <a:rPr lang="en-US" dirty="0"/>
-              <a:t>time &lt; 2 Seconds</a:t>
-            </a:r>
-          </a:p>
-        </p:txBody>
-      </p:sp>
-      <p:pic>
-        <p:nvPicPr>
-          <p:cNvPr id="9" name="Picture 8">
-            <a:extLst>
-              <a:ext uri="{FF2B5EF4-FFF2-40B4-BE49-F238E27FC236}">
-                <a16:creationId xmlns:a16="http://schemas.microsoft.com/office/drawing/2014/main" id="{204100CC-356D-4353-AC13-68452A739365}"/>
-              </a:ext>
-            </a:extLst>
-          </p:cNvPr>
-          <p:cNvPicPr>
-            <a:picLocks noChangeAspect="1"/>
-          </p:cNvPicPr>
-          <p:nvPr/>
-        </p:nvPicPr>
-        <p:blipFill>
-          <a:blip r:embed="rId2"/>
-          <a:stretch>
-            <a:fillRect/>
-          </a:stretch>
-        </p:blipFill>
         <p:spPr>
           <a:xfrm>
-            <a:off x="1295401" y="5284248"/>
-            <a:ext cx="3200816" cy="591620"/>
+            <a:off x="1206625" y="2464817"/>
+            <a:ext cx="9954711" cy="3545365"/>
           </a:xfrm>
-          <a:prstGeom prst="rect">
-            <a:avLst/>
-          </a:prstGeom>
         </p:spPr>
-      </p:pic>
+        <p:txBody>
+          <a:bodyPr/>
+          <a:lstStyle/>
+          <a:p>
+            <a:r>
+              <a:rPr lang="en-US" altLang="zh-CN" dirty="0"/>
+              <a:t>Logistic regression is a popular method to predict a categorical response. In </a:t>
+            </a:r>
+            <a:r>
+              <a:rPr lang="en-US" altLang="zh-CN" dirty="0" err="1"/>
+              <a:t>spark.ml</a:t>
+            </a:r>
+            <a:r>
+              <a:rPr lang="en-US" altLang="zh-CN" dirty="0"/>
+              <a:t> logistic regression can be used to predict a binary outcome by using binomial logistic regression, or it can be used to predict a multiclass outcome by using multinomial logistic regression. </a:t>
+            </a:r>
+          </a:p>
+          <a:p>
+            <a:r>
+              <a:rPr lang="en-US" dirty="0"/>
+              <a:t>But</a:t>
+            </a:r>
+            <a:r>
+              <a:rPr lang="zh-CN" altLang="en-US" dirty="0"/>
+              <a:t> </a:t>
+            </a:r>
+            <a:r>
+              <a:rPr lang="en-US" altLang="zh-CN" dirty="0"/>
+              <a:t>this model is not suitable for our project, the accuracy of predicting stroke is always be 0 under this model.</a:t>
+            </a:r>
+            <a:endParaRPr lang="en-US" dirty="0"/>
+          </a:p>
+        </p:txBody>
+      </p:sp>
     </p:spTree>
     <p:extLst>
       <p:ext uri="{BB962C8B-B14F-4D97-AF65-F5344CB8AC3E}">
-        <p14:creationId xmlns:p14="http://schemas.microsoft.com/office/powerpoint/2010/main" val="3652558185"/>
+        <p14:creationId xmlns:p14="http://schemas.microsoft.com/office/powerpoint/2010/main" val="3298698334"/>
       </p:ext>
     </p:extLst>
   </p:cSld>
@@ -7151,7 +7656,7 @@
           <p:cNvPr id="2" name="Title 1">
             <a:extLst>
               <a:ext uri="{FF2B5EF4-FFF2-40B4-BE49-F238E27FC236}">
-                <a16:creationId xmlns:a16="http://schemas.microsoft.com/office/drawing/2014/main" id="{81C669BF-8099-4FAA-8220-FDC17EC77C19}"/>
+                <a16:creationId xmlns:a16="http://schemas.microsoft.com/office/drawing/2014/main" id="{87CDC66F-AFF3-4AFA-8C98-FF6236F4CAB0}"/>
               </a:ext>
             </a:extLst>
           </p:cNvPr>
@@ -7168,12 +7673,12 @@
           <a:lstStyle/>
           <a:p>
             <a:r>
-              <a:rPr lang="en-US" dirty="0"/>
-              <a:t>Program in </a:t>
-            </a:r>
-            <a:r>
-              <a:rPr lang="en-US" dirty="0" err="1"/>
-              <a:t>scala</a:t>
+              <a:rPr lang="en-US" altLang="zh-CN" dirty="0"/>
+              <a:t>Decision Tree</a:t>
+            </a:r>
+            <a:r>
+              <a:rPr lang="en" dirty="0"/>
+              <a:t> Model</a:t>
             </a:r>
             <a:endParaRPr lang="en-US" dirty="0"/>
           </a:p>
@@ -7184,7 +7689,7 @@
           <p:cNvPr id="3" name="Content Placeholder 2">
             <a:extLst>
               <a:ext uri="{FF2B5EF4-FFF2-40B4-BE49-F238E27FC236}">
-                <a16:creationId xmlns:a16="http://schemas.microsoft.com/office/drawing/2014/main" id="{5F13A9C0-B03F-43DD-BEE9-9577777F84FF}"/>
+                <a16:creationId xmlns:a16="http://schemas.microsoft.com/office/drawing/2014/main" id="{3D0B39FB-5C76-41CD-B9D6-00C7615086F3}"/>
               </a:ext>
             </a:extLst>
           </p:cNvPr>
@@ -7197,313 +7702,38 @@
         </p:nvSpPr>
         <p:spPr>
           <a:xfrm>
-            <a:off x="1295402" y="2597982"/>
-            <a:ext cx="10515600" cy="2053917"/>
+            <a:off x="1206625" y="2464817"/>
+            <a:ext cx="9954711" cy="3545365"/>
           </a:xfrm>
         </p:spPr>
         <p:txBody>
-          <a:bodyPr>
-            <a:normAutofit lnSpcReduction="10000"/>
-          </a:bodyPr>
-          <a:lstStyle/>
-          <a:p>
-            <a:r>
-              <a:rPr lang="en-US" dirty="0"/>
-              <a:t>The implements of predict model</a:t>
-            </a:r>
-          </a:p>
-          <a:p>
-            <a:r>
-              <a:rPr lang="en-US" dirty="0"/>
-              <a:t>All the unit test</a:t>
-            </a:r>
-          </a:p>
-          <a:p>
-            <a:r>
-              <a:rPr lang="en-US" dirty="0"/>
-              <a:t>Extraction of data</a:t>
-            </a:r>
-          </a:p>
-          <a:p>
-            <a:r>
-              <a:rPr lang="en-US" dirty="0"/>
-              <a:t>Store the user information data</a:t>
-            </a:r>
-          </a:p>
-          <a:p>
-            <a:endParaRPr lang="en-US" dirty="0"/>
-          </a:p>
-        </p:txBody>
-      </p:sp>
-      <p:sp>
-        <p:nvSpPr>
-          <p:cNvPr id="4" name="Title 1">
-            <a:extLst>
-              <a:ext uri="{FF2B5EF4-FFF2-40B4-BE49-F238E27FC236}">
-                <a16:creationId xmlns:a16="http://schemas.microsoft.com/office/drawing/2014/main" id="{1BBD5097-76EF-4331-8B4F-7FC5173D24FF}"/>
-              </a:ext>
-            </a:extLst>
-          </p:cNvPr>
-          <p:cNvSpPr txBox="1">
-            <a:spLocks/>
-          </p:cNvSpPr>
-          <p:nvPr/>
-        </p:nvSpPr>
-        <p:spPr>
-          <a:xfrm>
-            <a:off x="944733" y="4550305"/>
-            <a:ext cx="10515600" cy="1325563"/>
-          </a:xfrm>
-          <a:prstGeom prst="rect">
-            <a:avLst/>
-          </a:prstGeom>
-        </p:spPr>
-        <p:txBody>
-          <a:bodyPr vert="horz" lIns="91440" tIns="45720" rIns="91440" bIns="45720" rtlCol="0" anchor="ctr">
-            <a:normAutofit/>
-          </a:bodyPr>
-          <a:lstStyle>
-            <a:lvl1pPr algn="l" defTabSz="914400" rtl="0" eaLnBrk="1" latinLnBrk="0" hangingPunct="1">
-              <a:lnSpc>
-                <a:spcPct val="90000"/>
-              </a:lnSpc>
-              <a:spcBef>
-                <a:spcPct val="0"/>
-              </a:spcBef>
-              <a:buNone/>
-              <a:defRPr sz="4400" kern="1200">
-                <a:solidFill>
-                  <a:schemeClr val="tx1"/>
-                </a:solidFill>
-                <a:latin typeface="+mj-lt"/>
-                <a:ea typeface="+mj-ea"/>
-                <a:cs typeface="+mj-cs"/>
-              </a:defRPr>
-            </a:lvl1pPr>
-          </a:lstStyle>
-          <a:p>
-            <a:pPr marL="0" lvl="0" indent="0" algn="l" rtl="0">
-              <a:spcBef>
-                <a:spcPts val="0"/>
-              </a:spcBef>
-              <a:spcAft>
-                <a:spcPts val="0"/>
-              </a:spcAft>
-              <a:buNone/>
-            </a:pPr>
-            <a:r>
-              <a:rPr lang="en-US" sz="2800" dirty="0"/>
-              <a:t>Repository</a:t>
-            </a:r>
-          </a:p>
-        </p:txBody>
-      </p:sp>
-      <p:sp>
-        <p:nvSpPr>
-          <p:cNvPr id="5" name="Content Placeholder 2">
-            <a:extLst>
-              <a:ext uri="{FF2B5EF4-FFF2-40B4-BE49-F238E27FC236}">
-                <a16:creationId xmlns:a16="http://schemas.microsoft.com/office/drawing/2014/main" id="{0FCBC51E-3F25-46EB-85AB-AABA0C43DBAD}"/>
-              </a:ext>
-            </a:extLst>
-          </p:cNvPr>
-          <p:cNvSpPr txBox="1">
-            <a:spLocks/>
-          </p:cNvSpPr>
-          <p:nvPr/>
-        </p:nvSpPr>
-        <p:spPr>
-          <a:xfrm>
-            <a:off x="944733" y="5589371"/>
-            <a:ext cx="10515600" cy="741287"/>
-          </a:xfrm>
-          <a:prstGeom prst="rect">
-            <a:avLst/>
-          </a:prstGeom>
-        </p:spPr>
-        <p:txBody>
-          <a:bodyPr vert="horz" lIns="91440" tIns="45720" rIns="91440" bIns="45720" rtlCol="0">
-            <a:normAutofit/>
-          </a:bodyPr>
-          <a:lstStyle>
-            <a:lvl1pPr marL="228600" indent="-228600" algn="l" defTabSz="914400" rtl="0" eaLnBrk="1" latinLnBrk="0" hangingPunct="1">
-              <a:lnSpc>
-                <a:spcPct val="90000"/>
-              </a:lnSpc>
-              <a:spcBef>
-                <a:spcPts val="1000"/>
-              </a:spcBef>
-              <a:buFont typeface="Arial" panose="020B0604020202020204" pitchFamily="34" charset="0"/>
-              <a:buChar char="•"/>
-              <a:defRPr sz="2800" kern="1200">
-                <a:solidFill>
-                  <a:schemeClr val="tx1"/>
-                </a:solidFill>
-                <a:latin typeface="+mn-lt"/>
-                <a:ea typeface="+mn-ea"/>
-                <a:cs typeface="+mn-cs"/>
-              </a:defRPr>
-            </a:lvl1pPr>
-            <a:lvl2pPr marL="685800" indent="-228600" algn="l" defTabSz="914400" rtl="0" eaLnBrk="1" latinLnBrk="0" hangingPunct="1">
-              <a:lnSpc>
-                <a:spcPct val="90000"/>
-              </a:lnSpc>
-              <a:spcBef>
-                <a:spcPts val="500"/>
-              </a:spcBef>
-              <a:buFont typeface="Arial" panose="020B0604020202020204" pitchFamily="34" charset="0"/>
-              <a:buChar char="•"/>
-              <a:defRPr sz="2400" kern="1200">
-                <a:solidFill>
-                  <a:schemeClr val="tx1"/>
-                </a:solidFill>
-                <a:latin typeface="+mn-lt"/>
-                <a:ea typeface="+mn-ea"/>
-                <a:cs typeface="+mn-cs"/>
-              </a:defRPr>
-            </a:lvl2pPr>
-            <a:lvl3pPr marL="1143000" indent="-228600" algn="l" defTabSz="914400" rtl="0" eaLnBrk="1" latinLnBrk="0" hangingPunct="1">
-              <a:lnSpc>
-                <a:spcPct val="90000"/>
-              </a:lnSpc>
-              <a:spcBef>
-                <a:spcPts val="500"/>
-              </a:spcBef>
-              <a:buFont typeface="Arial" panose="020B0604020202020204" pitchFamily="34" charset="0"/>
-              <a:buChar char="•"/>
-              <a:defRPr sz="2000" kern="1200">
-                <a:solidFill>
-                  <a:schemeClr val="tx1"/>
-                </a:solidFill>
-                <a:latin typeface="+mn-lt"/>
-                <a:ea typeface="+mn-ea"/>
-                <a:cs typeface="+mn-cs"/>
-              </a:defRPr>
-            </a:lvl3pPr>
-            <a:lvl4pPr marL="1600200" indent="-228600" algn="l" defTabSz="914400" rtl="0" eaLnBrk="1" latinLnBrk="0" hangingPunct="1">
-              <a:lnSpc>
-                <a:spcPct val="90000"/>
-              </a:lnSpc>
-              <a:spcBef>
-                <a:spcPts val="500"/>
-              </a:spcBef>
-              <a:buFont typeface="Arial" panose="020B0604020202020204" pitchFamily="34" charset="0"/>
-              <a:buChar char="•"/>
-              <a:defRPr sz="1800" kern="1200">
-                <a:solidFill>
-                  <a:schemeClr val="tx1"/>
-                </a:solidFill>
-                <a:latin typeface="+mn-lt"/>
-                <a:ea typeface="+mn-ea"/>
-                <a:cs typeface="+mn-cs"/>
-              </a:defRPr>
-            </a:lvl4pPr>
-            <a:lvl5pPr marL="2057400" indent="-228600" algn="l" defTabSz="914400" rtl="0" eaLnBrk="1" latinLnBrk="0" hangingPunct="1">
-              <a:lnSpc>
-                <a:spcPct val="90000"/>
-              </a:lnSpc>
-              <a:spcBef>
-                <a:spcPts val="500"/>
-              </a:spcBef>
-              <a:buFont typeface="Arial" panose="020B0604020202020204" pitchFamily="34" charset="0"/>
-              <a:buChar char="•"/>
-              <a:defRPr sz="1800" kern="1200">
-                <a:solidFill>
-                  <a:schemeClr val="tx1"/>
-                </a:solidFill>
-                <a:latin typeface="+mn-lt"/>
-                <a:ea typeface="+mn-ea"/>
-                <a:cs typeface="+mn-cs"/>
-              </a:defRPr>
-            </a:lvl5pPr>
-            <a:lvl6pPr marL="2514600" indent="-228600" algn="l" defTabSz="914400" rtl="0" eaLnBrk="1" latinLnBrk="0" hangingPunct="1">
-              <a:lnSpc>
-                <a:spcPct val="90000"/>
-              </a:lnSpc>
-              <a:spcBef>
-                <a:spcPts val="500"/>
-              </a:spcBef>
-              <a:buFont typeface="Arial" panose="020B0604020202020204" pitchFamily="34" charset="0"/>
-              <a:buChar char="•"/>
-              <a:defRPr sz="1800" kern="1200">
-                <a:solidFill>
-                  <a:schemeClr val="tx1"/>
-                </a:solidFill>
-                <a:latin typeface="+mn-lt"/>
-                <a:ea typeface="+mn-ea"/>
-                <a:cs typeface="+mn-cs"/>
-              </a:defRPr>
-            </a:lvl6pPr>
-            <a:lvl7pPr marL="2971800" indent="-228600" algn="l" defTabSz="914400" rtl="0" eaLnBrk="1" latinLnBrk="0" hangingPunct="1">
-              <a:lnSpc>
-                <a:spcPct val="90000"/>
-              </a:lnSpc>
-              <a:spcBef>
-                <a:spcPts val="500"/>
-              </a:spcBef>
-              <a:buFont typeface="Arial" panose="020B0604020202020204" pitchFamily="34" charset="0"/>
-              <a:buChar char="•"/>
-              <a:defRPr sz="1800" kern="1200">
-                <a:solidFill>
-                  <a:schemeClr val="tx1"/>
-                </a:solidFill>
-                <a:latin typeface="+mn-lt"/>
-                <a:ea typeface="+mn-ea"/>
-                <a:cs typeface="+mn-cs"/>
-              </a:defRPr>
-            </a:lvl7pPr>
-            <a:lvl8pPr marL="3429000" indent="-228600" algn="l" defTabSz="914400" rtl="0" eaLnBrk="1" latinLnBrk="0" hangingPunct="1">
-              <a:lnSpc>
-                <a:spcPct val="90000"/>
-              </a:lnSpc>
-              <a:spcBef>
-                <a:spcPts val="500"/>
-              </a:spcBef>
-              <a:buFont typeface="Arial" panose="020B0604020202020204" pitchFamily="34" charset="0"/>
-              <a:buChar char="•"/>
-              <a:defRPr sz="1800" kern="1200">
-                <a:solidFill>
-                  <a:schemeClr val="tx1"/>
-                </a:solidFill>
-                <a:latin typeface="+mn-lt"/>
-                <a:ea typeface="+mn-ea"/>
-                <a:cs typeface="+mn-cs"/>
-              </a:defRPr>
-            </a:lvl8pPr>
-            <a:lvl9pPr marL="3886200" indent="-228600" algn="l" defTabSz="914400" rtl="0" eaLnBrk="1" latinLnBrk="0" hangingPunct="1">
-              <a:lnSpc>
-                <a:spcPct val="90000"/>
-              </a:lnSpc>
-              <a:spcBef>
-                <a:spcPts val="500"/>
-              </a:spcBef>
-              <a:buFont typeface="Arial" panose="020B0604020202020204" pitchFamily="34" charset="0"/>
-              <a:buChar char="•"/>
-              <a:defRPr sz="1800" kern="1200">
-                <a:solidFill>
-                  <a:schemeClr val="tx1"/>
-                </a:solidFill>
-                <a:latin typeface="+mn-lt"/>
-                <a:ea typeface="+mn-ea"/>
-                <a:cs typeface="+mn-cs"/>
-              </a:defRPr>
-            </a:lvl9pPr>
-          </a:lstStyle>
-          <a:p>
-            <a:r>
-              <a:rPr lang="en-US" dirty="0">
-                <a:hlinkClick r:id="rId2"/>
-              </a:rPr>
-              <a:t>https://github.com/MAQI-SHI/CSYE-7200-Final-Project-Team-6</a:t>
-            </a:r>
-            <a:endParaRPr lang="en-US" dirty="0"/>
+          <a:bodyPr/>
+          <a:lstStyle/>
+          <a:p>
+            <a:r>
+              <a:rPr lang="en-US" altLang="zh-CN" dirty="0"/>
+              <a:t>Decision trees are a popular family of classification and regression methods. More information about the </a:t>
+            </a:r>
+            <a:r>
+              <a:rPr lang="en-US" altLang="zh-CN" dirty="0" err="1"/>
+              <a:t>spark.ml</a:t>
+            </a:r>
+            <a:r>
+              <a:rPr lang="en-US" altLang="zh-CN" dirty="0"/>
+              <a:t> implementation can be found further in the section on decision </a:t>
+            </a:r>
+            <a:r>
+              <a:rPr lang="en-US" altLang="zh-CN"/>
+              <a:t>trees.</a:t>
+            </a:r>
+            <a:endParaRPr lang="en-US" altLang="zh-CN" dirty="0"/>
           </a:p>
         </p:txBody>
       </p:sp>
     </p:spTree>
     <p:extLst>
       <p:ext uri="{BB962C8B-B14F-4D97-AF65-F5344CB8AC3E}">
-        <p14:creationId xmlns:p14="http://schemas.microsoft.com/office/powerpoint/2010/main" val="3693813384"/>
+        <p14:creationId xmlns:p14="http://schemas.microsoft.com/office/powerpoint/2010/main" val="702961832"/>
       </p:ext>
     </p:extLst>
   </p:cSld>

--- a/finalPresentation.pptx
+++ b/finalPresentation.pptx
@@ -13,11 +13,10 @@
     <p:sldId id="260" r:id="rId7"/>
     <p:sldId id="266" r:id="rId8"/>
     <p:sldId id="267" r:id="rId9"/>
-    <p:sldId id="268" r:id="rId10"/>
-    <p:sldId id="263" r:id="rId11"/>
-    <p:sldId id="261" r:id="rId12"/>
-    <p:sldId id="262" r:id="rId13"/>
-    <p:sldId id="264" r:id="rId14"/>
+    <p:sldId id="263" r:id="rId10"/>
+    <p:sldId id="261" r:id="rId11"/>
+    <p:sldId id="262" r:id="rId12"/>
+    <p:sldId id="264" r:id="rId13"/>
   </p:sldIdLst>
   <p:sldSz cx="12192000" cy="6858000"/>
   <p:notesSz cx="6858000" cy="9144000"/>
@@ -455,7 +454,7 @@
           <a:p>
             <a:fld id="{12939CF1-E958-4374-A660-E9B0C47FA2E4}" type="datetimeFigureOut">
               <a:rPr lang="en-US" smtClean="0"/>
-              <a:t>4/21/21</a:t>
+              <a:t>4/21/2021</a:t>
             </a:fld>
             <a:endParaRPr lang="en-US"/>
           </a:p>
@@ -779,7 +778,7 @@
           <a:p>
             <a:fld id="{12939CF1-E958-4374-A660-E9B0C47FA2E4}" type="datetimeFigureOut">
               <a:rPr lang="en-US" smtClean="0"/>
-              <a:t>4/21/21</a:t>
+              <a:t>4/21/2021</a:t>
             </a:fld>
             <a:endParaRPr lang="en-US"/>
           </a:p>
@@ -1027,7 +1026,7 @@
           <a:p>
             <a:fld id="{12939CF1-E958-4374-A660-E9B0C47FA2E4}" type="datetimeFigureOut">
               <a:rPr lang="en-US" smtClean="0"/>
-              <a:t>4/21/21</a:t>
+              <a:t>4/21/2021</a:t>
             </a:fld>
             <a:endParaRPr lang="en-US"/>
           </a:p>
@@ -1366,7 +1365,7 @@
           <a:p>
             <a:fld id="{12939CF1-E958-4374-A660-E9B0C47FA2E4}" type="datetimeFigureOut">
               <a:rPr lang="en-US" smtClean="0"/>
-              <a:t>4/21/21</a:t>
+              <a:t>4/21/2021</a:t>
             </a:fld>
             <a:endParaRPr lang="en-US"/>
           </a:p>
@@ -1713,7 +1712,7 @@
           <a:p>
             <a:fld id="{12939CF1-E958-4374-A660-E9B0C47FA2E4}" type="datetimeFigureOut">
               <a:rPr lang="en-US" smtClean="0"/>
-              <a:t>4/21/21</a:t>
+              <a:t>4/21/2021</a:t>
             </a:fld>
             <a:endParaRPr lang="en-US"/>
           </a:p>
@@ -2087,7 +2086,7 @@
           <a:p>
             <a:fld id="{12939CF1-E958-4374-A660-E9B0C47FA2E4}" type="datetimeFigureOut">
               <a:rPr lang="en-US" smtClean="0"/>
-              <a:t>4/21/21</a:t>
+              <a:t>4/21/2021</a:t>
             </a:fld>
             <a:endParaRPr lang="en-US"/>
           </a:p>
@@ -2557,7 +2556,7 @@
           <a:p>
             <a:fld id="{12939CF1-E958-4374-A660-E9B0C47FA2E4}" type="datetimeFigureOut">
               <a:rPr lang="en-US" smtClean="0"/>
-              <a:t>4/21/21</a:t>
+              <a:t>4/21/2021</a:t>
             </a:fld>
             <a:endParaRPr lang="en-US"/>
           </a:p>
@@ -2762,7 +2761,7 @@
           <a:p>
             <a:fld id="{12939CF1-E958-4374-A660-E9B0C47FA2E4}" type="datetimeFigureOut">
               <a:rPr lang="en-US" smtClean="0"/>
-              <a:t>4/21/21</a:t>
+              <a:t>4/21/2021</a:t>
             </a:fld>
             <a:endParaRPr lang="en-US"/>
           </a:p>
@@ -2973,7 +2972,7 @@
           <a:p>
             <a:fld id="{12939CF1-E958-4374-A660-E9B0C47FA2E4}" type="datetimeFigureOut">
               <a:rPr lang="en-US" smtClean="0"/>
-              <a:t>4/21/21</a:t>
+              <a:t>4/21/2021</a:t>
             </a:fld>
             <a:endParaRPr lang="en-US"/>
           </a:p>
@@ -3205,7 +3204,7 @@
           <a:p>
             <a:fld id="{12939CF1-E958-4374-A660-E9B0C47FA2E4}" type="datetimeFigureOut">
               <a:rPr lang="en-US" smtClean="0"/>
-              <a:t>4/21/21</a:t>
+              <a:t>4/21/2021</a:t>
             </a:fld>
             <a:endParaRPr lang="en-US"/>
           </a:p>
@@ -3453,7 +3452,7 @@
           <a:p>
             <a:fld id="{12939CF1-E958-4374-A660-E9B0C47FA2E4}" type="datetimeFigureOut">
               <a:rPr lang="en-US" smtClean="0"/>
-              <a:t>4/21/21</a:t>
+              <a:t>4/21/2021</a:t>
             </a:fld>
             <a:endParaRPr lang="en-US"/>
           </a:p>
@@ -3751,7 +3750,7 @@
           <a:p>
             <a:fld id="{12939CF1-E958-4374-A660-E9B0C47FA2E4}" type="datetimeFigureOut">
               <a:rPr lang="en-US" smtClean="0"/>
-              <a:t>4/21/21</a:t>
+              <a:t>4/21/2021</a:t>
             </a:fld>
             <a:endParaRPr lang="en-US"/>
           </a:p>
@@ -4145,7 +4144,7 @@
           <a:p>
             <a:fld id="{12939CF1-E958-4374-A660-E9B0C47FA2E4}" type="datetimeFigureOut">
               <a:rPr lang="en-US" smtClean="0"/>
-              <a:t>4/21/21</a:t>
+              <a:t>4/21/2021</a:t>
             </a:fld>
             <a:endParaRPr lang="en-US"/>
           </a:p>
@@ -4294,7 +4293,7 @@
           <a:p>
             <a:fld id="{12939CF1-E958-4374-A660-E9B0C47FA2E4}" type="datetimeFigureOut">
               <a:rPr lang="en-US" smtClean="0"/>
-              <a:t>4/21/21</a:t>
+              <a:t>4/21/2021</a:t>
             </a:fld>
             <a:endParaRPr lang="en-US"/>
           </a:p>
@@ -4420,7 +4419,7 @@
           <a:p>
             <a:fld id="{12939CF1-E958-4374-A660-E9B0C47FA2E4}" type="datetimeFigureOut">
               <a:rPr lang="en-US" smtClean="0"/>
-              <a:t>4/21/21</a:t>
+              <a:t>4/21/2021</a:t>
             </a:fld>
             <a:endParaRPr lang="en-US"/>
           </a:p>
@@ -4675,7 +4674,7 @@
           <a:p>
             <a:fld id="{12939CF1-E958-4374-A660-E9B0C47FA2E4}" type="datetimeFigureOut">
               <a:rPr lang="en-US" smtClean="0"/>
-              <a:t>4/21/21</a:t>
+              <a:t>4/21/2021</a:t>
             </a:fld>
             <a:endParaRPr lang="en-US"/>
           </a:p>
@@ -4990,7 +4989,7 @@
           <a:p>
             <a:fld id="{12939CF1-E958-4374-A660-E9B0C47FA2E4}" type="datetimeFigureOut">
               <a:rPr lang="en-US" smtClean="0"/>
-              <a:t>4/21/21</a:t>
+              <a:t>4/21/2021</a:t>
             </a:fld>
             <a:endParaRPr lang="en-US"/>
           </a:p>
@@ -5341,7 +5340,7 @@
           <a:p>
             <a:fld id="{12939CF1-E958-4374-A660-E9B0C47FA2E4}" type="datetimeFigureOut">
               <a:rPr lang="en-US" smtClean="0"/>
-              <a:t>4/21/21</a:t>
+              <a:t>4/21/2021</a:t>
             </a:fld>
             <a:endParaRPr lang="en-US"/>
           </a:p>
@@ -5993,7 +5992,7 @@
           <p:cNvPr id="2" name="Title 1">
             <a:extLst>
               <a:ext uri="{FF2B5EF4-FFF2-40B4-BE49-F238E27FC236}">
-                <a16:creationId xmlns:a16="http://schemas.microsoft.com/office/drawing/2014/main" id="{D4EF6ECC-DD9D-4CF4-BAE6-37C931F8E8DC}"/>
+                <a16:creationId xmlns:a16="http://schemas.microsoft.com/office/drawing/2014/main" id="{81C669BF-8099-4FAA-8220-FDC17EC77C19}"/>
               </a:ext>
             </a:extLst>
           </p:cNvPr>
@@ -6010,8 +6009,12 @@
           <a:lstStyle/>
           <a:p>
             <a:r>
-              <a:rPr lang="en" dirty="0"/>
-              <a:t>Acceptance criteria</a:t>
+              <a:rPr lang="en-US" dirty="0"/>
+              <a:t>Program in </a:t>
+            </a:r>
+            <a:r>
+              <a:rPr lang="en-US" dirty="0" err="1"/>
+              <a:t>scala</a:t>
             </a:r>
             <a:endParaRPr lang="en-US" dirty="0"/>
           </a:p>
@@ -6022,7 +6025,7 @@
           <p:cNvPr id="3" name="Content Placeholder 2">
             <a:extLst>
               <a:ext uri="{FF2B5EF4-FFF2-40B4-BE49-F238E27FC236}">
-                <a16:creationId xmlns:a16="http://schemas.microsoft.com/office/drawing/2014/main" id="{FAEEFD48-86F9-4D2A-A422-1A91F4248C5E}"/>
+                <a16:creationId xmlns:a16="http://schemas.microsoft.com/office/drawing/2014/main" id="{5F13A9C0-B03F-43DD-BEE9-9577777F84FF}"/>
               </a:ext>
             </a:extLst>
           </p:cNvPr>
@@ -6033,71 +6036,315 @@
             <p:ph idx="1"/>
           </p:nvPr>
         </p:nvSpPr>
-        <p:spPr/>
-        <p:txBody>
-          <a:bodyPr/>
+        <p:spPr>
+          <a:xfrm>
+            <a:off x="1295402" y="2597982"/>
+            <a:ext cx="10515600" cy="2053917"/>
+          </a:xfrm>
+        </p:spPr>
+        <p:txBody>
+          <a:bodyPr>
+            <a:normAutofit lnSpcReduction="10000"/>
+          </a:bodyPr>
           <a:lstStyle/>
           <a:p>
             <a:r>
               <a:rPr lang="en-US" dirty="0"/>
-              <a:t>Verify analysis results with test set(from dataset)</a:t>
-            </a:r>
-          </a:p>
-          <a:p>
-            <a:pPr marL="0" indent="0">
-              <a:buNone/>
-            </a:pPr>
+              <a:t>The implements of predict model</a:t>
+            </a:r>
+          </a:p>
+          <a:p>
             <a:r>
               <a:rPr lang="en-US" dirty="0"/>
-              <a:t>	The accuracy should reach 70%</a:t>
-            </a:r>
-          </a:p>
-          <a:p>
-            <a:r>
-              <a:rPr lang="en-US"/>
-              <a:t>Response </a:t>
-            </a:r>
+              <a:t>All the unit test</a:t>
+            </a:r>
+          </a:p>
+          <a:p>
             <a:r>
               <a:rPr lang="en-US" dirty="0"/>
-              <a:t>time &lt; 2 Seconds</a:t>
-            </a:r>
-          </a:p>
-        </p:txBody>
-      </p:sp>
-      <p:pic>
-        <p:nvPicPr>
-          <p:cNvPr id="9" name="Picture 8">
+              <a:t>Extraction of data</a:t>
+            </a:r>
+          </a:p>
+          <a:p>
+            <a:r>
+              <a:rPr lang="en-US" dirty="0"/>
+              <a:t>Store the user information data</a:t>
+            </a:r>
+          </a:p>
+          <a:p>
+            <a:endParaRPr lang="en-US" dirty="0"/>
+          </a:p>
+        </p:txBody>
+      </p:sp>
+      <p:sp>
+        <p:nvSpPr>
+          <p:cNvPr id="4" name="Title 1">
             <a:extLst>
               <a:ext uri="{FF2B5EF4-FFF2-40B4-BE49-F238E27FC236}">
-                <a16:creationId xmlns:a16="http://schemas.microsoft.com/office/drawing/2014/main" id="{204100CC-356D-4353-AC13-68452A739365}"/>
+                <a16:creationId xmlns:a16="http://schemas.microsoft.com/office/drawing/2014/main" id="{1BBD5097-76EF-4331-8B4F-7FC5173D24FF}"/>
               </a:ext>
             </a:extLst>
           </p:cNvPr>
-          <p:cNvPicPr>
-            <a:picLocks noChangeAspect="1"/>
-          </p:cNvPicPr>
+          <p:cNvSpPr txBox="1">
+            <a:spLocks/>
+          </p:cNvSpPr>
           <p:nvPr/>
-        </p:nvPicPr>
-        <p:blipFill>
-          <a:blip r:embed="rId2"/>
-          <a:stretch>
-            <a:fillRect/>
-          </a:stretch>
-        </p:blipFill>
+        </p:nvSpPr>
         <p:spPr>
           <a:xfrm>
-            <a:off x="1709058" y="4043277"/>
-            <a:ext cx="3200816" cy="591620"/>
+            <a:off x="944733" y="4550305"/>
+            <a:ext cx="10515600" cy="1325563"/>
           </a:xfrm>
           <a:prstGeom prst="rect">
             <a:avLst/>
           </a:prstGeom>
         </p:spPr>
-      </p:pic>
+        <p:txBody>
+          <a:bodyPr vert="horz" lIns="91440" tIns="45720" rIns="91440" bIns="45720" rtlCol="0" anchor="ctr">
+            <a:normAutofit/>
+          </a:bodyPr>
+          <a:lstStyle>
+            <a:lvl1pPr algn="l" defTabSz="914400" rtl="0" eaLnBrk="1" latinLnBrk="0" hangingPunct="1">
+              <a:lnSpc>
+                <a:spcPct val="90000"/>
+              </a:lnSpc>
+              <a:spcBef>
+                <a:spcPct val="0"/>
+              </a:spcBef>
+              <a:buNone/>
+              <a:defRPr sz="4400" kern="1200">
+                <a:solidFill>
+                  <a:schemeClr val="tx1"/>
+                </a:solidFill>
+                <a:latin typeface="+mj-lt"/>
+                <a:ea typeface="+mj-ea"/>
+                <a:cs typeface="+mj-cs"/>
+              </a:defRPr>
+            </a:lvl1pPr>
+          </a:lstStyle>
+          <a:p>
+            <a:pPr marL="0" lvl="0" indent="0" algn="l" rtl="0">
+              <a:spcBef>
+                <a:spcPts val="0"/>
+              </a:spcBef>
+              <a:spcAft>
+                <a:spcPts val="0"/>
+              </a:spcAft>
+              <a:buNone/>
+            </a:pPr>
+            <a:r>
+              <a:rPr lang="en-US" sz="2800" dirty="0"/>
+              <a:t>Repository</a:t>
+            </a:r>
+          </a:p>
+        </p:txBody>
+      </p:sp>
+      <p:sp>
+        <p:nvSpPr>
+          <p:cNvPr id="5" name="Content Placeholder 2">
+            <a:extLst>
+              <a:ext uri="{FF2B5EF4-FFF2-40B4-BE49-F238E27FC236}">
+                <a16:creationId xmlns:a16="http://schemas.microsoft.com/office/drawing/2014/main" id="{0FCBC51E-3F25-46EB-85AB-AABA0C43DBAD}"/>
+              </a:ext>
+            </a:extLst>
+          </p:cNvPr>
+          <p:cNvSpPr txBox="1">
+            <a:spLocks/>
+          </p:cNvSpPr>
+          <p:nvPr/>
+        </p:nvSpPr>
+        <p:spPr>
+          <a:xfrm>
+            <a:off x="944733" y="5589371"/>
+            <a:ext cx="10515600" cy="741287"/>
+          </a:xfrm>
+          <a:prstGeom prst="rect">
+            <a:avLst/>
+          </a:prstGeom>
+        </p:spPr>
+        <p:txBody>
+          <a:bodyPr vert="horz" lIns="91440" tIns="45720" rIns="91440" bIns="45720" rtlCol="0">
+            <a:normAutofit/>
+          </a:bodyPr>
+          <a:lstStyle>
+            <a:lvl1pPr marL="228600" indent="-228600" algn="l" defTabSz="914400" rtl="0" eaLnBrk="1" latinLnBrk="0" hangingPunct="1">
+              <a:lnSpc>
+                <a:spcPct val="90000"/>
+              </a:lnSpc>
+              <a:spcBef>
+                <a:spcPts val="1000"/>
+              </a:spcBef>
+              <a:buFont typeface="Arial" panose="020B0604020202020204" pitchFamily="34" charset="0"/>
+              <a:buChar char="•"/>
+              <a:defRPr sz="2800" kern="1200">
+                <a:solidFill>
+                  <a:schemeClr val="tx1"/>
+                </a:solidFill>
+                <a:latin typeface="+mn-lt"/>
+                <a:ea typeface="+mn-ea"/>
+                <a:cs typeface="+mn-cs"/>
+              </a:defRPr>
+            </a:lvl1pPr>
+            <a:lvl2pPr marL="685800" indent="-228600" algn="l" defTabSz="914400" rtl="0" eaLnBrk="1" latinLnBrk="0" hangingPunct="1">
+              <a:lnSpc>
+                <a:spcPct val="90000"/>
+              </a:lnSpc>
+              <a:spcBef>
+                <a:spcPts val="500"/>
+              </a:spcBef>
+              <a:buFont typeface="Arial" panose="020B0604020202020204" pitchFamily="34" charset="0"/>
+              <a:buChar char="•"/>
+              <a:defRPr sz="2400" kern="1200">
+                <a:solidFill>
+                  <a:schemeClr val="tx1"/>
+                </a:solidFill>
+                <a:latin typeface="+mn-lt"/>
+                <a:ea typeface="+mn-ea"/>
+                <a:cs typeface="+mn-cs"/>
+              </a:defRPr>
+            </a:lvl2pPr>
+            <a:lvl3pPr marL="1143000" indent="-228600" algn="l" defTabSz="914400" rtl="0" eaLnBrk="1" latinLnBrk="0" hangingPunct="1">
+              <a:lnSpc>
+                <a:spcPct val="90000"/>
+              </a:lnSpc>
+              <a:spcBef>
+                <a:spcPts val="500"/>
+              </a:spcBef>
+              <a:buFont typeface="Arial" panose="020B0604020202020204" pitchFamily="34" charset="0"/>
+              <a:buChar char="•"/>
+              <a:defRPr sz="2000" kern="1200">
+                <a:solidFill>
+                  <a:schemeClr val="tx1"/>
+                </a:solidFill>
+                <a:latin typeface="+mn-lt"/>
+                <a:ea typeface="+mn-ea"/>
+                <a:cs typeface="+mn-cs"/>
+              </a:defRPr>
+            </a:lvl3pPr>
+            <a:lvl4pPr marL="1600200" indent="-228600" algn="l" defTabSz="914400" rtl="0" eaLnBrk="1" latinLnBrk="0" hangingPunct="1">
+              <a:lnSpc>
+                <a:spcPct val="90000"/>
+              </a:lnSpc>
+              <a:spcBef>
+                <a:spcPts val="500"/>
+              </a:spcBef>
+              <a:buFont typeface="Arial" panose="020B0604020202020204" pitchFamily="34" charset="0"/>
+              <a:buChar char="•"/>
+              <a:defRPr sz="1800" kern="1200">
+                <a:solidFill>
+                  <a:schemeClr val="tx1"/>
+                </a:solidFill>
+                <a:latin typeface="+mn-lt"/>
+                <a:ea typeface="+mn-ea"/>
+                <a:cs typeface="+mn-cs"/>
+              </a:defRPr>
+            </a:lvl4pPr>
+            <a:lvl5pPr marL="2057400" indent="-228600" algn="l" defTabSz="914400" rtl="0" eaLnBrk="1" latinLnBrk="0" hangingPunct="1">
+              <a:lnSpc>
+                <a:spcPct val="90000"/>
+              </a:lnSpc>
+              <a:spcBef>
+                <a:spcPts val="500"/>
+              </a:spcBef>
+              <a:buFont typeface="Arial" panose="020B0604020202020204" pitchFamily="34" charset="0"/>
+              <a:buChar char="•"/>
+              <a:defRPr sz="1800" kern="1200">
+                <a:solidFill>
+                  <a:schemeClr val="tx1"/>
+                </a:solidFill>
+                <a:latin typeface="+mn-lt"/>
+                <a:ea typeface="+mn-ea"/>
+                <a:cs typeface="+mn-cs"/>
+              </a:defRPr>
+            </a:lvl5pPr>
+            <a:lvl6pPr marL="2514600" indent="-228600" algn="l" defTabSz="914400" rtl="0" eaLnBrk="1" latinLnBrk="0" hangingPunct="1">
+              <a:lnSpc>
+                <a:spcPct val="90000"/>
+              </a:lnSpc>
+              <a:spcBef>
+                <a:spcPts val="500"/>
+              </a:spcBef>
+              <a:buFont typeface="Arial" panose="020B0604020202020204" pitchFamily="34" charset="0"/>
+              <a:buChar char="•"/>
+              <a:defRPr sz="1800" kern="1200">
+                <a:solidFill>
+                  <a:schemeClr val="tx1"/>
+                </a:solidFill>
+                <a:latin typeface="+mn-lt"/>
+                <a:ea typeface="+mn-ea"/>
+                <a:cs typeface="+mn-cs"/>
+              </a:defRPr>
+            </a:lvl6pPr>
+            <a:lvl7pPr marL="2971800" indent="-228600" algn="l" defTabSz="914400" rtl="0" eaLnBrk="1" latinLnBrk="0" hangingPunct="1">
+              <a:lnSpc>
+                <a:spcPct val="90000"/>
+              </a:lnSpc>
+              <a:spcBef>
+                <a:spcPts val="500"/>
+              </a:spcBef>
+              <a:buFont typeface="Arial" panose="020B0604020202020204" pitchFamily="34" charset="0"/>
+              <a:buChar char="•"/>
+              <a:defRPr sz="1800" kern="1200">
+                <a:solidFill>
+                  <a:schemeClr val="tx1"/>
+                </a:solidFill>
+                <a:latin typeface="+mn-lt"/>
+                <a:ea typeface="+mn-ea"/>
+                <a:cs typeface="+mn-cs"/>
+              </a:defRPr>
+            </a:lvl7pPr>
+            <a:lvl8pPr marL="3429000" indent="-228600" algn="l" defTabSz="914400" rtl="0" eaLnBrk="1" latinLnBrk="0" hangingPunct="1">
+              <a:lnSpc>
+                <a:spcPct val="90000"/>
+              </a:lnSpc>
+              <a:spcBef>
+                <a:spcPts val="500"/>
+              </a:spcBef>
+              <a:buFont typeface="Arial" panose="020B0604020202020204" pitchFamily="34" charset="0"/>
+              <a:buChar char="•"/>
+              <a:defRPr sz="1800" kern="1200">
+                <a:solidFill>
+                  <a:schemeClr val="tx1"/>
+                </a:solidFill>
+                <a:latin typeface="+mn-lt"/>
+                <a:ea typeface="+mn-ea"/>
+                <a:cs typeface="+mn-cs"/>
+              </a:defRPr>
+            </a:lvl8pPr>
+            <a:lvl9pPr marL="3886200" indent="-228600" algn="l" defTabSz="914400" rtl="0" eaLnBrk="1" latinLnBrk="0" hangingPunct="1">
+              <a:lnSpc>
+                <a:spcPct val="90000"/>
+              </a:lnSpc>
+              <a:spcBef>
+                <a:spcPts val="500"/>
+              </a:spcBef>
+              <a:buFont typeface="Arial" panose="020B0604020202020204" pitchFamily="34" charset="0"/>
+              <a:buChar char="•"/>
+              <a:defRPr sz="1800" kern="1200">
+                <a:solidFill>
+                  <a:schemeClr val="tx1"/>
+                </a:solidFill>
+                <a:latin typeface="+mn-lt"/>
+                <a:ea typeface="+mn-ea"/>
+                <a:cs typeface="+mn-cs"/>
+              </a:defRPr>
+            </a:lvl9pPr>
+          </a:lstStyle>
+          <a:p>
+            <a:r>
+              <a:rPr lang="en-US" dirty="0">
+                <a:hlinkClick r:id="rId2"/>
+              </a:rPr>
+              <a:t>https://github.com/MAQI-SHI/CSYE-7200-Final-Project-Team-6</a:t>
+            </a:r>
+            <a:endParaRPr lang="en-US" dirty="0"/>
+          </a:p>
+        </p:txBody>
+      </p:sp>
     </p:spTree>
     <p:extLst>
       <p:ext uri="{BB962C8B-B14F-4D97-AF65-F5344CB8AC3E}">
-        <p14:creationId xmlns:p14="http://schemas.microsoft.com/office/powerpoint/2010/main" val="3652558185"/>
+        <p14:creationId xmlns:p14="http://schemas.microsoft.com/office/powerpoint/2010/main" val="3693813384"/>
       </p:ext>
     </p:extLst>
   </p:cSld>
@@ -6129,390 +6376,6 @@
           <p:cNvPr id="2" name="Title 1">
             <a:extLst>
               <a:ext uri="{FF2B5EF4-FFF2-40B4-BE49-F238E27FC236}">
-                <a16:creationId xmlns:a16="http://schemas.microsoft.com/office/drawing/2014/main" id="{81C669BF-8099-4FAA-8220-FDC17EC77C19}"/>
-              </a:ext>
-            </a:extLst>
-          </p:cNvPr>
-          <p:cNvSpPr>
-            <a:spLocks noGrp="1"/>
-          </p:cNvSpPr>
-          <p:nvPr>
-            <p:ph type="title"/>
-          </p:nvPr>
-        </p:nvSpPr>
-        <p:spPr/>
-        <p:txBody>
-          <a:bodyPr/>
-          <a:lstStyle/>
-          <a:p>
-            <a:r>
-              <a:rPr lang="en-US" dirty="0"/>
-              <a:t>Program in </a:t>
-            </a:r>
-            <a:r>
-              <a:rPr lang="en-US" dirty="0" err="1"/>
-              <a:t>scala</a:t>
-            </a:r>
-            <a:endParaRPr lang="en-US" dirty="0"/>
-          </a:p>
-        </p:txBody>
-      </p:sp>
-      <p:sp>
-        <p:nvSpPr>
-          <p:cNvPr id="3" name="Content Placeholder 2">
-            <a:extLst>
-              <a:ext uri="{FF2B5EF4-FFF2-40B4-BE49-F238E27FC236}">
-                <a16:creationId xmlns:a16="http://schemas.microsoft.com/office/drawing/2014/main" id="{5F13A9C0-B03F-43DD-BEE9-9577777F84FF}"/>
-              </a:ext>
-            </a:extLst>
-          </p:cNvPr>
-          <p:cNvSpPr>
-            <a:spLocks noGrp="1"/>
-          </p:cNvSpPr>
-          <p:nvPr>
-            <p:ph idx="1"/>
-          </p:nvPr>
-        </p:nvSpPr>
-        <p:spPr>
-          <a:xfrm>
-            <a:off x="1295402" y="2597982"/>
-            <a:ext cx="10515600" cy="2053917"/>
-          </a:xfrm>
-        </p:spPr>
-        <p:txBody>
-          <a:bodyPr>
-            <a:normAutofit lnSpcReduction="10000"/>
-          </a:bodyPr>
-          <a:lstStyle/>
-          <a:p>
-            <a:r>
-              <a:rPr lang="en-US" dirty="0"/>
-              <a:t>The implements of predict model</a:t>
-            </a:r>
-          </a:p>
-          <a:p>
-            <a:r>
-              <a:rPr lang="en-US" dirty="0"/>
-              <a:t>All the unit test</a:t>
-            </a:r>
-          </a:p>
-          <a:p>
-            <a:r>
-              <a:rPr lang="en-US" dirty="0"/>
-              <a:t>Extraction of data</a:t>
-            </a:r>
-          </a:p>
-          <a:p>
-            <a:r>
-              <a:rPr lang="en-US" dirty="0"/>
-              <a:t>Store the user information data</a:t>
-            </a:r>
-          </a:p>
-          <a:p>
-            <a:endParaRPr lang="en-US" dirty="0"/>
-          </a:p>
-        </p:txBody>
-      </p:sp>
-      <p:sp>
-        <p:nvSpPr>
-          <p:cNvPr id="4" name="Title 1">
-            <a:extLst>
-              <a:ext uri="{FF2B5EF4-FFF2-40B4-BE49-F238E27FC236}">
-                <a16:creationId xmlns:a16="http://schemas.microsoft.com/office/drawing/2014/main" id="{1BBD5097-76EF-4331-8B4F-7FC5173D24FF}"/>
-              </a:ext>
-            </a:extLst>
-          </p:cNvPr>
-          <p:cNvSpPr txBox="1">
-            <a:spLocks/>
-          </p:cNvSpPr>
-          <p:nvPr/>
-        </p:nvSpPr>
-        <p:spPr>
-          <a:xfrm>
-            <a:off x="944733" y="4550305"/>
-            <a:ext cx="10515600" cy="1325563"/>
-          </a:xfrm>
-          <a:prstGeom prst="rect">
-            <a:avLst/>
-          </a:prstGeom>
-        </p:spPr>
-        <p:txBody>
-          <a:bodyPr vert="horz" lIns="91440" tIns="45720" rIns="91440" bIns="45720" rtlCol="0" anchor="ctr">
-            <a:normAutofit/>
-          </a:bodyPr>
-          <a:lstStyle>
-            <a:lvl1pPr algn="l" defTabSz="914400" rtl="0" eaLnBrk="1" latinLnBrk="0" hangingPunct="1">
-              <a:lnSpc>
-                <a:spcPct val="90000"/>
-              </a:lnSpc>
-              <a:spcBef>
-                <a:spcPct val="0"/>
-              </a:spcBef>
-              <a:buNone/>
-              <a:defRPr sz="4400" kern="1200">
-                <a:solidFill>
-                  <a:schemeClr val="tx1"/>
-                </a:solidFill>
-                <a:latin typeface="+mj-lt"/>
-                <a:ea typeface="+mj-ea"/>
-                <a:cs typeface="+mj-cs"/>
-              </a:defRPr>
-            </a:lvl1pPr>
-          </a:lstStyle>
-          <a:p>
-            <a:pPr marL="0" lvl="0" indent="0" algn="l" rtl="0">
-              <a:spcBef>
-                <a:spcPts val="0"/>
-              </a:spcBef>
-              <a:spcAft>
-                <a:spcPts val="0"/>
-              </a:spcAft>
-              <a:buNone/>
-            </a:pPr>
-            <a:r>
-              <a:rPr lang="en-US" sz="2800" dirty="0"/>
-              <a:t>Repository</a:t>
-            </a:r>
-          </a:p>
-        </p:txBody>
-      </p:sp>
-      <p:sp>
-        <p:nvSpPr>
-          <p:cNvPr id="5" name="Content Placeholder 2">
-            <a:extLst>
-              <a:ext uri="{FF2B5EF4-FFF2-40B4-BE49-F238E27FC236}">
-                <a16:creationId xmlns:a16="http://schemas.microsoft.com/office/drawing/2014/main" id="{0FCBC51E-3F25-46EB-85AB-AABA0C43DBAD}"/>
-              </a:ext>
-            </a:extLst>
-          </p:cNvPr>
-          <p:cNvSpPr txBox="1">
-            <a:spLocks/>
-          </p:cNvSpPr>
-          <p:nvPr/>
-        </p:nvSpPr>
-        <p:spPr>
-          <a:xfrm>
-            <a:off x="944733" y="5589371"/>
-            <a:ext cx="10515600" cy="741287"/>
-          </a:xfrm>
-          <a:prstGeom prst="rect">
-            <a:avLst/>
-          </a:prstGeom>
-        </p:spPr>
-        <p:txBody>
-          <a:bodyPr vert="horz" lIns="91440" tIns="45720" rIns="91440" bIns="45720" rtlCol="0">
-            <a:normAutofit/>
-          </a:bodyPr>
-          <a:lstStyle>
-            <a:lvl1pPr marL="228600" indent="-228600" algn="l" defTabSz="914400" rtl="0" eaLnBrk="1" latinLnBrk="0" hangingPunct="1">
-              <a:lnSpc>
-                <a:spcPct val="90000"/>
-              </a:lnSpc>
-              <a:spcBef>
-                <a:spcPts val="1000"/>
-              </a:spcBef>
-              <a:buFont typeface="Arial" panose="020B0604020202020204" pitchFamily="34" charset="0"/>
-              <a:buChar char="•"/>
-              <a:defRPr sz="2800" kern="1200">
-                <a:solidFill>
-                  <a:schemeClr val="tx1"/>
-                </a:solidFill>
-                <a:latin typeface="+mn-lt"/>
-                <a:ea typeface="+mn-ea"/>
-                <a:cs typeface="+mn-cs"/>
-              </a:defRPr>
-            </a:lvl1pPr>
-            <a:lvl2pPr marL="685800" indent="-228600" algn="l" defTabSz="914400" rtl="0" eaLnBrk="1" latinLnBrk="0" hangingPunct="1">
-              <a:lnSpc>
-                <a:spcPct val="90000"/>
-              </a:lnSpc>
-              <a:spcBef>
-                <a:spcPts val="500"/>
-              </a:spcBef>
-              <a:buFont typeface="Arial" panose="020B0604020202020204" pitchFamily="34" charset="0"/>
-              <a:buChar char="•"/>
-              <a:defRPr sz="2400" kern="1200">
-                <a:solidFill>
-                  <a:schemeClr val="tx1"/>
-                </a:solidFill>
-                <a:latin typeface="+mn-lt"/>
-                <a:ea typeface="+mn-ea"/>
-                <a:cs typeface="+mn-cs"/>
-              </a:defRPr>
-            </a:lvl2pPr>
-            <a:lvl3pPr marL="1143000" indent="-228600" algn="l" defTabSz="914400" rtl="0" eaLnBrk="1" latinLnBrk="0" hangingPunct="1">
-              <a:lnSpc>
-                <a:spcPct val="90000"/>
-              </a:lnSpc>
-              <a:spcBef>
-                <a:spcPts val="500"/>
-              </a:spcBef>
-              <a:buFont typeface="Arial" panose="020B0604020202020204" pitchFamily="34" charset="0"/>
-              <a:buChar char="•"/>
-              <a:defRPr sz="2000" kern="1200">
-                <a:solidFill>
-                  <a:schemeClr val="tx1"/>
-                </a:solidFill>
-                <a:latin typeface="+mn-lt"/>
-                <a:ea typeface="+mn-ea"/>
-                <a:cs typeface="+mn-cs"/>
-              </a:defRPr>
-            </a:lvl3pPr>
-            <a:lvl4pPr marL="1600200" indent="-228600" algn="l" defTabSz="914400" rtl="0" eaLnBrk="1" latinLnBrk="0" hangingPunct="1">
-              <a:lnSpc>
-                <a:spcPct val="90000"/>
-              </a:lnSpc>
-              <a:spcBef>
-                <a:spcPts val="500"/>
-              </a:spcBef>
-              <a:buFont typeface="Arial" panose="020B0604020202020204" pitchFamily="34" charset="0"/>
-              <a:buChar char="•"/>
-              <a:defRPr sz="1800" kern="1200">
-                <a:solidFill>
-                  <a:schemeClr val="tx1"/>
-                </a:solidFill>
-                <a:latin typeface="+mn-lt"/>
-                <a:ea typeface="+mn-ea"/>
-                <a:cs typeface="+mn-cs"/>
-              </a:defRPr>
-            </a:lvl4pPr>
-            <a:lvl5pPr marL="2057400" indent="-228600" algn="l" defTabSz="914400" rtl="0" eaLnBrk="1" latinLnBrk="0" hangingPunct="1">
-              <a:lnSpc>
-                <a:spcPct val="90000"/>
-              </a:lnSpc>
-              <a:spcBef>
-                <a:spcPts val="500"/>
-              </a:spcBef>
-              <a:buFont typeface="Arial" panose="020B0604020202020204" pitchFamily="34" charset="0"/>
-              <a:buChar char="•"/>
-              <a:defRPr sz="1800" kern="1200">
-                <a:solidFill>
-                  <a:schemeClr val="tx1"/>
-                </a:solidFill>
-                <a:latin typeface="+mn-lt"/>
-                <a:ea typeface="+mn-ea"/>
-                <a:cs typeface="+mn-cs"/>
-              </a:defRPr>
-            </a:lvl5pPr>
-            <a:lvl6pPr marL="2514600" indent="-228600" algn="l" defTabSz="914400" rtl="0" eaLnBrk="1" latinLnBrk="0" hangingPunct="1">
-              <a:lnSpc>
-                <a:spcPct val="90000"/>
-              </a:lnSpc>
-              <a:spcBef>
-                <a:spcPts val="500"/>
-              </a:spcBef>
-              <a:buFont typeface="Arial" panose="020B0604020202020204" pitchFamily="34" charset="0"/>
-              <a:buChar char="•"/>
-              <a:defRPr sz="1800" kern="1200">
-                <a:solidFill>
-                  <a:schemeClr val="tx1"/>
-                </a:solidFill>
-                <a:latin typeface="+mn-lt"/>
-                <a:ea typeface="+mn-ea"/>
-                <a:cs typeface="+mn-cs"/>
-              </a:defRPr>
-            </a:lvl6pPr>
-            <a:lvl7pPr marL="2971800" indent="-228600" algn="l" defTabSz="914400" rtl="0" eaLnBrk="1" latinLnBrk="0" hangingPunct="1">
-              <a:lnSpc>
-                <a:spcPct val="90000"/>
-              </a:lnSpc>
-              <a:spcBef>
-                <a:spcPts val="500"/>
-              </a:spcBef>
-              <a:buFont typeface="Arial" panose="020B0604020202020204" pitchFamily="34" charset="0"/>
-              <a:buChar char="•"/>
-              <a:defRPr sz="1800" kern="1200">
-                <a:solidFill>
-                  <a:schemeClr val="tx1"/>
-                </a:solidFill>
-                <a:latin typeface="+mn-lt"/>
-                <a:ea typeface="+mn-ea"/>
-                <a:cs typeface="+mn-cs"/>
-              </a:defRPr>
-            </a:lvl7pPr>
-            <a:lvl8pPr marL="3429000" indent="-228600" algn="l" defTabSz="914400" rtl="0" eaLnBrk="1" latinLnBrk="0" hangingPunct="1">
-              <a:lnSpc>
-                <a:spcPct val="90000"/>
-              </a:lnSpc>
-              <a:spcBef>
-                <a:spcPts val="500"/>
-              </a:spcBef>
-              <a:buFont typeface="Arial" panose="020B0604020202020204" pitchFamily="34" charset="0"/>
-              <a:buChar char="•"/>
-              <a:defRPr sz="1800" kern="1200">
-                <a:solidFill>
-                  <a:schemeClr val="tx1"/>
-                </a:solidFill>
-                <a:latin typeface="+mn-lt"/>
-                <a:ea typeface="+mn-ea"/>
-                <a:cs typeface="+mn-cs"/>
-              </a:defRPr>
-            </a:lvl8pPr>
-            <a:lvl9pPr marL="3886200" indent="-228600" algn="l" defTabSz="914400" rtl="0" eaLnBrk="1" latinLnBrk="0" hangingPunct="1">
-              <a:lnSpc>
-                <a:spcPct val="90000"/>
-              </a:lnSpc>
-              <a:spcBef>
-                <a:spcPts val="500"/>
-              </a:spcBef>
-              <a:buFont typeface="Arial" panose="020B0604020202020204" pitchFamily="34" charset="0"/>
-              <a:buChar char="•"/>
-              <a:defRPr sz="1800" kern="1200">
-                <a:solidFill>
-                  <a:schemeClr val="tx1"/>
-                </a:solidFill>
-                <a:latin typeface="+mn-lt"/>
-                <a:ea typeface="+mn-ea"/>
-                <a:cs typeface="+mn-cs"/>
-              </a:defRPr>
-            </a:lvl9pPr>
-          </a:lstStyle>
-          <a:p>
-            <a:r>
-              <a:rPr lang="en-US" dirty="0">
-                <a:hlinkClick r:id="rId2"/>
-              </a:rPr>
-              <a:t>https://github.com/MAQI-SHI/CSYE-7200-Final-Project-Team-6</a:t>
-            </a:r>
-            <a:endParaRPr lang="en-US" dirty="0"/>
-          </a:p>
-        </p:txBody>
-      </p:sp>
-    </p:spTree>
-    <p:extLst>
-      <p:ext uri="{BB962C8B-B14F-4D97-AF65-F5344CB8AC3E}">
-        <p14:creationId xmlns:p14="http://schemas.microsoft.com/office/powerpoint/2010/main" val="3693813384"/>
-      </p:ext>
-    </p:extLst>
-  </p:cSld>
-  <p:clrMapOvr>
-    <a:masterClrMapping/>
-  </p:clrMapOvr>
-</p:sld>
-</file>
-
-<file path=ppt/slides/slide12.xml><?xml version="1.0" encoding="utf-8"?>
-<p:sld xmlns:a="http://schemas.openxmlformats.org/drawingml/2006/main" xmlns:r="http://schemas.openxmlformats.org/officeDocument/2006/relationships" xmlns:p="http://schemas.openxmlformats.org/presentationml/2006/main">
-  <p:cSld>
-    <p:spTree>
-      <p:nvGrpSpPr>
-        <p:cNvPr id="1" name=""/>
-        <p:cNvGrpSpPr/>
-        <p:nvPr/>
-      </p:nvGrpSpPr>
-      <p:grpSpPr>
-        <a:xfrm>
-          <a:off x="0" y="0"/>
-          <a:ext cx="0" cy="0"/>
-          <a:chOff x="0" y="0"/>
-          <a:chExt cx="0" cy="0"/>
-        </a:xfrm>
-      </p:grpSpPr>
-      <p:sp>
-        <p:nvSpPr>
-          <p:cNvPr id="2" name="Title 1">
-            <a:extLst>
-              <a:ext uri="{FF2B5EF4-FFF2-40B4-BE49-F238E27FC236}">
                 <a16:creationId xmlns:a16="http://schemas.microsoft.com/office/drawing/2014/main" id="{3E75BD9C-A4DD-4C30-8800-862812A254D2}"/>
               </a:ext>
             </a:extLst>
@@ -6670,7 +6533,7 @@
 </p:sld>
 </file>
 
-<file path=ppt/slides/slide13.xml><?xml version="1.0" encoding="utf-8"?>
+<file path=ppt/slides/slide12.xml><?xml version="1.0" encoding="utf-8"?>
 <p:sld xmlns:a="http://schemas.openxmlformats.org/drawingml/2006/main" xmlns:r="http://schemas.openxmlformats.org/officeDocument/2006/relationships" xmlns:p="http://schemas.openxmlformats.org/presentationml/2006/main">
   <p:cSld>
     <p:spTree>
@@ -7537,7 +7400,7 @@
           <p:cNvPr id="2" name="Title 1">
             <a:extLst>
               <a:ext uri="{FF2B5EF4-FFF2-40B4-BE49-F238E27FC236}">
-                <a16:creationId xmlns:a16="http://schemas.microsoft.com/office/drawing/2014/main" id="{87CDC66F-AFF3-4AFA-8C98-FF6236F4CAB0}"/>
+                <a16:creationId xmlns:a16="http://schemas.microsoft.com/office/drawing/2014/main" id="{FDC80355-207B-4744-AB58-80E226A99AE4}"/>
               </a:ext>
             </a:extLst>
           </p:cNvPr>
@@ -7554,77 +7417,106 @@
           <a:lstStyle/>
           <a:p>
             <a:r>
-              <a:rPr lang="en-US" altLang="zh-CN" dirty="0"/>
-              <a:t>Logistic Regression</a:t>
-            </a:r>
-            <a:r>
-              <a:rPr lang="en" dirty="0"/>
-              <a:t> Model</a:t>
-            </a:r>
-            <a:endParaRPr lang="en-US" dirty="0"/>
-          </a:p>
-        </p:txBody>
-      </p:sp>
-      <p:sp>
-        <p:nvSpPr>
-          <p:cNvPr id="3" name="Content Placeholder 2">
+              <a:rPr lang="en-US" dirty="0"/>
+              <a:t>result</a:t>
+            </a:r>
+          </a:p>
+        </p:txBody>
+      </p:sp>
+      <p:pic>
+        <p:nvPicPr>
+          <p:cNvPr id="5" name="Picture 4">
             <a:extLst>
               <a:ext uri="{FF2B5EF4-FFF2-40B4-BE49-F238E27FC236}">
-                <a16:creationId xmlns:a16="http://schemas.microsoft.com/office/drawing/2014/main" id="{3D0B39FB-5C76-41CD-B9D6-00C7615086F3}"/>
+                <a16:creationId xmlns:a16="http://schemas.microsoft.com/office/drawing/2014/main" id="{29095C45-4E0D-4B94-840A-5DEE4ABB0CAE}"/>
               </a:ext>
             </a:extLst>
           </p:cNvPr>
-          <p:cNvSpPr>
-            <a:spLocks noGrp="1"/>
-          </p:cNvSpPr>
-          <p:nvPr>
-            <p:ph idx="1"/>
-          </p:nvPr>
-        </p:nvSpPr>
+          <p:cNvPicPr>
+            <a:picLocks noChangeAspect="1"/>
+          </p:cNvPicPr>
+          <p:nvPr/>
+        </p:nvPicPr>
+        <p:blipFill>
+          <a:blip r:embed="rId2"/>
+          <a:stretch>
+            <a:fillRect/>
+          </a:stretch>
+        </p:blipFill>
         <p:spPr>
           <a:xfrm>
-            <a:off x="1206625" y="2464817"/>
-            <a:ext cx="9954711" cy="3545365"/>
+            <a:off x="1420844" y="2805112"/>
+            <a:ext cx="2638425" cy="1066800"/>
           </a:xfrm>
+          <a:prstGeom prst="rect">
+            <a:avLst/>
+          </a:prstGeom>
         </p:spPr>
-        <p:txBody>
-          <a:bodyPr/>
-          <a:lstStyle/>
-          <a:p>
-            <a:r>
-              <a:rPr lang="en-US" altLang="zh-CN" dirty="0"/>
-              <a:t>Logistic regression is a popular method to predict a categorical response. In </a:t>
-            </a:r>
-            <a:r>
-              <a:rPr lang="en-US" altLang="zh-CN" dirty="0" err="1"/>
-              <a:t>spark.ml</a:t>
-            </a:r>
-            <a:r>
-              <a:rPr lang="en-US" altLang="zh-CN" dirty="0"/>
-              <a:t> logistic regression can be used to predict a binary outcome by using binomial logistic regression, or it can be used to predict a multiclass outcome by using multinomial logistic regression. </a:t>
-            </a:r>
-          </a:p>
-          <a:p>
-            <a:r>
-              <a:rPr lang="en-US" dirty="0"/>
-              <a:t>But</a:t>
-            </a:r>
-            <a:r>
-              <a:rPr lang="zh-CN" altLang="en-US" dirty="0"/>
-              <a:t> </a:t>
-            </a:r>
-            <a:r>
-              <a:rPr lang="en-US" altLang="zh-CN" dirty="0"/>
-              <a:t>this model is not suitable for our project, the accuracy of predicting stroke is always be 0 under this model.</a:t>
-            </a:r>
-            <a:endParaRPr lang="en-US" dirty="0"/>
-          </a:p>
-        </p:txBody>
-      </p:sp>
+      </p:pic>
+      <p:pic>
+        <p:nvPicPr>
+          <p:cNvPr id="7" name="Picture 6">
+            <a:extLst>
+              <a:ext uri="{FF2B5EF4-FFF2-40B4-BE49-F238E27FC236}">
+                <a16:creationId xmlns:a16="http://schemas.microsoft.com/office/drawing/2014/main" id="{4B3E89FC-3CA9-4965-84BC-4129FE3D8814}"/>
+              </a:ext>
+            </a:extLst>
+          </p:cNvPr>
+          <p:cNvPicPr>
+            <a:picLocks noChangeAspect="1"/>
+          </p:cNvPicPr>
+          <p:nvPr/>
+        </p:nvPicPr>
+        <p:blipFill>
+          <a:blip r:embed="rId3"/>
+          <a:stretch>
+            <a:fillRect/>
+          </a:stretch>
+        </p:blipFill>
+        <p:spPr>
+          <a:xfrm>
+            <a:off x="4207718" y="2895600"/>
+            <a:ext cx="3390900" cy="857250"/>
+          </a:xfrm>
+          <a:prstGeom prst="rect">
+            <a:avLst/>
+          </a:prstGeom>
+        </p:spPr>
+      </p:pic>
+      <p:pic>
+        <p:nvPicPr>
+          <p:cNvPr id="9" name="Picture 8">
+            <a:extLst>
+              <a:ext uri="{FF2B5EF4-FFF2-40B4-BE49-F238E27FC236}">
+                <a16:creationId xmlns:a16="http://schemas.microsoft.com/office/drawing/2014/main" id="{6336DE43-A69E-4EF6-83A2-591F932A9CFC}"/>
+              </a:ext>
+            </a:extLst>
+          </p:cNvPr>
+          <p:cNvPicPr>
+            <a:picLocks noChangeAspect="1"/>
+          </p:cNvPicPr>
+          <p:nvPr/>
+        </p:nvPicPr>
+        <p:blipFill>
+          <a:blip r:embed="rId4"/>
+          <a:stretch>
+            <a:fillRect/>
+          </a:stretch>
+        </p:blipFill>
+        <p:spPr>
+          <a:xfrm>
+            <a:off x="7747067" y="2895600"/>
+            <a:ext cx="3409950" cy="885825"/>
+          </a:xfrm>
+          <a:prstGeom prst="rect">
+            <a:avLst/>
+          </a:prstGeom>
+        </p:spPr>
+      </p:pic>
     </p:spTree>
     <p:extLst>
       <p:ext uri="{BB962C8B-B14F-4D97-AF65-F5344CB8AC3E}">
-        <p14:creationId xmlns:p14="http://schemas.microsoft.com/office/powerpoint/2010/main" val="3298698334"/>
+        <p14:creationId xmlns:p14="http://schemas.microsoft.com/office/powerpoint/2010/main" val="868078674"/>
       </p:ext>
     </p:extLst>
   </p:cSld>
@@ -7656,7 +7548,7 @@
           <p:cNvPr id="2" name="Title 1">
             <a:extLst>
               <a:ext uri="{FF2B5EF4-FFF2-40B4-BE49-F238E27FC236}">
-                <a16:creationId xmlns:a16="http://schemas.microsoft.com/office/drawing/2014/main" id="{87CDC66F-AFF3-4AFA-8C98-FF6236F4CAB0}"/>
+                <a16:creationId xmlns:a16="http://schemas.microsoft.com/office/drawing/2014/main" id="{D4EF6ECC-DD9D-4CF4-BAE6-37C931F8E8DC}"/>
               </a:ext>
             </a:extLst>
           </p:cNvPr>
@@ -7673,12 +7565,8 @@
           <a:lstStyle/>
           <a:p>
             <a:r>
-              <a:rPr lang="en-US" altLang="zh-CN" dirty="0"/>
-              <a:t>Decision Tree</a:t>
-            </a:r>
-            <a:r>
               <a:rPr lang="en" dirty="0"/>
-              <a:t> Model</a:t>
+              <a:t>Acceptance criteria</a:t>
             </a:r>
             <a:endParaRPr lang="en-US" dirty="0"/>
           </a:p>
@@ -7689,7 +7577,7 @@
           <p:cNvPr id="3" name="Content Placeholder 2">
             <a:extLst>
               <a:ext uri="{FF2B5EF4-FFF2-40B4-BE49-F238E27FC236}">
-                <a16:creationId xmlns:a16="http://schemas.microsoft.com/office/drawing/2014/main" id="{3D0B39FB-5C76-41CD-B9D6-00C7615086F3}"/>
+                <a16:creationId xmlns:a16="http://schemas.microsoft.com/office/drawing/2014/main" id="{FAEEFD48-86F9-4D2A-A422-1A91F4248C5E}"/>
               </a:ext>
             </a:extLst>
           </p:cNvPr>
@@ -7700,40 +7588,71 @@
             <p:ph idx="1"/>
           </p:nvPr>
         </p:nvSpPr>
+        <p:spPr/>
+        <p:txBody>
+          <a:bodyPr/>
+          <a:lstStyle/>
+          <a:p>
+            <a:r>
+              <a:rPr lang="en-US" dirty="0"/>
+              <a:t>Verify analysis results with test set(from dataset)</a:t>
+            </a:r>
+          </a:p>
+          <a:p>
+            <a:pPr marL="0" indent="0">
+              <a:buNone/>
+            </a:pPr>
+            <a:r>
+              <a:rPr lang="en-US" dirty="0"/>
+              <a:t>	The accuracy should reach 70%</a:t>
+            </a:r>
+          </a:p>
+          <a:p>
+            <a:r>
+              <a:rPr lang="en-US"/>
+              <a:t>Response </a:t>
+            </a:r>
+            <a:r>
+              <a:rPr lang="en-US" dirty="0"/>
+              <a:t>time &lt; 2 Seconds</a:t>
+            </a:r>
+          </a:p>
+        </p:txBody>
+      </p:sp>
+      <p:pic>
+        <p:nvPicPr>
+          <p:cNvPr id="9" name="Picture 8">
+            <a:extLst>
+              <a:ext uri="{FF2B5EF4-FFF2-40B4-BE49-F238E27FC236}">
+                <a16:creationId xmlns:a16="http://schemas.microsoft.com/office/drawing/2014/main" id="{204100CC-356D-4353-AC13-68452A739365}"/>
+              </a:ext>
+            </a:extLst>
+          </p:cNvPr>
+          <p:cNvPicPr>
+            <a:picLocks noChangeAspect="1"/>
+          </p:cNvPicPr>
+          <p:nvPr/>
+        </p:nvPicPr>
+        <p:blipFill>
+          <a:blip r:embed="rId2"/>
+          <a:stretch>
+            <a:fillRect/>
+          </a:stretch>
+        </p:blipFill>
         <p:spPr>
           <a:xfrm>
-            <a:off x="1206625" y="2464817"/>
-            <a:ext cx="9954711" cy="3545365"/>
+            <a:off x="1295401" y="5284248"/>
+            <a:ext cx="3200816" cy="591620"/>
           </a:xfrm>
+          <a:prstGeom prst="rect">
+            <a:avLst/>
+          </a:prstGeom>
         </p:spPr>
-        <p:txBody>
-          <a:bodyPr/>
-          <a:lstStyle/>
-          <a:p>
-            <a:r>
-              <a:rPr lang="en-US" altLang="zh-CN" dirty="0"/>
-              <a:t>Decision trees are a popular family of classification and regression methods. More information about the </a:t>
-            </a:r>
-            <a:r>
-              <a:rPr lang="en-US" altLang="zh-CN" dirty="0" err="1"/>
-              <a:t>spark.ml</a:t>
-            </a:r>
-            <a:r>
-              <a:rPr lang="en-US" altLang="zh-CN" dirty="0"/>
-              <a:t> implementation can be found further in the section on decision </a:t>
-            </a:r>
-            <a:r>
-              <a:rPr lang="en-US" altLang="zh-CN"/>
-              <a:t>trees.</a:t>
-            </a:r>
-            <a:endParaRPr lang="en-US" altLang="zh-CN" dirty="0"/>
-          </a:p>
-        </p:txBody>
-      </p:sp>
+      </p:pic>
     </p:spTree>
     <p:extLst>
       <p:ext uri="{BB962C8B-B14F-4D97-AF65-F5344CB8AC3E}">
-        <p14:creationId xmlns:p14="http://schemas.microsoft.com/office/powerpoint/2010/main" val="702961832"/>
+        <p14:creationId xmlns:p14="http://schemas.microsoft.com/office/powerpoint/2010/main" val="3652558185"/>
       </p:ext>
     </p:extLst>
   </p:cSld>

--- a/finalPresentation.pptx
+++ b/finalPresentation.pptx
@@ -9,14 +9,17 @@
     <p:sldId id="265" r:id="rId3"/>
     <p:sldId id="257" r:id="rId4"/>
     <p:sldId id="259" r:id="rId5"/>
-    <p:sldId id="258" r:id="rId6"/>
-    <p:sldId id="260" r:id="rId7"/>
+    <p:sldId id="260" r:id="rId6"/>
+    <p:sldId id="258" r:id="rId7"/>
     <p:sldId id="266" r:id="rId8"/>
-    <p:sldId id="267" r:id="rId9"/>
-    <p:sldId id="263" r:id="rId10"/>
-    <p:sldId id="261" r:id="rId11"/>
-    <p:sldId id="262" r:id="rId12"/>
-    <p:sldId id="264" r:id="rId13"/>
+    <p:sldId id="268" r:id="rId9"/>
+    <p:sldId id="269" r:id="rId10"/>
+    <p:sldId id="270" r:id="rId11"/>
+    <p:sldId id="267" r:id="rId12"/>
+    <p:sldId id="263" r:id="rId13"/>
+    <p:sldId id="261" r:id="rId14"/>
+    <p:sldId id="262" r:id="rId15"/>
+    <p:sldId id="264" r:id="rId16"/>
   </p:sldIdLst>
   <p:sldSz cx="12192000" cy="6858000"/>
   <p:notesSz cx="6858000" cy="9144000"/>
@@ -454,7 +457,7 @@
           <a:p>
             <a:fld id="{12939CF1-E958-4374-A660-E9B0C47FA2E4}" type="datetimeFigureOut">
               <a:rPr lang="en-US" smtClean="0"/>
-              <a:t>4/21/2021</a:t>
+              <a:t>4/21/21</a:t>
             </a:fld>
             <a:endParaRPr lang="en-US"/>
           </a:p>
@@ -778,7 +781,7 @@
           <a:p>
             <a:fld id="{12939CF1-E958-4374-A660-E9B0C47FA2E4}" type="datetimeFigureOut">
               <a:rPr lang="en-US" smtClean="0"/>
-              <a:t>4/21/2021</a:t>
+              <a:t>4/21/21</a:t>
             </a:fld>
             <a:endParaRPr lang="en-US"/>
           </a:p>
@@ -1026,7 +1029,7 @@
           <a:p>
             <a:fld id="{12939CF1-E958-4374-A660-E9B0C47FA2E4}" type="datetimeFigureOut">
               <a:rPr lang="en-US" smtClean="0"/>
-              <a:t>4/21/2021</a:t>
+              <a:t>4/21/21</a:t>
             </a:fld>
             <a:endParaRPr lang="en-US"/>
           </a:p>
@@ -1365,7 +1368,7 @@
           <a:p>
             <a:fld id="{12939CF1-E958-4374-A660-E9B0C47FA2E4}" type="datetimeFigureOut">
               <a:rPr lang="en-US" smtClean="0"/>
-              <a:t>4/21/2021</a:t>
+              <a:t>4/21/21</a:t>
             </a:fld>
             <a:endParaRPr lang="en-US"/>
           </a:p>
@@ -1712,7 +1715,7 @@
           <a:p>
             <a:fld id="{12939CF1-E958-4374-A660-E9B0C47FA2E4}" type="datetimeFigureOut">
               <a:rPr lang="en-US" smtClean="0"/>
-              <a:t>4/21/2021</a:t>
+              <a:t>4/21/21</a:t>
             </a:fld>
             <a:endParaRPr lang="en-US"/>
           </a:p>
@@ -2086,7 +2089,7 @@
           <a:p>
             <a:fld id="{12939CF1-E958-4374-A660-E9B0C47FA2E4}" type="datetimeFigureOut">
               <a:rPr lang="en-US" smtClean="0"/>
-              <a:t>4/21/2021</a:t>
+              <a:t>4/21/21</a:t>
             </a:fld>
             <a:endParaRPr lang="en-US"/>
           </a:p>
@@ -2556,7 +2559,7 @@
           <a:p>
             <a:fld id="{12939CF1-E958-4374-A660-E9B0C47FA2E4}" type="datetimeFigureOut">
               <a:rPr lang="en-US" smtClean="0"/>
-              <a:t>4/21/2021</a:t>
+              <a:t>4/21/21</a:t>
             </a:fld>
             <a:endParaRPr lang="en-US"/>
           </a:p>
@@ -2761,7 +2764,7 @@
           <a:p>
             <a:fld id="{12939CF1-E958-4374-A660-E9B0C47FA2E4}" type="datetimeFigureOut">
               <a:rPr lang="en-US" smtClean="0"/>
-              <a:t>4/21/2021</a:t>
+              <a:t>4/21/21</a:t>
             </a:fld>
             <a:endParaRPr lang="en-US"/>
           </a:p>
@@ -2972,7 +2975,7 @@
           <a:p>
             <a:fld id="{12939CF1-E958-4374-A660-E9B0C47FA2E4}" type="datetimeFigureOut">
               <a:rPr lang="en-US" smtClean="0"/>
-              <a:t>4/21/2021</a:t>
+              <a:t>4/21/21</a:t>
             </a:fld>
             <a:endParaRPr lang="en-US"/>
           </a:p>
@@ -3204,7 +3207,7 @@
           <a:p>
             <a:fld id="{12939CF1-E958-4374-A660-E9B0C47FA2E4}" type="datetimeFigureOut">
               <a:rPr lang="en-US" smtClean="0"/>
-              <a:t>4/21/2021</a:t>
+              <a:t>4/21/21</a:t>
             </a:fld>
             <a:endParaRPr lang="en-US"/>
           </a:p>
@@ -3452,7 +3455,7 @@
           <a:p>
             <a:fld id="{12939CF1-E958-4374-A660-E9B0C47FA2E4}" type="datetimeFigureOut">
               <a:rPr lang="en-US" smtClean="0"/>
-              <a:t>4/21/2021</a:t>
+              <a:t>4/21/21</a:t>
             </a:fld>
             <a:endParaRPr lang="en-US"/>
           </a:p>
@@ -3750,7 +3753,7 @@
           <a:p>
             <a:fld id="{12939CF1-E958-4374-A660-E9B0C47FA2E4}" type="datetimeFigureOut">
               <a:rPr lang="en-US" smtClean="0"/>
-              <a:t>4/21/2021</a:t>
+              <a:t>4/21/21</a:t>
             </a:fld>
             <a:endParaRPr lang="en-US"/>
           </a:p>
@@ -4144,7 +4147,7 @@
           <a:p>
             <a:fld id="{12939CF1-E958-4374-A660-E9B0C47FA2E4}" type="datetimeFigureOut">
               <a:rPr lang="en-US" smtClean="0"/>
-              <a:t>4/21/2021</a:t>
+              <a:t>4/21/21</a:t>
             </a:fld>
             <a:endParaRPr lang="en-US"/>
           </a:p>
@@ -4293,7 +4296,7 @@
           <a:p>
             <a:fld id="{12939CF1-E958-4374-A660-E9B0C47FA2E4}" type="datetimeFigureOut">
               <a:rPr lang="en-US" smtClean="0"/>
-              <a:t>4/21/2021</a:t>
+              <a:t>4/21/21</a:t>
             </a:fld>
             <a:endParaRPr lang="en-US"/>
           </a:p>
@@ -4419,7 +4422,7 @@
           <a:p>
             <a:fld id="{12939CF1-E958-4374-A660-E9B0C47FA2E4}" type="datetimeFigureOut">
               <a:rPr lang="en-US" smtClean="0"/>
-              <a:t>4/21/2021</a:t>
+              <a:t>4/21/21</a:t>
             </a:fld>
             <a:endParaRPr lang="en-US"/>
           </a:p>
@@ -4674,7 +4677,7 @@
           <a:p>
             <a:fld id="{12939CF1-E958-4374-A660-E9B0C47FA2E4}" type="datetimeFigureOut">
               <a:rPr lang="en-US" smtClean="0"/>
-              <a:t>4/21/2021</a:t>
+              <a:t>4/21/21</a:t>
             </a:fld>
             <a:endParaRPr lang="en-US"/>
           </a:p>
@@ -4989,7 +4992,7 @@
           <a:p>
             <a:fld id="{12939CF1-E958-4374-A660-E9B0C47FA2E4}" type="datetimeFigureOut">
               <a:rPr lang="en-US" smtClean="0"/>
-              <a:t>4/21/2021</a:t>
+              <a:t>4/21/21</a:t>
             </a:fld>
             <a:endParaRPr lang="en-US"/>
           </a:p>
@@ -5340,7 +5343,7 @@
           <a:p>
             <a:fld id="{12939CF1-E958-4374-A660-E9B0C47FA2E4}" type="datetimeFigureOut">
               <a:rPr lang="en-US" smtClean="0"/>
-              <a:t>4/21/2021</a:t>
+              <a:t>4/21/21</a:t>
             </a:fld>
             <a:endParaRPr lang="en-US"/>
           </a:p>
@@ -5992,7 +5995,7 @@
           <p:cNvPr id="2" name="Title 1">
             <a:extLst>
               <a:ext uri="{FF2B5EF4-FFF2-40B4-BE49-F238E27FC236}">
-                <a16:creationId xmlns:a16="http://schemas.microsoft.com/office/drawing/2014/main" id="{81C669BF-8099-4FAA-8220-FDC17EC77C19}"/>
+                <a16:creationId xmlns:a16="http://schemas.microsoft.com/office/drawing/2014/main" id="{87CDC66F-AFF3-4AFA-8C98-FF6236F4CAB0}"/>
               </a:ext>
             </a:extLst>
           </p:cNvPr>
@@ -6010,13 +6013,8 @@
           <a:p>
             <a:r>
               <a:rPr lang="en-US" dirty="0"/>
-              <a:t>Program in </a:t>
-            </a:r>
-            <a:r>
-              <a:rPr lang="en-US" dirty="0" err="1"/>
-              <a:t>scala</a:t>
-            </a:r>
-            <a:endParaRPr lang="en-US" dirty="0"/>
+              <a:t>Model Choose</a:t>
+            </a:r>
           </a:p>
         </p:txBody>
       </p:sp>
@@ -6025,7 +6023,7 @@
           <p:cNvPr id="3" name="Content Placeholder 2">
             <a:extLst>
               <a:ext uri="{FF2B5EF4-FFF2-40B4-BE49-F238E27FC236}">
-                <a16:creationId xmlns:a16="http://schemas.microsoft.com/office/drawing/2014/main" id="{5F13A9C0-B03F-43DD-BEE9-9577777F84FF}"/>
+                <a16:creationId xmlns:a16="http://schemas.microsoft.com/office/drawing/2014/main" id="{3D0B39FB-5C76-41CD-B9D6-00C7615086F3}"/>
               </a:ext>
             </a:extLst>
           </p:cNvPr>
@@ -6038,313 +6036,66 @@
         </p:nvSpPr>
         <p:spPr>
           <a:xfrm>
-            <a:off x="1295402" y="2597982"/>
-            <a:ext cx="10515600" cy="2053917"/>
+            <a:off x="1206625" y="2464817"/>
+            <a:ext cx="9954711" cy="3545365"/>
           </a:xfrm>
         </p:spPr>
         <p:txBody>
-          <a:bodyPr>
-            <a:normAutofit lnSpcReduction="10000"/>
-          </a:bodyPr>
-          <a:lstStyle/>
-          <a:p>
-            <a:r>
-              <a:rPr lang="en-US" dirty="0"/>
-              <a:t>The implements of predict model</a:t>
-            </a:r>
-          </a:p>
-          <a:p>
-            <a:r>
-              <a:rPr lang="en-US" dirty="0"/>
-              <a:t>All the unit test</a:t>
-            </a:r>
-          </a:p>
-          <a:p>
-            <a:r>
-              <a:rPr lang="en-US" dirty="0"/>
-              <a:t>Extraction of data</a:t>
-            </a:r>
-          </a:p>
-          <a:p>
-            <a:r>
-              <a:rPr lang="en-US" dirty="0"/>
-              <a:t>Store the user information data</a:t>
-            </a:r>
-          </a:p>
-          <a:p>
-            <a:endParaRPr lang="en-US" dirty="0"/>
-          </a:p>
-        </p:txBody>
-      </p:sp>
-      <p:sp>
-        <p:nvSpPr>
-          <p:cNvPr id="4" name="Title 1">
-            <a:extLst>
-              <a:ext uri="{FF2B5EF4-FFF2-40B4-BE49-F238E27FC236}">
-                <a16:creationId xmlns:a16="http://schemas.microsoft.com/office/drawing/2014/main" id="{1BBD5097-76EF-4331-8B4F-7FC5173D24FF}"/>
-              </a:ext>
-            </a:extLst>
-          </p:cNvPr>
-          <p:cNvSpPr txBox="1">
-            <a:spLocks/>
-          </p:cNvSpPr>
-          <p:nvPr/>
-        </p:nvSpPr>
-        <p:spPr>
-          <a:xfrm>
-            <a:off x="944733" y="4550305"/>
-            <a:ext cx="10515600" cy="1325563"/>
-          </a:xfrm>
-          <a:prstGeom prst="rect">
-            <a:avLst/>
-          </a:prstGeom>
-        </p:spPr>
-        <p:txBody>
-          <a:bodyPr vert="horz" lIns="91440" tIns="45720" rIns="91440" bIns="45720" rtlCol="0" anchor="ctr">
-            <a:normAutofit/>
-          </a:bodyPr>
-          <a:lstStyle>
-            <a:lvl1pPr algn="l" defTabSz="914400" rtl="0" eaLnBrk="1" latinLnBrk="0" hangingPunct="1">
+          <a:bodyPr/>
+          <a:lstStyle/>
+          <a:p>
+            <a:pPr marL="457200" lvl="0" indent="-342900" algn="l" rtl="0">
               <a:lnSpc>
-                <a:spcPct val="90000"/>
+                <a:spcPct val="150000"/>
               </a:lnSpc>
-              <a:spcBef>
-                <a:spcPct val="0"/>
-              </a:spcBef>
-              <a:buNone/>
-              <a:defRPr sz="4400" kern="1200">
-                <a:solidFill>
-                  <a:schemeClr val="tx1"/>
-                </a:solidFill>
-                <a:latin typeface="+mj-lt"/>
-                <a:ea typeface="+mj-ea"/>
-                <a:cs typeface="+mj-cs"/>
-              </a:defRPr>
-            </a:lvl1pPr>
-          </a:lstStyle>
-          <a:p>
-            <a:pPr marL="0" lvl="0" indent="0" algn="l" rtl="0">
               <a:spcBef>
                 <a:spcPts val="0"/>
               </a:spcBef>
               <a:spcAft>
                 <a:spcPts val="0"/>
               </a:spcAft>
-              <a:buNone/>
+              <a:buSzPts val="1800"/>
+              <a:buChar char="●"/>
             </a:pPr>
             <a:r>
-              <a:rPr lang="en-US" sz="2800" dirty="0"/>
-              <a:t>Repository</a:t>
-            </a:r>
-          </a:p>
-        </p:txBody>
-      </p:sp>
-      <p:sp>
-        <p:nvSpPr>
-          <p:cNvPr id="5" name="Content Placeholder 2">
-            <a:extLst>
-              <a:ext uri="{FF2B5EF4-FFF2-40B4-BE49-F238E27FC236}">
-                <a16:creationId xmlns:a16="http://schemas.microsoft.com/office/drawing/2014/main" id="{0FCBC51E-3F25-46EB-85AB-AABA0C43DBAD}"/>
-              </a:ext>
-            </a:extLst>
-          </p:cNvPr>
-          <p:cNvSpPr txBox="1">
-            <a:spLocks/>
-          </p:cNvSpPr>
-          <p:nvPr/>
-        </p:nvSpPr>
-        <p:spPr>
-          <a:xfrm>
-            <a:off x="944733" y="5589371"/>
-            <a:ext cx="10515600" cy="741287"/>
-          </a:xfrm>
-          <a:prstGeom prst="rect">
-            <a:avLst/>
-          </a:prstGeom>
-        </p:spPr>
-        <p:txBody>
-          <a:bodyPr vert="horz" lIns="91440" tIns="45720" rIns="91440" bIns="45720" rtlCol="0">
-            <a:normAutofit/>
-          </a:bodyPr>
-          <a:lstStyle>
-            <a:lvl1pPr marL="228600" indent="-228600" algn="l" defTabSz="914400" rtl="0" eaLnBrk="1" latinLnBrk="0" hangingPunct="1">
+              <a:rPr lang="en-US" dirty="0"/>
+              <a:t>Decision Tree Model</a:t>
+            </a:r>
+          </a:p>
+          <a:p>
+            <a:pPr marL="457200" lvl="0" indent="-342900">
               <a:lnSpc>
-                <a:spcPct val="90000"/>
+                <a:spcPct val="150000"/>
               </a:lnSpc>
               <a:spcBef>
-                <a:spcPts val="1000"/>
+                <a:spcPts val="0"/>
               </a:spcBef>
-              <a:buFont typeface="Arial" panose="020B0604020202020204" pitchFamily="34" charset="0"/>
-              <a:buChar char="•"/>
-              <a:defRPr sz="2800" kern="1200">
-                <a:solidFill>
-                  <a:schemeClr val="tx1"/>
-                </a:solidFill>
-                <a:latin typeface="+mn-lt"/>
-                <a:ea typeface="+mn-ea"/>
-                <a:cs typeface="+mn-cs"/>
-              </a:defRPr>
-            </a:lvl1pPr>
-            <a:lvl2pPr marL="685800" indent="-228600" algn="l" defTabSz="914400" rtl="0" eaLnBrk="1" latinLnBrk="0" hangingPunct="1">
-              <a:lnSpc>
-                <a:spcPct val="90000"/>
-              </a:lnSpc>
-              <a:spcBef>
-                <a:spcPts val="500"/>
-              </a:spcBef>
-              <a:buFont typeface="Arial" panose="020B0604020202020204" pitchFamily="34" charset="0"/>
-              <a:buChar char="•"/>
-              <a:defRPr sz="2400" kern="1200">
-                <a:solidFill>
-                  <a:schemeClr val="tx1"/>
-                </a:solidFill>
-                <a:latin typeface="+mn-lt"/>
-                <a:ea typeface="+mn-ea"/>
-                <a:cs typeface="+mn-cs"/>
-              </a:defRPr>
-            </a:lvl2pPr>
-            <a:lvl3pPr marL="1143000" indent="-228600" algn="l" defTabSz="914400" rtl="0" eaLnBrk="1" latinLnBrk="0" hangingPunct="1">
-              <a:lnSpc>
-                <a:spcPct val="90000"/>
-              </a:lnSpc>
-              <a:spcBef>
-                <a:spcPts val="500"/>
-              </a:spcBef>
-              <a:buFont typeface="Arial" panose="020B0604020202020204" pitchFamily="34" charset="0"/>
-              <a:buChar char="•"/>
-              <a:defRPr sz="2000" kern="1200">
-                <a:solidFill>
-                  <a:schemeClr val="tx1"/>
-                </a:solidFill>
-                <a:latin typeface="+mn-lt"/>
-                <a:ea typeface="+mn-ea"/>
-                <a:cs typeface="+mn-cs"/>
-              </a:defRPr>
-            </a:lvl3pPr>
-            <a:lvl4pPr marL="1600200" indent="-228600" algn="l" defTabSz="914400" rtl="0" eaLnBrk="1" latinLnBrk="0" hangingPunct="1">
-              <a:lnSpc>
-                <a:spcPct val="90000"/>
-              </a:lnSpc>
-              <a:spcBef>
-                <a:spcPts val="500"/>
-              </a:spcBef>
-              <a:buFont typeface="Arial" panose="020B0604020202020204" pitchFamily="34" charset="0"/>
-              <a:buChar char="•"/>
-              <a:defRPr sz="1800" kern="1200">
-                <a:solidFill>
-                  <a:schemeClr val="tx1"/>
-                </a:solidFill>
-                <a:latin typeface="+mn-lt"/>
-                <a:ea typeface="+mn-ea"/>
-                <a:cs typeface="+mn-cs"/>
-              </a:defRPr>
-            </a:lvl4pPr>
-            <a:lvl5pPr marL="2057400" indent="-228600" algn="l" defTabSz="914400" rtl="0" eaLnBrk="1" latinLnBrk="0" hangingPunct="1">
-              <a:lnSpc>
-                <a:spcPct val="90000"/>
-              </a:lnSpc>
-              <a:spcBef>
-                <a:spcPts val="500"/>
-              </a:spcBef>
-              <a:buFont typeface="Arial" panose="020B0604020202020204" pitchFamily="34" charset="0"/>
-              <a:buChar char="•"/>
-              <a:defRPr sz="1800" kern="1200">
-                <a:solidFill>
-                  <a:schemeClr val="tx1"/>
-                </a:solidFill>
-                <a:latin typeface="+mn-lt"/>
-                <a:ea typeface="+mn-ea"/>
-                <a:cs typeface="+mn-cs"/>
-              </a:defRPr>
-            </a:lvl5pPr>
-            <a:lvl6pPr marL="2514600" indent="-228600" algn="l" defTabSz="914400" rtl="0" eaLnBrk="1" latinLnBrk="0" hangingPunct="1">
-              <a:lnSpc>
-                <a:spcPct val="90000"/>
-              </a:lnSpc>
-              <a:spcBef>
-                <a:spcPts val="500"/>
-              </a:spcBef>
-              <a:buFont typeface="Arial" panose="020B0604020202020204" pitchFamily="34" charset="0"/>
-              <a:buChar char="•"/>
-              <a:defRPr sz="1800" kern="1200">
-                <a:solidFill>
-                  <a:schemeClr val="tx1"/>
-                </a:solidFill>
-                <a:latin typeface="+mn-lt"/>
-                <a:ea typeface="+mn-ea"/>
-                <a:cs typeface="+mn-cs"/>
-              </a:defRPr>
-            </a:lvl6pPr>
-            <a:lvl7pPr marL="2971800" indent="-228600" algn="l" defTabSz="914400" rtl="0" eaLnBrk="1" latinLnBrk="0" hangingPunct="1">
-              <a:lnSpc>
-                <a:spcPct val="90000"/>
-              </a:lnSpc>
-              <a:spcBef>
-                <a:spcPts val="500"/>
-              </a:spcBef>
-              <a:buFont typeface="Arial" panose="020B0604020202020204" pitchFamily="34" charset="0"/>
-              <a:buChar char="•"/>
-              <a:defRPr sz="1800" kern="1200">
-                <a:solidFill>
-                  <a:schemeClr val="tx1"/>
-                </a:solidFill>
-                <a:latin typeface="+mn-lt"/>
-                <a:ea typeface="+mn-ea"/>
-                <a:cs typeface="+mn-cs"/>
-              </a:defRPr>
-            </a:lvl7pPr>
-            <a:lvl8pPr marL="3429000" indent="-228600" algn="l" defTabSz="914400" rtl="0" eaLnBrk="1" latinLnBrk="0" hangingPunct="1">
-              <a:lnSpc>
-                <a:spcPct val="90000"/>
-              </a:lnSpc>
-              <a:spcBef>
-                <a:spcPts val="500"/>
-              </a:spcBef>
-              <a:buFont typeface="Arial" panose="020B0604020202020204" pitchFamily="34" charset="0"/>
-              <a:buChar char="•"/>
-              <a:defRPr sz="1800" kern="1200">
-                <a:solidFill>
-                  <a:schemeClr val="tx1"/>
-                </a:solidFill>
-                <a:latin typeface="+mn-lt"/>
-                <a:ea typeface="+mn-ea"/>
-                <a:cs typeface="+mn-cs"/>
-              </a:defRPr>
-            </a:lvl8pPr>
-            <a:lvl9pPr marL="3886200" indent="-228600" algn="l" defTabSz="914400" rtl="0" eaLnBrk="1" latinLnBrk="0" hangingPunct="1">
-              <a:lnSpc>
-                <a:spcPct val="90000"/>
-              </a:lnSpc>
-              <a:spcBef>
-                <a:spcPts val="500"/>
-              </a:spcBef>
-              <a:buFont typeface="Arial" panose="020B0604020202020204" pitchFamily="34" charset="0"/>
-              <a:buChar char="•"/>
-              <a:defRPr sz="1800" kern="1200">
-                <a:solidFill>
-                  <a:schemeClr val="tx1"/>
-                </a:solidFill>
-                <a:latin typeface="+mn-lt"/>
-                <a:ea typeface="+mn-ea"/>
-                <a:cs typeface="+mn-cs"/>
-              </a:defRPr>
-            </a:lvl9pPr>
-          </a:lstStyle>
-          <a:p>
-            <a:r>
-              <a:rPr lang="en-US" dirty="0">
-                <a:hlinkClick r:id="rId2"/>
-              </a:rPr>
-              <a:t>https://github.com/MAQI-SHI/CSYE-7200-Final-Project-Team-6</a:t>
-            </a:r>
-            <a:endParaRPr lang="en-US" dirty="0"/>
+              <a:spcAft>
+                <a:spcPts val="0"/>
+              </a:spcAft>
+              <a:buSzPts val="1800"/>
+              <a:buChar char="●"/>
+            </a:pPr>
+            <a:r>
+              <a:rPr lang="en-US" altLang="zh-CN" dirty="0"/>
+              <a:t>Random forests are a popular family of classification and regression methods. More information about the </a:t>
+            </a:r>
+            <a:r>
+              <a:rPr lang="en-US" altLang="zh-CN" dirty="0" err="1"/>
+              <a:t>spark.ml</a:t>
+            </a:r>
+            <a:r>
+              <a:rPr lang="en-US" altLang="zh-CN" dirty="0"/>
+              <a:t> implementation can be found further in the section on random forests.</a:t>
+            </a:r>
+            <a:endParaRPr lang="en-US" b="1" dirty="0"/>
           </a:p>
         </p:txBody>
       </p:sp>
     </p:spTree>
     <p:extLst>
       <p:ext uri="{BB962C8B-B14F-4D97-AF65-F5344CB8AC3E}">
-        <p14:creationId xmlns:p14="http://schemas.microsoft.com/office/powerpoint/2010/main" val="3693813384"/>
+        <p14:creationId xmlns:p14="http://schemas.microsoft.com/office/powerpoint/2010/main" val="3073327280"/>
       </p:ext>
     </p:extLst>
   </p:cSld>
@@ -6376,6 +6127,805 @@
           <p:cNvPr id="2" name="Title 1">
             <a:extLst>
               <a:ext uri="{FF2B5EF4-FFF2-40B4-BE49-F238E27FC236}">
+                <a16:creationId xmlns:a16="http://schemas.microsoft.com/office/drawing/2014/main" id="{FDC80355-207B-4744-AB58-80E226A99AE4}"/>
+              </a:ext>
+            </a:extLst>
+          </p:cNvPr>
+          <p:cNvSpPr>
+            <a:spLocks noGrp="1"/>
+          </p:cNvSpPr>
+          <p:nvPr>
+            <p:ph type="title"/>
+          </p:nvPr>
+        </p:nvSpPr>
+        <p:spPr/>
+        <p:txBody>
+          <a:bodyPr/>
+          <a:lstStyle/>
+          <a:p>
+            <a:r>
+              <a:rPr lang="en-US" dirty="0"/>
+              <a:t>Result &amp; Test</a:t>
+            </a:r>
+          </a:p>
+        </p:txBody>
+      </p:sp>
+      <p:pic>
+        <p:nvPicPr>
+          <p:cNvPr id="5" name="Picture 4">
+            <a:extLst>
+              <a:ext uri="{FF2B5EF4-FFF2-40B4-BE49-F238E27FC236}">
+                <a16:creationId xmlns:a16="http://schemas.microsoft.com/office/drawing/2014/main" id="{29095C45-4E0D-4B94-840A-5DEE4ABB0CAE}"/>
+              </a:ext>
+            </a:extLst>
+          </p:cNvPr>
+          <p:cNvPicPr>
+            <a:picLocks noChangeAspect="1"/>
+          </p:cNvPicPr>
+          <p:nvPr/>
+        </p:nvPicPr>
+        <p:blipFill>
+          <a:blip r:embed="rId2"/>
+          <a:stretch>
+            <a:fillRect/>
+          </a:stretch>
+        </p:blipFill>
+        <p:spPr>
+          <a:xfrm>
+            <a:off x="1420844" y="2572435"/>
+            <a:ext cx="2638425" cy="1066800"/>
+          </a:xfrm>
+          <a:prstGeom prst="rect">
+            <a:avLst/>
+          </a:prstGeom>
+        </p:spPr>
+      </p:pic>
+      <p:pic>
+        <p:nvPicPr>
+          <p:cNvPr id="7" name="Picture 6">
+            <a:extLst>
+              <a:ext uri="{FF2B5EF4-FFF2-40B4-BE49-F238E27FC236}">
+                <a16:creationId xmlns:a16="http://schemas.microsoft.com/office/drawing/2014/main" id="{4B3E89FC-3CA9-4965-84BC-4129FE3D8814}"/>
+              </a:ext>
+            </a:extLst>
+          </p:cNvPr>
+          <p:cNvPicPr>
+            <a:picLocks noChangeAspect="1"/>
+          </p:cNvPicPr>
+          <p:nvPr/>
+        </p:nvPicPr>
+        <p:blipFill>
+          <a:blip r:embed="rId3"/>
+          <a:stretch>
+            <a:fillRect/>
+          </a:stretch>
+        </p:blipFill>
+        <p:spPr>
+          <a:xfrm>
+            <a:off x="4207718" y="2595267"/>
+            <a:ext cx="3390900" cy="857250"/>
+          </a:xfrm>
+          <a:prstGeom prst="rect">
+            <a:avLst/>
+          </a:prstGeom>
+        </p:spPr>
+      </p:pic>
+      <p:pic>
+        <p:nvPicPr>
+          <p:cNvPr id="9" name="Picture 8">
+            <a:extLst>
+              <a:ext uri="{FF2B5EF4-FFF2-40B4-BE49-F238E27FC236}">
+                <a16:creationId xmlns:a16="http://schemas.microsoft.com/office/drawing/2014/main" id="{6336DE43-A69E-4EF6-83A2-591F932A9CFC}"/>
+              </a:ext>
+            </a:extLst>
+          </p:cNvPr>
+          <p:cNvPicPr>
+            <a:picLocks noChangeAspect="1"/>
+          </p:cNvPicPr>
+          <p:nvPr/>
+        </p:nvPicPr>
+        <p:blipFill>
+          <a:blip r:embed="rId4"/>
+          <a:stretch>
+            <a:fillRect/>
+          </a:stretch>
+        </p:blipFill>
+        <p:spPr>
+          <a:xfrm>
+            <a:off x="7747067" y="2592578"/>
+            <a:ext cx="3409950" cy="885825"/>
+          </a:xfrm>
+          <a:prstGeom prst="rect">
+            <a:avLst/>
+          </a:prstGeom>
+        </p:spPr>
+      </p:pic>
+      <p:sp>
+        <p:nvSpPr>
+          <p:cNvPr id="3" name="矩形 2">
+            <a:extLst>
+              <a:ext uri="{FF2B5EF4-FFF2-40B4-BE49-F238E27FC236}">
+                <a16:creationId xmlns:a16="http://schemas.microsoft.com/office/drawing/2014/main" id="{8EA23E0E-11FE-884F-BD58-24AE54E5BD15}"/>
+              </a:ext>
+            </a:extLst>
+          </p:cNvPr>
+          <p:cNvSpPr/>
+          <p:nvPr/>
+        </p:nvSpPr>
+        <p:spPr>
+          <a:xfrm>
+            <a:off x="1420844" y="3556339"/>
+            <a:ext cx="6096000" cy="2031325"/>
+          </a:xfrm>
+          <a:prstGeom prst="rect">
+            <a:avLst/>
+          </a:prstGeom>
+        </p:spPr>
+        <p:txBody>
+          <a:bodyPr>
+            <a:spAutoFit/>
+          </a:bodyPr>
+          <a:lstStyle/>
+          <a:p>
+            <a:pPr marL="285750" indent="-285750">
+              <a:buFont typeface="Arial" panose="020B0604020202020204" pitchFamily="34" charset="0"/>
+              <a:buChar char="•"/>
+            </a:pPr>
+            <a:r>
+              <a:rPr lang="en-US" altLang="zh-CN" dirty="0"/>
+              <a:t>Check Data</a:t>
+            </a:r>
+          </a:p>
+          <a:p>
+            <a:endParaRPr lang="en-US" altLang="zh-CN" dirty="0"/>
+          </a:p>
+          <a:p>
+            <a:endParaRPr lang="en-US" altLang="zh-CN" dirty="0"/>
+          </a:p>
+          <a:p>
+            <a:endParaRPr lang="en-US" altLang="zh-CN" dirty="0"/>
+          </a:p>
+          <a:p>
+            <a:endParaRPr lang="en-US" altLang="zh-CN" dirty="0"/>
+          </a:p>
+          <a:p>
+            <a:pPr marL="285750" indent="-285750">
+              <a:buFont typeface="Arial" panose="020B0604020202020204" pitchFamily="34" charset="0"/>
+              <a:buChar char="•"/>
+            </a:pPr>
+            <a:r>
+              <a:rPr lang="en-US" altLang="zh-CN" dirty="0"/>
+              <a:t>Check Model</a:t>
+            </a:r>
+          </a:p>
+          <a:p>
+            <a:endParaRPr lang="en-US" altLang="zh-CN" dirty="0"/>
+          </a:p>
+        </p:txBody>
+      </p:sp>
+      <p:pic>
+        <p:nvPicPr>
+          <p:cNvPr id="6" name="图片 5" descr="图形用户界面, 文本, 应用程序, 网站&#10;&#10;描述已自动生成">
+            <a:extLst>
+              <a:ext uri="{FF2B5EF4-FFF2-40B4-BE49-F238E27FC236}">
+                <a16:creationId xmlns:a16="http://schemas.microsoft.com/office/drawing/2014/main" id="{3A87D821-2710-FD45-8EA3-E1DEBC381F00}"/>
+              </a:ext>
+            </a:extLst>
+          </p:cNvPr>
+          <p:cNvPicPr>
+            <a:picLocks noChangeAspect="1"/>
+          </p:cNvPicPr>
+          <p:nvPr/>
+        </p:nvPicPr>
+        <p:blipFill>
+          <a:blip r:embed="rId5">
+            <a:extLst>
+              <a:ext uri="{28A0092B-C50C-407E-A947-70E740481C1C}">
+                <a14:useLocalDpi xmlns:a14="http://schemas.microsoft.com/office/drawing/2010/main" val="0"/>
+              </a:ext>
+            </a:extLst>
+          </a:blip>
+          <a:stretch>
+            <a:fillRect/>
+          </a:stretch>
+        </p:blipFill>
+        <p:spPr>
+          <a:xfrm>
+            <a:off x="1566118" y="3919259"/>
+            <a:ext cx="5283200" cy="1003140"/>
+          </a:xfrm>
+          <a:prstGeom prst="rect">
+            <a:avLst/>
+          </a:prstGeom>
+        </p:spPr>
+      </p:pic>
+      <p:pic>
+        <p:nvPicPr>
+          <p:cNvPr id="10" name="图片 9" descr="图形用户界面, 文本&#10;&#10;描述已自动生成">
+            <a:extLst>
+              <a:ext uri="{FF2B5EF4-FFF2-40B4-BE49-F238E27FC236}">
+                <a16:creationId xmlns:a16="http://schemas.microsoft.com/office/drawing/2014/main" id="{433B70D3-687E-DF43-9B0C-B78B3F657F1F}"/>
+              </a:ext>
+            </a:extLst>
+          </p:cNvPr>
+          <p:cNvPicPr>
+            <a:picLocks noChangeAspect="1"/>
+          </p:cNvPicPr>
+          <p:nvPr/>
+        </p:nvPicPr>
+        <p:blipFill>
+          <a:blip r:embed="rId6">
+            <a:extLst>
+              <a:ext uri="{28A0092B-C50C-407E-A947-70E740481C1C}">
+                <a14:useLocalDpi xmlns:a14="http://schemas.microsoft.com/office/drawing/2010/main" val="0"/>
+              </a:ext>
+            </a:extLst>
+          </a:blip>
+          <a:stretch>
+            <a:fillRect/>
+          </a:stretch>
+        </p:blipFill>
+        <p:spPr>
+          <a:xfrm>
+            <a:off x="1566118" y="5285319"/>
+            <a:ext cx="4228618" cy="945340"/>
+          </a:xfrm>
+          <a:prstGeom prst="rect">
+            <a:avLst/>
+          </a:prstGeom>
+        </p:spPr>
+      </p:pic>
+    </p:spTree>
+    <p:extLst>
+      <p:ext uri="{BB962C8B-B14F-4D97-AF65-F5344CB8AC3E}">
+        <p14:creationId xmlns:p14="http://schemas.microsoft.com/office/powerpoint/2010/main" val="868078674"/>
+      </p:ext>
+    </p:extLst>
+  </p:cSld>
+  <p:clrMapOvr>
+    <a:masterClrMapping/>
+  </p:clrMapOvr>
+</p:sld>
+</file>
+
+<file path=ppt/slides/slide12.xml><?xml version="1.0" encoding="utf-8"?>
+<p:sld xmlns:a="http://schemas.openxmlformats.org/drawingml/2006/main" xmlns:r="http://schemas.openxmlformats.org/officeDocument/2006/relationships" xmlns:p="http://schemas.openxmlformats.org/presentationml/2006/main">
+  <p:cSld>
+    <p:spTree>
+      <p:nvGrpSpPr>
+        <p:cNvPr id="1" name=""/>
+        <p:cNvGrpSpPr/>
+        <p:nvPr/>
+      </p:nvGrpSpPr>
+      <p:grpSpPr>
+        <a:xfrm>
+          <a:off x="0" y="0"/>
+          <a:ext cx="0" cy="0"/>
+          <a:chOff x="0" y="0"/>
+          <a:chExt cx="0" cy="0"/>
+        </a:xfrm>
+      </p:grpSpPr>
+      <p:sp>
+        <p:nvSpPr>
+          <p:cNvPr id="2" name="Title 1">
+            <a:extLst>
+              <a:ext uri="{FF2B5EF4-FFF2-40B4-BE49-F238E27FC236}">
+                <a16:creationId xmlns:a16="http://schemas.microsoft.com/office/drawing/2014/main" id="{D4EF6ECC-DD9D-4CF4-BAE6-37C931F8E8DC}"/>
+              </a:ext>
+            </a:extLst>
+          </p:cNvPr>
+          <p:cNvSpPr>
+            <a:spLocks noGrp="1"/>
+          </p:cNvSpPr>
+          <p:nvPr>
+            <p:ph type="title"/>
+          </p:nvPr>
+        </p:nvSpPr>
+        <p:spPr/>
+        <p:txBody>
+          <a:bodyPr/>
+          <a:lstStyle/>
+          <a:p>
+            <a:r>
+              <a:rPr lang="en" dirty="0"/>
+              <a:t>Acceptance criteria</a:t>
+            </a:r>
+            <a:endParaRPr lang="en-US" dirty="0"/>
+          </a:p>
+        </p:txBody>
+      </p:sp>
+      <p:sp>
+        <p:nvSpPr>
+          <p:cNvPr id="3" name="Content Placeholder 2">
+            <a:extLst>
+              <a:ext uri="{FF2B5EF4-FFF2-40B4-BE49-F238E27FC236}">
+                <a16:creationId xmlns:a16="http://schemas.microsoft.com/office/drawing/2014/main" id="{FAEEFD48-86F9-4D2A-A422-1A91F4248C5E}"/>
+              </a:ext>
+            </a:extLst>
+          </p:cNvPr>
+          <p:cNvSpPr>
+            <a:spLocks noGrp="1"/>
+          </p:cNvSpPr>
+          <p:nvPr>
+            <p:ph idx="1"/>
+          </p:nvPr>
+        </p:nvSpPr>
+        <p:spPr/>
+        <p:txBody>
+          <a:bodyPr/>
+          <a:lstStyle/>
+          <a:p>
+            <a:r>
+              <a:rPr lang="en-US" dirty="0"/>
+              <a:t>Verify analysis results with test set(from dataset)</a:t>
+            </a:r>
+          </a:p>
+          <a:p>
+            <a:pPr marL="0" indent="0">
+              <a:buNone/>
+            </a:pPr>
+            <a:r>
+              <a:rPr lang="en-US" dirty="0"/>
+              <a:t>	The accuracy should reach 70%</a:t>
+            </a:r>
+          </a:p>
+          <a:p>
+            <a:r>
+              <a:rPr lang="en-US" dirty="0"/>
+              <a:t>Response time &lt; 2 Seconds</a:t>
+            </a:r>
+          </a:p>
+        </p:txBody>
+      </p:sp>
+      <p:pic>
+        <p:nvPicPr>
+          <p:cNvPr id="9" name="Picture 8">
+            <a:extLst>
+              <a:ext uri="{FF2B5EF4-FFF2-40B4-BE49-F238E27FC236}">
+                <a16:creationId xmlns:a16="http://schemas.microsoft.com/office/drawing/2014/main" id="{204100CC-356D-4353-AC13-68452A739365}"/>
+              </a:ext>
+            </a:extLst>
+          </p:cNvPr>
+          <p:cNvPicPr>
+            <a:picLocks noChangeAspect="1"/>
+          </p:cNvPicPr>
+          <p:nvPr/>
+        </p:nvPicPr>
+        <p:blipFill>
+          <a:blip r:embed="rId2"/>
+          <a:stretch>
+            <a:fillRect/>
+          </a:stretch>
+        </p:blipFill>
+        <p:spPr>
+          <a:xfrm>
+            <a:off x="1719944" y="4216400"/>
+            <a:ext cx="3200816" cy="591620"/>
+          </a:xfrm>
+          <a:prstGeom prst="rect">
+            <a:avLst/>
+          </a:prstGeom>
+        </p:spPr>
+      </p:pic>
+    </p:spTree>
+    <p:extLst>
+      <p:ext uri="{BB962C8B-B14F-4D97-AF65-F5344CB8AC3E}">
+        <p14:creationId xmlns:p14="http://schemas.microsoft.com/office/powerpoint/2010/main" val="3652558185"/>
+      </p:ext>
+    </p:extLst>
+  </p:cSld>
+  <p:clrMapOvr>
+    <a:masterClrMapping/>
+  </p:clrMapOvr>
+</p:sld>
+</file>
+
+<file path=ppt/slides/slide13.xml><?xml version="1.0" encoding="utf-8"?>
+<p:sld xmlns:a="http://schemas.openxmlformats.org/drawingml/2006/main" xmlns:r="http://schemas.openxmlformats.org/officeDocument/2006/relationships" xmlns:p="http://schemas.openxmlformats.org/presentationml/2006/main">
+  <p:cSld>
+    <p:spTree>
+      <p:nvGrpSpPr>
+        <p:cNvPr id="1" name=""/>
+        <p:cNvGrpSpPr/>
+        <p:nvPr/>
+      </p:nvGrpSpPr>
+      <p:grpSpPr>
+        <a:xfrm>
+          <a:off x="0" y="0"/>
+          <a:ext cx="0" cy="0"/>
+          <a:chOff x="0" y="0"/>
+          <a:chExt cx="0" cy="0"/>
+        </a:xfrm>
+      </p:grpSpPr>
+      <p:sp>
+        <p:nvSpPr>
+          <p:cNvPr id="2" name="Title 1">
+            <a:extLst>
+              <a:ext uri="{FF2B5EF4-FFF2-40B4-BE49-F238E27FC236}">
+                <a16:creationId xmlns:a16="http://schemas.microsoft.com/office/drawing/2014/main" id="{81C669BF-8099-4FAA-8220-FDC17EC77C19}"/>
+              </a:ext>
+            </a:extLst>
+          </p:cNvPr>
+          <p:cNvSpPr>
+            <a:spLocks noGrp="1"/>
+          </p:cNvSpPr>
+          <p:nvPr>
+            <p:ph type="title"/>
+          </p:nvPr>
+        </p:nvSpPr>
+        <p:spPr/>
+        <p:txBody>
+          <a:bodyPr/>
+          <a:lstStyle/>
+          <a:p>
+            <a:r>
+              <a:rPr lang="en-US" dirty="0"/>
+              <a:t>Program in </a:t>
+            </a:r>
+            <a:r>
+              <a:rPr lang="en-US" dirty="0" err="1"/>
+              <a:t>scala</a:t>
+            </a:r>
+            <a:endParaRPr lang="en-US" dirty="0"/>
+          </a:p>
+        </p:txBody>
+      </p:sp>
+      <p:sp>
+        <p:nvSpPr>
+          <p:cNvPr id="3" name="Content Placeholder 2">
+            <a:extLst>
+              <a:ext uri="{FF2B5EF4-FFF2-40B4-BE49-F238E27FC236}">
+                <a16:creationId xmlns:a16="http://schemas.microsoft.com/office/drawing/2014/main" id="{5F13A9C0-B03F-43DD-BEE9-9577777F84FF}"/>
+              </a:ext>
+            </a:extLst>
+          </p:cNvPr>
+          <p:cNvSpPr>
+            <a:spLocks noGrp="1"/>
+          </p:cNvSpPr>
+          <p:nvPr>
+            <p:ph idx="1"/>
+          </p:nvPr>
+        </p:nvSpPr>
+        <p:spPr>
+          <a:xfrm>
+            <a:off x="1295402" y="2597982"/>
+            <a:ext cx="10515600" cy="2053917"/>
+          </a:xfrm>
+        </p:spPr>
+        <p:txBody>
+          <a:bodyPr>
+            <a:normAutofit lnSpcReduction="10000"/>
+          </a:bodyPr>
+          <a:lstStyle/>
+          <a:p>
+            <a:r>
+              <a:rPr lang="en-US" dirty="0"/>
+              <a:t>The implements of predict model</a:t>
+            </a:r>
+          </a:p>
+          <a:p>
+            <a:r>
+              <a:rPr lang="en-US" dirty="0"/>
+              <a:t>All the unit test</a:t>
+            </a:r>
+          </a:p>
+          <a:p>
+            <a:r>
+              <a:rPr lang="en-US" dirty="0"/>
+              <a:t>Extraction of data</a:t>
+            </a:r>
+          </a:p>
+          <a:p>
+            <a:r>
+              <a:rPr lang="en-US" dirty="0"/>
+              <a:t>Store the user information data</a:t>
+            </a:r>
+          </a:p>
+          <a:p>
+            <a:endParaRPr lang="en-US" dirty="0"/>
+          </a:p>
+        </p:txBody>
+      </p:sp>
+      <p:sp>
+        <p:nvSpPr>
+          <p:cNvPr id="4" name="Title 1">
+            <a:extLst>
+              <a:ext uri="{FF2B5EF4-FFF2-40B4-BE49-F238E27FC236}">
+                <a16:creationId xmlns:a16="http://schemas.microsoft.com/office/drawing/2014/main" id="{1BBD5097-76EF-4331-8B4F-7FC5173D24FF}"/>
+              </a:ext>
+            </a:extLst>
+          </p:cNvPr>
+          <p:cNvSpPr txBox="1">
+            <a:spLocks/>
+          </p:cNvSpPr>
+          <p:nvPr/>
+        </p:nvSpPr>
+        <p:spPr>
+          <a:xfrm>
+            <a:off x="944733" y="4550305"/>
+            <a:ext cx="10515600" cy="1325563"/>
+          </a:xfrm>
+          <a:prstGeom prst="rect">
+            <a:avLst/>
+          </a:prstGeom>
+        </p:spPr>
+        <p:txBody>
+          <a:bodyPr vert="horz" lIns="91440" tIns="45720" rIns="91440" bIns="45720" rtlCol="0" anchor="ctr">
+            <a:normAutofit/>
+          </a:bodyPr>
+          <a:lstStyle>
+            <a:lvl1pPr algn="l" defTabSz="914400" rtl="0" eaLnBrk="1" latinLnBrk="0" hangingPunct="1">
+              <a:lnSpc>
+                <a:spcPct val="90000"/>
+              </a:lnSpc>
+              <a:spcBef>
+                <a:spcPct val="0"/>
+              </a:spcBef>
+              <a:buNone/>
+              <a:defRPr sz="4400" kern="1200">
+                <a:solidFill>
+                  <a:schemeClr val="tx1"/>
+                </a:solidFill>
+                <a:latin typeface="+mj-lt"/>
+                <a:ea typeface="+mj-ea"/>
+                <a:cs typeface="+mj-cs"/>
+              </a:defRPr>
+            </a:lvl1pPr>
+          </a:lstStyle>
+          <a:p>
+            <a:pPr marL="0" lvl="0" indent="0" algn="l" rtl="0">
+              <a:spcBef>
+                <a:spcPts val="0"/>
+              </a:spcBef>
+              <a:spcAft>
+                <a:spcPts val="0"/>
+              </a:spcAft>
+              <a:buNone/>
+            </a:pPr>
+            <a:r>
+              <a:rPr lang="en-US" sz="2800" dirty="0"/>
+              <a:t>Repository</a:t>
+            </a:r>
+          </a:p>
+        </p:txBody>
+      </p:sp>
+      <p:sp>
+        <p:nvSpPr>
+          <p:cNvPr id="5" name="Content Placeholder 2">
+            <a:extLst>
+              <a:ext uri="{FF2B5EF4-FFF2-40B4-BE49-F238E27FC236}">
+                <a16:creationId xmlns:a16="http://schemas.microsoft.com/office/drawing/2014/main" id="{0FCBC51E-3F25-46EB-85AB-AABA0C43DBAD}"/>
+              </a:ext>
+            </a:extLst>
+          </p:cNvPr>
+          <p:cNvSpPr txBox="1">
+            <a:spLocks/>
+          </p:cNvSpPr>
+          <p:nvPr/>
+        </p:nvSpPr>
+        <p:spPr>
+          <a:xfrm>
+            <a:off x="944733" y="5589371"/>
+            <a:ext cx="10515600" cy="741287"/>
+          </a:xfrm>
+          <a:prstGeom prst="rect">
+            <a:avLst/>
+          </a:prstGeom>
+        </p:spPr>
+        <p:txBody>
+          <a:bodyPr vert="horz" lIns="91440" tIns="45720" rIns="91440" bIns="45720" rtlCol="0">
+            <a:normAutofit/>
+          </a:bodyPr>
+          <a:lstStyle>
+            <a:lvl1pPr marL="228600" indent="-228600" algn="l" defTabSz="914400" rtl="0" eaLnBrk="1" latinLnBrk="0" hangingPunct="1">
+              <a:lnSpc>
+                <a:spcPct val="90000"/>
+              </a:lnSpc>
+              <a:spcBef>
+                <a:spcPts val="1000"/>
+              </a:spcBef>
+              <a:buFont typeface="Arial" panose="020B0604020202020204" pitchFamily="34" charset="0"/>
+              <a:buChar char="•"/>
+              <a:defRPr sz="2800" kern="1200">
+                <a:solidFill>
+                  <a:schemeClr val="tx1"/>
+                </a:solidFill>
+                <a:latin typeface="+mn-lt"/>
+                <a:ea typeface="+mn-ea"/>
+                <a:cs typeface="+mn-cs"/>
+              </a:defRPr>
+            </a:lvl1pPr>
+            <a:lvl2pPr marL="685800" indent="-228600" algn="l" defTabSz="914400" rtl="0" eaLnBrk="1" latinLnBrk="0" hangingPunct="1">
+              <a:lnSpc>
+                <a:spcPct val="90000"/>
+              </a:lnSpc>
+              <a:spcBef>
+                <a:spcPts val="500"/>
+              </a:spcBef>
+              <a:buFont typeface="Arial" panose="020B0604020202020204" pitchFamily="34" charset="0"/>
+              <a:buChar char="•"/>
+              <a:defRPr sz="2400" kern="1200">
+                <a:solidFill>
+                  <a:schemeClr val="tx1"/>
+                </a:solidFill>
+                <a:latin typeface="+mn-lt"/>
+                <a:ea typeface="+mn-ea"/>
+                <a:cs typeface="+mn-cs"/>
+              </a:defRPr>
+            </a:lvl2pPr>
+            <a:lvl3pPr marL="1143000" indent="-228600" algn="l" defTabSz="914400" rtl="0" eaLnBrk="1" latinLnBrk="0" hangingPunct="1">
+              <a:lnSpc>
+                <a:spcPct val="90000"/>
+              </a:lnSpc>
+              <a:spcBef>
+                <a:spcPts val="500"/>
+              </a:spcBef>
+              <a:buFont typeface="Arial" panose="020B0604020202020204" pitchFamily="34" charset="0"/>
+              <a:buChar char="•"/>
+              <a:defRPr sz="2000" kern="1200">
+                <a:solidFill>
+                  <a:schemeClr val="tx1"/>
+                </a:solidFill>
+                <a:latin typeface="+mn-lt"/>
+                <a:ea typeface="+mn-ea"/>
+                <a:cs typeface="+mn-cs"/>
+              </a:defRPr>
+            </a:lvl3pPr>
+            <a:lvl4pPr marL="1600200" indent="-228600" algn="l" defTabSz="914400" rtl="0" eaLnBrk="1" latinLnBrk="0" hangingPunct="1">
+              <a:lnSpc>
+                <a:spcPct val="90000"/>
+              </a:lnSpc>
+              <a:spcBef>
+                <a:spcPts val="500"/>
+              </a:spcBef>
+              <a:buFont typeface="Arial" panose="020B0604020202020204" pitchFamily="34" charset="0"/>
+              <a:buChar char="•"/>
+              <a:defRPr sz="1800" kern="1200">
+                <a:solidFill>
+                  <a:schemeClr val="tx1"/>
+                </a:solidFill>
+                <a:latin typeface="+mn-lt"/>
+                <a:ea typeface="+mn-ea"/>
+                <a:cs typeface="+mn-cs"/>
+              </a:defRPr>
+            </a:lvl4pPr>
+            <a:lvl5pPr marL="2057400" indent="-228600" algn="l" defTabSz="914400" rtl="0" eaLnBrk="1" latinLnBrk="0" hangingPunct="1">
+              <a:lnSpc>
+                <a:spcPct val="90000"/>
+              </a:lnSpc>
+              <a:spcBef>
+                <a:spcPts val="500"/>
+              </a:spcBef>
+              <a:buFont typeface="Arial" panose="020B0604020202020204" pitchFamily="34" charset="0"/>
+              <a:buChar char="•"/>
+              <a:defRPr sz="1800" kern="1200">
+                <a:solidFill>
+                  <a:schemeClr val="tx1"/>
+                </a:solidFill>
+                <a:latin typeface="+mn-lt"/>
+                <a:ea typeface="+mn-ea"/>
+                <a:cs typeface="+mn-cs"/>
+              </a:defRPr>
+            </a:lvl5pPr>
+            <a:lvl6pPr marL="2514600" indent="-228600" algn="l" defTabSz="914400" rtl="0" eaLnBrk="1" latinLnBrk="0" hangingPunct="1">
+              <a:lnSpc>
+                <a:spcPct val="90000"/>
+              </a:lnSpc>
+              <a:spcBef>
+                <a:spcPts val="500"/>
+              </a:spcBef>
+              <a:buFont typeface="Arial" panose="020B0604020202020204" pitchFamily="34" charset="0"/>
+              <a:buChar char="•"/>
+              <a:defRPr sz="1800" kern="1200">
+                <a:solidFill>
+                  <a:schemeClr val="tx1"/>
+                </a:solidFill>
+                <a:latin typeface="+mn-lt"/>
+                <a:ea typeface="+mn-ea"/>
+                <a:cs typeface="+mn-cs"/>
+              </a:defRPr>
+            </a:lvl6pPr>
+            <a:lvl7pPr marL="2971800" indent="-228600" algn="l" defTabSz="914400" rtl="0" eaLnBrk="1" latinLnBrk="0" hangingPunct="1">
+              <a:lnSpc>
+                <a:spcPct val="90000"/>
+              </a:lnSpc>
+              <a:spcBef>
+                <a:spcPts val="500"/>
+              </a:spcBef>
+              <a:buFont typeface="Arial" panose="020B0604020202020204" pitchFamily="34" charset="0"/>
+              <a:buChar char="•"/>
+              <a:defRPr sz="1800" kern="1200">
+                <a:solidFill>
+                  <a:schemeClr val="tx1"/>
+                </a:solidFill>
+                <a:latin typeface="+mn-lt"/>
+                <a:ea typeface="+mn-ea"/>
+                <a:cs typeface="+mn-cs"/>
+              </a:defRPr>
+            </a:lvl7pPr>
+            <a:lvl8pPr marL="3429000" indent="-228600" algn="l" defTabSz="914400" rtl="0" eaLnBrk="1" latinLnBrk="0" hangingPunct="1">
+              <a:lnSpc>
+                <a:spcPct val="90000"/>
+              </a:lnSpc>
+              <a:spcBef>
+                <a:spcPts val="500"/>
+              </a:spcBef>
+              <a:buFont typeface="Arial" panose="020B0604020202020204" pitchFamily="34" charset="0"/>
+              <a:buChar char="•"/>
+              <a:defRPr sz="1800" kern="1200">
+                <a:solidFill>
+                  <a:schemeClr val="tx1"/>
+                </a:solidFill>
+                <a:latin typeface="+mn-lt"/>
+                <a:ea typeface="+mn-ea"/>
+                <a:cs typeface="+mn-cs"/>
+              </a:defRPr>
+            </a:lvl8pPr>
+            <a:lvl9pPr marL="3886200" indent="-228600" algn="l" defTabSz="914400" rtl="0" eaLnBrk="1" latinLnBrk="0" hangingPunct="1">
+              <a:lnSpc>
+                <a:spcPct val="90000"/>
+              </a:lnSpc>
+              <a:spcBef>
+                <a:spcPts val="500"/>
+              </a:spcBef>
+              <a:buFont typeface="Arial" panose="020B0604020202020204" pitchFamily="34" charset="0"/>
+              <a:buChar char="•"/>
+              <a:defRPr sz="1800" kern="1200">
+                <a:solidFill>
+                  <a:schemeClr val="tx1"/>
+                </a:solidFill>
+                <a:latin typeface="+mn-lt"/>
+                <a:ea typeface="+mn-ea"/>
+                <a:cs typeface="+mn-cs"/>
+              </a:defRPr>
+            </a:lvl9pPr>
+          </a:lstStyle>
+          <a:p>
+            <a:r>
+              <a:rPr lang="en-US" dirty="0">
+                <a:hlinkClick r:id="rId2"/>
+              </a:rPr>
+              <a:t>https://github.com/MAQI-SHI/CSYE-7200-Final-Project-Team-6</a:t>
+            </a:r>
+            <a:endParaRPr lang="en-US" dirty="0"/>
+          </a:p>
+        </p:txBody>
+      </p:sp>
+    </p:spTree>
+    <p:extLst>
+      <p:ext uri="{BB962C8B-B14F-4D97-AF65-F5344CB8AC3E}">
+        <p14:creationId xmlns:p14="http://schemas.microsoft.com/office/powerpoint/2010/main" val="3693813384"/>
+      </p:ext>
+    </p:extLst>
+  </p:cSld>
+  <p:clrMapOvr>
+    <a:masterClrMapping/>
+  </p:clrMapOvr>
+</p:sld>
+</file>
+
+<file path=ppt/slides/slide14.xml><?xml version="1.0" encoding="utf-8"?>
+<p:sld xmlns:a="http://schemas.openxmlformats.org/drawingml/2006/main" xmlns:r="http://schemas.openxmlformats.org/officeDocument/2006/relationships" xmlns:p="http://schemas.openxmlformats.org/presentationml/2006/main">
+  <p:cSld>
+    <p:spTree>
+      <p:nvGrpSpPr>
+        <p:cNvPr id="1" name=""/>
+        <p:cNvGrpSpPr/>
+        <p:nvPr/>
+      </p:nvGrpSpPr>
+      <p:grpSpPr>
+        <a:xfrm>
+          <a:off x="0" y="0"/>
+          <a:ext cx="0" cy="0"/>
+          <a:chOff x="0" y="0"/>
+          <a:chExt cx="0" cy="0"/>
+        </a:xfrm>
+      </p:grpSpPr>
+      <p:sp>
+        <p:nvSpPr>
+          <p:cNvPr id="2" name="Title 1">
+            <a:extLst>
+              <a:ext uri="{FF2B5EF4-FFF2-40B4-BE49-F238E27FC236}">
                 <a16:creationId xmlns:a16="http://schemas.microsoft.com/office/drawing/2014/main" id="{3E75BD9C-A4DD-4C30-8800-862812A254D2}"/>
               </a:ext>
             </a:extLst>
@@ -6533,7 +7083,7 @@
 </p:sld>
 </file>
 
-<file path=ppt/slides/slide12.xml><?xml version="1.0" encoding="utf-8"?>
+<file path=ppt/slides/slide15.xml><?xml version="1.0" encoding="utf-8"?>
 <p:sld xmlns:a="http://schemas.openxmlformats.org/drawingml/2006/main" xmlns:r="http://schemas.openxmlformats.org/officeDocument/2006/relationships" xmlns:p="http://schemas.openxmlformats.org/presentationml/2006/main">
   <p:cSld>
     <p:spTree>
@@ -6971,7 +7521,7 @@
           <p:cNvPr id="2" name="Title 1">
             <a:extLst>
               <a:ext uri="{FF2B5EF4-FFF2-40B4-BE49-F238E27FC236}">
-                <a16:creationId xmlns:a16="http://schemas.microsoft.com/office/drawing/2014/main" id="{87CDC66F-AFF3-4AFA-8C98-FF6236F4CAB0}"/>
+                <a16:creationId xmlns:a16="http://schemas.microsoft.com/office/drawing/2014/main" id="{1B431E7D-8BCA-4AB7-A1AC-28A0B1069BE2}"/>
               </a:ext>
             </a:extLst>
           </p:cNvPr>
@@ -6989,7 +7539,7 @@
           <a:p>
             <a:r>
               <a:rPr lang="en" dirty="0"/>
-              <a:t>Methodology</a:t>
+              <a:t>Milestone</a:t>
             </a:r>
             <a:endParaRPr lang="en-US" dirty="0"/>
           </a:p>
@@ -7000,7 +7550,7 @@
           <p:cNvPr id="3" name="Content Placeholder 2">
             <a:extLst>
               <a:ext uri="{FF2B5EF4-FFF2-40B4-BE49-F238E27FC236}">
-                <a16:creationId xmlns:a16="http://schemas.microsoft.com/office/drawing/2014/main" id="{3D0B39FB-5C76-41CD-B9D6-00C7615086F3}"/>
+                <a16:creationId xmlns:a16="http://schemas.microsoft.com/office/drawing/2014/main" id="{A60664D0-BACB-48B8-9992-2CEE15818A83}"/>
               </a:ext>
             </a:extLst>
           </p:cNvPr>
@@ -7011,89 +7561,55 @@
             <p:ph idx="1"/>
           </p:nvPr>
         </p:nvSpPr>
-        <p:spPr>
-          <a:xfrm>
-            <a:off x="1206625" y="2464817"/>
-            <a:ext cx="9954711" cy="3545365"/>
-          </a:xfrm>
-        </p:spPr>
-        <p:txBody>
-          <a:bodyPr/>
-          <a:lstStyle/>
-          <a:p>
-            <a:pPr marL="457200" lvl="0" indent="-342900" algn="l" rtl="0">
-              <a:lnSpc>
-                <a:spcPct val="150000"/>
-              </a:lnSpc>
-              <a:spcBef>
-                <a:spcPts val="0"/>
-              </a:spcBef>
-              <a:spcAft>
-                <a:spcPts val="0"/>
-              </a:spcAft>
-              <a:buSzPts val="1800"/>
-              <a:buChar char="●"/>
+        <p:spPr/>
+        <p:txBody>
+          <a:bodyPr>
+            <a:normAutofit lnSpcReduction="10000"/>
+          </a:bodyPr>
+          <a:lstStyle/>
+          <a:p>
+            <a:r>
+              <a:rPr lang="en-US" dirty="0"/>
+              <a:t>Week 1, data clean and learn spark</a:t>
+            </a:r>
+          </a:p>
+          <a:p>
+            <a:pPr marL="0" indent="0">
+              <a:buNone/>
             </a:pPr>
             <a:r>
               <a:rPr lang="en-US" dirty="0"/>
-              <a:t>Extract Stroke Prediction Dataset from </a:t>
-            </a:r>
-            <a:r>
-              <a:rPr lang="en-US" dirty="0" err="1"/>
-              <a:t>kaggle</a:t>
-            </a:r>
+              <a:t>	clean and break down the text of CSV format, eliminate errors and missing data, store them in the program or the database</a:t>
+            </a:r>
+          </a:p>
+          <a:p>
             <a:r>
               <a:rPr lang="en-US" dirty="0"/>
-              <a:t> dataset website (</a:t>
-            </a:r>
-            <a:r>
-              <a:rPr lang="en-US" dirty="0">
-                <a:hlinkClick r:id="rId2"/>
-              </a:rPr>
-              <a:t>https://www.kaggle.com/lirilkumaramal/heart-stroke</a:t>
-            </a:r>
+              <a:t>Week 2 -3, build prediction model and train the model</a:t>
+            </a:r>
+          </a:p>
+          <a:p>
+            <a:pPr marL="0" indent="0">
+              <a:buNone/>
+            </a:pPr>
             <a:r>
               <a:rPr lang="en-US" dirty="0"/>
-              <a:t>)</a:t>
-            </a:r>
-          </a:p>
-          <a:p>
-            <a:pPr marL="457200" lvl="0" indent="-342900" algn="l" rtl="0">
-              <a:lnSpc>
-                <a:spcPct val="150000"/>
-              </a:lnSpc>
-              <a:spcBef>
-                <a:spcPts val="0"/>
-              </a:spcBef>
-              <a:spcAft>
-                <a:spcPts val="0"/>
-              </a:spcAft>
-              <a:buSzPts val="1800"/>
-              <a:buChar char="●"/>
+              <a:t>	Train multiple models, and get the result	</a:t>
+            </a:r>
+          </a:p>
+          <a:p>
+            <a:r>
+              <a:rPr lang="en-US" dirty="0"/>
+              <a:t>Week 4, test model</a:t>
+            </a:r>
+          </a:p>
+          <a:p>
+            <a:pPr marL="0" indent="0">
+              <a:buNone/>
             </a:pPr>
             <a:r>
               <a:rPr lang="en-US" dirty="0"/>
-              <a:t>Clean and break down the text of CSV format </a:t>
-            </a:r>
-          </a:p>
-          <a:p>
-            <a:r>
-              <a:rPr lang="en-US" dirty="0"/>
-              <a:t>Replace null values with mode or average</a:t>
-            </a:r>
-          </a:p>
-          <a:p>
-            <a:pPr lvl="1"/>
-            <a:r>
-              <a:rPr lang="en-US" dirty="0"/>
-              <a:t>For String type data, use mode</a:t>
-            </a:r>
-          </a:p>
-          <a:p>
-            <a:pPr lvl="1"/>
-            <a:r>
-              <a:rPr lang="en-US" dirty="0"/>
-              <a:t>For Double type data, use average</a:t>
+              <a:t>	use the test set to test models and find the best one</a:t>
             </a:r>
           </a:p>
         </p:txBody>
@@ -7101,7 +7617,7 @@
     </p:spTree>
     <p:extLst>
       <p:ext uri="{BB962C8B-B14F-4D97-AF65-F5344CB8AC3E}">
-        <p14:creationId xmlns:p14="http://schemas.microsoft.com/office/powerpoint/2010/main" val="2716125267"/>
+        <p14:creationId xmlns:p14="http://schemas.microsoft.com/office/powerpoint/2010/main" val="950556719"/>
       </p:ext>
     </p:extLst>
   </p:cSld>
@@ -7133,7 +7649,7 @@
           <p:cNvPr id="2" name="Title 1">
             <a:extLst>
               <a:ext uri="{FF2B5EF4-FFF2-40B4-BE49-F238E27FC236}">
-                <a16:creationId xmlns:a16="http://schemas.microsoft.com/office/drawing/2014/main" id="{1B431E7D-8BCA-4AB7-A1AC-28A0B1069BE2}"/>
+                <a16:creationId xmlns:a16="http://schemas.microsoft.com/office/drawing/2014/main" id="{87CDC66F-AFF3-4AFA-8C98-FF6236F4CAB0}"/>
               </a:ext>
             </a:extLst>
           </p:cNvPr>
@@ -7151,7 +7667,7 @@
           <a:p>
             <a:r>
               <a:rPr lang="en" dirty="0"/>
-              <a:t>Milestone</a:t>
+              <a:t>Methodology</a:t>
             </a:r>
             <a:endParaRPr lang="en-US" dirty="0"/>
           </a:p>
@@ -7162,7 +7678,7 @@
           <p:cNvPr id="3" name="Content Placeholder 2">
             <a:extLst>
               <a:ext uri="{FF2B5EF4-FFF2-40B4-BE49-F238E27FC236}">
-                <a16:creationId xmlns:a16="http://schemas.microsoft.com/office/drawing/2014/main" id="{A60664D0-BACB-48B8-9992-2CEE15818A83}"/>
+                <a16:creationId xmlns:a16="http://schemas.microsoft.com/office/drawing/2014/main" id="{3D0B39FB-5C76-41CD-B9D6-00C7615086F3}"/>
               </a:ext>
             </a:extLst>
           </p:cNvPr>
@@ -7173,55 +7689,89 @@
             <p:ph idx="1"/>
           </p:nvPr>
         </p:nvSpPr>
-        <p:spPr/>
-        <p:txBody>
-          <a:bodyPr>
-            <a:normAutofit lnSpcReduction="10000"/>
-          </a:bodyPr>
-          <a:lstStyle/>
-          <a:p>
+        <p:spPr>
+          <a:xfrm>
+            <a:off x="1206625" y="2464817"/>
+            <a:ext cx="9954711" cy="3545365"/>
+          </a:xfrm>
+        </p:spPr>
+        <p:txBody>
+          <a:bodyPr/>
+          <a:lstStyle/>
+          <a:p>
+            <a:pPr marL="457200" lvl="0" indent="-342900" algn="l" rtl="0">
+              <a:lnSpc>
+                <a:spcPct val="150000"/>
+              </a:lnSpc>
+              <a:spcBef>
+                <a:spcPts val="0"/>
+              </a:spcBef>
+              <a:spcAft>
+                <a:spcPts val="0"/>
+              </a:spcAft>
+              <a:buSzPts val="1800"/>
+              <a:buChar char="●"/>
+            </a:pPr>
             <a:r>
               <a:rPr lang="en-US" dirty="0"/>
-              <a:t>Week 1, data clean and learn spark</a:t>
-            </a:r>
-          </a:p>
-          <a:p>
-            <a:pPr marL="0" indent="0">
-              <a:buNone/>
+              <a:t>Extract Stroke Prediction Dataset from </a:t>
+            </a:r>
+            <a:r>
+              <a:rPr lang="en-US" dirty="0" err="1"/>
+              <a:t>kaggle</a:t>
+            </a:r>
+            <a:r>
+              <a:rPr lang="en-US" dirty="0"/>
+              <a:t> dataset website (</a:t>
+            </a:r>
+            <a:r>
+              <a:rPr lang="en-US" dirty="0">
+                <a:hlinkClick r:id="rId2"/>
+              </a:rPr>
+              <a:t>https://www.kaggle.com/lirilkumaramal/heart-stroke</a:t>
+            </a:r>
+            <a:r>
+              <a:rPr lang="en-US" dirty="0"/>
+              <a:t>)</a:t>
+            </a:r>
+          </a:p>
+          <a:p>
+            <a:pPr marL="457200" lvl="0" indent="-342900" algn="l" rtl="0">
+              <a:lnSpc>
+                <a:spcPct val="150000"/>
+              </a:lnSpc>
+              <a:spcBef>
+                <a:spcPts val="0"/>
+              </a:spcBef>
+              <a:spcAft>
+                <a:spcPts val="0"/>
+              </a:spcAft>
+              <a:buSzPts val="1800"/>
+              <a:buChar char="●"/>
             </a:pPr>
             <a:r>
               <a:rPr lang="en-US" dirty="0"/>
-              <a:t>	clean and break down the text of CSV format, eliminate errors and missing data, store them in the program or the database</a:t>
+              <a:t>Clean and break down the text of CSV format </a:t>
             </a:r>
           </a:p>
           <a:p>
             <a:r>
               <a:rPr lang="en-US" dirty="0"/>
-              <a:t>Week 2 -3, build prediction model and train the model</a:t>
-            </a:r>
-          </a:p>
-          <a:p>
-            <a:pPr marL="0" indent="0">
-              <a:buNone/>
-            </a:pPr>
+              <a:t>Replace null values with mode or average</a:t>
+            </a:r>
+          </a:p>
+          <a:p>
+            <a:pPr lvl="1"/>
             <a:r>
               <a:rPr lang="en-US" dirty="0"/>
-              <a:t>	Train multiple models, and get the result	</a:t>
-            </a:r>
-          </a:p>
-          <a:p>
+              <a:t>For String type data, use mode</a:t>
+            </a:r>
+          </a:p>
+          <a:p>
+            <a:pPr lvl="1"/>
             <a:r>
               <a:rPr lang="en-US" dirty="0"/>
-              <a:t>Week 4, test model</a:t>
-            </a:r>
-          </a:p>
-          <a:p>
-            <a:pPr marL="0" indent="0">
-              <a:buNone/>
-            </a:pPr>
-            <a:r>
-              <a:rPr lang="en-US" dirty="0"/>
-              <a:t>	use the test set to test models and find the best one</a:t>
+              <a:t>For Double type data, use average</a:t>
             </a:r>
           </a:p>
         </p:txBody>
@@ -7229,7 +7779,7 @@
     </p:spTree>
     <p:extLst>
       <p:ext uri="{BB962C8B-B14F-4D97-AF65-F5344CB8AC3E}">
-        <p14:creationId xmlns:p14="http://schemas.microsoft.com/office/powerpoint/2010/main" val="950556719"/>
+        <p14:creationId xmlns:p14="http://schemas.microsoft.com/office/powerpoint/2010/main" val="2716125267"/>
       </p:ext>
     </p:extLst>
   </p:cSld>
@@ -7400,7 +7950,7 @@
           <p:cNvPr id="2" name="Title 1">
             <a:extLst>
               <a:ext uri="{FF2B5EF4-FFF2-40B4-BE49-F238E27FC236}">
-                <a16:creationId xmlns:a16="http://schemas.microsoft.com/office/drawing/2014/main" id="{FDC80355-207B-4744-AB58-80E226A99AE4}"/>
+                <a16:creationId xmlns:a16="http://schemas.microsoft.com/office/drawing/2014/main" id="{87CDC66F-AFF3-4AFA-8C98-FF6236F4CAB0}"/>
               </a:ext>
             </a:extLst>
           </p:cNvPr>
@@ -7418,105 +7968,91 @@
           <a:p>
             <a:r>
               <a:rPr lang="en-US" dirty="0"/>
-              <a:t>result</a:t>
-            </a:r>
-          </a:p>
-        </p:txBody>
-      </p:sp>
-      <p:pic>
-        <p:nvPicPr>
-          <p:cNvPr id="5" name="Picture 4">
+              <a:t>Model Choose</a:t>
+            </a:r>
+          </a:p>
+        </p:txBody>
+      </p:sp>
+      <p:sp>
+        <p:nvSpPr>
+          <p:cNvPr id="3" name="Content Placeholder 2">
             <a:extLst>
               <a:ext uri="{FF2B5EF4-FFF2-40B4-BE49-F238E27FC236}">
-                <a16:creationId xmlns:a16="http://schemas.microsoft.com/office/drawing/2014/main" id="{29095C45-4E0D-4B94-840A-5DEE4ABB0CAE}"/>
+                <a16:creationId xmlns:a16="http://schemas.microsoft.com/office/drawing/2014/main" id="{3D0B39FB-5C76-41CD-B9D6-00C7615086F3}"/>
               </a:ext>
             </a:extLst>
           </p:cNvPr>
-          <p:cNvPicPr>
-            <a:picLocks noChangeAspect="1"/>
-          </p:cNvPicPr>
-          <p:nvPr/>
-        </p:nvPicPr>
-        <p:blipFill>
-          <a:blip r:embed="rId2"/>
-          <a:stretch>
-            <a:fillRect/>
-          </a:stretch>
-        </p:blipFill>
+          <p:cNvSpPr>
+            <a:spLocks noGrp="1"/>
+          </p:cNvSpPr>
+          <p:nvPr>
+            <p:ph idx="1"/>
+          </p:nvPr>
+        </p:nvSpPr>
         <p:spPr>
           <a:xfrm>
-            <a:off x="1420844" y="2805112"/>
-            <a:ext cx="2638425" cy="1066800"/>
+            <a:off x="1206625" y="2464817"/>
+            <a:ext cx="9954711" cy="3545365"/>
           </a:xfrm>
-          <a:prstGeom prst="rect">
-            <a:avLst/>
-          </a:prstGeom>
         </p:spPr>
-      </p:pic>
-      <p:pic>
-        <p:nvPicPr>
-          <p:cNvPr id="7" name="Picture 6">
-            <a:extLst>
-              <a:ext uri="{FF2B5EF4-FFF2-40B4-BE49-F238E27FC236}">
-                <a16:creationId xmlns:a16="http://schemas.microsoft.com/office/drawing/2014/main" id="{4B3E89FC-3CA9-4965-84BC-4129FE3D8814}"/>
-              </a:ext>
-            </a:extLst>
-          </p:cNvPr>
-          <p:cNvPicPr>
-            <a:picLocks noChangeAspect="1"/>
-          </p:cNvPicPr>
-          <p:nvPr/>
-        </p:nvPicPr>
-        <p:blipFill>
-          <a:blip r:embed="rId3"/>
-          <a:stretch>
-            <a:fillRect/>
-          </a:stretch>
-        </p:blipFill>
-        <p:spPr>
-          <a:xfrm>
-            <a:off x="4207718" y="2895600"/>
-            <a:ext cx="3390900" cy="857250"/>
-          </a:xfrm>
-          <a:prstGeom prst="rect">
-            <a:avLst/>
-          </a:prstGeom>
-        </p:spPr>
-      </p:pic>
-      <p:pic>
-        <p:nvPicPr>
-          <p:cNvPr id="9" name="Picture 8">
-            <a:extLst>
-              <a:ext uri="{FF2B5EF4-FFF2-40B4-BE49-F238E27FC236}">
-                <a16:creationId xmlns:a16="http://schemas.microsoft.com/office/drawing/2014/main" id="{6336DE43-A69E-4EF6-83A2-591F932A9CFC}"/>
-              </a:ext>
-            </a:extLst>
-          </p:cNvPr>
-          <p:cNvPicPr>
-            <a:picLocks noChangeAspect="1"/>
-          </p:cNvPicPr>
-          <p:nvPr/>
-        </p:nvPicPr>
-        <p:blipFill>
-          <a:blip r:embed="rId4"/>
-          <a:stretch>
-            <a:fillRect/>
-          </a:stretch>
-        </p:blipFill>
-        <p:spPr>
-          <a:xfrm>
-            <a:off x="7747067" y="2895600"/>
-            <a:ext cx="3409950" cy="885825"/>
-          </a:xfrm>
-          <a:prstGeom prst="rect">
-            <a:avLst/>
-          </a:prstGeom>
-        </p:spPr>
-      </p:pic>
+        <p:txBody>
+          <a:bodyPr/>
+          <a:lstStyle/>
+          <a:p>
+            <a:pPr marL="457200" indent="-342900">
+              <a:lnSpc>
+                <a:spcPct val="150000"/>
+              </a:lnSpc>
+              <a:spcBef>
+                <a:spcPts val="0"/>
+              </a:spcBef>
+              <a:spcAft>
+                <a:spcPts val="0"/>
+              </a:spcAft>
+              <a:buSzPts val="1800"/>
+              <a:buFont typeface="Arial"/>
+              <a:buChar char="●"/>
+            </a:pPr>
+            <a:r>
+              <a:rPr lang="en-US" altLang="zh-CN" dirty="0"/>
+              <a:t>Random Forest Model</a:t>
+            </a:r>
+          </a:p>
+          <a:p>
+            <a:pPr marL="457200" indent="-342900">
+              <a:lnSpc>
+                <a:spcPct val="150000"/>
+              </a:lnSpc>
+              <a:spcBef>
+                <a:spcPts val="0"/>
+              </a:spcBef>
+              <a:spcAft>
+                <a:spcPts val="0"/>
+              </a:spcAft>
+              <a:buSzPts val="1800"/>
+              <a:buFont typeface="Arial"/>
+              <a:buChar char="●"/>
+            </a:pPr>
+            <a:r>
+              <a:rPr lang="en-US" altLang="zh-CN" dirty="0"/>
+              <a:t>Random forests are a popular family of classification and regression methods. More information about the </a:t>
+            </a:r>
+            <a:r>
+              <a:rPr lang="en-US" altLang="zh-CN" dirty="0" err="1"/>
+              <a:t>spark.ml</a:t>
+            </a:r>
+            <a:r>
+              <a:rPr lang="en-US" altLang="zh-CN" dirty="0"/>
+              <a:t> implementation can be found further in the section on random forests.</a:t>
+            </a:r>
+            <a:endParaRPr lang="en-US" dirty="0"/>
+          </a:p>
+        </p:txBody>
+      </p:sp>
     </p:spTree>
     <p:extLst>
       <p:ext uri="{BB962C8B-B14F-4D97-AF65-F5344CB8AC3E}">
-        <p14:creationId xmlns:p14="http://schemas.microsoft.com/office/powerpoint/2010/main" val="868078674"/>
+        <p14:creationId xmlns:p14="http://schemas.microsoft.com/office/powerpoint/2010/main" val="2602688097"/>
       </p:ext>
     </p:extLst>
   </p:cSld>
@@ -7548,7 +8084,7 @@
           <p:cNvPr id="2" name="Title 1">
             <a:extLst>
               <a:ext uri="{FF2B5EF4-FFF2-40B4-BE49-F238E27FC236}">
-                <a16:creationId xmlns:a16="http://schemas.microsoft.com/office/drawing/2014/main" id="{D4EF6ECC-DD9D-4CF4-BAE6-37C931F8E8DC}"/>
+                <a16:creationId xmlns:a16="http://schemas.microsoft.com/office/drawing/2014/main" id="{87CDC66F-AFF3-4AFA-8C98-FF6236F4CAB0}"/>
               </a:ext>
             </a:extLst>
           </p:cNvPr>
@@ -7565,10 +8101,9 @@
           <a:lstStyle/>
           <a:p>
             <a:r>
-              <a:rPr lang="en" dirty="0"/>
-              <a:t>Acceptance criteria</a:t>
-            </a:r>
-            <a:endParaRPr lang="en-US" dirty="0"/>
+              <a:rPr lang="en-US" dirty="0"/>
+              <a:t>Model Choose</a:t>
+            </a:r>
           </a:p>
         </p:txBody>
       </p:sp>
@@ -7577,7 +8112,7 @@
           <p:cNvPr id="3" name="Content Placeholder 2">
             <a:extLst>
               <a:ext uri="{FF2B5EF4-FFF2-40B4-BE49-F238E27FC236}">
-                <a16:creationId xmlns:a16="http://schemas.microsoft.com/office/drawing/2014/main" id="{FAEEFD48-86F9-4D2A-A422-1A91F4248C5E}"/>
+                <a16:creationId xmlns:a16="http://schemas.microsoft.com/office/drawing/2014/main" id="{3D0B39FB-5C76-41CD-B9D6-00C7615086F3}"/>
               </a:ext>
             </a:extLst>
           </p:cNvPr>
@@ -7588,71 +8123,70 @@
             <p:ph idx="1"/>
           </p:nvPr>
         </p:nvSpPr>
-        <p:spPr/>
-        <p:txBody>
-          <a:bodyPr/>
-          <a:lstStyle/>
-          <a:p>
-            <a:r>
-              <a:rPr lang="en-US" dirty="0"/>
-              <a:t>Verify analysis results with test set(from dataset)</a:t>
-            </a:r>
-          </a:p>
-          <a:p>
-            <a:pPr marL="0" indent="0">
-              <a:buNone/>
-            </a:pPr>
-            <a:r>
-              <a:rPr lang="en-US" dirty="0"/>
-              <a:t>	The accuracy should reach 70%</a:t>
-            </a:r>
-          </a:p>
-          <a:p>
-            <a:r>
-              <a:rPr lang="en-US"/>
-              <a:t>Response </a:t>
-            </a:r>
-            <a:r>
-              <a:rPr lang="en-US" dirty="0"/>
-              <a:t>time &lt; 2 Seconds</a:t>
-            </a:r>
-          </a:p>
-        </p:txBody>
-      </p:sp>
-      <p:pic>
-        <p:nvPicPr>
-          <p:cNvPr id="9" name="Picture 8">
-            <a:extLst>
-              <a:ext uri="{FF2B5EF4-FFF2-40B4-BE49-F238E27FC236}">
-                <a16:creationId xmlns:a16="http://schemas.microsoft.com/office/drawing/2014/main" id="{204100CC-356D-4353-AC13-68452A739365}"/>
-              </a:ext>
-            </a:extLst>
-          </p:cNvPr>
-          <p:cNvPicPr>
-            <a:picLocks noChangeAspect="1"/>
-          </p:cNvPicPr>
-          <p:nvPr/>
-        </p:nvPicPr>
-        <p:blipFill>
-          <a:blip r:embed="rId2"/>
-          <a:stretch>
-            <a:fillRect/>
-          </a:stretch>
-        </p:blipFill>
         <p:spPr>
           <a:xfrm>
-            <a:off x="1295401" y="5284248"/>
-            <a:ext cx="3200816" cy="591620"/>
+            <a:off x="1206625" y="2464817"/>
+            <a:ext cx="9954711" cy="3545365"/>
           </a:xfrm>
-          <a:prstGeom prst="rect">
-            <a:avLst/>
-          </a:prstGeom>
         </p:spPr>
-      </p:pic>
+        <p:txBody>
+          <a:bodyPr>
+            <a:normAutofit fontScale="92500" lnSpcReduction="10000"/>
+          </a:bodyPr>
+          <a:lstStyle/>
+          <a:p>
+            <a:pPr marL="457200" lvl="0" indent="-342900">
+              <a:lnSpc>
+                <a:spcPct val="150000"/>
+              </a:lnSpc>
+              <a:spcBef>
+                <a:spcPts val="0"/>
+              </a:spcBef>
+              <a:spcAft>
+                <a:spcPts val="0"/>
+              </a:spcAft>
+              <a:buSzPts val="1800"/>
+              <a:buChar char="●"/>
+            </a:pPr>
+            <a:r>
+              <a:rPr lang="en-US" dirty="0"/>
+              <a:t>Logistic Regression Model</a:t>
+            </a:r>
+          </a:p>
+          <a:p>
+            <a:pPr marL="457200" lvl="0" indent="-342900">
+              <a:lnSpc>
+                <a:spcPct val="150000"/>
+              </a:lnSpc>
+              <a:spcBef>
+                <a:spcPts val="0"/>
+              </a:spcBef>
+              <a:spcAft>
+                <a:spcPts val="0"/>
+              </a:spcAft>
+              <a:buSzPts val="1800"/>
+              <a:buChar char="●"/>
+            </a:pPr>
+            <a:r>
+              <a:rPr lang="en-US" altLang="zh-CN" dirty="0"/>
+              <a:t>Logistic regression is a popular method to predict a categorical response. It is a special case of Generalized Linear models that predicts the probability of the outcomes. In </a:t>
+            </a:r>
+            <a:r>
+              <a:rPr lang="en-US" altLang="zh-CN" dirty="0" err="1"/>
+              <a:t>spark.ml</a:t>
+            </a:r>
+            <a:r>
+              <a:rPr lang="en-US" altLang="zh-CN" dirty="0"/>
+              <a:t> logistic regression can be used to predict a binary outcome by using binomial logistic regression, or it can be used to predict a multiclass outcome by using multinomial logistic regression. Use the family parameter to select between these two algorithms, or leave it unset and Spark will infer the correct variant.</a:t>
+            </a:r>
+            <a:endParaRPr lang="en-US" dirty="0"/>
+          </a:p>
+        </p:txBody>
+      </p:sp>
     </p:spTree>
     <p:extLst>
       <p:ext uri="{BB962C8B-B14F-4D97-AF65-F5344CB8AC3E}">
-        <p14:creationId xmlns:p14="http://schemas.microsoft.com/office/powerpoint/2010/main" val="3652558185"/>
+        <p14:creationId xmlns:p14="http://schemas.microsoft.com/office/powerpoint/2010/main" val="1648199945"/>
       </p:ext>
     </p:extLst>
   </p:cSld>

--- a/finalPresentation.pptx
+++ b/finalPresentation.pptx
@@ -7457,17 +7457,21 @@
           <a:lstStyle/>
           <a:p>
             <a:r>
-              <a:rPr lang="en-US" dirty="0">
+              <a:rPr lang="en-US" altLang="zh-CN" dirty="0">
                 <a:hlinkClick r:id="rId2"/>
               </a:rPr>
-              <a:t>https://www.kaggle.com/fedesoriano/stroke-prediction-dataset</a:t>
-            </a:r>
-            <a:endParaRPr lang="en-US" dirty="0"/>
-          </a:p>
-          <a:p>
+              <a:t>https://www.kaggle.com/lirilkumaramal/heart-stroke </a:t>
+            </a:r>
+            <a:endParaRPr lang="en-US" altLang="zh-CN" dirty="0"/>
+          </a:p>
+          <a:p>
+            <a:r>
+              <a:rPr lang="en-US"/>
+              <a:t>This </a:t>
+            </a:r>
             <a:r>
               <a:rPr lang="en-US" dirty="0"/>
-              <a:t>This dataset is used to predict whether a patient is likely to get stroke based on the input parameters like gender, age, various diseases, and smoking status. </a:t>
+              <a:t>dataset is used to predict whether a patient is likely to get stroke based on the input parameters like gender, age, various diseases, and smoking status. </a:t>
             </a:r>
           </a:p>
           <a:p>

--- a/finalPresentation.pptx
+++ b/finalPresentation.pptx
@@ -20,10 +20,11 @@
     <p:sldId id="268" r:id="rId14"/>
     <p:sldId id="269" r:id="rId15"/>
     <p:sldId id="270" r:id="rId16"/>
-    <p:sldId id="263" r:id="rId17"/>
-    <p:sldId id="261" r:id="rId18"/>
-    <p:sldId id="262" r:id="rId19"/>
-    <p:sldId id="264" r:id="rId20"/>
+    <p:sldId id="277" r:id="rId17"/>
+    <p:sldId id="263" r:id="rId18"/>
+    <p:sldId id="261" r:id="rId19"/>
+    <p:sldId id="262" r:id="rId20"/>
+    <p:sldId id="264" r:id="rId21"/>
   </p:sldIdLst>
   <p:sldSz cx="12192000" cy="6858000"/>
   <p:notesSz cx="6858000" cy="9144000"/>
@@ -4051,7 +4052,7 @@
           <a:p>
             <a:r>
               <a:rPr lang="en-US" dirty="0"/>
-              <a:t>Result &amp; Test</a:t>
+              <a:t>Model Accuracy Result</a:t>
             </a:r>
           </a:p>
         </p:txBody>
@@ -4078,7 +4079,7 @@
         </p:blipFill>
         <p:spPr>
           <a:xfrm>
-            <a:off x="1169832" y="2198669"/>
+            <a:off x="4460438" y="4181475"/>
             <a:ext cx="2638425" cy="1066800"/>
           </a:xfrm>
           <a:prstGeom prst="rect">
@@ -4108,7 +4109,7 @@
         </p:blipFill>
         <p:spPr>
           <a:xfrm>
-            <a:off x="4099286" y="2303444"/>
+            <a:off x="576836" y="4286250"/>
             <a:ext cx="3390900" cy="857250"/>
           </a:xfrm>
           <a:prstGeom prst="rect">
@@ -4138,7 +4139,7 @@
         </p:blipFill>
         <p:spPr>
           <a:xfrm>
-            <a:off x="7781215" y="2244430"/>
+            <a:off x="7879258" y="4257675"/>
             <a:ext cx="3409950" cy="885825"/>
           </a:xfrm>
           <a:prstGeom prst="rect">
@@ -4146,75 +4147,12 @@
           </a:prstGeom>
         </p:spPr>
       </p:pic>
-      <p:sp>
-        <p:nvSpPr>
-          <p:cNvPr id="3" name="矩形 2">
-            <a:extLst>
-              <a:ext uri="{FF2B5EF4-FFF2-40B4-BE49-F238E27FC236}">
-                <a16:creationId xmlns:a16="http://schemas.microsoft.com/office/drawing/2014/main" id="{8EA23E0E-11FE-884F-BD58-24AE54E5BD15}"/>
-              </a:ext>
-            </a:extLst>
-          </p:cNvPr>
-          <p:cNvSpPr/>
-          <p:nvPr/>
-        </p:nvSpPr>
-        <p:spPr>
-          <a:xfrm>
-            <a:off x="1420844" y="3556339"/>
-            <a:ext cx="6096000" cy="2031325"/>
-          </a:xfrm>
-          <a:prstGeom prst="rect">
-            <a:avLst/>
-          </a:prstGeom>
-        </p:spPr>
-        <p:txBody>
-          <a:bodyPr>
-            <a:spAutoFit/>
-          </a:bodyPr>
-          <a:lstStyle/>
-          <a:p>
-            <a:pPr marL="285750" indent="-285750">
-              <a:buFont typeface="Arial" panose="020B0604020202020204" pitchFamily="34" charset="0"/>
-              <a:buChar char="•"/>
-            </a:pPr>
-            <a:r>
-              <a:rPr lang="en-US" altLang="zh-CN" dirty="0"/>
-              <a:t>Check Data</a:t>
-            </a:r>
-          </a:p>
-          <a:p>
-            <a:endParaRPr lang="en-US" altLang="zh-CN" dirty="0"/>
-          </a:p>
-          <a:p>
-            <a:endParaRPr lang="en-US" altLang="zh-CN" dirty="0"/>
-          </a:p>
-          <a:p>
-            <a:endParaRPr lang="en-US" altLang="zh-CN" dirty="0"/>
-          </a:p>
-          <a:p>
-            <a:endParaRPr lang="en-US" altLang="zh-CN" dirty="0"/>
-          </a:p>
-          <a:p>
-            <a:pPr marL="285750" indent="-285750">
-              <a:buFont typeface="Arial" panose="020B0604020202020204" pitchFamily="34" charset="0"/>
-              <a:buChar char="•"/>
-            </a:pPr>
-            <a:r>
-              <a:rPr lang="en-US" altLang="zh-CN" dirty="0"/>
-              <a:t>Check Model</a:t>
-            </a:r>
-          </a:p>
-          <a:p>
-            <a:endParaRPr lang="en-US" altLang="zh-CN" dirty="0"/>
-          </a:p>
-        </p:txBody>
-      </p:sp>
       <p:pic>
         <p:nvPicPr>
-          <p:cNvPr id="6" name="图片 5" descr="图形用户界面, 文本, 应用程序, 网站&#10;&#10;描述已自动生成">
-            <a:extLst>
-              <a:ext uri="{FF2B5EF4-FFF2-40B4-BE49-F238E27FC236}">
-                <a16:creationId xmlns:a16="http://schemas.microsoft.com/office/drawing/2014/main" id="{3A87D821-2710-FD45-8EA3-E1DEBC381F00}"/>
+          <p:cNvPr id="8" name="Picture 7">
+            <a:extLst>
+              <a:ext uri="{FF2B5EF4-FFF2-40B4-BE49-F238E27FC236}">
+                <a16:creationId xmlns:a16="http://schemas.microsoft.com/office/drawing/2014/main" id="{559FCBFA-7682-4D63-A282-F3C50D675CDE}"/>
               </a:ext>
             </a:extLst>
           </p:cNvPr>
@@ -4224,63 +4162,107 @@
           <p:nvPr/>
         </p:nvPicPr>
         <p:blipFill>
-          <a:blip r:embed="rId5">
-            <a:extLst>
-              <a:ext uri="{28A0092B-C50C-407E-A947-70E740481C1C}">
-                <a14:useLocalDpi xmlns:a14="http://schemas.microsoft.com/office/drawing/2010/main" val="0"/>
-              </a:ext>
-            </a:extLst>
-          </a:blip>
+          <a:blip r:embed="rId5"/>
           <a:stretch>
             <a:fillRect/>
           </a:stretch>
         </p:blipFill>
         <p:spPr>
           <a:xfrm>
-            <a:off x="1566118" y="3919259"/>
-            <a:ext cx="5283200" cy="1003140"/>
+            <a:off x="2705673" y="2669952"/>
+            <a:ext cx="2524125" cy="590550"/>
           </a:xfrm>
           <a:prstGeom prst="rect">
             <a:avLst/>
           </a:prstGeom>
         </p:spPr>
       </p:pic>
-      <p:pic>
-        <p:nvPicPr>
-          <p:cNvPr id="10" name="图片 9" descr="图形用户界面, 文本&#10;&#10;描述已自动生成">
-            <a:extLst>
-              <a:ext uri="{FF2B5EF4-FFF2-40B4-BE49-F238E27FC236}">
-                <a16:creationId xmlns:a16="http://schemas.microsoft.com/office/drawing/2014/main" id="{433B70D3-687E-DF43-9B0C-B78B3F657F1F}"/>
-              </a:ext>
-            </a:extLst>
-          </p:cNvPr>
-          <p:cNvPicPr>
-            <a:picLocks noChangeAspect="1"/>
-          </p:cNvPicPr>
+      <p:sp>
+        <p:nvSpPr>
+          <p:cNvPr id="11" name="TextBox 10">
+            <a:extLst>
+              <a:ext uri="{FF2B5EF4-FFF2-40B4-BE49-F238E27FC236}">
+                <a16:creationId xmlns:a16="http://schemas.microsoft.com/office/drawing/2014/main" id="{C5E00F57-3A33-4651-B499-E7AE7ED91DD5}"/>
+              </a:ext>
+            </a:extLst>
+          </p:cNvPr>
+          <p:cNvSpPr txBox="1"/>
           <p:nvPr/>
-        </p:nvPicPr>
-        <p:blipFill>
-          <a:blip r:embed="rId6">
-            <a:extLst>
-              <a:ext uri="{28A0092B-C50C-407E-A947-70E740481C1C}">
-                <a14:useLocalDpi xmlns:a14="http://schemas.microsoft.com/office/drawing/2010/main" val="0"/>
-              </a:ext>
-            </a:extLst>
-          </a:blip>
-          <a:stretch>
-            <a:fillRect/>
-          </a:stretch>
-        </p:blipFill>
-        <p:spPr>
-          <a:xfrm>
-            <a:off x="1566118" y="5285319"/>
-            <a:ext cx="4228618" cy="945340"/>
+        </p:nvSpPr>
+        <p:spPr>
+          <a:xfrm>
+            <a:off x="1034472" y="2077187"/>
+            <a:ext cx="3195782" cy="369332"/>
           </a:xfrm>
           <a:prstGeom prst="rect">
             <a:avLst/>
           </a:prstGeom>
-        </p:spPr>
-      </p:pic>
+          <a:noFill/>
+        </p:spPr>
+        <p:txBody>
+          <a:bodyPr wrap="square" rtlCol="0">
+            <a:spAutoFit/>
+          </a:bodyPr>
+          <a:lstStyle/>
+          <a:p>
+            <a:r>
+              <a:rPr lang="en-US" dirty="0"/>
+              <a:t>Before using </a:t>
+            </a:r>
+            <a:r>
+              <a:rPr lang="en-US" dirty="0" err="1"/>
+              <a:t>somte</a:t>
+            </a:r>
+            <a:r>
+              <a:rPr lang="en-US" dirty="0"/>
+              <a:t> algorithm:</a:t>
+            </a:r>
+          </a:p>
+        </p:txBody>
+      </p:sp>
+      <p:sp>
+        <p:nvSpPr>
+          <p:cNvPr id="12" name="TextBox 11">
+            <a:extLst>
+              <a:ext uri="{FF2B5EF4-FFF2-40B4-BE49-F238E27FC236}">
+                <a16:creationId xmlns:a16="http://schemas.microsoft.com/office/drawing/2014/main" id="{5E0984AD-04AA-47CC-AB21-4D2157B6F5B0}"/>
+              </a:ext>
+            </a:extLst>
+          </p:cNvPr>
+          <p:cNvSpPr txBox="1"/>
+          <p:nvPr/>
+        </p:nvSpPr>
+        <p:spPr>
+          <a:xfrm>
+            <a:off x="674395" y="3536322"/>
+            <a:ext cx="3195782" cy="369332"/>
+          </a:xfrm>
+          <a:prstGeom prst="rect">
+            <a:avLst/>
+          </a:prstGeom>
+          <a:noFill/>
+        </p:spPr>
+        <p:txBody>
+          <a:bodyPr wrap="square" rtlCol="0">
+            <a:spAutoFit/>
+          </a:bodyPr>
+          <a:lstStyle/>
+          <a:p>
+            <a:r>
+              <a:rPr lang="en-US" dirty="0"/>
+              <a:t>After using </a:t>
+            </a:r>
+            <a:r>
+              <a:rPr lang="en-US" dirty="0" err="1"/>
+              <a:t>somte</a:t>
+            </a:r>
+            <a:r>
+              <a:rPr lang="en-US" dirty="0"/>
+              <a:t> algorithm:</a:t>
+            </a:r>
+          </a:p>
+        </p:txBody>
+      </p:sp>
     </p:spTree>
     <p:extLst>
       <p:ext uri="{BB962C8B-B14F-4D97-AF65-F5344CB8AC3E}">
@@ -4716,6 +4698,124 @@
           <p:cNvPr id="2" name="Title 1">
             <a:extLst>
               <a:ext uri="{FF2B5EF4-FFF2-40B4-BE49-F238E27FC236}">
+                <a16:creationId xmlns:a16="http://schemas.microsoft.com/office/drawing/2014/main" id="{FDC80355-207B-4744-AB58-80E226A99AE4}"/>
+              </a:ext>
+            </a:extLst>
+          </p:cNvPr>
+          <p:cNvSpPr>
+            <a:spLocks noGrp="1"/>
+          </p:cNvSpPr>
+          <p:nvPr>
+            <p:ph type="title"/>
+          </p:nvPr>
+        </p:nvSpPr>
+        <p:spPr/>
+        <p:txBody>
+          <a:bodyPr/>
+          <a:lstStyle/>
+          <a:p>
+            <a:r>
+              <a:rPr lang="en-US" dirty="0"/>
+              <a:t>Testing Result</a:t>
+            </a:r>
+          </a:p>
+        </p:txBody>
+      </p:sp>
+      <p:pic>
+        <p:nvPicPr>
+          <p:cNvPr id="4" name="Picture 3">
+            <a:extLst>
+              <a:ext uri="{FF2B5EF4-FFF2-40B4-BE49-F238E27FC236}">
+                <a16:creationId xmlns:a16="http://schemas.microsoft.com/office/drawing/2014/main" id="{198AA253-265F-47D1-BCE8-7F74F9108DDE}"/>
+              </a:ext>
+            </a:extLst>
+          </p:cNvPr>
+          <p:cNvPicPr>
+            <a:picLocks noChangeAspect="1"/>
+          </p:cNvPicPr>
+          <p:nvPr/>
+        </p:nvPicPr>
+        <p:blipFill>
+          <a:blip r:embed="rId2"/>
+          <a:stretch>
+            <a:fillRect/>
+          </a:stretch>
+        </p:blipFill>
+        <p:spPr>
+          <a:xfrm>
+            <a:off x="3813922" y="2107793"/>
+            <a:ext cx="3486150" cy="1066800"/>
+          </a:xfrm>
+          <a:prstGeom prst="rect">
+            <a:avLst/>
+          </a:prstGeom>
+        </p:spPr>
+      </p:pic>
+      <p:pic>
+        <p:nvPicPr>
+          <p:cNvPr id="8" name="Picture 7">
+            <a:extLst>
+              <a:ext uri="{FF2B5EF4-FFF2-40B4-BE49-F238E27FC236}">
+                <a16:creationId xmlns:a16="http://schemas.microsoft.com/office/drawing/2014/main" id="{F99E5B8E-0730-433D-99CC-FCE7915E7D39}"/>
+              </a:ext>
+            </a:extLst>
+          </p:cNvPr>
+          <p:cNvPicPr>
+            <a:picLocks noChangeAspect="1"/>
+          </p:cNvPicPr>
+          <p:nvPr/>
+        </p:nvPicPr>
+        <p:blipFill>
+          <a:blip r:embed="rId3"/>
+          <a:stretch>
+            <a:fillRect/>
+          </a:stretch>
+        </p:blipFill>
+        <p:spPr>
+          <a:xfrm>
+            <a:off x="3813922" y="3497127"/>
+            <a:ext cx="3524250" cy="2047875"/>
+          </a:xfrm>
+          <a:prstGeom prst="rect">
+            <a:avLst/>
+          </a:prstGeom>
+        </p:spPr>
+      </p:pic>
+    </p:spTree>
+    <p:extLst>
+      <p:ext uri="{BB962C8B-B14F-4D97-AF65-F5344CB8AC3E}">
+        <p14:creationId xmlns:p14="http://schemas.microsoft.com/office/powerpoint/2010/main" val="1292448402"/>
+      </p:ext>
+    </p:extLst>
+  </p:cSld>
+  <p:clrMapOvr>
+    <a:masterClrMapping/>
+  </p:clrMapOvr>
+</p:sld>
+</file>
+
+<file path=ppt/slides/slide17.xml><?xml version="1.0" encoding="utf-8"?>
+<p:sld xmlns:a="http://schemas.openxmlformats.org/drawingml/2006/main" xmlns:r="http://schemas.openxmlformats.org/officeDocument/2006/relationships" xmlns:p="http://schemas.openxmlformats.org/presentationml/2006/main">
+  <p:cSld>
+    <p:spTree>
+      <p:nvGrpSpPr>
+        <p:cNvPr id="1" name=""/>
+        <p:cNvGrpSpPr/>
+        <p:nvPr/>
+      </p:nvGrpSpPr>
+      <p:grpSpPr>
+        <a:xfrm>
+          <a:off x="0" y="0"/>
+          <a:ext cx="0" cy="0"/>
+          <a:chOff x="0" y="0"/>
+          <a:chExt cx="0" cy="0"/>
+        </a:xfrm>
+      </p:grpSpPr>
+      <p:sp>
+        <p:nvSpPr>
+          <p:cNvPr id="2" name="Title 1">
+            <a:extLst>
+              <a:ext uri="{FF2B5EF4-FFF2-40B4-BE49-F238E27FC236}">
                 <a16:creationId xmlns:a16="http://schemas.microsoft.com/office/drawing/2014/main" id="{D4EF6ECC-DD9D-4CF4-BAE6-37C931F8E8DC}"/>
               </a:ext>
             </a:extLst>
@@ -4826,7 +4926,7 @@
 </p:sld>
 </file>
 
-<file path=ppt/slides/slide17.xml><?xml version="1.0" encoding="utf-8"?>
+<file path=ppt/slides/slide18.xml><?xml version="1.0" encoding="utf-8"?>
 <p:sld xmlns:a="http://schemas.openxmlformats.org/drawingml/2006/main" xmlns:r="http://schemas.openxmlformats.org/officeDocument/2006/relationships" xmlns:p="http://schemas.openxmlformats.org/presentationml/2006/main">
   <p:cSld>
     <p:spTree>
@@ -5210,180 +5310,6 @@
 </p:sld>
 </file>
 
-<file path=ppt/slides/slide18.xml><?xml version="1.0" encoding="utf-8"?>
-<p:sld xmlns:a="http://schemas.openxmlformats.org/drawingml/2006/main" xmlns:r="http://schemas.openxmlformats.org/officeDocument/2006/relationships" xmlns:p="http://schemas.openxmlformats.org/presentationml/2006/main">
-  <p:cSld>
-    <p:spTree>
-      <p:nvGrpSpPr>
-        <p:cNvPr id="1" name=""/>
-        <p:cNvGrpSpPr/>
-        <p:nvPr/>
-      </p:nvGrpSpPr>
-      <p:grpSpPr>
-        <a:xfrm>
-          <a:off x="0" y="0"/>
-          <a:ext cx="0" cy="0"/>
-          <a:chOff x="0" y="0"/>
-          <a:chExt cx="0" cy="0"/>
-        </a:xfrm>
-      </p:grpSpPr>
-      <p:sp>
-        <p:nvSpPr>
-          <p:cNvPr id="2" name="Title 1">
-            <a:extLst>
-              <a:ext uri="{FF2B5EF4-FFF2-40B4-BE49-F238E27FC236}">
-                <a16:creationId xmlns:a16="http://schemas.microsoft.com/office/drawing/2014/main" id="{3E75BD9C-A4DD-4C30-8800-862812A254D2}"/>
-              </a:ext>
-            </a:extLst>
-          </p:cNvPr>
-          <p:cNvSpPr>
-            <a:spLocks noGrp="1"/>
-          </p:cNvSpPr>
-          <p:nvPr>
-            <p:ph type="title"/>
-          </p:nvPr>
-        </p:nvSpPr>
-        <p:spPr/>
-        <p:txBody>
-          <a:bodyPr/>
-          <a:lstStyle/>
-          <a:p>
-            <a:r>
-              <a:rPr lang="en" dirty="0"/>
-              <a:t>Goals of Project</a:t>
-            </a:r>
-            <a:endParaRPr lang="en-US" dirty="0"/>
-          </a:p>
-        </p:txBody>
-      </p:sp>
-      <p:sp>
-        <p:nvSpPr>
-          <p:cNvPr id="3" name="Content Placeholder 2">
-            <a:extLst>
-              <a:ext uri="{FF2B5EF4-FFF2-40B4-BE49-F238E27FC236}">
-                <a16:creationId xmlns:a16="http://schemas.microsoft.com/office/drawing/2014/main" id="{E795211A-FC8A-4282-95BF-A68B21313BA2}"/>
-              </a:ext>
-            </a:extLst>
-          </p:cNvPr>
-          <p:cNvSpPr>
-            <a:spLocks noGrp="1"/>
-          </p:cNvSpPr>
-          <p:nvPr>
-            <p:ph idx="1"/>
-          </p:nvPr>
-        </p:nvSpPr>
-        <p:spPr/>
-        <p:txBody>
-          <a:bodyPr/>
-          <a:lstStyle/>
-          <a:p>
-            <a:pPr marL="457200" lvl="0" indent="-381000" algn="l" rtl="0">
-              <a:spcBef>
-                <a:spcPts val="0"/>
-              </a:spcBef>
-              <a:spcAft>
-                <a:spcPts val="0"/>
-              </a:spcAft>
-              <a:buSzPts val="2400"/>
-              <a:buChar char="●"/>
-            </a:pPr>
-            <a:r>
-              <a:rPr lang="en-US" dirty="0"/>
-              <a:t>Using </a:t>
-            </a:r>
-            <a:r>
-              <a:rPr lang="en-US" dirty="0" err="1"/>
-              <a:t>scala</a:t>
-            </a:r>
-            <a:r>
-              <a:rPr lang="en-US" dirty="0"/>
-              <a:t> to deal with big data</a:t>
-            </a:r>
-          </a:p>
-          <a:p>
-            <a:pPr marL="457200" lvl="0" indent="-381000" algn="l" rtl="0">
-              <a:spcBef>
-                <a:spcPts val="0"/>
-              </a:spcBef>
-              <a:spcAft>
-                <a:spcPts val="0"/>
-              </a:spcAft>
-              <a:buSzPts val="2400"/>
-              <a:buChar char="●"/>
-            </a:pPr>
-            <a:endParaRPr lang="en-US" dirty="0"/>
-          </a:p>
-          <a:p>
-            <a:pPr marL="457200" lvl="0" indent="-381000" algn="l" rtl="0">
-              <a:spcBef>
-                <a:spcPts val="0"/>
-              </a:spcBef>
-              <a:spcAft>
-                <a:spcPts val="0"/>
-              </a:spcAft>
-              <a:buSzPts val="2400"/>
-              <a:buChar char="●"/>
-            </a:pPr>
-            <a:r>
-              <a:rPr lang="en-US" dirty="0"/>
-              <a:t>Build predict model to analysis the user's physical health and predict whether user will get a stroke</a:t>
-            </a:r>
-          </a:p>
-          <a:p>
-            <a:pPr marL="76200" lvl="0" indent="0" algn="l" rtl="0">
-              <a:spcBef>
-                <a:spcPts val="0"/>
-              </a:spcBef>
-              <a:spcAft>
-                <a:spcPts val="0"/>
-              </a:spcAft>
-              <a:buSzPts val="2400"/>
-              <a:buNone/>
-            </a:pPr>
-            <a:endParaRPr lang="en-US" dirty="0"/>
-          </a:p>
-          <a:p>
-            <a:pPr marL="457200" lvl="0" indent="-381000" algn="l" rtl="0">
-              <a:spcBef>
-                <a:spcPts val="0"/>
-              </a:spcBef>
-              <a:spcAft>
-                <a:spcPts val="0"/>
-              </a:spcAft>
-              <a:buSzPts val="2400"/>
-              <a:buChar char="●"/>
-            </a:pPr>
-            <a:r>
-              <a:rPr lang="en-US" dirty="0"/>
-              <a:t>Learning the specific algorithm and the using of </a:t>
-            </a:r>
-            <a:r>
-              <a:rPr lang="en-US" dirty="0" err="1"/>
-              <a:t>scala</a:t>
-            </a:r>
-            <a:r>
-              <a:rPr lang="en-US" dirty="0"/>
-              <a:t>.</a:t>
-            </a:r>
-          </a:p>
-          <a:p>
-            <a:endParaRPr lang="en-US" dirty="0"/>
-          </a:p>
-        </p:txBody>
-      </p:sp>
-    </p:spTree>
-    <p:extLst>
-      <p:ext uri="{BB962C8B-B14F-4D97-AF65-F5344CB8AC3E}">
-        <p14:creationId xmlns:p14="http://schemas.microsoft.com/office/powerpoint/2010/main" val="1514062525"/>
-      </p:ext>
-    </p:extLst>
-  </p:cSld>
-  <p:clrMapOvr>
-    <a:masterClrMapping/>
-  </p:clrMapOvr>
-</p:sld>
-</file>
-
 <file path=ppt/slides/slide19.xml><?xml version="1.0" encoding="utf-8"?>
 <p:sld xmlns:a="http://schemas.openxmlformats.org/drawingml/2006/main" xmlns:r="http://schemas.openxmlformats.org/officeDocument/2006/relationships" xmlns:p="http://schemas.openxmlformats.org/presentationml/2006/main">
   <p:cSld>
@@ -5406,7 +5332,7 @@
           <p:cNvPr id="2" name="Title 1">
             <a:extLst>
               <a:ext uri="{FF2B5EF4-FFF2-40B4-BE49-F238E27FC236}">
-                <a16:creationId xmlns:a16="http://schemas.microsoft.com/office/drawing/2014/main" id="{9A54D14F-A994-4D27-8BC6-178FADB0ADE6}"/>
+                <a16:creationId xmlns:a16="http://schemas.microsoft.com/office/drawing/2014/main" id="{3E75BD9C-A4DD-4C30-8800-862812A254D2}"/>
               </a:ext>
             </a:extLst>
           </p:cNvPr>
@@ -5417,30 +5343,138 @@
             <p:ph type="title"/>
           </p:nvPr>
         </p:nvSpPr>
-        <p:spPr>
-          <a:xfrm>
-            <a:off x="1425250" y="2947864"/>
-            <a:ext cx="9601196" cy="1303867"/>
-          </a:xfrm>
-        </p:spPr>
-        <p:txBody>
-          <a:bodyPr>
-            <a:normAutofit/>
-          </a:bodyPr>
-          <a:lstStyle/>
-          <a:p>
-            <a:pPr algn="ctr"/>
-            <a:r>
-              <a:rPr lang="en-US" sz="4000" dirty="0"/>
-              <a:t>Thank you</a:t>
-            </a:r>
+        <p:spPr/>
+        <p:txBody>
+          <a:bodyPr/>
+          <a:lstStyle/>
+          <a:p>
+            <a:r>
+              <a:rPr lang="en" dirty="0"/>
+              <a:t>Goals of Project</a:t>
+            </a:r>
+            <a:endParaRPr lang="en-US" dirty="0"/>
+          </a:p>
+        </p:txBody>
+      </p:sp>
+      <p:sp>
+        <p:nvSpPr>
+          <p:cNvPr id="3" name="Content Placeholder 2">
+            <a:extLst>
+              <a:ext uri="{FF2B5EF4-FFF2-40B4-BE49-F238E27FC236}">
+                <a16:creationId xmlns:a16="http://schemas.microsoft.com/office/drawing/2014/main" id="{E795211A-FC8A-4282-95BF-A68B21313BA2}"/>
+              </a:ext>
+            </a:extLst>
+          </p:cNvPr>
+          <p:cNvSpPr>
+            <a:spLocks noGrp="1"/>
+          </p:cNvSpPr>
+          <p:nvPr>
+            <p:ph idx="1"/>
+          </p:nvPr>
+        </p:nvSpPr>
+        <p:spPr/>
+        <p:txBody>
+          <a:bodyPr/>
+          <a:lstStyle/>
+          <a:p>
+            <a:pPr marL="457200" lvl="0" indent="-381000" algn="l" rtl="0">
+              <a:spcBef>
+                <a:spcPts val="0"/>
+              </a:spcBef>
+              <a:spcAft>
+                <a:spcPts val="0"/>
+              </a:spcAft>
+              <a:buSzPts val="2400"/>
+              <a:buChar char="●"/>
+            </a:pPr>
+            <a:r>
+              <a:rPr lang="en-US" dirty="0"/>
+              <a:t>Using </a:t>
+            </a:r>
+            <a:r>
+              <a:rPr lang="en-US" dirty="0" err="1"/>
+              <a:t>scala</a:t>
+            </a:r>
+            <a:r>
+              <a:rPr lang="en-US" dirty="0"/>
+              <a:t> to deal with big data</a:t>
+            </a:r>
+          </a:p>
+          <a:p>
+            <a:pPr marL="457200" lvl="0" indent="-381000" algn="l" rtl="0">
+              <a:spcBef>
+                <a:spcPts val="0"/>
+              </a:spcBef>
+              <a:spcAft>
+                <a:spcPts val="0"/>
+              </a:spcAft>
+              <a:buSzPts val="2400"/>
+              <a:buChar char="●"/>
+            </a:pPr>
+            <a:endParaRPr lang="en-US" dirty="0"/>
+          </a:p>
+          <a:p>
+            <a:pPr marL="457200" lvl="0" indent="-381000" algn="l" rtl="0">
+              <a:spcBef>
+                <a:spcPts val="0"/>
+              </a:spcBef>
+              <a:spcAft>
+                <a:spcPts val="0"/>
+              </a:spcAft>
+              <a:buSzPts val="2400"/>
+              <a:buChar char="●"/>
+            </a:pPr>
+            <a:r>
+              <a:rPr lang="en-US" dirty="0"/>
+              <a:t>Build predict model to analysis the user's physical health and predict whether user will get a stroke</a:t>
+            </a:r>
+          </a:p>
+          <a:p>
+            <a:pPr marL="76200" lvl="0" indent="0" algn="l" rtl="0">
+              <a:spcBef>
+                <a:spcPts val="0"/>
+              </a:spcBef>
+              <a:spcAft>
+                <a:spcPts val="0"/>
+              </a:spcAft>
+              <a:buSzPts val="2400"/>
+              <a:buNone/>
+            </a:pPr>
+            <a:endParaRPr lang="en-US" dirty="0"/>
+          </a:p>
+          <a:p>
+            <a:pPr marL="457200" lvl="0" indent="-381000" algn="l" rtl="0">
+              <a:spcBef>
+                <a:spcPts val="0"/>
+              </a:spcBef>
+              <a:spcAft>
+                <a:spcPts val="0"/>
+              </a:spcAft>
+              <a:buSzPts val="2400"/>
+              <a:buChar char="●"/>
+            </a:pPr>
+            <a:r>
+              <a:rPr lang="en-US" dirty="0"/>
+              <a:t>Learning the specific algorithm and the using of </a:t>
+            </a:r>
+            <a:r>
+              <a:rPr lang="en-US" dirty="0" err="1"/>
+              <a:t>scala</a:t>
+            </a:r>
+            <a:r>
+              <a:rPr lang="en-US" dirty="0"/>
+              <a:t>.</a:t>
+            </a:r>
+          </a:p>
+          <a:p>
+            <a:endParaRPr lang="en-US" dirty="0"/>
           </a:p>
         </p:txBody>
       </p:sp>
     </p:spTree>
     <p:extLst>
       <p:ext uri="{BB962C8B-B14F-4D97-AF65-F5344CB8AC3E}">
-        <p14:creationId xmlns:p14="http://schemas.microsoft.com/office/powerpoint/2010/main" val="108841049"/>
+        <p14:creationId xmlns:p14="http://schemas.microsoft.com/office/powerpoint/2010/main" val="1514062525"/>
       </p:ext>
     </p:extLst>
   </p:cSld>
@@ -5533,6 +5567,72 @@
     <p:extLst>
       <p:ext uri="{BB962C8B-B14F-4D97-AF65-F5344CB8AC3E}">
         <p14:creationId xmlns:p14="http://schemas.microsoft.com/office/powerpoint/2010/main" val="3908429158"/>
+      </p:ext>
+    </p:extLst>
+  </p:cSld>
+  <p:clrMapOvr>
+    <a:masterClrMapping/>
+  </p:clrMapOvr>
+</p:sld>
+</file>
+
+<file path=ppt/slides/slide20.xml><?xml version="1.0" encoding="utf-8"?>
+<p:sld xmlns:a="http://schemas.openxmlformats.org/drawingml/2006/main" xmlns:r="http://schemas.openxmlformats.org/officeDocument/2006/relationships" xmlns:p="http://schemas.openxmlformats.org/presentationml/2006/main">
+  <p:cSld>
+    <p:spTree>
+      <p:nvGrpSpPr>
+        <p:cNvPr id="1" name=""/>
+        <p:cNvGrpSpPr/>
+        <p:nvPr/>
+      </p:nvGrpSpPr>
+      <p:grpSpPr>
+        <a:xfrm>
+          <a:off x="0" y="0"/>
+          <a:ext cx="0" cy="0"/>
+          <a:chOff x="0" y="0"/>
+          <a:chExt cx="0" cy="0"/>
+        </a:xfrm>
+      </p:grpSpPr>
+      <p:sp>
+        <p:nvSpPr>
+          <p:cNvPr id="2" name="Title 1">
+            <a:extLst>
+              <a:ext uri="{FF2B5EF4-FFF2-40B4-BE49-F238E27FC236}">
+                <a16:creationId xmlns:a16="http://schemas.microsoft.com/office/drawing/2014/main" id="{9A54D14F-A994-4D27-8BC6-178FADB0ADE6}"/>
+              </a:ext>
+            </a:extLst>
+          </p:cNvPr>
+          <p:cNvSpPr>
+            <a:spLocks noGrp="1"/>
+          </p:cNvSpPr>
+          <p:nvPr>
+            <p:ph type="title"/>
+          </p:nvPr>
+        </p:nvSpPr>
+        <p:spPr>
+          <a:xfrm>
+            <a:off x="1425250" y="2947864"/>
+            <a:ext cx="9601196" cy="1303867"/>
+          </a:xfrm>
+        </p:spPr>
+        <p:txBody>
+          <a:bodyPr>
+            <a:normAutofit/>
+          </a:bodyPr>
+          <a:lstStyle/>
+          <a:p>
+            <a:pPr algn="ctr"/>
+            <a:r>
+              <a:rPr lang="en-US" sz="4000" dirty="0"/>
+              <a:t>Thank you</a:t>
+            </a:r>
+          </a:p>
+        </p:txBody>
+      </p:sp>
+    </p:spTree>
+    <p:extLst>
+      <p:ext uri="{BB962C8B-B14F-4D97-AF65-F5344CB8AC3E}">
+        <p14:creationId xmlns:p14="http://schemas.microsoft.com/office/powerpoint/2010/main" val="108841049"/>
       </p:ext>
     </p:extLst>
   </p:cSld>

--- a/finalPresentation.pptx
+++ b/finalPresentation.pptx
@@ -270,7 +270,7 @@
           <a:p>
             <a:fld id="{12939CF1-E958-4374-A660-E9B0C47FA2E4}" type="datetimeFigureOut">
               <a:rPr lang="en-US" smtClean="0"/>
-              <a:t>4/21/2021</a:t>
+              <a:t>4/21/21</a:t>
             </a:fld>
             <a:endParaRPr lang="en-US"/>
           </a:p>
@@ -481,7 +481,7 @@
           <a:p>
             <a:fld id="{12939CF1-E958-4374-A660-E9B0C47FA2E4}" type="datetimeFigureOut">
               <a:rPr lang="en-US" smtClean="0"/>
-              <a:t>4/21/2021</a:t>
+              <a:t>4/21/21</a:t>
             </a:fld>
             <a:endParaRPr lang="en-US"/>
           </a:p>
@@ -696,7 +696,7 @@
           <a:p>
             <a:fld id="{12939CF1-E958-4374-A660-E9B0C47FA2E4}" type="datetimeFigureOut">
               <a:rPr lang="en-US" smtClean="0"/>
-              <a:t>4/21/2021</a:t>
+              <a:t>4/21/21</a:t>
             </a:fld>
             <a:endParaRPr lang="en-US"/>
           </a:p>
@@ -897,7 +897,7 @@
           <a:p>
             <a:fld id="{12939CF1-E958-4374-A660-E9B0C47FA2E4}" type="datetimeFigureOut">
               <a:rPr lang="en-US" smtClean="0"/>
-              <a:t>4/21/2021</a:t>
+              <a:t>4/21/21</a:t>
             </a:fld>
             <a:endParaRPr lang="en-US"/>
           </a:p>
@@ -1176,7 +1176,7 @@
           <a:p>
             <a:fld id="{12939CF1-E958-4374-A660-E9B0C47FA2E4}" type="datetimeFigureOut">
               <a:rPr lang="en-US" smtClean="0"/>
-              <a:t>4/21/2021</a:t>
+              <a:t>4/21/21</a:t>
             </a:fld>
             <a:endParaRPr lang="en-US"/>
           </a:p>
@@ -1444,7 +1444,7 @@
           <a:p>
             <a:fld id="{12939CF1-E958-4374-A660-E9B0C47FA2E4}" type="datetimeFigureOut">
               <a:rPr lang="en-US" smtClean="0"/>
-              <a:t>4/21/2021</a:t>
+              <a:t>4/21/21</a:t>
             </a:fld>
             <a:endParaRPr lang="en-US"/>
           </a:p>
@@ -1860,7 +1860,7 @@
           <a:p>
             <a:fld id="{12939CF1-E958-4374-A660-E9B0C47FA2E4}" type="datetimeFigureOut">
               <a:rPr lang="en-US" smtClean="0"/>
-              <a:t>4/21/2021</a:t>
+              <a:t>4/21/21</a:t>
             </a:fld>
             <a:endParaRPr lang="en-US"/>
           </a:p>
@@ -2009,7 +2009,7 @@
           <a:p>
             <a:fld id="{12939CF1-E958-4374-A660-E9B0C47FA2E4}" type="datetimeFigureOut">
               <a:rPr lang="en-US" smtClean="0"/>
-              <a:t>4/21/2021</a:t>
+              <a:t>4/21/21</a:t>
             </a:fld>
             <a:endParaRPr lang="en-US"/>
           </a:p>
@@ -2135,7 +2135,7 @@
           <a:p>
             <a:fld id="{12939CF1-E958-4374-A660-E9B0C47FA2E4}" type="datetimeFigureOut">
               <a:rPr lang="en-US" smtClean="0"/>
-              <a:t>4/21/2021</a:t>
+              <a:t>4/21/21</a:t>
             </a:fld>
             <a:endParaRPr lang="en-US"/>
           </a:p>
@@ -2386,7 +2386,7 @@
           <a:p>
             <a:fld id="{12939CF1-E958-4374-A660-E9B0C47FA2E4}" type="datetimeFigureOut">
               <a:rPr lang="en-US" smtClean="0"/>
-              <a:t>4/21/2021</a:t>
+              <a:t>4/21/21</a:t>
             </a:fld>
             <a:endParaRPr lang="en-US"/>
           </a:p>
@@ -2831,7 +2831,7 @@
           <a:p>
             <a:fld id="{12939CF1-E958-4374-A660-E9B0C47FA2E4}" type="datetimeFigureOut">
               <a:rPr lang="en-US" smtClean="0"/>
-              <a:t>4/21/2021</a:t>
+              <a:t>4/21/21</a:t>
             </a:fld>
             <a:endParaRPr lang="en-US"/>
           </a:p>
@@ -3158,7 +3158,7 @@
           <a:p>
             <a:fld id="{12939CF1-E958-4374-A660-E9B0C47FA2E4}" type="datetimeFigureOut">
               <a:rPr lang="en-US" smtClean="0"/>
-              <a:t>4/21/2021</a:t>
+              <a:t>4/21/21</a:t>
             </a:fld>
             <a:endParaRPr lang="en-US"/>
           </a:p>
@@ -6547,8 +6547,8 @@
         </p:nvSpPr>
         <p:spPr>
           <a:xfrm>
-            <a:off x="999563" y="1926051"/>
-            <a:ext cx="1290918" cy="681320"/>
+            <a:off x="887503" y="1926051"/>
+            <a:ext cx="1402978" cy="681320"/>
           </a:xfrm>
           <a:prstGeom prst="ellipse">
             <a:avLst/>
@@ -6590,6 +6590,7 @@
             </a:extLst>
           </p:cNvPr>
           <p:cNvCxnSpPr>
+            <a:cxnSpLocks/>
             <a:stCxn id="6" idx="6"/>
           </p:cNvCxnSpPr>
           <p:nvPr/>
@@ -7426,7 +7427,7 @@
         <p:spPr>
           <a:xfrm>
             <a:off x="1972233" y="4765660"/>
-            <a:ext cx="1721222" cy="385483"/>
+            <a:ext cx="1721222" cy="493067"/>
           </a:xfrm>
           <a:prstGeom prst="rect">
             <a:avLst/>
@@ -7452,10 +7453,9 @@
           <a:p>
             <a:pPr algn="ctr"/>
             <a:r>
-              <a:rPr lang="en-US" dirty="0" err="1"/>
-              <a:t>RandomForest</a:t>
-            </a:r>
-            <a:endParaRPr lang="en-US" dirty="0"/>
+              <a:rPr lang="en-US" dirty="0"/>
+              <a:t>Random Forest</a:t>
+            </a:r>
           </a:p>
         </p:txBody>
       </p:sp>
@@ -7474,7 +7474,7 @@
         <p:spPr>
           <a:xfrm>
             <a:off x="1972233" y="5348335"/>
-            <a:ext cx="1721222" cy="385483"/>
+            <a:ext cx="1721222" cy="493067"/>
           </a:xfrm>
           <a:prstGeom prst="rect">
             <a:avLst/>
@@ -7500,10 +7500,9 @@
           <a:p>
             <a:pPr algn="ctr"/>
             <a:r>
-              <a:rPr lang="en-US" sz="1600" dirty="0" err="1"/>
-              <a:t>LogisticRegression</a:t>
-            </a:r>
-            <a:endParaRPr lang="en-US" sz="1600" dirty="0"/>
+              <a:rPr lang="en-US" sz="1600" dirty="0"/>
+              <a:t>Logistic Regression</a:t>
+            </a:r>
           </a:p>
         </p:txBody>
       </p:sp>
@@ -7522,7 +7521,7 @@
         <p:spPr>
           <a:xfrm>
             <a:off x="1972233" y="5950087"/>
-            <a:ext cx="1721222" cy="385483"/>
+            <a:ext cx="1721222" cy="493067"/>
           </a:xfrm>
           <a:prstGeom prst="rect">
             <a:avLst/>
@@ -7548,10 +7547,9 @@
           <a:p>
             <a:pPr algn="ctr"/>
             <a:r>
-              <a:rPr lang="en-US" dirty="0" err="1"/>
-              <a:t>DecisionTree</a:t>
-            </a:r>
-            <a:endParaRPr lang="en-US" dirty="0"/>
+              <a:rPr lang="en-US" dirty="0"/>
+              <a:t>Decision Tree</a:t>
+            </a:r>
           </a:p>
         </p:txBody>
       </p:sp>
@@ -7628,7 +7626,7 @@
           <a:p>
             <a:r>
               <a:rPr lang="en-US" sz="1600" dirty="0"/>
-              <a:t>Train and save  model</a:t>
+              <a:t>Train and Save model</a:t>
             </a:r>
           </a:p>
         </p:txBody>

--- a/finalPresentation.pptx
+++ b/finalPresentation.pptx
@@ -4339,7 +4339,7 @@
         </p:nvSpPr>
         <p:spPr>
           <a:xfrm>
-            <a:off x="1206625" y="2464817"/>
+            <a:off x="1451579" y="1853754"/>
             <a:ext cx="9954711" cy="3545365"/>
           </a:xfrm>
         </p:spPr>
@@ -4473,7 +4473,7 @@
         </p:nvSpPr>
         <p:spPr>
           <a:xfrm>
-            <a:off x="1206625" y="2464817"/>
+            <a:off x="1275860" y="1853754"/>
             <a:ext cx="9954711" cy="3545365"/>
           </a:xfrm>
         </p:spPr>
@@ -4607,7 +4607,7 @@
         </p:nvSpPr>
         <p:spPr>
           <a:xfrm>
-            <a:off x="1206625" y="2464817"/>
+            <a:off x="1275860" y="1853754"/>
             <a:ext cx="9954711" cy="3545365"/>
           </a:xfrm>
         </p:spPr>

--- a/finalPresentation.pptx
+++ b/finalPresentation.pptx
@@ -16,10 +16,10 @@
     <p:sldId id="274" r:id="rId10"/>
     <p:sldId id="275" r:id="rId11"/>
     <p:sldId id="276" r:id="rId12"/>
-    <p:sldId id="267" r:id="rId13"/>
-    <p:sldId id="268" r:id="rId14"/>
-    <p:sldId id="269" r:id="rId15"/>
-    <p:sldId id="270" r:id="rId16"/>
+    <p:sldId id="269" r:id="rId13"/>
+    <p:sldId id="270" r:id="rId14"/>
+    <p:sldId id="268" r:id="rId15"/>
+    <p:sldId id="267" r:id="rId16"/>
     <p:sldId id="277" r:id="rId17"/>
     <p:sldId id="263" r:id="rId18"/>
     <p:sldId id="261" r:id="rId19"/>
@@ -4034,7 +4034,7 @@
           <p:cNvPr id="2" name="Title 1">
             <a:extLst>
               <a:ext uri="{FF2B5EF4-FFF2-40B4-BE49-F238E27FC236}">
-                <a16:creationId xmlns:a16="http://schemas.microsoft.com/office/drawing/2014/main" id="{FDC80355-207B-4744-AB58-80E226A99AE4}"/>
+                <a16:creationId xmlns:a16="http://schemas.microsoft.com/office/drawing/2014/main" id="{87CDC66F-AFF3-4AFA-8C98-FF6236F4CAB0}"/>
               </a:ext>
             </a:extLst>
           </p:cNvPr>
@@ -4045,24 +4045,131 @@
             <p:ph type="title"/>
           </p:nvPr>
         </p:nvSpPr>
-        <p:spPr/>
+        <p:spPr>
+          <a:xfrm>
+            <a:off x="1451577" y="804519"/>
+            <a:ext cx="9603275" cy="1049235"/>
+          </a:xfrm>
+        </p:spPr>
         <p:txBody>
           <a:bodyPr/>
           <a:lstStyle/>
           <a:p>
             <a:r>
               <a:rPr lang="en-US" dirty="0"/>
-              <a:t>Model Accuracy Result</a:t>
-            </a:r>
+              <a:t>Model Choose</a:t>
+            </a:r>
+          </a:p>
+        </p:txBody>
+      </p:sp>
+      <p:sp>
+        <p:nvSpPr>
+          <p:cNvPr id="3" name="Content Placeholder 2">
+            <a:extLst>
+              <a:ext uri="{FF2B5EF4-FFF2-40B4-BE49-F238E27FC236}">
+                <a16:creationId xmlns:a16="http://schemas.microsoft.com/office/drawing/2014/main" id="{3D0B39FB-5C76-41CD-B9D6-00C7615086F3}"/>
+              </a:ext>
+            </a:extLst>
+          </p:cNvPr>
+          <p:cNvSpPr>
+            <a:spLocks noGrp="1"/>
+          </p:cNvSpPr>
+          <p:nvPr>
+            <p:ph idx="1"/>
+          </p:nvPr>
+        </p:nvSpPr>
+        <p:spPr>
+          <a:xfrm>
+            <a:off x="1275860" y="1853754"/>
+            <a:ext cx="9954711" cy="3545365"/>
+          </a:xfrm>
+        </p:spPr>
+        <p:txBody>
+          <a:bodyPr>
+            <a:normAutofit/>
+          </a:bodyPr>
+          <a:lstStyle/>
+          <a:p>
+            <a:pPr marL="457200" lvl="0" indent="-342900">
+              <a:lnSpc>
+                <a:spcPct val="150000"/>
+              </a:lnSpc>
+              <a:spcBef>
+                <a:spcPts val="0"/>
+              </a:spcBef>
+              <a:spcAft>
+                <a:spcPts val="0"/>
+              </a:spcAft>
+              <a:buSzPts val="1800"/>
+              <a:buChar char="●"/>
+            </a:pPr>
+            <a:r>
+              <a:rPr lang="en-US" dirty="0"/>
+              <a:t>Logistic Regression Model</a:t>
+            </a:r>
+          </a:p>
+          <a:p>
+            <a:pPr marL="457200" lvl="0" indent="-342900">
+              <a:lnSpc>
+                <a:spcPct val="150000"/>
+              </a:lnSpc>
+              <a:spcBef>
+                <a:spcPts val="0"/>
+              </a:spcBef>
+              <a:spcAft>
+                <a:spcPts val="0"/>
+              </a:spcAft>
+              <a:buSzPts val="1800"/>
+              <a:buChar char="●"/>
+            </a:pPr>
+            <a:r>
+              <a:rPr lang="en-US" altLang="zh-CN" dirty="0"/>
+              <a:t>Logistic regression is a popular method to predict a categorical response. It is a special case of Generalized Linear models that predicts the probability of the outcomes. </a:t>
+            </a:r>
+          </a:p>
+          <a:p>
+            <a:pPr marL="457200" lvl="0" indent="-342900">
+              <a:lnSpc>
+                <a:spcPct val="150000"/>
+              </a:lnSpc>
+              <a:spcBef>
+                <a:spcPts val="0"/>
+              </a:spcBef>
+              <a:spcAft>
+                <a:spcPts val="0"/>
+              </a:spcAft>
+              <a:buSzPts val="1800"/>
+              <a:buChar char="●"/>
+            </a:pPr>
+            <a:r>
+              <a:rPr lang="en-US" dirty="0"/>
+              <a:t>Pipelines</a:t>
+            </a:r>
+          </a:p>
+          <a:p>
+            <a:pPr marL="457200" lvl="0" indent="-342900">
+              <a:lnSpc>
+                <a:spcPct val="150000"/>
+              </a:lnSpc>
+              <a:spcBef>
+                <a:spcPts val="0"/>
+              </a:spcBef>
+              <a:spcAft>
+                <a:spcPts val="0"/>
+              </a:spcAft>
+              <a:buSzPts val="1800"/>
+              <a:buChar char="●"/>
+            </a:pPr>
+            <a:endParaRPr lang="en-US" b="1" dirty="0"/>
           </a:p>
         </p:txBody>
       </p:sp>
       <p:pic>
         <p:nvPicPr>
-          <p:cNvPr id="5" name="Picture 4">
-            <a:extLst>
-              <a:ext uri="{FF2B5EF4-FFF2-40B4-BE49-F238E27FC236}">
-                <a16:creationId xmlns:a16="http://schemas.microsoft.com/office/drawing/2014/main" id="{29095C45-4E0D-4B94-840A-5DEE4ABB0CAE}"/>
+          <p:cNvPr id="5" name="图片 4" descr="图示&#10;&#10;描述已自动生成">
+            <a:extLst>
+              <a:ext uri="{FF2B5EF4-FFF2-40B4-BE49-F238E27FC236}">
+                <a16:creationId xmlns:a16="http://schemas.microsoft.com/office/drawing/2014/main" id="{E2444A2E-2FE6-FD42-A323-7042BDA0FE63}"/>
               </a:ext>
             </a:extLst>
           </p:cNvPr>
@@ -4072,201 +4179,31 @@
           <p:nvPr/>
         </p:nvPicPr>
         <p:blipFill>
-          <a:blip r:embed="rId2"/>
+          <a:blip r:embed="rId2">
+            <a:extLst>
+              <a:ext uri="{28A0092B-C50C-407E-A947-70E740481C1C}">
+                <a14:useLocalDpi xmlns:a14="http://schemas.microsoft.com/office/drawing/2010/main" val="0"/>
+              </a:ext>
+            </a:extLst>
+          </a:blip>
           <a:stretch>
             <a:fillRect/>
           </a:stretch>
         </p:blipFill>
         <p:spPr>
           <a:xfrm>
-            <a:off x="4460438" y="4181475"/>
-            <a:ext cx="2638425" cy="1066800"/>
+            <a:off x="1806581" y="3782209"/>
+            <a:ext cx="8140700" cy="2133600"/>
           </a:xfrm>
           <a:prstGeom prst="rect">
             <a:avLst/>
           </a:prstGeom>
         </p:spPr>
       </p:pic>
-      <p:pic>
-        <p:nvPicPr>
-          <p:cNvPr id="7" name="Picture 6">
-            <a:extLst>
-              <a:ext uri="{FF2B5EF4-FFF2-40B4-BE49-F238E27FC236}">
-                <a16:creationId xmlns:a16="http://schemas.microsoft.com/office/drawing/2014/main" id="{4B3E89FC-3CA9-4965-84BC-4129FE3D8814}"/>
-              </a:ext>
-            </a:extLst>
-          </p:cNvPr>
-          <p:cNvPicPr>
-            <a:picLocks noChangeAspect="1"/>
-          </p:cNvPicPr>
-          <p:nvPr/>
-        </p:nvPicPr>
-        <p:blipFill>
-          <a:blip r:embed="rId3"/>
-          <a:stretch>
-            <a:fillRect/>
-          </a:stretch>
-        </p:blipFill>
-        <p:spPr>
-          <a:xfrm>
-            <a:off x="576836" y="4286250"/>
-            <a:ext cx="3390900" cy="857250"/>
-          </a:xfrm>
-          <a:prstGeom prst="rect">
-            <a:avLst/>
-          </a:prstGeom>
-        </p:spPr>
-      </p:pic>
-      <p:pic>
-        <p:nvPicPr>
-          <p:cNvPr id="9" name="Picture 8">
-            <a:extLst>
-              <a:ext uri="{FF2B5EF4-FFF2-40B4-BE49-F238E27FC236}">
-                <a16:creationId xmlns:a16="http://schemas.microsoft.com/office/drawing/2014/main" id="{6336DE43-A69E-4EF6-83A2-591F932A9CFC}"/>
-              </a:ext>
-            </a:extLst>
-          </p:cNvPr>
-          <p:cNvPicPr>
-            <a:picLocks noChangeAspect="1"/>
-          </p:cNvPicPr>
-          <p:nvPr/>
-        </p:nvPicPr>
-        <p:blipFill>
-          <a:blip r:embed="rId4"/>
-          <a:stretch>
-            <a:fillRect/>
-          </a:stretch>
-        </p:blipFill>
-        <p:spPr>
-          <a:xfrm>
-            <a:off x="7879258" y="4257675"/>
-            <a:ext cx="3409950" cy="885825"/>
-          </a:xfrm>
-          <a:prstGeom prst="rect">
-            <a:avLst/>
-          </a:prstGeom>
-        </p:spPr>
-      </p:pic>
-      <p:pic>
-        <p:nvPicPr>
-          <p:cNvPr id="8" name="Picture 7">
-            <a:extLst>
-              <a:ext uri="{FF2B5EF4-FFF2-40B4-BE49-F238E27FC236}">
-                <a16:creationId xmlns:a16="http://schemas.microsoft.com/office/drawing/2014/main" id="{559FCBFA-7682-4D63-A282-F3C50D675CDE}"/>
-              </a:ext>
-            </a:extLst>
-          </p:cNvPr>
-          <p:cNvPicPr>
-            <a:picLocks noChangeAspect="1"/>
-          </p:cNvPicPr>
-          <p:nvPr/>
-        </p:nvPicPr>
-        <p:blipFill>
-          <a:blip r:embed="rId5"/>
-          <a:stretch>
-            <a:fillRect/>
-          </a:stretch>
-        </p:blipFill>
-        <p:spPr>
-          <a:xfrm>
-            <a:off x="2705673" y="2669952"/>
-            <a:ext cx="2524125" cy="590550"/>
-          </a:xfrm>
-          <a:prstGeom prst="rect">
-            <a:avLst/>
-          </a:prstGeom>
-        </p:spPr>
-      </p:pic>
-      <p:sp>
-        <p:nvSpPr>
-          <p:cNvPr id="11" name="TextBox 10">
-            <a:extLst>
-              <a:ext uri="{FF2B5EF4-FFF2-40B4-BE49-F238E27FC236}">
-                <a16:creationId xmlns:a16="http://schemas.microsoft.com/office/drawing/2014/main" id="{C5E00F57-3A33-4651-B499-E7AE7ED91DD5}"/>
-              </a:ext>
-            </a:extLst>
-          </p:cNvPr>
-          <p:cNvSpPr txBox="1"/>
-          <p:nvPr/>
-        </p:nvSpPr>
-        <p:spPr>
-          <a:xfrm>
-            <a:off x="1034472" y="2077187"/>
-            <a:ext cx="3195782" cy="369332"/>
-          </a:xfrm>
-          <a:prstGeom prst="rect">
-            <a:avLst/>
-          </a:prstGeom>
-          <a:noFill/>
-        </p:spPr>
-        <p:txBody>
-          <a:bodyPr wrap="square" rtlCol="0">
-            <a:spAutoFit/>
-          </a:bodyPr>
-          <a:lstStyle/>
-          <a:p>
-            <a:r>
-              <a:rPr lang="en-US" dirty="0"/>
-              <a:t>Before using </a:t>
-            </a:r>
-            <a:r>
-              <a:rPr lang="en-US" dirty="0" err="1"/>
-              <a:t>somte</a:t>
-            </a:r>
-            <a:r>
-              <a:rPr lang="en-US" dirty="0"/>
-              <a:t> algorithm:</a:t>
-            </a:r>
-          </a:p>
-        </p:txBody>
-      </p:sp>
-      <p:sp>
-        <p:nvSpPr>
-          <p:cNvPr id="12" name="TextBox 11">
-            <a:extLst>
-              <a:ext uri="{FF2B5EF4-FFF2-40B4-BE49-F238E27FC236}">
-                <a16:creationId xmlns:a16="http://schemas.microsoft.com/office/drawing/2014/main" id="{5E0984AD-04AA-47CC-AB21-4D2157B6F5B0}"/>
-              </a:ext>
-            </a:extLst>
-          </p:cNvPr>
-          <p:cNvSpPr txBox="1"/>
-          <p:nvPr/>
-        </p:nvSpPr>
-        <p:spPr>
-          <a:xfrm>
-            <a:off x="674395" y="3536322"/>
-            <a:ext cx="3195782" cy="369332"/>
-          </a:xfrm>
-          <a:prstGeom prst="rect">
-            <a:avLst/>
-          </a:prstGeom>
-          <a:noFill/>
-        </p:spPr>
-        <p:txBody>
-          <a:bodyPr wrap="square" rtlCol="0">
-            <a:spAutoFit/>
-          </a:bodyPr>
-          <a:lstStyle/>
-          <a:p>
-            <a:r>
-              <a:rPr lang="en-US" dirty="0"/>
-              <a:t>After using </a:t>
-            </a:r>
-            <a:r>
-              <a:rPr lang="en-US" dirty="0" err="1"/>
-              <a:t>somte</a:t>
-            </a:r>
-            <a:r>
-              <a:rPr lang="en-US" dirty="0"/>
-              <a:t> algorithm:</a:t>
-            </a:r>
-          </a:p>
-        </p:txBody>
-      </p:sp>
     </p:spTree>
     <p:extLst>
       <p:ext uri="{BB962C8B-B14F-4D97-AF65-F5344CB8AC3E}">
-        <p14:creationId xmlns:p14="http://schemas.microsoft.com/office/powerpoint/2010/main" val="868078674"/>
+        <p14:creationId xmlns:p14="http://schemas.microsoft.com/office/powerpoint/2010/main" val="1648199945"/>
       </p:ext>
     </p:extLst>
   </p:cSld>
@@ -4339,15 +4276,17 @@
         </p:nvSpPr>
         <p:spPr>
           <a:xfrm>
-            <a:off x="1451579" y="1853754"/>
+            <a:off x="1275860" y="1853754"/>
             <a:ext cx="9954711" cy="3545365"/>
           </a:xfrm>
         </p:spPr>
         <p:txBody>
-          <a:bodyPr/>
-          <a:lstStyle/>
-          <a:p>
-            <a:pPr marL="457200" indent="-342900">
+          <a:bodyPr>
+            <a:normAutofit/>
+          </a:bodyPr>
+          <a:lstStyle/>
+          <a:p>
+            <a:pPr marL="457200" lvl="0" indent="-342900" algn="l" rtl="0">
               <a:lnSpc>
                 <a:spcPct val="150000"/>
               </a:lnSpc>
@@ -4358,16 +4297,15 @@
                 <a:spcPts val="0"/>
               </a:spcAft>
               <a:buSzPts val="1800"/>
-              <a:buFont typeface="Arial"/>
               <a:buChar char="●"/>
             </a:pPr>
             <a:r>
-              <a:rPr lang="en-US" altLang="zh-CN" dirty="0"/>
-              <a:t>Random Forest Model</a:t>
-            </a:r>
-          </a:p>
-          <a:p>
-            <a:pPr marL="457200" indent="-342900">
+              <a:rPr lang="en-US" dirty="0"/>
+              <a:t>Decision Tree Model</a:t>
+            </a:r>
+          </a:p>
+          <a:p>
+            <a:pPr marL="457200" lvl="0" indent="-342900">
               <a:lnSpc>
                 <a:spcPct val="150000"/>
               </a:lnSpc>
@@ -4378,29 +4316,35 @@
                 <a:spcPts val="0"/>
               </a:spcAft>
               <a:buSzPts val="1800"/>
-              <a:buFont typeface="Arial"/>
               <a:buChar char="●"/>
             </a:pPr>
             <a:r>
               <a:rPr lang="en-US" altLang="zh-CN" dirty="0"/>
-              <a:t>Random forests are a popular family of classification and regression methods. More information about the </a:t>
-            </a:r>
-            <a:r>
-              <a:rPr lang="en-US" altLang="zh-CN" dirty="0" err="1"/>
-              <a:t>spark.ml</a:t>
-            </a:r>
-            <a:r>
-              <a:rPr lang="en-US" altLang="zh-CN" dirty="0"/>
-              <a:t> implementation can be found further in the section on random forests.</a:t>
-            </a:r>
-            <a:endParaRPr lang="en-US" dirty="0"/>
+              <a:t>The decision tree is a greedy algorithm that performs a recursive binary partitioning of the feature space. The tree predicts the same label for each bottommost (leaf) partition. Each partition is chosen greedily by selecting the best split from a set of possible splits, in order to maximize the information gain at a tree node. </a:t>
+            </a:r>
+          </a:p>
+          <a:p>
+            <a:pPr marL="457200" lvl="0" indent="-342900">
+              <a:lnSpc>
+                <a:spcPct val="150000"/>
+              </a:lnSpc>
+              <a:spcBef>
+                <a:spcPts val="0"/>
+              </a:spcBef>
+              <a:spcAft>
+                <a:spcPts val="0"/>
+              </a:spcAft>
+              <a:buSzPts val="1800"/>
+              <a:buChar char="●"/>
+            </a:pPr>
+            <a:endParaRPr lang="en-US" altLang="zh-CN" dirty="0"/>
           </a:p>
         </p:txBody>
       </p:sp>
     </p:spTree>
     <p:extLst>
       <p:ext uri="{BB962C8B-B14F-4D97-AF65-F5344CB8AC3E}">
-        <p14:creationId xmlns:p14="http://schemas.microsoft.com/office/powerpoint/2010/main" val="2602688097"/>
+        <p14:creationId xmlns:p14="http://schemas.microsoft.com/office/powerpoint/2010/main" val="3073327280"/>
       </p:ext>
     </p:extLst>
   </p:cSld>
@@ -4473,17 +4417,15 @@
         </p:nvSpPr>
         <p:spPr>
           <a:xfrm>
-            <a:off x="1275860" y="1853754"/>
+            <a:off x="1451579" y="1853754"/>
             <a:ext cx="9954711" cy="3545365"/>
           </a:xfrm>
         </p:spPr>
         <p:txBody>
-          <a:bodyPr>
-            <a:normAutofit/>
-          </a:bodyPr>
-          <a:lstStyle/>
-          <a:p>
-            <a:pPr marL="457200" lvl="0" indent="-342900">
+          <a:bodyPr/>
+          <a:lstStyle/>
+          <a:p>
+            <a:pPr marL="457200" indent="-342900">
               <a:lnSpc>
                 <a:spcPct val="150000"/>
               </a:lnSpc>
@@ -4494,15 +4436,16 @@
                 <a:spcPts val="0"/>
               </a:spcAft>
               <a:buSzPts val="1800"/>
+              <a:buFont typeface="Arial"/>
               <a:buChar char="●"/>
             </a:pPr>
             <a:r>
-              <a:rPr lang="en-US" dirty="0"/>
-              <a:t>Logistic Regression Model</a:t>
-            </a:r>
-          </a:p>
-          <a:p>
-            <a:pPr marL="457200" lvl="0" indent="-342900">
+              <a:rPr lang="en-US" altLang="zh-CN" dirty="0"/>
+              <a:t>Random Forest Model</a:t>
+            </a:r>
+          </a:p>
+          <a:p>
+            <a:pPr marL="457200" indent="-342900">
               <a:lnSpc>
                 <a:spcPct val="150000"/>
               </a:lnSpc>
@@ -4513,28 +4456,28 @@
                 <a:spcPts val="0"/>
               </a:spcAft>
               <a:buSzPts val="1800"/>
+              <a:buFont typeface="Arial"/>
               <a:buChar char="●"/>
             </a:pPr>
             <a:r>
-              <a:rPr lang="en-US" altLang="zh-CN" dirty="0"/>
-              <a:t>Logistic regression is a popular method to predict a categorical response. It is a special case of Generalized Linear models that predicts the probability of the outcomes. In </a:t>
-            </a:r>
-            <a:r>
-              <a:rPr lang="en-US" altLang="zh-CN" dirty="0" err="1"/>
+              <a:rPr lang="en-US" dirty="0"/>
+              <a:t>Random forests are ensembles of decision trees. Random forests combine many decision trees in order to reduce the risk of overfitting. The </a:t>
+            </a:r>
+            <a:r>
+              <a:rPr lang="en-US" dirty="0" err="1"/>
               <a:t>spark.ml</a:t>
             </a:r>
             <a:r>
-              <a:rPr lang="en-US" altLang="zh-CN" dirty="0"/>
-              <a:t> logistic regression can be used to predict a binary outcome by using binomial logistic regression, or it can be used to predict a multiclass outcome by using multinomial logistic regression. Use the family parameter to select between these two algorithms, or leave it unset and Spark will infer the correct variant.</a:t>
-            </a:r>
-            <a:endParaRPr lang="en-US" dirty="0"/>
+              <a:rPr lang="en-US" dirty="0"/>
+              <a:t> implementation supports random forests for binary and multiclass classification and for regression, using both continuous and categorical features.</a:t>
+            </a:r>
           </a:p>
         </p:txBody>
       </p:sp>
     </p:spTree>
     <p:extLst>
       <p:ext uri="{BB962C8B-B14F-4D97-AF65-F5344CB8AC3E}">
-        <p14:creationId xmlns:p14="http://schemas.microsoft.com/office/powerpoint/2010/main" val="1648199945"/>
+        <p14:creationId xmlns:p14="http://schemas.microsoft.com/office/powerpoint/2010/main" val="2602688097"/>
       </p:ext>
     </p:extLst>
   </p:cSld>
@@ -4566,7 +4509,7 @@
           <p:cNvPr id="2" name="Title 1">
             <a:extLst>
               <a:ext uri="{FF2B5EF4-FFF2-40B4-BE49-F238E27FC236}">
-                <a16:creationId xmlns:a16="http://schemas.microsoft.com/office/drawing/2014/main" id="{87CDC66F-AFF3-4AFA-8C98-FF6236F4CAB0}"/>
+                <a16:creationId xmlns:a16="http://schemas.microsoft.com/office/drawing/2014/main" id="{FDC80355-207B-4744-AB58-80E226A99AE4}"/>
               </a:ext>
             </a:extLst>
           </p:cNvPr>
@@ -4584,89 +4527,221 @@
           <a:p>
             <a:r>
               <a:rPr lang="en-US" dirty="0"/>
-              <a:t>Model Choose</a:t>
-            </a:r>
-          </a:p>
-        </p:txBody>
-      </p:sp>
-      <p:sp>
-        <p:nvSpPr>
-          <p:cNvPr id="3" name="Content Placeholder 2">
-            <a:extLst>
-              <a:ext uri="{FF2B5EF4-FFF2-40B4-BE49-F238E27FC236}">
-                <a16:creationId xmlns:a16="http://schemas.microsoft.com/office/drawing/2014/main" id="{3D0B39FB-5C76-41CD-B9D6-00C7615086F3}"/>
-              </a:ext>
-            </a:extLst>
-          </p:cNvPr>
-          <p:cNvSpPr>
-            <a:spLocks noGrp="1"/>
-          </p:cNvSpPr>
-          <p:nvPr>
-            <p:ph idx="1"/>
-          </p:nvPr>
-        </p:nvSpPr>
-        <p:spPr>
-          <a:xfrm>
-            <a:off x="1275860" y="1853754"/>
-            <a:ext cx="9954711" cy="3545365"/>
-          </a:xfrm>
-        </p:spPr>
-        <p:txBody>
-          <a:bodyPr/>
-          <a:lstStyle/>
-          <a:p>
-            <a:pPr marL="457200" lvl="0" indent="-342900" algn="l" rtl="0">
-              <a:lnSpc>
-                <a:spcPct val="150000"/>
-              </a:lnSpc>
-              <a:spcBef>
-                <a:spcPts val="0"/>
-              </a:spcBef>
-              <a:spcAft>
-                <a:spcPts val="0"/>
-              </a:spcAft>
-              <a:buSzPts val="1800"/>
-              <a:buChar char="●"/>
-            </a:pPr>
+              <a:t>Model Accuracy Result</a:t>
+            </a:r>
+          </a:p>
+        </p:txBody>
+      </p:sp>
+      <p:pic>
+        <p:nvPicPr>
+          <p:cNvPr id="5" name="Picture 4">
+            <a:extLst>
+              <a:ext uri="{FF2B5EF4-FFF2-40B4-BE49-F238E27FC236}">
+                <a16:creationId xmlns:a16="http://schemas.microsoft.com/office/drawing/2014/main" id="{29095C45-4E0D-4B94-840A-5DEE4ABB0CAE}"/>
+              </a:ext>
+            </a:extLst>
+          </p:cNvPr>
+          <p:cNvPicPr>
+            <a:picLocks noChangeAspect="1"/>
+          </p:cNvPicPr>
+          <p:nvPr/>
+        </p:nvPicPr>
+        <p:blipFill>
+          <a:blip r:embed="rId2"/>
+          <a:stretch>
+            <a:fillRect/>
+          </a:stretch>
+        </p:blipFill>
+        <p:spPr>
+          <a:xfrm>
+            <a:off x="4503468" y="3923232"/>
+            <a:ext cx="2638425" cy="1066800"/>
+          </a:xfrm>
+          <a:prstGeom prst="rect">
+            <a:avLst/>
+          </a:prstGeom>
+        </p:spPr>
+      </p:pic>
+      <p:pic>
+        <p:nvPicPr>
+          <p:cNvPr id="7" name="Picture 6">
+            <a:extLst>
+              <a:ext uri="{FF2B5EF4-FFF2-40B4-BE49-F238E27FC236}">
+                <a16:creationId xmlns:a16="http://schemas.microsoft.com/office/drawing/2014/main" id="{4B3E89FC-3CA9-4965-84BC-4129FE3D8814}"/>
+              </a:ext>
+            </a:extLst>
+          </p:cNvPr>
+          <p:cNvPicPr>
+            <a:picLocks noChangeAspect="1"/>
+          </p:cNvPicPr>
+          <p:nvPr/>
+        </p:nvPicPr>
+        <p:blipFill>
+          <a:blip r:embed="rId3"/>
+          <a:stretch>
+            <a:fillRect/>
+          </a:stretch>
+        </p:blipFill>
+        <p:spPr>
+          <a:xfrm>
+            <a:off x="902792" y="3923232"/>
+            <a:ext cx="3390900" cy="857250"/>
+          </a:xfrm>
+          <a:prstGeom prst="rect">
+            <a:avLst/>
+          </a:prstGeom>
+        </p:spPr>
+      </p:pic>
+      <p:pic>
+        <p:nvPicPr>
+          <p:cNvPr id="9" name="Picture 8">
+            <a:extLst>
+              <a:ext uri="{FF2B5EF4-FFF2-40B4-BE49-F238E27FC236}">
+                <a16:creationId xmlns:a16="http://schemas.microsoft.com/office/drawing/2014/main" id="{6336DE43-A69E-4EF6-83A2-591F932A9CFC}"/>
+              </a:ext>
+            </a:extLst>
+          </p:cNvPr>
+          <p:cNvPicPr>
+            <a:picLocks noChangeAspect="1"/>
+          </p:cNvPicPr>
+          <p:nvPr/>
+        </p:nvPicPr>
+        <p:blipFill>
+          <a:blip r:embed="rId4"/>
+          <a:stretch>
+            <a:fillRect/>
+          </a:stretch>
+        </p:blipFill>
+        <p:spPr>
+          <a:xfrm>
+            <a:off x="7351669" y="3923232"/>
+            <a:ext cx="3409950" cy="885825"/>
+          </a:xfrm>
+          <a:prstGeom prst="rect">
+            <a:avLst/>
+          </a:prstGeom>
+        </p:spPr>
+      </p:pic>
+      <p:pic>
+        <p:nvPicPr>
+          <p:cNvPr id="8" name="Picture 7">
+            <a:extLst>
+              <a:ext uri="{FF2B5EF4-FFF2-40B4-BE49-F238E27FC236}">
+                <a16:creationId xmlns:a16="http://schemas.microsoft.com/office/drawing/2014/main" id="{559FCBFA-7682-4D63-A282-F3C50D675CDE}"/>
+              </a:ext>
+            </a:extLst>
+          </p:cNvPr>
+          <p:cNvPicPr>
+            <a:picLocks noChangeAspect="1"/>
+          </p:cNvPicPr>
+          <p:nvPr/>
+        </p:nvPicPr>
+        <p:blipFill>
+          <a:blip r:embed="rId5"/>
+          <a:stretch>
+            <a:fillRect/>
+          </a:stretch>
+        </p:blipFill>
+        <p:spPr>
+          <a:xfrm>
+            <a:off x="1451579" y="2562630"/>
+            <a:ext cx="3244318" cy="759048"/>
+          </a:xfrm>
+          <a:prstGeom prst="rect">
+            <a:avLst/>
+          </a:prstGeom>
+        </p:spPr>
+      </p:pic>
+      <p:sp>
+        <p:nvSpPr>
+          <p:cNvPr id="11" name="TextBox 10">
+            <a:extLst>
+              <a:ext uri="{FF2B5EF4-FFF2-40B4-BE49-F238E27FC236}">
+                <a16:creationId xmlns:a16="http://schemas.microsoft.com/office/drawing/2014/main" id="{C5E00F57-3A33-4651-B499-E7AE7ED91DD5}"/>
+              </a:ext>
+            </a:extLst>
+          </p:cNvPr>
+          <p:cNvSpPr txBox="1"/>
+          <p:nvPr/>
+        </p:nvSpPr>
+        <p:spPr>
+          <a:xfrm>
+            <a:off x="1451579" y="2077187"/>
+            <a:ext cx="3195782" cy="369332"/>
+          </a:xfrm>
+          <a:prstGeom prst="rect">
+            <a:avLst/>
+          </a:prstGeom>
+          <a:noFill/>
+        </p:spPr>
+        <p:txBody>
+          <a:bodyPr wrap="square" rtlCol="0">
+            <a:spAutoFit/>
+          </a:bodyPr>
+          <a:lstStyle/>
+          <a:p>
             <a:r>
               <a:rPr lang="en-US" dirty="0"/>
-              <a:t>Decision Tree Model</a:t>
-            </a:r>
-          </a:p>
-          <a:p>
-            <a:pPr marL="457200" lvl="0" indent="-342900">
-              <a:lnSpc>
-                <a:spcPct val="150000"/>
-              </a:lnSpc>
-              <a:spcBef>
-                <a:spcPts val="0"/>
-              </a:spcBef>
-              <a:spcAft>
-                <a:spcPts val="0"/>
-              </a:spcAft>
-              <a:buSzPts val="1800"/>
-              <a:buChar char="●"/>
-            </a:pPr>
-            <a:r>
-              <a:rPr lang="en-US" altLang="zh-CN" dirty="0"/>
-              <a:t>Random forests are a popular family of classification and regression methods. More information about the </a:t>
-            </a:r>
-            <a:r>
-              <a:rPr lang="en-US" altLang="zh-CN" dirty="0" err="1"/>
-              <a:t>spark.ml</a:t>
-            </a:r>
-            <a:r>
-              <a:rPr lang="en-US" altLang="zh-CN" dirty="0"/>
-              <a:t> implementation can be found further in the section on random forests.</a:t>
-            </a:r>
-            <a:endParaRPr lang="en-US" b="1" dirty="0"/>
+              <a:t>Before using </a:t>
+            </a:r>
+            <a:r>
+              <a:rPr lang="en-US" dirty="0" err="1"/>
+              <a:t>Somte</a:t>
+            </a:r>
+            <a:r>
+              <a:rPr lang="en-US" dirty="0"/>
+              <a:t> Algorithm:</a:t>
+            </a:r>
+          </a:p>
+        </p:txBody>
+      </p:sp>
+      <p:sp>
+        <p:nvSpPr>
+          <p:cNvPr id="12" name="TextBox 11">
+            <a:extLst>
+              <a:ext uri="{FF2B5EF4-FFF2-40B4-BE49-F238E27FC236}">
+                <a16:creationId xmlns:a16="http://schemas.microsoft.com/office/drawing/2014/main" id="{5E0984AD-04AA-47CC-AB21-4D2157B6F5B0}"/>
+              </a:ext>
+            </a:extLst>
+          </p:cNvPr>
+          <p:cNvSpPr txBox="1"/>
+          <p:nvPr/>
+        </p:nvSpPr>
+        <p:spPr>
+          <a:xfrm>
+            <a:off x="1451579" y="3437789"/>
+            <a:ext cx="3195782" cy="369332"/>
+          </a:xfrm>
+          <a:prstGeom prst="rect">
+            <a:avLst/>
+          </a:prstGeom>
+          <a:noFill/>
+        </p:spPr>
+        <p:txBody>
+          <a:bodyPr wrap="square" rtlCol="0">
+            <a:spAutoFit/>
+          </a:bodyPr>
+          <a:lstStyle/>
+          <a:p>
+            <a:r>
+              <a:rPr lang="en-US" dirty="0"/>
+              <a:t>After using </a:t>
+            </a:r>
+            <a:r>
+              <a:rPr lang="en-US" dirty="0" err="1"/>
+              <a:t>Somte</a:t>
+            </a:r>
+            <a:r>
+              <a:rPr lang="en-US" dirty="0"/>
+              <a:t> Algorithm:</a:t>
+            </a:r>
           </a:p>
         </p:txBody>
       </p:sp>
     </p:spTree>
     <p:extLst>
       <p:ext uri="{BB962C8B-B14F-4D97-AF65-F5344CB8AC3E}">
-        <p14:creationId xmlns:p14="http://schemas.microsoft.com/office/powerpoint/2010/main" val="3073327280"/>
+        <p14:creationId xmlns:p14="http://schemas.microsoft.com/office/powerpoint/2010/main" val="868078674"/>
       </p:ext>
     </p:extLst>
   </p:cSld>
@@ -4743,8 +4818,8 @@
         </p:blipFill>
         <p:spPr>
           <a:xfrm>
-            <a:off x="3813922" y="2107793"/>
-            <a:ext cx="3486150" cy="1066800"/>
+            <a:off x="1451579" y="2159605"/>
+            <a:ext cx="4205601" cy="1286960"/>
           </a:xfrm>
           <a:prstGeom prst="rect">
             <a:avLst/>
@@ -4773,8 +4848,8 @@
         </p:blipFill>
         <p:spPr>
           <a:xfrm>
-            <a:off x="3813922" y="3497127"/>
-            <a:ext cx="3524250" cy="2047875"/>
+            <a:off x="6413319" y="2159605"/>
+            <a:ext cx="4641535" cy="2697108"/>
           </a:xfrm>
           <a:prstGeom prst="rect">
             <a:avLst/>
@@ -4905,7 +4980,7 @@
         </p:blipFill>
         <p:spPr>
           <a:xfrm>
-            <a:off x="1719944" y="4216400"/>
+            <a:off x="1752217" y="3741038"/>
             <a:ext cx="3200816" cy="591620"/>
           </a:xfrm>
           <a:prstGeom prst="rect">
@@ -4994,7 +5069,7 @@
         </p:nvSpPr>
         <p:spPr>
           <a:xfrm>
-            <a:off x="1295402" y="2597982"/>
+            <a:off x="1451579" y="2402041"/>
             <a:ext cx="10515600" cy="2053917"/>
           </a:xfrm>
         </p:spPr>
@@ -5048,7 +5123,7 @@
         </p:nvSpPr>
         <p:spPr>
           <a:xfrm>
-            <a:off x="944733" y="4550305"/>
+            <a:off x="944733" y="4455958"/>
             <a:ext cx="10515600" cy="1325563"/>
           </a:xfrm>
           <a:prstGeom prst="rect">
@@ -6116,16 +6191,15 @@
           </p:cNvPicPr>
           <p:nvPr/>
         </p:nvPicPr>
-        <p:blipFill>
+        <p:blipFill rotWithShape="1">
           <a:blip r:embed="rId2"/>
-          <a:stretch>
-            <a:fillRect/>
-          </a:stretch>
+          <a:srcRect t="2616" r="3028"/>
+          <a:stretch/>
         </p:blipFill>
         <p:spPr>
           <a:xfrm>
-            <a:off x="1309543" y="2246663"/>
-            <a:ext cx="9210675" cy="2943225"/>
+            <a:off x="1309543" y="2285157"/>
+            <a:ext cx="8931737" cy="2866236"/>
           </a:xfrm>
           <a:prstGeom prst="rect">
             <a:avLst/>
@@ -8022,8 +8096,8 @@
         </p:blipFill>
         <p:spPr>
           <a:xfrm>
-            <a:off x="2526458" y="2187668"/>
-            <a:ext cx="5895975" cy="2733675"/>
+            <a:off x="1451579" y="2055060"/>
+            <a:ext cx="8027148" cy="3721796"/>
           </a:xfrm>
           <a:prstGeom prst="rect">
             <a:avLst/>

--- a/finalPresentation.pptx
+++ b/finalPresentation.pptx
@@ -7,24 +7,25 @@
   <p:sldIdLst>
     <p:sldId id="256" r:id="rId2"/>
     <p:sldId id="265" r:id="rId3"/>
-    <p:sldId id="257" r:id="rId4"/>
-    <p:sldId id="272" r:id="rId5"/>
-    <p:sldId id="259" r:id="rId6"/>
-    <p:sldId id="260" r:id="rId7"/>
-    <p:sldId id="258" r:id="rId8"/>
+    <p:sldId id="259" r:id="rId4"/>
+    <p:sldId id="260" r:id="rId5"/>
+    <p:sldId id="258" r:id="rId6"/>
+    <p:sldId id="257" r:id="rId7"/>
+    <p:sldId id="272" r:id="rId8"/>
     <p:sldId id="271" r:id="rId9"/>
     <p:sldId id="274" r:id="rId10"/>
     <p:sldId id="275" r:id="rId11"/>
     <p:sldId id="276" r:id="rId12"/>
-    <p:sldId id="269" r:id="rId13"/>
-    <p:sldId id="270" r:id="rId14"/>
-    <p:sldId id="268" r:id="rId15"/>
-    <p:sldId id="267" r:id="rId16"/>
-    <p:sldId id="277" r:id="rId17"/>
-    <p:sldId id="263" r:id="rId18"/>
-    <p:sldId id="261" r:id="rId19"/>
-    <p:sldId id="262" r:id="rId20"/>
-    <p:sldId id="264" r:id="rId21"/>
+    <p:sldId id="278" r:id="rId13"/>
+    <p:sldId id="269" r:id="rId14"/>
+    <p:sldId id="270" r:id="rId15"/>
+    <p:sldId id="268" r:id="rId16"/>
+    <p:sldId id="267" r:id="rId17"/>
+    <p:sldId id="277" r:id="rId18"/>
+    <p:sldId id="263" r:id="rId19"/>
+    <p:sldId id="261" r:id="rId20"/>
+    <p:sldId id="262" r:id="rId21"/>
+    <p:sldId id="264" r:id="rId22"/>
   </p:sldIdLst>
   <p:sldSz cx="12192000" cy="6858000"/>
   <p:notesSz cx="6858000" cy="9144000"/>
@@ -270,7 +271,7 @@
           <a:p>
             <a:fld id="{12939CF1-E958-4374-A660-E9B0C47FA2E4}" type="datetimeFigureOut">
               <a:rPr lang="en-US" smtClean="0"/>
-              <a:t>4/21/21</a:t>
+              <a:t>4/23/2021</a:t>
             </a:fld>
             <a:endParaRPr lang="en-US"/>
           </a:p>
@@ -481,7 +482,7 @@
           <a:p>
             <a:fld id="{12939CF1-E958-4374-A660-E9B0C47FA2E4}" type="datetimeFigureOut">
               <a:rPr lang="en-US" smtClean="0"/>
-              <a:t>4/21/21</a:t>
+              <a:t>4/23/2021</a:t>
             </a:fld>
             <a:endParaRPr lang="en-US"/>
           </a:p>
@@ -696,7 +697,7 @@
           <a:p>
             <a:fld id="{12939CF1-E958-4374-A660-E9B0C47FA2E4}" type="datetimeFigureOut">
               <a:rPr lang="en-US" smtClean="0"/>
-              <a:t>4/21/21</a:t>
+              <a:t>4/23/2021</a:t>
             </a:fld>
             <a:endParaRPr lang="en-US"/>
           </a:p>
@@ -897,7 +898,7 @@
           <a:p>
             <a:fld id="{12939CF1-E958-4374-A660-E9B0C47FA2E4}" type="datetimeFigureOut">
               <a:rPr lang="en-US" smtClean="0"/>
-              <a:t>4/21/21</a:t>
+              <a:t>4/23/2021</a:t>
             </a:fld>
             <a:endParaRPr lang="en-US"/>
           </a:p>
@@ -1176,7 +1177,7 @@
           <a:p>
             <a:fld id="{12939CF1-E958-4374-A660-E9B0C47FA2E4}" type="datetimeFigureOut">
               <a:rPr lang="en-US" smtClean="0"/>
-              <a:t>4/21/21</a:t>
+              <a:t>4/23/2021</a:t>
             </a:fld>
             <a:endParaRPr lang="en-US"/>
           </a:p>
@@ -1444,7 +1445,7 @@
           <a:p>
             <a:fld id="{12939CF1-E958-4374-A660-E9B0C47FA2E4}" type="datetimeFigureOut">
               <a:rPr lang="en-US" smtClean="0"/>
-              <a:t>4/21/21</a:t>
+              <a:t>4/23/2021</a:t>
             </a:fld>
             <a:endParaRPr lang="en-US"/>
           </a:p>
@@ -1860,7 +1861,7 @@
           <a:p>
             <a:fld id="{12939CF1-E958-4374-A660-E9B0C47FA2E4}" type="datetimeFigureOut">
               <a:rPr lang="en-US" smtClean="0"/>
-              <a:t>4/21/21</a:t>
+              <a:t>4/23/2021</a:t>
             </a:fld>
             <a:endParaRPr lang="en-US"/>
           </a:p>
@@ -2009,7 +2010,7 @@
           <a:p>
             <a:fld id="{12939CF1-E958-4374-A660-E9B0C47FA2E4}" type="datetimeFigureOut">
               <a:rPr lang="en-US" smtClean="0"/>
-              <a:t>4/21/21</a:t>
+              <a:t>4/23/2021</a:t>
             </a:fld>
             <a:endParaRPr lang="en-US"/>
           </a:p>
@@ -2135,7 +2136,7 @@
           <a:p>
             <a:fld id="{12939CF1-E958-4374-A660-E9B0C47FA2E4}" type="datetimeFigureOut">
               <a:rPr lang="en-US" smtClean="0"/>
-              <a:t>4/21/21</a:t>
+              <a:t>4/23/2021</a:t>
             </a:fld>
             <a:endParaRPr lang="en-US"/>
           </a:p>
@@ -2386,7 +2387,7 @@
           <a:p>
             <a:fld id="{12939CF1-E958-4374-A660-E9B0C47FA2E4}" type="datetimeFigureOut">
               <a:rPr lang="en-US" smtClean="0"/>
-              <a:t>4/21/21</a:t>
+              <a:t>4/23/2021</a:t>
             </a:fld>
             <a:endParaRPr lang="en-US"/>
           </a:p>
@@ -2831,7 +2832,7 @@
           <a:p>
             <a:fld id="{12939CF1-E958-4374-A660-E9B0C47FA2E4}" type="datetimeFigureOut">
               <a:rPr lang="en-US" smtClean="0"/>
-              <a:t>4/21/21</a:t>
+              <a:t>4/23/2021</a:t>
             </a:fld>
             <a:endParaRPr lang="en-US"/>
           </a:p>
@@ -3158,7 +3159,7 @@
           <a:p>
             <a:fld id="{12939CF1-E958-4374-A660-E9B0C47FA2E4}" type="datetimeFigureOut">
               <a:rPr lang="en-US" smtClean="0"/>
-              <a:t>4/21/21</a:t>
+              <a:t>4/23/2021</a:t>
             </a:fld>
             <a:endParaRPr lang="en-US"/>
           </a:p>
@@ -3871,10 +3872,10 @@
       </p:sp>
       <p:pic>
         <p:nvPicPr>
-          <p:cNvPr id="4" name="Picture 3">
-            <a:extLst>
-              <a:ext uri="{FF2B5EF4-FFF2-40B4-BE49-F238E27FC236}">
-                <a16:creationId xmlns:a16="http://schemas.microsoft.com/office/drawing/2014/main" id="{2607B502-0F82-4903-A816-C7219C7AC3D5}"/>
+          <p:cNvPr id="7" name="Picture 6">
+            <a:extLst>
+              <a:ext uri="{FF2B5EF4-FFF2-40B4-BE49-F238E27FC236}">
+                <a16:creationId xmlns:a16="http://schemas.microsoft.com/office/drawing/2014/main" id="{07CBDAA2-8918-4F38-BC44-66EF10111680}"/>
               </a:ext>
             </a:extLst>
           </p:cNvPr>
@@ -3891,114 +3892,14 @@
         </p:blipFill>
         <p:spPr>
           <a:xfrm>
-            <a:off x="3324225" y="2098163"/>
-            <a:ext cx="5543550" cy="1876425"/>
+            <a:off x="2252716" y="2538756"/>
+            <a:ext cx="8001000" cy="3514725"/>
           </a:xfrm>
           <a:prstGeom prst="rect">
             <a:avLst/>
           </a:prstGeom>
         </p:spPr>
       </p:pic>
-      <p:pic>
-        <p:nvPicPr>
-          <p:cNvPr id="6" name="Picture 5">
-            <a:extLst>
-              <a:ext uri="{FF2B5EF4-FFF2-40B4-BE49-F238E27FC236}">
-                <a16:creationId xmlns:a16="http://schemas.microsoft.com/office/drawing/2014/main" id="{4D2BA60B-C035-4919-9136-BDEADF50FE31}"/>
-              </a:ext>
-            </a:extLst>
-          </p:cNvPr>
-          <p:cNvPicPr>
-            <a:picLocks noChangeAspect="1"/>
-          </p:cNvPicPr>
-          <p:nvPr/>
-        </p:nvPicPr>
-        <p:blipFill>
-          <a:blip r:embed="rId3"/>
-          <a:stretch>
-            <a:fillRect/>
-          </a:stretch>
-        </p:blipFill>
-        <p:spPr>
-          <a:xfrm>
-            <a:off x="3324225" y="4272306"/>
-            <a:ext cx="5419725" cy="1781175"/>
-          </a:xfrm>
-          <a:prstGeom prst="rect">
-            <a:avLst/>
-          </a:prstGeom>
-        </p:spPr>
-      </p:pic>
-      <p:sp>
-        <p:nvSpPr>
-          <p:cNvPr id="3" name="TextBox 2">
-            <a:extLst>
-              <a:ext uri="{FF2B5EF4-FFF2-40B4-BE49-F238E27FC236}">
-                <a16:creationId xmlns:a16="http://schemas.microsoft.com/office/drawing/2014/main" id="{5734C5DC-21DD-4720-8E04-2102264440C3}"/>
-              </a:ext>
-            </a:extLst>
-          </p:cNvPr>
-          <p:cNvSpPr txBox="1"/>
-          <p:nvPr/>
-        </p:nvSpPr>
-        <p:spPr>
-          <a:xfrm>
-            <a:off x="1588655" y="2632364"/>
-            <a:ext cx="1320800" cy="369332"/>
-          </a:xfrm>
-          <a:prstGeom prst="rect">
-            <a:avLst/>
-          </a:prstGeom>
-          <a:noFill/>
-        </p:spPr>
-        <p:txBody>
-          <a:bodyPr wrap="square" rtlCol="0">
-            <a:spAutoFit/>
-          </a:bodyPr>
-          <a:lstStyle/>
-          <a:p>
-            <a:r>
-              <a:rPr lang="en-US" dirty="0"/>
-              <a:t>New data</a:t>
-            </a:r>
-          </a:p>
-        </p:txBody>
-      </p:sp>
-      <p:sp>
-        <p:nvSpPr>
-          <p:cNvPr id="5" name="TextBox 4">
-            <a:extLst>
-              <a:ext uri="{FF2B5EF4-FFF2-40B4-BE49-F238E27FC236}">
-                <a16:creationId xmlns:a16="http://schemas.microsoft.com/office/drawing/2014/main" id="{3D372C74-BEAD-42D2-A70E-213EE5ABA175}"/>
-              </a:ext>
-            </a:extLst>
-          </p:cNvPr>
-          <p:cNvSpPr txBox="1"/>
-          <p:nvPr/>
-        </p:nvSpPr>
-        <p:spPr>
-          <a:xfrm>
-            <a:off x="1588655" y="4839743"/>
-            <a:ext cx="1810328" cy="369332"/>
-          </a:xfrm>
-          <a:prstGeom prst="rect">
-            <a:avLst/>
-          </a:prstGeom>
-          <a:noFill/>
-        </p:spPr>
-        <p:txBody>
-          <a:bodyPr wrap="square" rtlCol="0">
-            <a:spAutoFit/>
-          </a:bodyPr>
-          <a:lstStyle/>
-          <a:p>
-            <a:r>
-              <a:rPr lang="en-US" dirty="0"/>
-              <a:t>Final data</a:t>
-            </a:r>
-          </a:p>
-        </p:txBody>
-      </p:sp>
     </p:spTree>
     <p:extLst>
       <p:ext uri="{BB962C8B-B14F-4D97-AF65-F5344CB8AC3E}">
@@ -4045,131 +3946,24 @@
             <p:ph type="title"/>
           </p:nvPr>
         </p:nvSpPr>
-        <p:spPr>
-          <a:xfrm>
-            <a:off x="1451577" y="804519"/>
-            <a:ext cx="9603275" cy="1049235"/>
-          </a:xfrm>
-        </p:spPr>
+        <p:spPr/>
         <p:txBody>
           <a:bodyPr/>
           <a:lstStyle/>
           <a:p>
             <a:r>
-              <a:rPr lang="en-US" dirty="0"/>
-              <a:t>Model Choose</a:t>
-            </a:r>
-          </a:p>
-        </p:txBody>
-      </p:sp>
-      <p:sp>
-        <p:nvSpPr>
-          <p:cNvPr id="3" name="Content Placeholder 2">
-            <a:extLst>
-              <a:ext uri="{FF2B5EF4-FFF2-40B4-BE49-F238E27FC236}">
-                <a16:creationId xmlns:a16="http://schemas.microsoft.com/office/drawing/2014/main" id="{3D0B39FB-5C76-41CD-B9D6-00C7615086F3}"/>
-              </a:ext>
-            </a:extLst>
-          </p:cNvPr>
-          <p:cNvSpPr>
-            <a:spLocks noGrp="1"/>
-          </p:cNvSpPr>
-          <p:nvPr>
-            <p:ph idx="1"/>
-          </p:nvPr>
-        </p:nvSpPr>
-        <p:spPr>
-          <a:xfrm>
-            <a:off x="1275860" y="1853754"/>
-            <a:ext cx="9954711" cy="3545365"/>
-          </a:xfrm>
-        </p:spPr>
-        <p:txBody>
-          <a:bodyPr>
-            <a:normAutofit/>
-          </a:bodyPr>
-          <a:lstStyle/>
-          <a:p>
-            <a:pPr marL="457200" lvl="0" indent="-342900">
-              <a:lnSpc>
-                <a:spcPct val="150000"/>
-              </a:lnSpc>
-              <a:spcBef>
-                <a:spcPts val="0"/>
-              </a:spcBef>
-              <a:spcAft>
-                <a:spcPts val="0"/>
-              </a:spcAft>
-              <a:buSzPts val="1800"/>
-              <a:buChar char="●"/>
-            </a:pPr>
-            <a:r>
-              <a:rPr lang="en-US" dirty="0"/>
-              <a:t>Logistic Regression Model</a:t>
-            </a:r>
-          </a:p>
-          <a:p>
-            <a:pPr marL="457200" lvl="0" indent="-342900">
-              <a:lnSpc>
-                <a:spcPct val="150000"/>
-              </a:lnSpc>
-              <a:spcBef>
-                <a:spcPts val="0"/>
-              </a:spcBef>
-              <a:spcAft>
-                <a:spcPts val="0"/>
-              </a:spcAft>
-              <a:buSzPts val="1800"/>
-              <a:buChar char="●"/>
-            </a:pPr>
-            <a:r>
-              <a:rPr lang="en-US" altLang="zh-CN" dirty="0"/>
-              <a:t>Logistic regression is a popular method to predict a categorical response. It is a special case of Generalized Linear models that predicts the probability of the outcomes. </a:t>
-            </a:r>
-          </a:p>
-          <a:p>
-            <a:pPr marL="457200" lvl="0" indent="-342900">
-              <a:lnSpc>
-                <a:spcPct val="150000"/>
-              </a:lnSpc>
-              <a:spcBef>
-                <a:spcPts val="0"/>
-              </a:spcBef>
-              <a:spcAft>
-                <a:spcPts val="0"/>
-              </a:spcAft>
-              <a:buSzPts val="1800"/>
-              <a:buChar char="●"/>
-            </a:pPr>
-            <a:r>
-              <a:rPr lang="en-US" dirty="0"/>
-              <a:t>Pipelines</a:t>
-            </a:r>
-          </a:p>
-          <a:p>
-            <a:pPr marL="457200" lvl="0" indent="-342900">
-              <a:lnSpc>
-                <a:spcPct val="150000"/>
-              </a:lnSpc>
-              <a:spcBef>
-                <a:spcPts val="0"/>
-              </a:spcBef>
-              <a:spcAft>
-                <a:spcPts val="0"/>
-              </a:spcAft>
-              <a:buSzPts val="1800"/>
-              <a:buChar char="●"/>
-            </a:pPr>
-            <a:endParaRPr lang="en-US" b="1" dirty="0"/>
+              <a:rPr lang="en-US" sz="4400" dirty="0"/>
+              <a:t>Smote</a:t>
+            </a:r>
           </a:p>
         </p:txBody>
       </p:sp>
       <p:pic>
         <p:nvPicPr>
-          <p:cNvPr id="5" name="图片 4" descr="图示&#10;&#10;描述已自动生成">
-            <a:extLst>
-              <a:ext uri="{FF2B5EF4-FFF2-40B4-BE49-F238E27FC236}">
-                <a16:creationId xmlns:a16="http://schemas.microsoft.com/office/drawing/2014/main" id="{E2444A2E-2FE6-FD42-A323-7042BDA0FE63}"/>
+          <p:cNvPr id="4" name="Picture 3">
+            <a:extLst>
+              <a:ext uri="{FF2B5EF4-FFF2-40B4-BE49-F238E27FC236}">
+                <a16:creationId xmlns:a16="http://schemas.microsoft.com/office/drawing/2014/main" id="{2607B502-0F82-4903-A816-C7219C7AC3D5}"/>
               </a:ext>
             </a:extLst>
           </p:cNvPr>
@@ -4179,31 +3973,125 @@
           <p:nvPr/>
         </p:nvPicPr>
         <p:blipFill>
-          <a:blip r:embed="rId2">
-            <a:extLst>
-              <a:ext uri="{28A0092B-C50C-407E-A947-70E740481C1C}">
-                <a14:useLocalDpi xmlns:a14="http://schemas.microsoft.com/office/drawing/2010/main" val="0"/>
-              </a:ext>
-            </a:extLst>
-          </a:blip>
+          <a:blip r:embed="rId2"/>
           <a:stretch>
             <a:fillRect/>
           </a:stretch>
         </p:blipFill>
         <p:spPr>
           <a:xfrm>
-            <a:off x="1806581" y="3782209"/>
-            <a:ext cx="8140700" cy="2133600"/>
+            <a:off x="3324225" y="2098163"/>
+            <a:ext cx="5543550" cy="1876425"/>
           </a:xfrm>
           <a:prstGeom prst="rect">
             <a:avLst/>
           </a:prstGeom>
         </p:spPr>
       </p:pic>
+      <p:pic>
+        <p:nvPicPr>
+          <p:cNvPr id="6" name="Picture 5">
+            <a:extLst>
+              <a:ext uri="{FF2B5EF4-FFF2-40B4-BE49-F238E27FC236}">
+                <a16:creationId xmlns:a16="http://schemas.microsoft.com/office/drawing/2014/main" id="{4D2BA60B-C035-4919-9136-BDEADF50FE31}"/>
+              </a:ext>
+            </a:extLst>
+          </p:cNvPr>
+          <p:cNvPicPr>
+            <a:picLocks noChangeAspect="1"/>
+          </p:cNvPicPr>
+          <p:nvPr/>
+        </p:nvPicPr>
+        <p:blipFill>
+          <a:blip r:embed="rId3"/>
+          <a:stretch>
+            <a:fillRect/>
+          </a:stretch>
+        </p:blipFill>
+        <p:spPr>
+          <a:xfrm>
+            <a:off x="3324225" y="4272306"/>
+            <a:ext cx="5419725" cy="1781175"/>
+          </a:xfrm>
+          <a:prstGeom prst="rect">
+            <a:avLst/>
+          </a:prstGeom>
+        </p:spPr>
+      </p:pic>
+      <p:sp>
+        <p:nvSpPr>
+          <p:cNvPr id="3" name="TextBox 2">
+            <a:extLst>
+              <a:ext uri="{FF2B5EF4-FFF2-40B4-BE49-F238E27FC236}">
+                <a16:creationId xmlns:a16="http://schemas.microsoft.com/office/drawing/2014/main" id="{5734C5DC-21DD-4720-8E04-2102264440C3}"/>
+              </a:ext>
+            </a:extLst>
+          </p:cNvPr>
+          <p:cNvSpPr txBox="1"/>
+          <p:nvPr/>
+        </p:nvSpPr>
+        <p:spPr>
+          <a:xfrm>
+            <a:off x="1588655" y="2632364"/>
+            <a:ext cx="1320800" cy="369332"/>
+          </a:xfrm>
+          <a:prstGeom prst="rect">
+            <a:avLst/>
+          </a:prstGeom>
+          <a:noFill/>
+        </p:spPr>
+        <p:txBody>
+          <a:bodyPr wrap="square" rtlCol="0">
+            <a:spAutoFit/>
+          </a:bodyPr>
+          <a:lstStyle/>
+          <a:p>
+            <a:r>
+              <a:rPr lang="en-US" dirty="0"/>
+              <a:t>New data</a:t>
+            </a:r>
+          </a:p>
+        </p:txBody>
+      </p:sp>
+      <p:sp>
+        <p:nvSpPr>
+          <p:cNvPr id="5" name="TextBox 4">
+            <a:extLst>
+              <a:ext uri="{FF2B5EF4-FFF2-40B4-BE49-F238E27FC236}">
+                <a16:creationId xmlns:a16="http://schemas.microsoft.com/office/drawing/2014/main" id="{3D372C74-BEAD-42D2-A70E-213EE5ABA175}"/>
+              </a:ext>
+            </a:extLst>
+          </p:cNvPr>
+          <p:cNvSpPr txBox="1"/>
+          <p:nvPr/>
+        </p:nvSpPr>
+        <p:spPr>
+          <a:xfrm>
+            <a:off x="1588655" y="4839743"/>
+            <a:ext cx="1810328" cy="369332"/>
+          </a:xfrm>
+          <a:prstGeom prst="rect">
+            <a:avLst/>
+          </a:prstGeom>
+          <a:noFill/>
+        </p:spPr>
+        <p:txBody>
+          <a:bodyPr wrap="square" rtlCol="0">
+            <a:spAutoFit/>
+          </a:bodyPr>
+          <a:lstStyle/>
+          <a:p>
+            <a:r>
+              <a:rPr lang="en-US" dirty="0"/>
+              <a:t>Final data</a:t>
+            </a:r>
+          </a:p>
+        </p:txBody>
+      </p:sp>
     </p:spTree>
     <p:extLst>
       <p:ext uri="{BB962C8B-B14F-4D97-AF65-F5344CB8AC3E}">
-        <p14:creationId xmlns:p14="http://schemas.microsoft.com/office/powerpoint/2010/main" val="1648199945"/>
+        <p14:creationId xmlns:p14="http://schemas.microsoft.com/office/powerpoint/2010/main" val="532396284"/>
       </p:ext>
     </p:extLst>
   </p:cSld>
@@ -4246,7 +4134,12 @@
             <p:ph type="title"/>
           </p:nvPr>
         </p:nvSpPr>
-        <p:spPr/>
+        <p:spPr>
+          <a:xfrm>
+            <a:off x="1451577" y="804519"/>
+            <a:ext cx="9603275" cy="1049235"/>
+          </a:xfrm>
+        </p:spPr>
         <p:txBody>
           <a:bodyPr/>
           <a:lstStyle/>
@@ -4285,25 +4178,6 @@
             <a:normAutofit/>
           </a:bodyPr>
           <a:lstStyle/>
-          <a:p>
-            <a:pPr marL="457200" lvl="0" indent="-342900" algn="l" rtl="0">
-              <a:lnSpc>
-                <a:spcPct val="150000"/>
-              </a:lnSpc>
-              <a:spcBef>
-                <a:spcPts val="0"/>
-              </a:spcBef>
-              <a:spcAft>
-                <a:spcPts val="0"/>
-              </a:spcAft>
-              <a:buSzPts val="1800"/>
-              <a:buChar char="●"/>
-            </a:pPr>
-            <a:r>
-              <a:rPr lang="en-US" dirty="0"/>
-              <a:t>Decision Tree Model</a:t>
-            </a:r>
-          </a:p>
           <a:p>
             <a:pPr marL="457200" lvl="0" indent="-342900">
               <a:lnSpc>
@@ -4319,8 +4193,8 @@
               <a:buChar char="●"/>
             </a:pPr>
             <a:r>
-              <a:rPr lang="en-US" altLang="zh-CN" dirty="0"/>
-              <a:t>The decision tree is a greedy algorithm that performs a recursive binary partitioning of the feature space. The tree predicts the same label for each bottommost (leaf) partition. Each partition is chosen greedily by selecting the best split from a set of possible splits, in order to maximize the information gain at a tree node. </a:t>
+              <a:rPr lang="en-US" dirty="0"/>
+              <a:t>Logistic Regression Model</a:t>
             </a:r>
           </a:p>
           <a:p>
@@ -4337,14 +4211,88 @@
               <a:buSzPts val="1800"/>
               <a:buChar char="●"/>
             </a:pPr>
-            <a:endParaRPr lang="en-US" altLang="zh-CN" dirty="0"/>
-          </a:p>
-        </p:txBody>
-      </p:sp>
+            <a:r>
+              <a:rPr lang="en-US" altLang="zh-CN" dirty="0"/>
+              <a:t>Logistic regression is a popular method to predict a categorical response. It is a special case of Generalized Linear models that predicts the probability of the outcomes. </a:t>
+            </a:r>
+          </a:p>
+          <a:p>
+            <a:pPr marL="457200" lvl="0" indent="-342900">
+              <a:lnSpc>
+                <a:spcPct val="150000"/>
+              </a:lnSpc>
+              <a:spcBef>
+                <a:spcPts val="0"/>
+              </a:spcBef>
+              <a:spcAft>
+                <a:spcPts val="0"/>
+              </a:spcAft>
+              <a:buSzPts val="1800"/>
+              <a:buChar char="●"/>
+            </a:pPr>
+            <a:r>
+              <a:rPr lang="en-US" dirty="0"/>
+              <a:t>Pipelines</a:t>
+            </a:r>
+          </a:p>
+          <a:p>
+            <a:pPr marL="457200" lvl="0" indent="-342900">
+              <a:lnSpc>
+                <a:spcPct val="150000"/>
+              </a:lnSpc>
+              <a:spcBef>
+                <a:spcPts val="0"/>
+              </a:spcBef>
+              <a:spcAft>
+                <a:spcPts val="0"/>
+              </a:spcAft>
+              <a:buSzPts val="1800"/>
+              <a:buChar char="●"/>
+            </a:pPr>
+            <a:endParaRPr lang="en-US" b="1" dirty="0"/>
+          </a:p>
+        </p:txBody>
+      </p:sp>
+      <p:pic>
+        <p:nvPicPr>
+          <p:cNvPr id="5" name="图片 4" descr="图示&#10;&#10;描述已自动生成">
+            <a:extLst>
+              <a:ext uri="{FF2B5EF4-FFF2-40B4-BE49-F238E27FC236}">
+                <a16:creationId xmlns:a16="http://schemas.microsoft.com/office/drawing/2014/main" id="{E2444A2E-2FE6-FD42-A323-7042BDA0FE63}"/>
+              </a:ext>
+            </a:extLst>
+          </p:cNvPr>
+          <p:cNvPicPr>
+            <a:picLocks noChangeAspect="1"/>
+          </p:cNvPicPr>
+          <p:nvPr/>
+        </p:nvPicPr>
+        <p:blipFill>
+          <a:blip r:embed="rId2">
+            <a:extLst>
+              <a:ext uri="{28A0092B-C50C-407E-A947-70E740481C1C}">
+                <a14:useLocalDpi xmlns:a14="http://schemas.microsoft.com/office/drawing/2010/main" val="0"/>
+              </a:ext>
+            </a:extLst>
+          </a:blip>
+          <a:stretch>
+            <a:fillRect/>
+          </a:stretch>
+        </p:blipFill>
+        <p:spPr>
+          <a:xfrm>
+            <a:off x="1806581" y="3782209"/>
+            <a:ext cx="8140700" cy="2133600"/>
+          </a:xfrm>
+          <a:prstGeom prst="rect">
+            <a:avLst/>
+          </a:prstGeom>
+        </p:spPr>
+      </p:pic>
     </p:spTree>
     <p:extLst>
       <p:ext uri="{BB962C8B-B14F-4D97-AF65-F5344CB8AC3E}">
-        <p14:creationId xmlns:p14="http://schemas.microsoft.com/office/powerpoint/2010/main" val="3073327280"/>
+        <p14:creationId xmlns:p14="http://schemas.microsoft.com/office/powerpoint/2010/main" val="1648199945"/>
       </p:ext>
     </p:extLst>
   </p:cSld>
@@ -4417,15 +4365,17 @@
         </p:nvSpPr>
         <p:spPr>
           <a:xfrm>
-            <a:off x="1451579" y="1853754"/>
+            <a:off x="1275860" y="1853754"/>
             <a:ext cx="9954711" cy="3545365"/>
           </a:xfrm>
         </p:spPr>
         <p:txBody>
-          <a:bodyPr/>
-          <a:lstStyle/>
-          <a:p>
-            <a:pPr marL="457200" indent="-342900">
+          <a:bodyPr>
+            <a:normAutofit/>
+          </a:bodyPr>
+          <a:lstStyle/>
+          <a:p>
+            <a:pPr marL="457200" lvl="0" indent="-342900" algn="l" rtl="0">
               <a:lnSpc>
                 <a:spcPct val="150000"/>
               </a:lnSpc>
@@ -4436,16 +4386,15 @@
                 <a:spcPts val="0"/>
               </a:spcAft>
               <a:buSzPts val="1800"/>
-              <a:buFont typeface="Arial"/>
               <a:buChar char="●"/>
             </a:pPr>
             <a:r>
-              <a:rPr lang="en-US" altLang="zh-CN" dirty="0"/>
-              <a:t>Random Forest Model</a:t>
-            </a:r>
-          </a:p>
-          <a:p>
-            <a:pPr marL="457200" indent="-342900">
+              <a:rPr lang="en-US" dirty="0"/>
+              <a:t>Decision Tree Model</a:t>
+            </a:r>
+          </a:p>
+          <a:p>
+            <a:pPr marL="457200" lvl="0" indent="-342900">
               <a:lnSpc>
                 <a:spcPct val="150000"/>
               </a:lnSpc>
@@ -4456,28 +4405,35 @@
                 <a:spcPts val="0"/>
               </a:spcAft>
               <a:buSzPts val="1800"/>
-              <a:buFont typeface="Arial"/>
               <a:buChar char="●"/>
             </a:pPr>
             <a:r>
-              <a:rPr lang="en-US" dirty="0"/>
-              <a:t>Random forests are ensembles of decision trees. Random forests combine many decision trees in order to reduce the risk of overfitting. The </a:t>
-            </a:r>
-            <a:r>
-              <a:rPr lang="en-US" dirty="0" err="1"/>
-              <a:t>spark.ml</a:t>
-            </a:r>
-            <a:r>
-              <a:rPr lang="en-US" dirty="0"/>
-              <a:t> implementation supports random forests for binary and multiclass classification and for regression, using both continuous and categorical features.</a:t>
-            </a:r>
+              <a:rPr lang="en-US" altLang="zh-CN" dirty="0"/>
+              <a:t>The decision tree is a greedy algorithm that performs a recursive binary partitioning of the feature space. The tree predicts the same label for each bottommost (leaf) partition. Each partition is chosen greedily by selecting the best split from a set of possible splits, in order to maximize the information gain at a tree node. </a:t>
+            </a:r>
+          </a:p>
+          <a:p>
+            <a:pPr marL="457200" lvl="0" indent="-342900">
+              <a:lnSpc>
+                <a:spcPct val="150000"/>
+              </a:lnSpc>
+              <a:spcBef>
+                <a:spcPts val="0"/>
+              </a:spcBef>
+              <a:spcAft>
+                <a:spcPts val="0"/>
+              </a:spcAft>
+              <a:buSzPts val="1800"/>
+              <a:buChar char="●"/>
+            </a:pPr>
+            <a:endParaRPr lang="en-US" altLang="zh-CN" dirty="0"/>
           </a:p>
         </p:txBody>
       </p:sp>
     </p:spTree>
     <p:extLst>
       <p:ext uri="{BB962C8B-B14F-4D97-AF65-F5344CB8AC3E}">
-        <p14:creationId xmlns:p14="http://schemas.microsoft.com/office/powerpoint/2010/main" val="2602688097"/>
+        <p14:creationId xmlns:p14="http://schemas.microsoft.com/office/powerpoint/2010/main" val="3073327280"/>
       </p:ext>
     </p:extLst>
   </p:cSld>
@@ -4509,7 +4465,7 @@
           <p:cNvPr id="2" name="Title 1">
             <a:extLst>
               <a:ext uri="{FF2B5EF4-FFF2-40B4-BE49-F238E27FC236}">
-                <a16:creationId xmlns:a16="http://schemas.microsoft.com/office/drawing/2014/main" id="{FDC80355-207B-4744-AB58-80E226A99AE4}"/>
+                <a16:creationId xmlns:a16="http://schemas.microsoft.com/office/drawing/2014/main" id="{87CDC66F-AFF3-4AFA-8C98-FF6236F4CAB0}"/>
               </a:ext>
             </a:extLst>
           </p:cNvPr>
@@ -4527,213 +4483,82 @@
           <a:p>
             <a:r>
               <a:rPr lang="en-US" dirty="0"/>
-              <a:t>Model Accuracy Result</a:t>
-            </a:r>
-          </a:p>
-        </p:txBody>
-      </p:sp>
-      <p:pic>
-        <p:nvPicPr>
-          <p:cNvPr id="5" name="Picture 4">
-            <a:extLst>
-              <a:ext uri="{FF2B5EF4-FFF2-40B4-BE49-F238E27FC236}">
-                <a16:creationId xmlns:a16="http://schemas.microsoft.com/office/drawing/2014/main" id="{29095C45-4E0D-4B94-840A-5DEE4ABB0CAE}"/>
-              </a:ext>
-            </a:extLst>
-          </p:cNvPr>
-          <p:cNvPicPr>
-            <a:picLocks noChangeAspect="1"/>
-          </p:cNvPicPr>
-          <p:nvPr/>
-        </p:nvPicPr>
-        <p:blipFill>
-          <a:blip r:embed="rId2"/>
-          <a:stretch>
-            <a:fillRect/>
-          </a:stretch>
-        </p:blipFill>
-        <p:spPr>
-          <a:xfrm>
-            <a:off x="4503468" y="3923232"/>
-            <a:ext cx="2638425" cy="1066800"/>
-          </a:xfrm>
-          <a:prstGeom prst="rect">
-            <a:avLst/>
-          </a:prstGeom>
-        </p:spPr>
-      </p:pic>
-      <p:pic>
-        <p:nvPicPr>
-          <p:cNvPr id="7" name="Picture 6">
-            <a:extLst>
-              <a:ext uri="{FF2B5EF4-FFF2-40B4-BE49-F238E27FC236}">
-                <a16:creationId xmlns:a16="http://schemas.microsoft.com/office/drawing/2014/main" id="{4B3E89FC-3CA9-4965-84BC-4129FE3D8814}"/>
-              </a:ext>
-            </a:extLst>
-          </p:cNvPr>
-          <p:cNvPicPr>
-            <a:picLocks noChangeAspect="1"/>
-          </p:cNvPicPr>
-          <p:nvPr/>
-        </p:nvPicPr>
-        <p:blipFill>
-          <a:blip r:embed="rId3"/>
-          <a:stretch>
-            <a:fillRect/>
-          </a:stretch>
-        </p:blipFill>
-        <p:spPr>
-          <a:xfrm>
-            <a:off x="902792" y="3923232"/>
-            <a:ext cx="3390900" cy="857250"/>
-          </a:xfrm>
-          <a:prstGeom prst="rect">
-            <a:avLst/>
-          </a:prstGeom>
-        </p:spPr>
-      </p:pic>
-      <p:pic>
-        <p:nvPicPr>
-          <p:cNvPr id="9" name="Picture 8">
-            <a:extLst>
-              <a:ext uri="{FF2B5EF4-FFF2-40B4-BE49-F238E27FC236}">
-                <a16:creationId xmlns:a16="http://schemas.microsoft.com/office/drawing/2014/main" id="{6336DE43-A69E-4EF6-83A2-591F932A9CFC}"/>
-              </a:ext>
-            </a:extLst>
-          </p:cNvPr>
-          <p:cNvPicPr>
-            <a:picLocks noChangeAspect="1"/>
-          </p:cNvPicPr>
-          <p:nvPr/>
-        </p:nvPicPr>
-        <p:blipFill>
-          <a:blip r:embed="rId4"/>
-          <a:stretch>
-            <a:fillRect/>
-          </a:stretch>
-        </p:blipFill>
-        <p:spPr>
-          <a:xfrm>
-            <a:off x="7351669" y="3923232"/>
-            <a:ext cx="3409950" cy="885825"/>
-          </a:xfrm>
-          <a:prstGeom prst="rect">
-            <a:avLst/>
-          </a:prstGeom>
-        </p:spPr>
-      </p:pic>
-      <p:pic>
-        <p:nvPicPr>
-          <p:cNvPr id="8" name="Picture 7">
-            <a:extLst>
-              <a:ext uri="{FF2B5EF4-FFF2-40B4-BE49-F238E27FC236}">
-                <a16:creationId xmlns:a16="http://schemas.microsoft.com/office/drawing/2014/main" id="{559FCBFA-7682-4D63-A282-F3C50D675CDE}"/>
-              </a:ext>
-            </a:extLst>
-          </p:cNvPr>
-          <p:cNvPicPr>
-            <a:picLocks noChangeAspect="1"/>
-          </p:cNvPicPr>
-          <p:nvPr/>
-        </p:nvPicPr>
-        <p:blipFill>
-          <a:blip r:embed="rId5"/>
-          <a:stretch>
-            <a:fillRect/>
-          </a:stretch>
-        </p:blipFill>
-        <p:spPr>
-          <a:xfrm>
-            <a:off x="1451579" y="2562630"/>
-            <a:ext cx="3244318" cy="759048"/>
-          </a:xfrm>
-          <a:prstGeom prst="rect">
-            <a:avLst/>
-          </a:prstGeom>
-        </p:spPr>
-      </p:pic>
-      <p:sp>
-        <p:nvSpPr>
-          <p:cNvPr id="11" name="TextBox 10">
-            <a:extLst>
-              <a:ext uri="{FF2B5EF4-FFF2-40B4-BE49-F238E27FC236}">
-                <a16:creationId xmlns:a16="http://schemas.microsoft.com/office/drawing/2014/main" id="{C5E00F57-3A33-4651-B499-E7AE7ED91DD5}"/>
-              </a:ext>
-            </a:extLst>
-          </p:cNvPr>
-          <p:cNvSpPr txBox="1"/>
-          <p:nvPr/>
-        </p:nvSpPr>
-        <p:spPr>
-          <a:xfrm>
-            <a:off x="1451579" y="2077187"/>
-            <a:ext cx="3195782" cy="369332"/>
-          </a:xfrm>
-          <a:prstGeom prst="rect">
-            <a:avLst/>
-          </a:prstGeom>
-          <a:noFill/>
-        </p:spPr>
-        <p:txBody>
-          <a:bodyPr wrap="square" rtlCol="0">
-            <a:spAutoFit/>
-          </a:bodyPr>
-          <a:lstStyle/>
-          <a:p>
+              <a:t>Model Choose</a:t>
+            </a:r>
+          </a:p>
+        </p:txBody>
+      </p:sp>
+      <p:sp>
+        <p:nvSpPr>
+          <p:cNvPr id="3" name="Content Placeholder 2">
+            <a:extLst>
+              <a:ext uri="{FF2B5EF4-FFF2-40B4-BE49-F238E27FC236}">
+                <a16:creationId xmlns:a16="http://schemas.microsoft.com/office/drawing/2014/main" id="{3D0B39FB-5C76-41CD-B9D6-00C7615086F3}"/>
+              </a:ext>
+            </a:extLst>
+          </p:cNvPr>
+          <p:cNvSpPr>
+            <a:spLocks noGrp="1"/>
+          </p:cNvSpPr>
+          <p:nvPr>
+            <p:ph idx="1"/>
+          </p:nvPr>
+        </p:nvSpPr>
+        <p:spPr>
+          <a:xfrm>
+            <a:off x="1451579" y="1853754"/>
+            <a:ext cx="9954711" cy="3545365"/>
+          </a:xfrm>
+        </p:spPr>
+        <p:txBody>
+          <a:bodyPr/>
+          <a:lstStyle/>
+          <a:p>
+            <a:pPr marL="457200" indent="-342900">
+              <a:lnSpc>
+                <a:spcPct val="150000"/>
+              </a:lnSpc>
+              <a:spcBef>
+                <a:spcPts val="0"/>
+              </a:spcBef>
+              <a:spcAft>
+                <a:spcPts val="0"/>
+              </a:spcAft>
+              <a:buSzPts val="1800"/>
+              <a:buFont typeface="Arial"/>
+              <a:buChar char="●"/>
+            </a:pPr>
+            <a:r>
+              <a:rPr lang="en-US" altLang="zh-CN" dirty="0"/>
+              <a:t>Random Forest Model</a:t>
+            </a:r>
+          </a:p>
+          <a:p>
+            <a:pPr marL="457200" indent="-342900">
+              <a:lnSpc>
+                <a:spcPct val="150000"/>
+              </a:lnSpc>
+              <a:spcBef>
+                <a:spcPts val="0"/>
+              </a:spcBef>
+              <a:spcAft>
+                <a:spcPts val="0"/>
+              </a:spcAft>
+              <a:buSzPts val="1800"/>
+              <a:buFont typeface="Arial"/>
+              <a:buChar char="●"/>
+            </a:pPr>
             <a:r>
               <a:rPr lang="en-US" dirty="0"/>
-              <a:t>Before using </a:t>
+              <a:t>Random forests are ensembles of decision trees. Random forests combine many decision trees in order to reduce the risk of overfitting. The </a:t>
             </a:r>
             <a:r>
               <a:rPr lang="en-US" dirty="0" err="1"/>
-              <a:t>Somte</a:t>
+              <a:t>spark.ml</a:t>
             </a:r>
             <a:r>
               <a:rPr lang="en-US" dirty="0"/>
-              <a:t> Algorithm:</a:t>
-            </a:r>
-          </a:p>
-        </p:txBody>
-      </p:sp>
-      <p:sp>
-        <p:nvSpPr>
-          <p:cNvPr id="12" name="TextBox 11">
-            <a:extLst>
-              <a:ext uri="{FF2B5EF4-FFF2-40B4-BE49-F238E27FC236}">
-                <a16:creationId xmlns:a16="http://schemas.microsoft.com/office/drawing/2014/main" id="{5E0984AD-04AA-47CC-AB21-4D2157B6F5B0}"/>
-              </a:ext>
-            </a:extLst>
-          </p:cNvPr>
-          <p:cNvSpPr txBox="1"/>
-          <p:nvPr/>
-        </p:nvSpPr>
-        <p:spPr>
-          <a:xfrm>
-            <a:off x="1451579" y="3437789"/>
-            <a:ext cx="3195782" cy="369332"/>
-          </a:xfrm>
-          <a:prstGeom prst="rect">
-            <a:avLst/>
-          </a:prstGeom>
-          <a:noFill/>
-        </p:spPr>
-        <p:txBody>
-          <a:bodyPr wrap="square" rtlCol="0">
-            <a:spAutoFit/>
-          </a:bodyPr>
-          <a:lstStyle/>
-          <a:p>
-            <a:r>
-              <a:rPr lang="en-US" dirty="0"/>
-              <a:t>After using </a:t>
-            </a:r>
-            <a:r>
-              <a:rPr lang="en-US" dirty="0" err="1"/>
-              <a:t>Somte</a:t>
-            </a:r>
-            <a:r>
-              <a:rPr lang="en-US" dirty="0"/>
-              <a:t> Algorithm:</a:t>
+              <a:t> implementation supports random forests for binary and multiclass classification and for regression, using both continuous and categorical features.</a:t>
             </a:r>
           </a:p>
         </p:txBody>
@@ -4741,7 +4566,7 @@
     </p:spTree>
     <p:extLst>
       <p:ext uri="{BB962C8B-B14F-4D97-AF65-F5344CB8AC3E}">
-        <p14:creationId xmlns:p14="http://schemas.microsoft.com/office/powerpoint/2010/main" val="868078674"/>
+        <p14:creationId xmlns:p14="http://schemas.microsoft.com/office/powerpoint/2010/main" val="2602688097"/>
       </p:ext>
     </p:extLst>
   </p:cSld>
@@ -4791,17 +4616,17 @@
           <a:p>
             <a:r>
               <a:rPr lang="en-US" dirty="0"/>
-              <a:t>Testing Result</a:t>
+              <a:t>Model Accuracy Result</a:t>
             </a:r>
           </a:p>
         </p:txBody>
       </p:sp>
       <p:pic>
         <p:nvPicPr>
-          <p:cNvPr id="4" name="Picture 3">
-            <a:extLst>
-              <a:ext uri="{FF2B5EF4-FFF2-40B4-BE49-F238E27FC236}">
-                <a16:creationId xmlns:a16="http://schemas.microsoft.com/office/drawing/2014/main" id="{198AA253-265F-47D1-BCE8-7F74F9108DDE}"/>
+          <p:cNvPr id="5" name="Picture 4">
+            <a:extLst>
+              <a:ext uri="{FF2B5EF4-FFF2-40B4-BE49-F238E27FC236}">
+                <a16:creationId xmlns:a16="http://schemas.microsoft.com/office/drawing/2014/main" id="{29095C45-4E0D-4B94-840A-5DEE4ABB0CAE}"/>
               </a:ext>
             </a:extLst>
           </p:cNvPr>
@@ -4818,8 +4643,8 @@
         </p:blipFill>
         <p:spPr>
           <a:xfrm>
-            <a:off x="1451579" y="2159605"/>
-            <a:ext cx="4205601" cy="1286960"/>
+            <a:off x="4503468" y="3923232"/>
+            <a:ext cx="2638425" cy="1066800"/>
           </a:xfrm>
           <a:prstGeom prst="rect">
             <a:avLst/>
@@ -4828,10 +4653,10 @@
       </p:pic>
       <p:pic>
         <p:nvPicPr>
-          <p:cNvPr id="8" name="Picture 7">
-            <a:extLst>
-              <a:ext uri="{FF2B5EF4-FFF2-40B4-BE49-F238E27FC236}">
-                <a16:creationId xmlns:a16="http://schemas.microsoft.com/office/drawing/2014/main" id="{F99E5B8E-0730-433D-99CC-FCE7915E7D39}"/>
+          <p:cNvPr id="7" name="Picture 6">
+            <a:extLst>
+              <a:ext uri="{FF2B5EF4-FFF2-40B4-BE49-F238E27FC236}">
+                <a16:creationId xmlns:a16="http://schemas.microsoft.com/office/drawing/2014/main" id="{4B3E89FC-3CA9-4965-84BC-4129FE3D8814}"/>
               </a:ext>
             </a:extLst>
           </p:cNvPr>
@@ -4848,18 +4673,164 @@
         </p:blipFill>
         <p:spPr>
           <a:xfrm>
-            <a:off x="6413319" y="2159605"/>
-            <a:ext cx="4641535" cy="2697108"/>
+            <a:off x="902792" y="3923232"/>
+            <a:ext cx="3390900" cy="857250"/>
           </a:xfrm>
           <a:prstGeom prst="rect">
             <a:avLst/>
           </a:prstGeom>
         </p:spPr>
       </p:pic>
+      <p:pic>
+        <p:nvPicPr>
+          <p:cNvPr id="9" name="Picture 8">
+            <a:extLst>
+              <a:ext uri="{FF2B5EF4-FFF2-40B4-BE49-F238E27FC236}">
+                <a16:creationId xmlns:a16="http://schemas.microsoft.com/office/drawing/2014/main" id="{6336DE43-A69E-4EF6-83A2-591F932A9CFC}"/>
+              </a:ext>
+            </a:extLst>
+          </p:cNvPr>
+          <p:cNvPicPr>
+            <a:picLocks noChangeAspect="1"/>
+          </p:cNvPicPr>
+          <p:nvPr/>
+        </p:nvPicPr>
+        <p:blipFill>
+          <a:blip r:embed="rId4"/>
+          <a:stretch>
+            <a:fillRect/>
+          </a:stretch>
+        </p:blipFill>
+        <p:spPr>
+          <a:xfrm>
+            <a:off x="7351669" y="3923232"/>
+            <a:ext cx="3409950" cy="885825"/>
+          </a:xfrm>
+          <a:prstGeom prst="rect">
+            <a:avLst/>
+          </a:prstGeom>
+        </p:spPr>
+      </p:pic>
+      <p:pic>
+        <p:nvPicPr>
+          <p:cNvPr id="8" name="Picture 7">
+            <a:extLst>
+              <a:ext uri="{FF2B5EF4-FFF2-40B4-BE49-F238E27FC236}">
+                <a16:creationId xmlns:a16="http://schemas.microsoft.com/office/drawing/2014/main" id="{559FCBFA-7682-4D63-A282-F3C50D675CDE}"/>
+              </a:ext>
+            </a:extLst>
+          </p:cNvPr>
+          <p:cNvPicPr>
+            <a:picLocks noChangeAspect="1"/>
+          </p:cNvPicPr>
+          <p:nvPr/>
+        </p:nvPicPr>
+        <p:blipFill>
+          <a:blip r:embed="rId5"/>
+          <a:stretch>
+            <a:fillRect/>
+          </a:stretch>
+        </p:blipFill>
+        <p:spPr>
+          <a:xfrm>
+            <a:off x="1451579" y="2562630"/>
+            <a:ext cx="3244318" cy="759048"/>
+          </a:xfrm>
+          <a:prstGeom prst="rect">
+            <a:avLst/>
+          </a:prstGeom>
+        </p:spPr>
+      </p:pic>
+      <p:sp>
+        <p:nvSpPr>
+          <p:cNvPr id="11" name="TextBox 10">
+            <a:extLst>
+              <a:ext uri="{FF2B5EF4-FFF2-40B4-BE49-F238E27FC236}">
+                <a16:creationId xmlns:a16="http://schemas.microsoft.com/office/drawing/2014/main" id="{C5E00F57-3A33-4651-B499-E7AE7ED91DD5}"/>
+              </a:ext>
+            </a:extLst>
+          </p:cNvPr>
+          <p:cNvSpPr txBox="1"/>
+          <p:nvPr/>
+        </p:nvSpPr>
+        <p:spPr>
+          <a:xfrm>
+            <a:off x="1451579" y="2077187"/>
+            <a:ext cx="3195782" cy="369332"/>
+          </a:xfrm>
+          <a:prstGeom prst="rect">
+            <a:avLst/>
+          </a:prstGeom>
+          <a:noFill/>
+        </p:spPr>
+        <p:txBody>
+          <a:bodyPr wrap="square" rtlCol="0">
+            <a:spAutoFit/>
+          </a:bodyPr>
+          <a:lstStyle/>
+          <a:p>
+            <a:r>
+              <a:rPr lang="en-US" dirty="0"/>
+              <a:t>Before using </a:t>
+            </a:r>
+            <a:r>
+              <a:rPr lang="en-US" dirty="0" err="1"/>
+              <a:t>Somte</a:t>
+            </a:r>
+            <a:r>
+              <a:rPr lang="en-US" dirty="0"/>
+              <a:t> Algorithm:</a:t>
+            </a:r>
+          </a:p>
+        </p:txBody>
+      </p:sp>
+      <p:sp>
+        <p:nvSpPr>
+          <p:cNvPr id="12" name="TextBox 11">
+            <a:extLst>
+              <a:ext uri="{FF2B5EF4-FFF2-40B4-BE49-F238E27FC236}">
+                <a16:creationId xmlns:a16="http://schemas.microsoft.com/office/drawing/2014/main" id="{5E0984AD-04AA-47CC-AB21-4D2157B6F5B0}"/>
+              </a:ext>
+            </a:extLst>
+          </p:cNvPr>
+          <p:cNvSpPr txBox="1"/>
+          <p:nvPr/>
+        </p:nvSpPr>
+        <p:spPr>
+          <a:xfrm>
+            <a:off x="1451579" y="3437789"/>
+            <a:ext cx="3195782" cy="369332"/>
+          </a:xfrm>
+          <a:prstGeom prst="rect">
+            <a:avLst/>
+          </a:prstGeom>
+          <a:noFill/>
+        </p:spPr>
+        <p:txBody>
+          <a:bodyPr wrap="square" rtlCol="0">
+            <a:spAutoFit/>
+          </a:bodyPr>
+          <a:lstStyle/>
+          <a:p>
+            <a:r>
+              <a:rPr lang="en-US" dirty="0"/>
+              <a:t>After using </a:t>
+            </a:r>
+            <a:r>
+              <a:rPr lang="en-US" dirty="0" err="1"/>
+              <a:t>Somte</a:t>
+            </a:r>
+            <a:r>
+              <a:rPr lang="en-US" dirty="0"/>
+              <a:t> Algorithm:</a:t>
+            </a:r>
+          </a:p>
+        </p:txBody>
+      </p:sp>
     </p:spTree>
     <p:extLst>
       <p:ext uri="{BB962C8B-B14F-4D97-AF65-F5344CB8AC3E}">
-        <p14:creationId xmlns:p14="http://schemas.microsoft.com/office/powerpoint/2010/main" val="1292448402"/>
+        <p14:creationId xmlns:p14="http://schemas.microsoft.com/office/powerpoint/2010/main" val="868078674"/>
       </p:ext>
     </p:extLst>
   </p:cSld>
@@ -4891,7 +4862,7 @@
           <p:cNvPr id="2" name="Title 1">
             <a:extLst>
               <a:ext uri="{FF2B5EF4-FFF2-40B4-BE49-F238E27FC236}">
-                <a16:creationId xmlns:a16="http://schemas.microsoft.com/office/drawing/2014/main" id="{D4EF6ECC-DD9D-4CF4-BAE6-37C931F8E8DC}"/>
+                <a16:creationId xmlns:a16="http://schemas.microsoft.com/office/drawing/2014/main" id="{FDC80355-207B-4744-AB58-80E226A99AE4}"/>
               </a:ext>
             </a:extLst>
           </p:cNvPr>
@@ -4908,62 +4879,18 @@
           <a:lstStyle/>
           <a:p>
             <a:r>
-              <a:rPr lang="en" dirty="0"/>
-              <a:t>Acceptance criteria</a:t>
-            </a:r>
-            <a:endParaRPr lang="en-US" dirty="0"/>
-          </a:p>
-        </p:txBody>
-      </p:sp>
-      <p:sp>
-        <p:nvSpPr>
-          <p:cNvPr id="3" name="Content Placeholder 2">
-            <a:extLst>
-              <a:ext uri="{FF2B5EF4-FFF2-40B4-BE49-F238E27FC236}">
-                <a16:creationId xmlns:a16="http://schemas.microsoft.com/office/drawing/2014/main" id="{FAEEFD48-86F9-4D2A-A422-1A91F4248C5E}"/>
-              </a:ext>
-            </a:extLst>
-          </p:cNvPr>
-          <p:cNvSpPr>
-            <a:spLocks noGrp="1"/>
-          </p:cNvSpPr>
-          <p:nvPr>
-            <p:ph idx="1"/>
-          </p:nvPr>
-        </p:nvSpPr>
-        <p:spPr/>
-        <p:txBody>
-          <a:bodyPr/>
-          <a:lstStyle/>
-          <a:p>
-            <a:r>
               <a:rPr lang="en-US" dirty="0"/>
-              <a:t>Verify analysis results with test set(from dataset)</a:t>
-            </a:r>
-          </a:p>
-          <a:p>
-            <a:pPr marL="0" indent="0">
-              <a:buNone/>
-            </a:pPr>
-            <a:r>
-              <a:rPr lang="en-US" dirty="0"/>
-              <a:t>	The accuracy should reach 70%</a:t>
-            </a:r>
-          </a:p>
-          <a:p>
-            <a:r>
-              <a:rPr lang="en-US" dirty="0"/>
-              <a:t>Response time &lt; 2 Seconds</a:t>
+              <a:t>Testing Result</a:t>
             </a:r>
           </a:p>
         </p:txBody>
       </p:sp>
       <p:pic>
         <p:nvPicPr>
-          <p:cNvPr id="9" name="Picture 8">
-            <a:extLst>
-              <a:ext uri="{FF2B5EF4-FFF2-40B4-BE49-F238E27FC236}">
-                <a16:creationId xmlns:a16="http://schemas.microsoft.com/office/drawing/2014/main" id="{204100CC-356D-4353-AC13-68452A739365}"/>
+          <p:cNvPr id="4" name="Picture 3">
+            <a:extLst>
+              <a:ext uri="{FF2B5EF4-FFF2-40B4-BE49-F238E27FC236}">
+                <a16:creationId xmlns:a16="http://schemas.microsoft.com/office/drawing/2014/main" id="{198AA253-265F-47D1-BCE8-7F74F9108DDE}"/>
               </a:ext>
             </a:extLst>
           </p:cNvPr>
@@ -4980,14 +4907,250 @@
         </p:blipFill>
         <p:spPr>
           <a:xfrm>
-            <a:off x="1752217" y="3741038"/>
-            <a:ext cx="3200816" cy="591620"/>
+            <a:off x="1451579" y="2159605"/>
+            <a:ext cx="4205601" cy="1286960"/>
           </a:xfrm>
           <a:prstGeom prst="rect">
             <a:avLst/>
           </a:prstGeom>
         </p:spPr>
       </p:pic>
+      <p:pic>
+        <p:nvPicPr>
+          <p:cNvPr id="8" name="Picture 7">
+            <a:extLst>
+              <a:ext uri="{FF2B5EF4-FFF2-40B4-BE49-F238E27FC236}">
+                <a16:creationId xmlns:a16="http://schemas.microsoft.com/office/drawing/2014/main" id="{F99E5B8E-0730-433D-99CC-FCE7915E7D39}"/>
+              </a:ext>
+            </a:extLst>
+          </p:cNvPr>
+          <p:cNvPicPr>
+            <a:picLocks noChangeAspect="1"/>
+          </p:cNvPicPr>
+          <p:nvPr/>
+        </p:nvPicPr>
+        <p:blipFill>
+          <a:blip r:embed="rId3"/>
+          <a:stretch>
+            <a:fillRect/>
+          </a:stretch>
+        </p:blipFill>
+        <p:spPr>
+          <a:xfrm>
+            <a:off x="6413319" y="2159605"/>
+            <a:ext cx="4641535" cy="2697108"/>
+          </a:xfrm>
+          <a:prstGeom prst="rect">
+            <a:avLst/>
+          </a:prstGeom>
+        </p:spPr>
+      </p:pic>
+    </p:spTree>
+    <p:extLst>
+      <p:ext uri="{BB962C8B-B14F-4D97-AF65-F5344CB8AC3E}">
+        <p14:creationId xmlns:p14="http://schemas.microsoft.com/office/powerpoint/2010/main" val="1292448402"/>
+      </p:ext>
+    </p:extLst>
+  </p:cSld>
+  <p:clrMapOvr>
+    <a:masterClrMapping/>
+  </p:clrMapOvr>
+</p:sld>
+</file>
+
+<file path=ppt/slides/slide18.xml><?xml version="1.0" encoding="utf-8"?>
+<p:sld xmlns:a="http://schemas.openxmlformats.org/drawingml/2006/main" xmlns:r="http://schemas.openxmlformats.org/officeDocument/2006/relationships" xmlns:p="http://schemas.openxmlformats.org/presentationml/2006/main">
+  <p:cSld>
+    <p:spTree>
+      <p:nvGrpSpPr>
+        <p:cNvPr id="1" name=""/>
+        <p:cNvGrpSpPr/>
+        <p:nvPr/>
+      </p:nvGrpSpPr>
+      <p:grpSpPr>
+        <a:xfrm>
+          <a:off x="0" y="0"/>
+          <a:ext cx="0" cy="0"/>
+          <a:chOff x="0" y="0"/>
+          <a:chExt cx="0" cy="0"/>
+        </a:xfrm>
+      </p:grpSpPr>
+      <p:sp>
+        <p:nvSpPr>
+          <p:cNvPr id="2" name="Title 1">
+            <a:extLst>
+              <a:ext uri="{FF2B5EF4-FFF2-40B4-BE49-F238E27FC236}">
+                <a16:creationId xmlns:a16="http://schemas.microsoft.com/office/drawing/2014/main" id="{D4EF6ECC-DD9D-4CF4-BAE6-37C931F8E8DC}"/>
+              </a:ext>
+            </a:extLst>
+          </p:cNvPr>
+          <p:cNvSpPr>
+            <a:spLocks noGrp="1"/>
+          </p:cNvSpPr>
+          <p:nvPr>
+            <p:ph type="title"/>
+          </p:nvPr>
+        </p:nvSpPr>
+        <p:spPr/>
+        <p:txBody>
+          <a:bodyPr/>
+          <a:lstStyle/>
+          <a:p>
+            <a:r>
+              <a:rPr lang="en" dirty="0"/>
+              <a:t>Acceptance criteria</a:t>
+            </a:r>
+            <a:endParaRPr lang="en-US" dirty="0"/>
+          </a:p>
+        </p:txBody>
+      </p:sp>
+      <p:sp>
+        <p:nvSpPr>
+          <p:cNvPr id="3" name="Content Placeholder 2">
+            <a:extLst>
+              <a:ext uri="{FF2B5EF4-FFF2-40B4-BE49-F238E27FC236}">
+                <a16:creationId xmlns:a16="http://schemas.microsoft.com/office/drawing/2014/main" id="{FAEEFD48-86F9-4D2A-A422-1A91F4248C5E}"/>
+              </a:ext>
+            </a:extLst>
+          </p:cNvPr>
+          <p:cNvSpPr>
+            <a:spLocks noGrp="1"/>
+          </p:cNvSpPr>
+          <p:nvPr>
+            <p:ph idx="1"/>
+          </p:nvPr>
+        </p:nvSpPr>
+        <p:spPr/>
+        <p:txBody>
+          <a:bodyPr/>
+          <a:lstStyle/>
+          <a:p>
+            <a:r>
+              <a:rPr lang="en-US" dirty="0"/>
+              <a:t>Verify analysis results with test set(from dataset)</a:t>
+            </a:r>
+          </a:p>
+          <a:p>
+            <a:pPr marL="0" indent="0">
+              <a:buNone/>
+            </a:pPr>
+            <a:r>
+              <a:rPr lang="en-US" dirty="0"/>
+              <a:t>	The accuracy should reach 70%</a:t>
+            </a:r>
+          </a:p>
+          <a:p>
+            <a:r>
+              <a:rPr lang="en-US" dirty="0"/>
+              <a:t>Response time &lt; 2 Seconds</a:t>
+            </a:r>
+          </a:p>
+        </p:txBody>
+      </p:sp>
+      <p:pic>
+        <p:nvPicPr>
+          <p:cNvPr id="9" name="Picture 8">
+            <a:extLst>
+              <a:ext uri="{FF2B5EF4-FFF2-40B4-BE49-F238E27FC236}">
+                <a16:creationId xmlns:a16="http://schemas.microsoft.com/office/drawing/2014/main" id="{204100CC-356D-4353-AC13-68452A739365}"/>
+              </a:ext>
+            </a:extLst>
+          </p:cNvPr>
+          <p:cNvPicPr>
+            <a:picLocks noChangeAspect="1"/>
+          </p:cNvPicPr>
+          <p:nvPr/>
+        </p:nvPicPr>
+        <p:blipFill>
+          <a:blip r:embed="rId2"/>
+          <a:stretch>
+            <a:fillRect/>
+          </a:stretch>
+        </p:blipFill>
+        <p:spPr>
+          <a:xfrm>
+            <a:off x="1752217" y="3741038"/>
+            <a:ext cx="3200816" cy="591620"/>
+          </a:xfrm>
+          <a:prstGeom prst="rect">
+            <a:avLst/>
+          </a:prstGeom>
+        </p:spPr>
+      </p:pic>
+      <p:pic>
+        <p:nvPicPr>
+          <p:cNvPr id="5" name="Picture 4">
+            <a:extLst>
+              <a:ext uri="{FF2B5EF4-FFF2-40B4-BE49-F238E27FC236}">
+                <a16:creationId xmlns:a16="http://schemas.microsoft.com/office/drawing/2014/main" id="{FB1C82CB-417D-4545-9F61-DB4424888669}"/>
+              </a:ext>
+            </a:extLst>
+          </p:cNvPr>
+          <p:cNvPicPr>
+            <a:picLocks noChangeAspect="1"/>
+          </p:cNvPicPr>
+          <p:nvPr/>
+        </p:nvPicPr>
+        <p:blipFill>
+          <a:blip r:embed="rId3"/>
+          <a:stretch>
+            <a:fillRect/>
+          </a:stretch>
+        </p:blipFill>
+        <p:spPr>
+          <a:xfrm>
+            <a:off x="7427869" y="2084907"/>
+            <a:ext cx="3409950" cy="885825"/>
+          </a:xfrm>
+          <a:prstGeom prst="rect">
+            <a:avLst/>
+          </a:prstGeom>
+        </p:spPr>
+      </p:pic>
+      <p:sp>
+        <p:nvSpPr>
+          <p:cNvPr id="6" name="TextBox 5">
+            <a:extLst>
+              <a:ext uri="{FF2B5EF4-FFF2-40B4-BE49-F238E27FC236}">
+                <a16:creationId xmlns:a16="http://schemas.microsoft.com/office/drawing/2014/main" id="{FADAA260-C76C-4DE7-AB99-9CFED316A399}"/>
+              </a:ext>
+            </a:extLst>
+          </p:cNvPr>
+          <p:cNvSpPr txBox="1"/>
+          <p:nvPr/>
+        </p:nvSpPr>
+        <p:spPr>
+          <a:xfrm>
+            <a:off x="1562100" y="4943125"/>
+            <a:ext cx="6248400" cy="523220"/>
+          </a:xfrm>
+          <a:prstGeom prst="rect">
+            <a:avLst/>
+          </a:prstGeom>
+          <a:noFill/>
+        </p:spPr>
+        <p:txBody>
+          <a:bodyPr wrap="square" rtlCol="0">
+            <a:spAutoFit/>
+          </a:bodyPr>
+          <a:lstStyle/>
+          <a:p>
+            <a:r>
+              <a:rPr lang="en-US" altLang="zh-CN" sz="2800" dirty="0">
+                <a:solidFill>
+                  <a:srgbClr val="FF0000"/>
+                </a:solidFill>
+              </a:rPr>
+              <a:t>Meet the acceptance criteria </a:t>
+            </a:r>
+            <a:endParaRPr lang="en-US" sz="2800" dirty="0">
+              <a:solidFill>
+                <a:srgbClr val="FF0000"/>
+              </a:solidFill>
+            </a:endParaRPr>
+          </a:p>
+        </p:txBody>
+      </p:sp>
     </p:spTree>
     <p:extLst>
       <p:ext uri="{BB962C8B-B14F-4D97-AF65-F5344CB8AC3E}">
@@ -5001,7 +5164,7 @@
 </p:sld>
 </file>
 
-<file path=ppt/slides/slide18.xml><?xml version="1.0" encoding="utf-8"?>
+<file path=ppt/slides/slide19.xml><?xml version="1.0" encoding="utf-8"?>
 <p:sld xmlns:a="http://schemas.openxmlformats.org/drawingml/2006/main" xmlns:r="http://schemas.openxmlformats.org/officeDocument/2006/relationships" xmlns:p="http://schemas.openxmlformats.org/presentationml/2006/main">
   <p:cSld>
     <p:spTree>
@@ -5385,180 +5548,6 @@
 </p:sld>
 </file>
 
-<file path=ppt/slides/slide19.xml><?xml version="1.0" encoding="utf-8"?>
-<p:sld xmlns:a="http://schemas.openxmlformats.org/drawingml/2006/main" xmlns:r="http://schemas.openxmlformats.org/officeDocument/2006/relationships" xmlns:p="http://schemas.openxmlformats.org/presentationml/2006/main">
-  <p:cSld>
-    <p:spTree>
-      <p:nvGrpSpPr>
-        <p:cNvPr id="1" name=""/>
-        <p:cNvGrpSpPr/>
-        <p:nvPr/>
-      </p:nvGrpSpPr>
-      <p:grpSpPr>
-        <a:xfrm>
-          <a:off x="0" y="0"/>
-          <a:ext cx="0" cy="0"/>
-          <a:chOff x="0" y="0"/>
-          <a:chExt cx="0" cy="0"/>
-        </a:xfrm>
-      </p:grpSpPr>
-      <p:sp>
-        <p:nvSpPr>
-          <p:cNvPr id="2" name="Title 1">
-            <a:extLst>
-              <a:ext uri="{FF2B5EF4-FFF2-40B4-BE49-F238E27FC236}">
-                <a16:creationId xmlns:a16="http://schemas.microsoft.com/office/drawing/2014/main" id="{3E75BD9C-A4DD-4C30-8800-862812A254D2}"/>
-              </a:ext>
-            </a:extLst>
-          </p:cNvPr>
-          <p:cNvSpPr>
-            <a:spLocks noGrp="1"/>
-          </p:cNvSpPr>
-          <p:nvPr>
-            <p:ph type="title"/>
-          </p:nvPr>
-        </p:nvSpPr>
-        <p:spPr/>
-        <p:txBody>
-          <a:bodyPr/>
-          <a:lstStyle/>
-          <a:p>
-            <a:r>
-              <a:rPr lang="en" dirty="0"/>
-              <a:t>Goals of Project</a:t>
-            </a:r>
-            <a:endParaRPr lang="en-US" dirty="0"/>
-          </a:p>
-        </p:txBody>
-      </p:sp>
-      <p:sp>
-        <p:nvSpPr>
-          <p:cNvPr id="3" name="Content Placeholder 2">
-            <a:extLst>
-              <a:ext uri="{FF2B5EF4-FFF2-40B4-BE49-F238E27FC236}">
-                <a16:creationId xmlns:a16="http://schemas.microsoft.com/office/drawing/2014/main" id="{E795211A-FC8A-4282-95BF-A68B21313BA2}"/>
-              </a:ext>
-            </a:extLst>
-          </p:cNvPr>
-          <p:cNvSpPr>
-            <a:spLocks noGrp="1"/>
-          </p:cNvSpPr>
-          <p:nvPr>
-            <p:ph idx="1"/>
-          </p:nvPr>
-        </p:nvSpPr>
-        <p:spPr/>
-        <p:txBody>
-          <a:bodyPr/>
-          <a:lstStyle/>
-          <a:p>
-            <a:pPr marL="457200" lvl="0" indent="-381000" algn="l" rtl="0">
-              <a:spcBef>
-                <a:spcPts val="0"/>
-              </a:spcBef>
-              <a:spcAft>
-                <a:spcPts val="0"/>
-              </a:spcAft>
-              <a:buSzPts val="2400"/>
-              <a:buChar char="●"/>
-            </a:pPr>
-            <a:r>
-              <a:rPr lang="en-US" dirty="0"/>
-              <a:t>Using </a:t>
-            </a:r>
-            <a:r>
-              <a:rPr lang="en-US" dirty="0" err="1"/>
-              <a:t>scala</a:t>
-            </a:r>
-            <a:r>
-              <a:rPr lang="en-US" dirty="0"/>
-              <a:t> to deal with big data</a:t>
-            </a:r>
-          </a:p>
-          <a:p>
-            <a:pPr marL="457200" lvl="0" indent="-381000" algn="l" rtl="0">
-              <a:spcBef>
-                <a:spcPts val="0"/>
-              </a:spcBef>
-              <a:spcAft>
-                <a:spcPts val="0"/>
-              </a:spcAft>
-              <a:buSzPts val="2400"/>
-              <a:buChar char="●"/>
-            </a:pPr>
-            <a:endParaRPr lang="en-US" dirty="0"/>
-          </a:p>
-          <a:p>
-            <a:pPr marL="457200" lvl="0" indent="-381000" algn="l" rtl="0">
-              <a:spcBef>
-                <a:spcPts val="0"/>
-              </a:spcBef>
-              <a:spcAft>
-                <a:spcPts val="0"/>
-              </a:spcAft>
-              <a:buSzPts val="2400"/>
-              <a:buChar char="●"/>
-            </a:pPr>
-            <a:r>
-              <a:rPr lang="en-US" dirty="0"/>
-              <a:t>Build predict model to analysis the user's physical health and predict whether user will get a stroke</a:t>
-            </a:r>
-          </a:p>
-          <a:p>
-            <a:pPr marL="76200" lvl="0" indent="0" algn="l" rtl="0">
-              <a:spcBef>
-                <a:spcPts val="0"/>
-              </a:spcBef>
-              <a:spcAft>
-                <a:spcPts val="0"/>
-              </a:spcAft>
-              <a:buSzPts val="2400"/>
-              <a:buNone/>
-            </a:pPr>
-            <a:endParaRPr lang="en-US" dirty="0"/>
-          </a:p>
-          <a:p>
-            <a:pPr marL="457200" lvl="0" indent="-381000" algn="l" rtl="0">
-              <a:spcBef>
-                <a:spcPts val="0"/>
-              </a:spcBef>
-              <a:spcAft>
-                <a:spcPts val="0"/>
-              </a:spcAft>
-              <a:buSzPts val="2400"/>
-              <a:buChar char="●"/>
-            </a:pPr>
-            <a:r>
-              <a:rPr lang="en-US" dirty="0"/>
-              <a:t>Learning the specific algorithm and the using of </a:t>
-            </a:r>
-            <a:r>
-              <a:rPr lang="en-US" dirty="0" err="1"/>
-              <a:t>scala</a:t>
-            </a:r>
-            <a:r>
-              <a:rPr lang="en-US" dirty="0"/>
-              <a:t>.</a:t>
-            </a:r>
-          </a:p>
-          <a:p>
-            <a:endParaRPr lang="en-US" dirty="0"/>
-          </a:p>
-        </p:txBody>
-      </p:sp>
-    </p:spTree>
-    <p:extLst>
-      <p:ext uri="{BB962C8B-B14F-4D97-AF65-F5344CB8AC3E}">
-        <p14:creationId xmlns:p14="http://schemas.microsoft.com/office/powerpoint/2010/main" val="1514062525"/>
-      </p:ext>
-    </p:extLst>
-  </p:cSld>
-  <p:clrMapOvr>
-    <a:masterClrMapping/>
-  </p:clrMapOvr>
-</p:sld>
-</file>
-
 <file path=ppt/slides/slide2.xml><?xml version="1.0" encoding="utf-8"?>
 <p:sld xmlns:a="http://schemas.openxmlformats.org/drawingml/2006/main" xmlns:r="http://schemas.openxmlformats.org/officeDocument/2006/relationships" xmlns:p="http://schemas.openxmlformats.org/presentationml/2006/main">
   <p:cSld>
@@ -5673,6 +5662,180 @@
           <p:cNvPr id="2" name="Title 1">
             <a:extLst>
               <a:ext uri="{FF2B5EF4-FFF2-40B4-BE49-F238E27FC236}">
+                <a16:creationId xmlns:a16="http://schemas.microsoft.com/office/drawing/2014/main" id="{3E75BD9C-A4DD-4C30-8800-862812A254D2}"/>
+              </a:ext>
+            </a:extLst>
+          </p:cNvPr>
+          <p:cNvSpPr>
+            <a:spLocks noGrp="1"/>
+          </p:cNvSpPr>
+          <p:nvPr>
+            <p:ph type="title"/>
+          </p:nvPr>
+        </p:nvSpPr>
+        <p:spPr/>
+        <p:txBody>
+          <a:bodyPr/>
+          <a:lstStyle/>
+          <a:p>
+            <a:r>
+              <a:rPr lang="en" dirty="0"/>
+              <a:t>Goals of Project</a:t>
+            </a:r>
+            <a:endParaRPr lang="en-US" dirty="0"/>
+          </a:p>
+        </p:txBody>
+      </p:sp>
+      <p:sp>
+        <p:nvSpPr>
+          <p:cNvPr id="3" name="Content Placeholder 2">
+            <a:extLst>
+              <a:ext uri="{FF2B5EF4-FFF2-40B4-BE49-F238E27FC236}">
+                <a16:creationId xmlns:a16="http://schemas.microsoft.com/office/drawing/2014/main" id="{E795211A-FC8A-4282-95BF-A68B21313BA2}"/>
+              </a:ext>
+            </a:extLst>
+          </p:cNvPr>
+          <p:cNvSpPr>
+            <a:spLocks noGrp="1"/>
+          </p:cNvSpPr>
+          <p:nvPr>
+            <p:ph idx="1"/>
+          </p:nvPr>
+        </p:nvSpPr>
+        <p:spPr/>
+        <p:txBody>
+          <a:bodyPr/>
+          <a:lstStyle/>
+          <a:p>
+            <a:pPr marL="457200" lvl="0" indent="-381000" algn="l" rtl="0">
+              <a:spcBef>
+                <a:spcPts val="0"/>
+              </a:spcBef>
+              <a:spcAft>
+                <a:spcPts val="0"/>
+              </a:spcAft>
+              <a:buSzPts val="2400"/>
+              <a:buChar char="●"/>
+            </a:pPr>
+            <a:r>
+              <a:rPr lang="en-US" dirty="0"/>
+              <a:t>Using </a:t>
+            </a:r>
+            <a:r>
+              <a:rPr lang="en-US" dirty="0" err="1"/>
+              <a:t>scala</a:t>
+            </a:r>
+            <a:r>
+              <a:rPr lang="en-US" dirty="0"/>
+              <a:t> to deal with big data</a:t>
+            </a:r>
+          </a:p>
+          <a:p>
+            <a:pPr marL="457200" lvl="0" indent="-381000" algn="l" rtl="0">
+              <a:spcBef>
+                <a:spcPts val="0"/>
+              </a:spcBef>
+              <a:spcAft>
+                <a:spcPts val="0"/>
+              </a:spcAft>
+              <a:buSzPts val="2400"/>
+              <a:buChar char="●"/>
+            </a:pPr>
+            <a:endParaRPr lang="en-US" dirty="0"/>
+          </a:p>
+          <a:p>
+            <a:pPr marL="457200" lvl="0" indent="-381000" algn="l" rtl="0">
+              <a:spcBef>
+                <a:spcPts val="0"/>
+              </a:spcBef>
+              <a:spcAft>
+                <a:spcPts val="0"/>
+              </a:spcAft>
+              <a:buSzPts val="2400"/>
+              <a:buChar char="●"/>
+            </a:pPr>
+            <a:r>
+              <a:rPr lang="en-US" dirty="0"/>
+              <a:t>Build predict model to analysis the user's physical health and predict whether user will get a stroke</a:t>
+            </a:r>
+          </a:p>
+          <a:p>
+            <a:pPr marL="76200" lvl="0" indent="0" algn="l" rtl="0">
+              <a:spcBef>
+                <a:spcPts val="0"/>
+              </a:spcBef>
+              <a:spcAft>
+                <a:spcPts val="0"/>
+              </a:spcAft>
+              <a:buSzPts val="2400"/>
+              <a:buNone/>
+            </a:pPr>
+            <a:endParaRPr lang="en-US" dirty="0"/>
+          </a:p>
+          <a:p>
+            <a:pPr marL="457200" lvl="0" indent="-381000" algn="l" rtl="0">
+              <a:spcBef>
+                <a:spcPts val="0"/>
+              </a:spcBef>
+              <a:spcAft>
+                <a:spcPts val="0"/>
+              </a:spcAft>
+              <a:buSzPts val="2400"/>
+              <a:buChar char="●"/>
+            </a:pPr>
+            <a:r>
+              <a:rPr lang="en-US" dirty="0"/>
+              <a:t>Learning the specific algorithm and the using of </a:t>
+            </a:r>
+            <a:r>
+              <a:rPr lang="en-US" dirty="0" err="1"/>
+              <a:t>scala</a:t>
+            </a:r>
+            <a:r>
+              <a:rPr lang="en-US" dirty="0"/>
+              <a:t>.</a:t>
+            </a:r>
+          </a:p>
+          <a:p>
+            <a:endParaRPr lang="en-US" dirty="0"/>
+          </a:p>
+        </p:txBody>
+      </p:sp>
+    </p:spTree>
+    <p:extLst>
+      <p:ext uri="{BB962C8B-B14F-4D97-AF65-F5344CB8AC3E}">
+        <p14:creationId xmlns:p14="http://schemas.microsoft.com/office/powerpoint/2010/main" val="1514062525"/>
+      </p:ext>
+    </p:extLst>
+  </p:cSld>
+  <p:clrMapOvr>
+    <a:masterClrMapping/>
+  </p:clrMapOvr>
+</p:sld>
+</file>
+
+<file path=ppt/slides/slide21.xml><?xml version="1.0" encoding="utf-8"?>
+<p:sld xmlns:a="http://schemas.openxmlformats.org/drawingml/2006/main" xmlns:r="http://schemas.openxmlformats.org/officeDocument/2006/relationships" xmlns:p="http://schemas.openxmlformats.org/presentationml/2006/main">
+  <p:cSld>
+    <p:spTree>
+      <p:nvGrpSpPr>
+        <p:cNvPr id="1" name=""/>
+        <p:cNvGrpSpPr/>
+        <p:nvPr/>
+      </p:nvGrpSpPr>
+      <p:grpSpPr>
+        <a:xfrm>
+          <a:off x="0" y="0"/>
+          <a:ext cx="0" cy="0"/>
+          <a:chOff x="0" y="0"/>
+          <a:chExt cx="0" cy="0"/>
+        </a:xfrm>
+      </p:grpSpPr>
+      <p:sp>
+        <p:nvSpPr>
+          <p:cNvPr id="2" name="Title 1">
+            <a:extLst>
+              <a:ext uri="{FF2B5EF4-FFF2-40B4-BE49-F238E27FC236}">
                 <a16:creationId xmlns:a16="http://schemas.microsoft.com/office/drawing/2014/main" id="{9A54D14F-A994-4D27-8BC6-178FADB0ADE6}"/>
               </a:ext>
             </a:extLst>
@@ -5739,7 +5902,7 @@
           <p:cNvPr id="2" name="Title 1">
             <a:extLst>
               <a:ext uri="{FF2B5EF4-FFF2-40B4-BE49-F238E27FC236}">
-                <a16:creationId xmlns:a16="http://schemas.microsoft.com/office/drawing/2014/main" id="{18E10670-B611-4C4A-BE7C-E6580C09691D}"/>
+                <a16:creationId xmlns:a16="http://schemas.microsoft.com/office/drawing/2014/main" id="{540B1113-5955-46A9-87A3-C65A587868AC}"/>
               </a:ext>
             </a:extLst>
           </p:cNvPr>
@@ -5750,19 +5913,14 @@
             <p:ph type="title"/>
           </p:nvPr>
         </p:nvSpPr>
-        <p:spPr>
-          <a:xfrm>
-            <a:off x="1295401" y="662536"/>
-            <a:ext cx="9601196" cy="1303867"/>
-          </a:xfrm>
-        </p:spPr>
+        <p:spPr/>
         <p:txBody>
           <a:bodyPr/>
           <a:lstStyle/>
           <a:p>
             <a:r>
               <a:rPr lang="en-US" dirty="0"/>
-              <a:t>Use cases</a:t>
+              <a:t>Data Source</a:t>
             </a:r>
           </a:p>
         </p:txBody>
@@ -5772,7 +5930,7 @@
           <p:cNvPr id="3" name="Content Placeholder 2">
             <a:extLst>
               <a:ext uri="{FF2B5EF4-FFF2-40B4-BE49-F238E27FC236}">
-                <a16:creationId xmlns:a16="http://schemas.microsoft.com/office/drawing/2014/main" id="{971AC651-A0CA-488D-A36D-BEB0D9BE2486}"/>
+                <a16:creationId xmlns:a16="http://schemas.microsoft.com/office/drawing/2014/main" id="{A3ABEDC8-561C-41BC-9A47-B8A408290ED0}"/>
               </a:ext>
             </a:extLst>
           </p:cNvPr>
@@ -5783,333 +5941,37 @@
             <p:ph idx="1"/>
           </p:nvPr>
         </p:nvSpPr>
-        <p:spPr>
-          <a:xfrm>
-            <a:off x="1480906" y="1695702"/>
-            <a:ext cx="8568523" cy="1303867"/>
-          </a:xfrm>
-        </p:spPr>
-        <p:txBody>
-          <a:bodyPr>
-            <a:normAutofit fontScale="70000" lnSpcReduction="20000"/>
-          </a:bodyPr>
-          <a:lstStyle/>
-          <a:p>
-            <a:endParaRPr lang="en-US" dirty="0"/>
-          </a:p>
-          <a:p>
-            <a:r>
-              <a:rPr lang="en-US" sz="3100" dirty="0"/>
-              <a:t>User should input personal information by following the instructions</a:t>
-            </a:r>
-          </a:p>
-          <a:p>
-            <a:r>
-              <a:rPr lang="en-US" sz="2800" dirty="0">
-                <a:solidFill>
-                  <a:schemeClr val="tx1"/>
-                </a:solidFill>
+        <p:spPr/>
+        <p:txBody>
+          <a:bodyPr/>
+          <a:lstStyle/>
+          <a:p>
+            <a:r>
+              <a:rPr lang="en-US" altLang="zh-CN" dirty="0">
+                <a:hlinkClick r:id="rId2"/>
               </a:rPr>
-              <a:t>The predict model calculates whether user will get a stroke or not</a:t>
-            </a:r>
-          </a:p>
-          <a:p>
-            <a:endParaRPr lang="en-US" dirty="0"/>
-          </a:p>
-          <a:p>
-            <a:endParaRPr lang="en-US" dirty="0"/>
-          </a:p>
-          <a:p>
-            <a:endParaRPr lang="en-US" dirty="0"/>
-          </a:p>
-          <a:p>
-            <a:endParaRPr lang="en-US" dirty="0"/>
-          </a:p>
-          <a:p>
-            <a:endParaRPr lang="en-US" dirty="0"/>
-          </a:p>
-          <a:p>
-            <a:endParaRPr lang="en-US" dirty="0"/>
-          </a:p>
-        </p:txBody>
-      </p:sp>
-      <p:sp>
-        <p:nvSpPr>
-          <p:cNvPr id="8" name="Oval 7">
-            <a:extLst>
-              <a:ext uri="{FF2B5EF4-FFF2-40B4-BE49-F238E27FC236}">
-                <a16:creationId xmlns:a16="http://schemas.microsoft.com/office/drawing/2014/main" id="{DD5241AE-FBD9-4AA7-B145-04D1A632123D}"/>
-              </a:ext>
-            </a:extLst>
-          </p:cNvPr>
-          <p:cNvSpPr/>
-          <p:nvPr/>
-        </p:nvSpPr>
-        <p:spPr>
-          <a:xfrm>
-            <a:off x="764244" y="3236258"/>
-            <a:ext cx="1649506" cy="1547763"/>
-          </a:xfrm>
-          <a:prstGeom prst="ellipse">
-            <a:avLst/>
-          </a:prstGeom>
-        </p:spPr>
-        <p:style>
-          <a:lnRef idx="2">
-            <a:schemeClr val="accent1">
-              <a:shade val="50000"/>
-            </a:schemeClr>
-          </a:lnRef>
-          <a:fillRef idx="1">
-            <a:schemeClr val="accent1"/>
-          </a:fillRef>
-          <a:effectRef idx="0">
-            <a:schemeClr val="accent1"/>
-          </a:effectRef>
-          <a:fontRef idx="minor">
-            <a:schemeClr val="lt1"/>
-          </a:fontRef>
-        </p:style>
-        <p:txBody>
-          <a:bodyPr rtlCol="0" anchor="ctr"/>
-          <a:lstStyle/>
-          <a:p>
-            <a:pPr algn="ctr"/>
-            <a:r>
-              <a:rPr lang="en-US" sz="3200" dirty="0"/>
-              <a:t>user</a:t>
-            </a:r>
-          </a:p>
-        </p:txBody>
-      </p:sp>
-      <p:cxnSp>
-        <p:nvCxnSpPr>
-          <p:cNvPr id="10" name="Straight Arrow Connector 9">
-            <a:extLst>
-              <a:ext uri="{FF2B5EF4-FFF2-40B4-BE49-F238E27FC236}">
-                <a16:creationId xmlns:a16="http://schemas.microsoft.com/office/drawing/2014/main" id="{06A6FA62-1D8F-45B4-878C-A9EEBAFC2BEB}"/>
-              </a:ext>
-            </a:extLst>
-          </p:cNvPr>
-          <p:cNvCxnSpPr/>
-          <p:nvPr/>
-        </p:nvCxnSpPr>
-        <p:spPr>
-          <a:xfrm>
-            <a:off x="2402541" y="4019006"/>
-            <a:ext cx="1703294" cy="0"/>
-          </a:xfrm>
-          <a:prstGeom prst="straightConnector1">
-            <a:avLst/>
-          </a:prstGeom>
-          <a:ln>
-            <a:tailEnd type="triangle"/>
-          </a:ln>
-        </p:spPr>
-        <p:style>
-          <a:lnRef idx="1">
-            <a:schemeClr val="accent1"/>
-          </a:lnRef>
-          <a:fillRef idx="0">
-            <a:schemeClr val="accent1"/>
-          </a:fillRef>
-          <a:effectRef idx="0">
-            <a:schemeClr val="accent1"/>
-          </a:effectRef>
-          <a:fontRef idx="minor">
-            <a:schemeClr val="tx1"/>
-          </a:fontRef>
-        </p:style>
-      </p:cxnSp>
-      <p:sp>
-        <p:nvSpPr>
-          <p:cNvPr id="12" name="Rectangle 11">
-            <a:extLst>
-              <a:ext uri="{FF2B5EF4-FFF2-40B4-BE49-F238E27FC236}">
-                <a16:creationId xmlns:a16="http://schemas.microsoft.com/office/drawing/2014/main" id="{1D6A95C4-218C-43E5-8396-46FAB8EE4F6F}"/>
-              </a:ext>
-            </a:extLst>
-          </p:cNvPr>
-          <p:cNvSpPr/>
-          <p:nvPr/>
-        </p:nvSpPr>
-        <p:spPr>
-          <a:xfrm>
-            <a:off x="4105835" y="3283999"/>
-            <a:ext cx="2805953" cy="1452282"/>
-          </a:xfrm>
-          <a:prstGeom prst="rect">
-            <a:avLst/>
-          </a:prstGeom>
-        </p:spPr>
-        <p:style>
-          <a:lnRef idx="2">
-            <a:schemeClr val="accent4">
-              <a:shade val="50000"/>
-            </a:schemeClr>
-          </a:lnRef>
-          <a:fillRef idx="1">
-            <a:schemeClr val="accent4"/>
-          </a:fillRef>
-          <a:effectRef idx="0">
-            <a:schemeClr val="accent4"/>
-          </a:effectRef>
-          <a:fontRef idx="minor">
-            <a:schemeClr val="lt1"/>
-          </a:fontRef>
-        </p:style>
-        <p:txBody>
-          <a:bodyPr rtlCol="0" anchor="ctr"/>
-          <a:lstStyle/>
-          <a:p>
-            <a:pPr algn="ctr"/>
-            <a:r>
-              <a:rPr lang="en-US" sz="2800" dirty="0">
-                <a:solidFill>
-                  <a:schemeClr val="tx1"/>
-                </a:solidFill>
-              </a:rPr>
-              <a:t>Prediction APP</a:t>
-            </a:r>
-          </a:p>
-        </p:txBody>
-      </p:sp>
-      <p:sp>
-        <p:nvSpPr>
-          <p:cNvPr id="13" name="Oval 12">
-            <a:extLst>
-              <a:ext uri="{FF2B5EF4-FFF2-40B4-BE49-F238E27FC236}">
-                <a16:creationId xmlns:a16="http://schemas.microsoft.com/office/drawing/2014/main" id="{7FA9C584-CD1F-4E72-8019-3D9BD6782170}"/>
-              </a:ext>
-            </a:extLst>
-          </p:cNvPr>
-          <p:cNvSpPr/>
-          <p:nvPr/>
-        </p:nvSpPr>
-        <p:spPr>
-          <a:xfrm>
-            <a:off x="8646453" y="3245124"/>
-            <a:ext cx="2805953" cy="1547763"/>
-          </a:xfrm>
-          <a:prstGeom prst="ellipse">
-            <a:avLst/>
-          </a:prstGeom>
-        </p:spPr>
-        <p:style>
-          <a:lnRef idx="2">
-            <a:schemeClr val="accent6">
-              <a:shade val="50000"/>
-            </a:schemeClr>
-          </a:lnRef>
-          <a:fillRef idx="1">
-            <a:schemeClr val="accent6"/>
-          </a:fillRef>
-          <a:effectRef idx="0">
-            <a:schemeClr val="accent6"/>
-          </a:effectRef>
-          <a:fontRef idx="minor">
-            <a:schemeClr val="lt1"/>
-          </a:fontRef>
-        </p:style>
-        <p:txBody>
-          <a:bodyPr rtlCol="0" anchor="ctr"/>
-          <a:lstStyle/>
-          <a:p>
-            <a:pPr algn="ctr"/>
-            <a:r>
-              <a:rPr lang="en-US" sz="2400" dirty="0"/>
-              <a:t>Will/</a:t>
-            </a:r>
-            <a:r>
-              <a:rPr lang="en-US" sz="2400" dirty="0" err="1"/>
-              <a:t>Willn’t</a:t>
-            </a:r>
-            <a:r>
-              <a:rPr lang="en-US" sz="2400" dirty="0"/>
-              <a:t> have stroke</a:t>
-            </a:r>
-          </a:p>
-        </p:txBody>
-      </p:sp>
-      <p:cxnSp>
-        <p:nvCxnSpPr>
-          <p:cNvPr id="15" name="Straight Arrow Connector 14">
-            <a:extLst>
-              <a:ext uri="{FF2B5EF4-FFF2-40B4-BE49-F238E27FC236}">
-                <a16:creationId xmlns:a16="http://schemas.microsoft.com/office/drawing/2014/main" id="{83AE3E71-D8AB-44BD-AE9C-66CC3503F4FC}"/>
-              </a:ext>
-            </a:extLst>
-          </p:cNvPr>
-          <p:cNvCxnSpPr>
-            <a:cxnSpLocks/>
-            <a:endCxn id="13" idx="2"/>
-          </p:cNvCxnSpPr>
-          <p:nvPr/>
-        </p:nvCxnSpPr>
-        <p:spPr>
-          <a:xfrm>
-            <a:off x="6925234" y="4019006"/>
-            <a:ext cx="1721219" cy="0"/>
-          </a:xfrm>
-          <a:prstGeom prst="straightConnector1">
-            <a:avLst/>
-          </a:prstGeom>
-          <a:ln>
-            <a:tailEnd type="triangle"/>
-          </a:ln>
-        </p:spPr>
-        <p:style>
-          <a:lnRef idx="1">
-            <a:schemeClr val="accent1"/>
-          </a:lnRef>
-          <a:fillRef idx="0">
-            <a:schemeClr val="accent1"/>
-          </a:fillRef>
-          <a:effectRef idx="0">
-            <a:schemeClr val="accent1"/>
-          </a:effectRef>
-          <a:fontRef idx="minor">
-            <a:schemeClr val="tx1"/>
-          </a:fontRef>
-        </p:style>
-      </p:cxnSp>
-      <p:sp>
-        <p:nvSpPr>
-          <p:cNvPr id="17" name="TextBox 16">
-            <a:extLst>
-              <a:ext uri="{FF2B5EF4-FFF2-40B4-BE49-F238E27FC236}">
-                <a16:creationId xmlns:a16="http://schemas.microsoft.com/office/drawing/2014/main" id="{A41A879F-2A8A-4D32-9838-E2F7E3267D10}"/>
-              </a:ext>
-            </a:extLst>
-          </p:cNvPr>
-          <p:cNvSpPr txBox="1"/>
-          <p:nvPr/>
-        </p:nvSpPr>
-        <p:spPr>
-          <a:xfrm>
-            <a:off x="2622176" y="3695839"/>
-            <a:ext cx="1317812" cy="646331"/>
-          </a:xfrm>
-          <a:prstGeom prst="rect">
-            <a:avLst/>
-          </a:prstGeom>
-          <a:noFill/>
-        </p:spPr>
-        <p:txBody>
-          <a:bodyPr wrap="square" rtlCol="0">
-            <a:spAutoFit/>
-          </a:bodyPr>
-          <a:lstStyle/>
+              <a:t>https://www.kaggle.com/lirilkumaramal/heart-stroke </a:t>
+            </a:r>
+            <a:endParaRPr lang="en-US" altLang="zh-CN" dirty="0"/>
+          </a:p>
           <a:p>
             <a:r>
               <a:rPr lang="en-US" dirty="0"/>
-              <a:t>Input</a:t>
+              <a:t>This dataset is used to predict whether a patient is likely to get stroke based on the input parameters like gender, age, various diseases, and smoking status. </a:t>
             </a:r>
           </a:p>
           <a:p>
             <a:r>
               <a:rPr lang="en-US" dirty="0"/>
-              <a:t>information</a:t>
+              <a:t>This dataset contains </a:t>
+            </a:r>
+            <a:r>
+              <a:rPr lang="en-US" altLang="zh-CN" dirty="0"/>
+              <a:t>about </a:t>
+            </a:r>
+            <a:r>
+              <a:rPr lang="en-US" dirty="0"/>
+              <a:t>50000 rows, each row in the data provides related information about the patient.</a:t>
             </a:r>
           </a:p>
         </p:txBody>
@@ -6117,7 +5979,7 @@
     </p:spTree>
     <p:extLst>
       <p:ext uri="{BB962C8B-B14F-4D97-AF65-F5344CB8AC3E}">
-        <p14:creationId xmlns:p14="http://schemas.microsoft.com/office/powerpoint/2010/main" val="895585380"/>
+        <p14:creationId xmlns:p14="http://schemas.microsoft.com/office/powerpoint/2010/main" val="372409799"/>
       </p:ext>
     </p:extLst>
   </p:cSld>
@@ -6149,7 +6011,7 @@
           <p:cNvPr id="2" name="Title 1">
             <a:extLst>
               <a:ext uri="{FF2B5EF4-FFF2-40B4-BE49-F238E27FC236}">
-                <a16:creationId xmlns:a16="http://schemas.microsoft.com/office/drawing/2014/main" id="{18E10670-B611-4C4A-BE7C-E6580C09691D}"/>
+                <a16:creationId xmlns:a16="http://schemas.microsoft.com/office/drawing/2014/main" id="{1B431E7D-8BCA-4AB7-A1AC-28A0B1069BE2}"/>
               </a:ext>
             </a:extLst>
           </p:cNvPr>
@@ -6160,156 +6022,92 @@
             <p:ph type="title"/>
           </p:nvPr>
         </p:nvSpPr>
-        <p:spPr>
-          <a:xfrm>
-            <a:off x="1295401" y="662536"/>
-            <a:ext cx="9601196" cy="1303867"/>
-          </a:xfrm>
-        </p:spPr>
+        <p:spPr/>
         <p:txBody>
           <a:bodyPr/>
           <a:lstStyle/>
           <a:p>
             <a:r>
+              <a:rPr lang="en" dirty="0"/>
+              <a:t>Milestone</a:t>
+            </a:r>
+            <a:endParaRPr lang="en-US" dirty="0"/>
+          </a:p>
+        </p:txBody>
+      </p:sp>
+      <p:sp>
+        <p:nvSpPr>
+          <p:cNvPr id="3" name="Content Placeholder 2">
+            <a:extLst>
+              <a:ext uri="{FF2B5EF4-FFF2-40B4-BE49-F238E27FC236}">
+                <a16:creationId xmlns:a16="http://schemas.microsoft.com/office/drawing/2014/main" id="{A60664D0-BACB-48B8-9992-2CEE15818A83}"/>
+              </a:ext>
+            </a:extLst>
+          </p:cNvPr>
+          <p:cNvSpPr>
+            <a:spLocks noGrp="1"/>
+          </p:cNvSpPr>
+          <p:nvPr>
+            <p:ph idx="1"/>
+          </p:nvPr>
+        </p:nvSpPr>
+        <p:spPr/>
+        <p:txBody>
+          <a:bodyPr>
+            <a:normAutofit lnSpcReduction="10000"/>
+          </a:bodyPr>
+          <a:lstStyle/>
+          <a:p>
+            <a:r>
               <a:rPr lang="en-US" dirty="0"/>
-              <a:t>Use cases</a:t>
-            </a:r>
-          </a:p>
-        </p:txBody>
-      </p:sp>
-      <p:pic>
-        <p:nvPicPr>
-          <p:cNvPr id="5" name="Picture 4">
-            <a:extLst>
-              <a:ext uri="{FF2B5EF4-FFF2-40B4-BE49-F238E27FC236}">
-                <a16:creationId xmlns:a16="http://schemas.microsoft.com/office/drawing/2014/main" id="{E6E7EECA-FB91-422C-9F47-B87E2706F12B}"/>
-              </a:ext>
-            </a:extLst>
-          </p:cNvPr>
-          <p:cNvPicPr>
-            <a:picLocks noChangeAspect="1"/>
-          </p:cNvPicPr>
-          <p:nvPr/>
-        </p:nvPicPr>
-        <p:blipFill rotWithShape="1">
-          <a:blip r:embed="rId2"/>
-          <a:srcRect t="2616" r="3028"/>
-          <a:stretch/>
-        </p:blipFill>
-        <p:spPr>
-          <a:xfrm>
-            <a:off x="1309543" y="2285157"/>
-            <a:ext cx="8931737" cy="2866236"/>
-          </a:xfrm>
-          <a:prstGeom prst="rect">
-            <a:avLst/>
-          </a:prstGeom>
-        </p:spPr>
-      </p:pic>
-      <p:sp>
-        <p:nvSpPr>
-          <p:cNvPr id="7" name="TextBox 6">
-            <a:extLst>
-              <a:ext uri="{FF2B5EF4-FFF2-40B4-BE49-F238E27FC236}">
-                <a16:creationId xmlns:a16="http://schemas.microsoft.com/office/drawing/2014/main" id="{0F301348-C029-439E-84F3-0993F20B155A}"/>
-              </a:ext>
-            </a:extLst>
-          </p:cNvPr>
-          <p:cNvSpPr txBox="1"/>
-          <p:nvPr/>
-        </p:nvSpPr>
-        <p:spPr>
-          <a:xfrm>
-            <a:off x="1309543" y="1852778"/>
-            <a:ext cx="1582270" cy="369332"/>
-          </a:xfrm>
-          <a:prstGeom prst="rect">
-            <a:avLst/>
-          </a:prstGeom>
-          <a:noFill/>
-        </p:spPr>
-        <p:txBody>
-          <a:bodyPr wrap="square" rtlCol="0">
-            <a:spAutoFit/>
-          </a:bodyPr>
-          <a:lstStyle/>
-          <a:p>
+              <a:t>Week 1-2, data clean and learn spark</a:t>
+            </a:r>
+          </a:p>
+          <a:p>
+            <a:pPr marL="0" indent="0">
+              <a:buNone/>
+            </a:pPr>
             <a:r>
               <a:rPr lang="en-US" dirty="0"/>
-              <a:t>User input:</a:t>
-            </a:r>
-          </a:p>
-        </p:txBody>
-      </p:sp>
-      <p:sp>
-        <p:nvSpPr>
-          <p:cNvPr id="8" name="TextBox 7">
-            <a:extLst>
-              <a:ext uri="{FF2B5EF4-FFF2-40B4-BE49-F238E27FC236}">
-                <a16:creationId xmlns:a16="http://schemas.microsoft.com/office/drawing/2014/main" id="{984767C8-8BD4-4565-9C49-1AADCE8A2EF2}"/>
-              </a:ext>
-            </a:extLst>
-          </p:cNvPr>
-          <p:cNvSpPr txBox="1"/>
-          <p:nvPr/>
-        </p:nvSpPr>
-        <p:spPr>
-          <a:xfrm>
-            <a:off x="1295401" y="5214441"/>
-            <a:ext cx="1582270" cy="369332"/>
-          </a:xfrm>
-          <a:prstGeom prst="rect">
-            <a:avLst/>
-          </a:prstGeom>
-          <a:noFill/>
-        </p:spPr>
-        <p:txBody>
-          <a:bodyPr wrap="square" rtlCol="0">
-            <a:spAutoFit/>
-          </a:bodyPr>
-          <a:lstStyle/>
+              <a:t>	clean and break down the text of CSV format, eliminate errors and missing data, store them in the program or the database</a:t>
+            </a:r>
+          </a:p>
           <a:p>
             <a:r>
               <a:rPr lang="en-US" dirty="0"/>
-              <a:t>Result:</a:t>
-            </a:r>
-          </a:p>
-        </p:txBody>
-      </p:sp>
-      <p:pic>
-        <p:nvPicPr>
-          <p:cNvPr id="10" name="Picture 9">
-            <a:extLst>
-              <a:ext uri="{FF2B5EF4-FFF2-40B4-BE49-F238E27FC236}">
-                <a16:creationId xmlns:a16="http://schemas.microsoft.com/office/drawing/2014/main" id="{0F821262-B7A7-4756-9D3F-A694C58022F3}"/>
-              </a:ext>
-            </a:extLst>
-          </p:cNvPr>
-          <p:cNvPicPr>
-            <a:picLocks noChangeAspect="1"/>
-          </p:cNvPicPr>
-          <p:nvPr/>
-        </p:nvPicPr>
-        <p:blipFill>
-          <a:blip r:embed="rId3"/>
-          <a:stretch>
-            <a:fillRect/>
-          </a:stretch>
-        </p:blipFill>
-        <p:spPr>
-          <a:xfrm>
-            <a:off x="1295401" y="5569385"/>
-            <a:ext cx="3943350" cy="533400"/>
-          </a:xfrm>
-          <a:prstGeom prst="rect">
-            <a:avLst/>
-          </a:prstGeom>
-        </p:spPr>
-      </p:pic>
+              <a:t>Week 3 -4, build prediction model and train the model</a:t>
+            </a:r>
+          </a:p>
+          <a:p>
+            <a:pPr marL="0" indent="0">
+              <a:buNone/>
+            </a:pPr>
+            <a:r>
+              <a:rPr lang="en-US" dirty="0"/>
+              <a:t>	Train multiple models, and get the result	</a:t>
+            </a:r>
+          </a:p>
+          <a:p>
+            <a:r>
+              <a:rPr lang="en-US" dirty="0"/>
+              <a:t>Week 5, test model and build prediction app</a:t>
+            </a:r>
+          </a:p>
+          <a:p>
+            <a:pPr marL="0" indent="0">
+              <a:buNone/>
+            </a:pPr>
+            <a:r>
+              <a:rPr lang="en-US" dirty="0"/>
+              <a:t>	use the test set to test models and find the best one, and build the prediction app, once the user inputs information, give the result</a:t>
+            </a:r>
+          </a:p>
+        </p:txBody>
+      </p:sp>
     </p:spTree>
     <p:extLst>
       <p:ext uri="{BB962C8B-B14F-4D97-AF65-F5344CB8AC3E}">
-        <p14:creationId xmlns:p14="http://schemas.microsoft.com/office/powerpoint/2010/main" val="1670763351"/>
+        <p14:creationId xmlns:p14="http://schemas.microsoft.com/office/powerpoint/2010/main" val="950556719"/>
       </p:ext>
     </p:extLst>
   </p:cSld>
@@ -6341,7 +6139,7 @@
           <p:cNvPr id="2" name="Title 1">
             <a:extLst>
               <a:ext uri="{FF2B5EF4-FFF2-40B4-BE49-F238E27FC236}">
-                <a16:creationId xmlns:a16="http://schemas.microsoft.com/office/drawing/2014/main" id="{540B1113-5955-46A9-87A3-C65A587868AC}"/>
+                <a16:creationId xmlns:a16="http://schemas.microsoft.com/office/drawing/2014/main" id="{87CDC66F-AFF3-4AFA-8C98-FF6236F4CAB0}"/>
               </a:ext>
             </a:extLst>
           </p:cNvPr>
@@ -6352,65 +6150,1428 @@
             <p:ph type="title"/>
           </p:nvPr>
         </p:nvSpPr>
-        <p:spPr/>
+        <p:spPr>
+          <a:xfrm>
+            <a:off x="1098178" y="426319"/>
+            <a:ext cx="9601196" cy="1303867"/>
+          </a:xfrm>
+        </p:spPr>
         <p:txBody>
           <a:bodyPr/>
           <a:lstStyle/>
           <a:p>
             <a:r>
+              <a:rPr lang="en" dirty="0"/>
+              <a:t>Methodology</a:t>
+            </a:r>
+            <a:endParaRPr lang="en-US" dirty="0"/>
+          </a:p>
+        </p:txBody>
+      </p:sp>
+      <p:sp>
+        <p:nvSpPr>
+          <p:cNvPr id="6" name="Oval 5">
+            <a:extLst>
+              <a:ext uri="{FF2B5EF4-FFF2-40B4-BE49-F238E27FC236}">
+                <a16:creationId xmlns:a16="http://schemas.microsoft.com/office/drawing/2014/main" id="{ED57CADC-0207-4E71-9255-C7692D8D0F67}"/>
+              </a:ext>
+            </a:extLst>
+          </p:cNvPr>
+          <p:cNvSpPr/>
+          <p:nvPr/>
+        </p:nvSpPr>
+        <p:spPr>
+          <a:xfrm>
+            <a:off x="887503" y="1926051"/>
+            <a:ext cx="1402978" cy="681320"/>
+          </a:xfrm>
+          <a:prstGeom prst="ellipse">
+            <a:avLst/>
+          </a:prstGeom>
+        </p:spPr>
+        <p:style>
+          <a:lnRef idx="2">
+            <a:schemeClr val="accent1"/>
+          </a:lnRef>
+          <a:fillRef idx="1">
+            <a:schemeClr val="lt1"/>
+          </a:fillRef>
+          <a:effectRef idx="0">
+            <a:schemeClr val="accent1"/>
+          </a:effectRef>
+          <a:fontRef idx="minor">
+            <a:schemeClr val="dk1"/>
+          </a:fontRef>
+        </p:style>
+        <p:txBody>
+          <a:bodyPr rtlCol="0" anchor="ctr"/>
+          <a:lstStyle/>
+          <a:p>
+            <a:pPr algn="ctr"/>
+            <a:r>
               <a:rPr lang="en-US" dirty="0"/>
-              <a:t>Data Source</a:t>
-            </a:r>
-          </a:p>
-        </p:txBody>
-      </p:sp>
-      <p:sp>
-        <p:nvSpPr>
-          <p:cNvPr id="3" name="Content Placeholder 2">
-            <a:extLst>
-              <a:ext uri="{FF2B5EF4-FFF2-40B4-BE49-F238E27FC236}">
-                <a16:creationId xmlns:a16="http://schemas.microsoft.com/office/drawing/2014/main" id="{A3ABEDC8-561C-41BC-9A47-B8A408290ED0}"/>
-              </a:ext>
-            </a:extLst>
-          </p:cNvPr>
-          <p:cNvSpPr>
-            <a:spLocks noGrp="1"/>
-          </p:cNvSpPr>
-          <p:nvPr>
-            <p:ph idx="1"/>
-          </p:nvPr>
-        </p:nvSpPr>
-        <p:spPr/>
-        <p:txBody>
-          <a:bodyPr/>
-          <a:lstStyle/>
-          <a:p>
-            <a:r>
-              <a:rPr lang="en-US" altLang="zh-CN" dirty="0">
-                <a:hlinkClick r:id="rId2"/>
-              </a:rPr>
-              <a:t>https://www.kaggle.com/lirilkumaramal/heart-stroke </a:t>
-            </a:r>
-            <a:endParaRPr lang="en-US" altLang="zh-CN" dirty="0"/>
-          </a:p>
+              <a:t>Original data</a:t>
+            </a:r>
+          </a:p>
+        </p:txBody>
+      </p:sp>
+      <p:cxnSp>
+        <p:nvCxnSpPr>
+          <p:cNvPr id="8" name="Straight Arrow Connector 7">
+            <a:extLst>
+              <a:ext uri="{FF2B5EF4-FFF2-40B4-BE49-F238E27FC236}">
+                <a16:creationId xmlns:a16="http://schemas.microsoft.com/office/drawing/2014/main" id="{E45D55D6-C87D-4256-8F39-B2C1C35A5428}"/>
+              </a:ext>
+            </a:extLst>
+          </p:cNvPr>
+          <p:cNvCxnSpPr>
+            <a:cxnSpLocks/>
+            <a:stCxn id="6" idx="6"/>
+          </p:cNvCxnSpPr>
+          <p:nvPr/>
+        </p:nvCxnSpPr>
+        <p:spPr>
+          <a:xfrm>
+            <a:off x="2290481" y="2266711"/>
+            <a:ext cx="1084729" cy="0"/>
+          </a:xfrm>
+          <a:prstGeom prst="straightConnector1">
+            <a:avLst/>
+          </a:prstGeom>
+          <a:ln>
+            <a:tailEnd type="triangle"/>
+          </a:ln>
+        </p:spPr>
+        <p:style>
+          <a:lnRef idx="1">
+            <a:schemeClr val="accent1"/>
+          </a:lnRef>
+          <a:fillRef idx="0">
+            <a:schemeClr val="accent1"/>
+          </a:fillRef>
+          <a:effectRef idx="0">
+            <a:schemeClr val="accent1"/>
+          </a:effectRef>
+          <a:fontRef idx="minor">
+            <a:schemeClr val="tx1"/>
+          </a:fontRef>
+        </p:style>
+      </p:cxnSp>
+      <p:sp>
+        <p:nvSpPr>
+          <p:cNvPr id="9" name="Oval 8">
+            <a:extLst>
+              <a:ext uri="{FF2B5EF4-FFF2-40B4-BE49-F238E27FC236}">
+                <a16:creationId xmlns:a16="http://schemas.microsoft.com/office/drawing/2014/main" id="{963DC5C3-B653-409F-8D7D-FA3DCA0E0E5C}"/>
+              </a:ext>
+            </a:extLst>
+          </p:cNvPr>
+          <p:cNvSpPr/>
+          <p:nvPr/>
+        </p:nvSpPr>
+        <p:spPr>
+          <a:xfrm>
+            <a:off x="3375210" y="1926060"/>
+            <a:ext cx="1568824" cy="681311"/>
+          </a:xfrm>
+          <a:prstGeom prst="ellipse">
+            <a:avLst/>
+          </a:prstGeom>
+        </p:spPr>
+        <p:style>
+          <a:lnRef idx="2">
+            <a:schemeClr val="accent1"/>
+          </a:lnRef>
+          <a:fillRef idx="1">
+            <a:schemeClr val="lt1"/>
+          </a:fillRef>
+          <a:effectRef idx="0">
+            <a:schemeClr val="accent1"/>
+          </a:effectRef>
+          <a:fontRef idx="minor">
+            <a:schemeClr val="dk1"/>
+          </a:fontRef>
+        </p:style>
+        <p:txBody>
+          <a:bodyPr rtlCol="0" anchor="ctr"/>
+          <a:lstStyle/>
+          <a:p>
+            <a:pPr algn="ctr"/>
+            <a:r>
+              <a:rPr lang="en-US" sz="1600" dirty="0" err="1"/>
+              <a:t>dataframe</a:t>
+            </a:r>
+            <a:endParaRPr lang="en-US" sz="1600" dirty="0"/>
+          </a:p>
+        </p:txBody>
+      </p:sp>
+      <p:sp>
+        <p:nvSpPr>
+          <p:cNvPr id="10" name="TextBox 9">
+            <a:extLst>
+              <a:ext uri="{FF2B5EF4-FFF2-40B4-BE49-F238E27FC236}">
+                <a16:creationId xmlns:a16="http://schemas.microsoft.com/office/drawing/2014/main" id="{A69149A6-5E0F-447A-AC6B-BFDFC60B7355}"/>
+              </a:ext>
+            </a:extLst>
+          </p:cNvPr>
+          <p:cNvSpPr txBox="1"/>
+          <p:nvPr/>
+        </p:nvSpPr>
+        <p:spPr>
+          <a:xfrm>
+            <a:off x="2290481" y="1946973"/>
+            <a:ext cx="1084729" cy="307777"/>
+          </a:xfrm>
+          <a:prstGeom prst="rect">
+            <a:avLst/>
+          </a:prstGeom>
+          <a:noFill/>
+        </p:spPr>
+        <p:txBody>
+          <a:bodyPr wrap="square" rtlCol="0">
+            <a:spAutoFit/>
+          </a:bodyPr>
+          <a:lstStyle/>
+          <a:p>
+            <a:r>
+              <a:rPr lang="en-US" sz="1400" dirty="0"/>
+              <a:t>Read csv file</a:t>
+            </a:r>
+          </a:p>
+        </p:txBody>
+      </p:sp>
+      <p:cxnSp>
+        <p:nvCxnSpPr>
+          <p:cNvPr id="12" name="Straight Arrow Connector 11">
+            <a:extLst>
+              <a:ext uri="{FF2B5EF4-FFF2-40B4-BE49-F238E27FC236}">
+                <a16:creationId xmlns:a16="http://schemas.microsoft.com/office/drawing/2014/main" id="{9EE078F0-D103-414C-BA17-F40EC70D80AB}"/>
+              </a:ext>
+            </a:extLst>
+          </p:cNvPr>
+          <p:cNvCxnSpPr>
+            <a:cxnSpLocks/>
+            <a:stCxn id="9" idx="6"/>
+          </p:cNvCxnSpPr>
+          <p:nvPr/>
+        </p:nvCxnSpPr>
+        <p:spPr>
+          <a:xfrm flipV="1">
+            <a:off x="4944034" y="2254750"/>
+            <a:ext cx="1566581" cy="11966"/>
+          </a:xfrm>
+          <a:prstGeom prst="straightConnector1">
+            <a:avLst/>
+          </a:prstGeom>
+          <a:ln>
+            <a:tailEnd type="triangle"/>
+          </a:ln>
+        </p:spPr>
+        <p:style>
+          <a:lnRef idx="1">
+            <a:schemeClr val="accent1"/>
+          </a:lnRef>
+          <a:fillRef idx="0">
+            <a:schemeClr val="accent1"/>
+          </a:fillRef>
+          <a:effectRef idx="0">
+            <a:schemeClr val="accent1"/>
+          </a:effectRef>
+          <a:fontRef idx="minor">
+            <a:schemeClr val="tx1"/>
+          </a:fontRef>
+        </p:style>
+      </p:cxnSp>
+      <p:sp>
+        <p:nvSpPr>
+          <p:cNvPr id="14" name="TextBox 13">
+            <a:extLst>
+              <a:ext uri="{FF2B5EF4-FFF2-40B4-BE49-F238E27FC236}">
+                <a16:creationId xmlns:a16="http://schemas.microsoft.com/office/drawing/2014/main" id="{A74082E4-A066-4FD3-B0A2-458056BD917E}"/>
+              </a:ext>
+            </a:extLst>
+          </p:cNvPr>
+          <p:cNvSpPr txBox="1"/>
+          <p:nvPr/>
+        </p:nvSpPr>
+        <p:spPr>
+          <a:xfrm>
+            <a:off x="5074024" y="1891401"/>
+            <a:ext cx="1290918" cy="369332"/>
+          </a:xfrm>
+          <a:prstGeom prst="rect">
+            <a:avLst/>
+          </a:prstGeom>
+          <a:noFill/>
+        </p:spPr>
+        <p:txBody>
+          <a:bodyPr wrap="square" rtlCol="0">
+            <a:spAutoFit/>
+          </a:bodyPr>
+          <a:lstStyle/>
           <a:p>
             <a:r>
               <a:rPr lang="en-US" dirty="0"/>
-              <a:t>This dataset is used to predict whether a patient is likely to get stroke based on the input parameters like gender, age, various diseases, and smoking status. </a:t>
-            </a:r>
-          </a:p>
+              <a:t>Clean data</a:t>
+            </a:r>
+          </a:p>
+        </p:txBody>
+      </p:sp>
+      <p:sp>
+        <p:nvSpPr>
+          <p:cNvPr id="17" name="Oval 16">
+            <a:extLst>
+              <a:ext uri="{FF2B5EF4-FFF2-40B4-BE49-F238E27FC236}">
+                <a16:creationId xmlns:a16="http://schemas.microsoft.com/office/drawing/2014/main" id="{1609DD6C-A1E5-4734-AF58-C7E1FF8C9AA6}"/>
+              </a:ext>
+            </a:extLst>
+          </p:cNvPr>
+          <p:cNvSpPr/>
+          <p:nvPr/>
+        </p:nvSpPr>
+        <p:spPr>
+          <a:xfrm>
+            <a:off x="6526305" y="1927260"/>
+            <a:ext cx="1636057" cy="681311"/>
+          </a:xfrm>
+          <a:prstGeom prst="ellipse">
+            <a:avLst/>
+          </a:prstGeom>
+        </p:spPr>
+        <p:style>
+          <a:lnRef idx="2">
+            <a:schemeClr val="accent1"/>
+          </a:lnRef>
+          <a:fillRef idx="1">
+            <a:schemeClr val="lt1"/>
+          </a:fillRef>
+          <a:effectRef idx="0">
+            <a:schemeClr val="accent1"/>
+          </a:effectRef>
+          <a:fontRef idx="minor">
+            <a:schemeClr val="dk1"/>
+          </a:fontRef>
+        </p:style>
+        <p:txBody>
+          <a:bodyPr rtlCol="0" anchor="ctr"/>
+          <a:lstStyle/>
+          <a:p>
+            <a:pPr algn="ctr"/>
+            <a:r>
+              <a:rPr lang="en-US" sz="1600" dirty="0"/>
+              <a:t>Cleaned</a:t>
+            </a:r>
+          </a:p>
+          <a:p>
+            <a:pPr algn="ctr"/>
+            <a:r>
+              <a:rPr lang="en-US" sz="1600" dirty="0" err="1"/>
+              <a:t>dataframe</a:t>
+            </a:r>
+            <a:endParaRPr lang="en-US" sz="1600" dirty="0"/>
+          </a:p>
+        </p:txBody>
+      </p:sp>
+      <p:sp>
+        <p:nvSpPr>
+          <p:cNvPr id="18" name="Oval 17">
+            <a:extLst>
+              <a:ext uri="{FF2B5EF4-FFF2-40B4-BE49-F238E27FC236}">
+                <a16:creationId xmlns:a16="http://schemas.microsoft.com/office/drawing/2014/main" id="{2A53AC43-B2C2-4639-A94E-AC51768DB419}"/>
+              </a:ext>
+            </a:extLst>
+          </p:cNvPr>
+          <p:cNvSpPr/>
+          <p:nvPr/>
+        </p:nvSpPr>
+        <p:spPr>
+          <a:xfrm>
+            <a:off x="9457766" y="1917095"/>
+            <a:ext cx="1636057" cy="681311"/>
+          </a:xfrm>
+          <a:prstGeom prst="ellipse">
+            <a:avLst/>
+          </a:prstGeom>
+        </p:spPr>
+        <p:style>
+          <a:lnRef idx="2">
+            <a:schemeClr val="accent1"/>
+          </a:lnRef>
+          <a:fillRef idx="1">
+            <a:schemeClr val="lt1"/>
+          </a:fillRef>
+          <a:effectRef idx="0">
+            <a:schemeClr val="accent1"/>
+          </a:effectRef>
+          <a:fontRef idx="minor">
+            <a:schemeClr val="dk1"/>
+          </a:fontRef>
+        </p:style>
+        <p:txBody>
+          <a:bodyPr rtlCol="0" anchor="ctr"/>
+          <a:lstStyle/>
+          <a:p>
+            <a:pPr algn="ctr"/>
+            <a:r>
+              <a:rPr lang="en-US" sz="1600" dirty="0"/>
+              <a:t>Standard</a:t>
+            </a:r>
+          </a:p>
+          <a:p>
+            <a:pPr algn="ctr"/>
+            <a:r>
+              <a:rPr lang="en-US" sz="1600" dirty="0" err="1"/>
+              <a:t>dataframe</a:t>
+            </a:r>
+            <a:endParaRPr lang="en-US" sz="1600" dirty="0"/>
+          </a:p>
+        </p:txBody>
+      </p:sp>
+      <p:cxnSp>
+        <p:nvCxnSpPr>
+          <p:cNvPr id="20" name="Straight Arrow Connector 19">
+            <a:extLst>
+              <a:ext uri="{FF2B5EF4-FFF2-40B4-BE49-F238E27FC236}">
+                <a16:creationId xmlns:a16="http://schemas.microsoft.com/office/drawing/2014/main" id="{26E3FD9E-FCEB-43A6-93F4-761D717034C6}"/>
+              </a:ext>
+            </a:extLst>
+          </p:cNvPr>
+          <p:cNvCxnSpPr>
+            <a:cxnSpLocks/>
+            <a:stCxn id="17" idx="6"/>
+            <a:endCxn id="18" idx="2"/>
+          </p:cNvCxnSpPr>
+          <p:nvPr/>
+        </p:nvCxnSpPr>
+        <p:spPr>
+          <a:xfrm flipV="1">
+            <a:off x="8162362" y="2257751"/>
+            <a:ext cx="1295404" cy="10165"/>
+          </a:xfrm>
+          <a:prstGeom prst="straightConnector1">
+            <a:avLst/>
+          </a:prstGeom>
+          <a:ln>
+            <a:tailEnd type="triangle"/>
+          </a:ln>
+        </p:spPr>
+        <p:style>
+          <a:lnRef idx="1">
+            <a:schemeClr val="accent1"/>
+          </a:lnRef>
+          <a:fillRef idx="0">
+            <a:schemeClr val="accent1"/>
+          </a:fillRef>
+          <a:effectRef idx="0">
+            <a:schemeClr val="accent1"/>
+          </a:effectRef>
+          <a:fontRef idx="minor">
+            <a:schemeClr val="tx1"/>
+          </a:fontRef>
+        </p:style>
+      </p:cxnSp>
+      <p:sp>
+        <p:nvSpPr>
+          <p:cNvPr id="23" name="TextBox 22">
+            <a:extLst>
+              <a:ext uri="{FF2B5EF4-FFF2-40B4-BE49-F238E27FC236}">
+                <a16:creationId xmlns:a16="http://schemas.microsoft.com/office/drawing/2014/main" id="{239C2D28-7640-4DB3-8466-86E501A77EAD}"/>
+              </a:ext>
+            </a:extLst>
+          </p:cNvPr>
+          <p:cNvSpPr txBox="1"/>
+          <p:nvPr/>
+        </p:nvSpPr>
+        <p:spPr>
+          <a:xfrm>
+            <a:off x="8099610" y="1946973"/>
+            <a:ext cx="1864659" cy="338554"/>
+          </a:xfrm>
+          <a:prstGeom prst="rect">
+            <a:avLst/>
+          </a:prstGeom>
+          <a:noFill/>
+        </p:spPr>
+        <p:txBody>
+          <a:bodyPr wrap="square">
+            <a:spAutoFit/>
+          </a:bodyPr>
+          <a:lstStyle/>
+          <a:p>
+            <a:r>
+              <a:rPr lang="en-US" sz="1600" dirty="0"/>
+              <a:t>standardization</a:t>
+            </a:r>
+          </a:p>
+        </p:txBody>
+      </p:sp>
+      <p:sp>
+        <p:nvSpPr>
+          <p:cNvPr id="24" name="Oval 23">
+            <a:extLst>
+              <a:ext uri="{FF2B5EF4-FFF2-40B4-BE49-F238E27FC236}">
+                <a16:creationId xmlns:a16="http://schemas.microsoft.com/office/drawing/2014/main" id="{42A28EA1-41F4-4A42-97BA-60E0B63EFBFE}"/>
+              </a:ext>
+            </a:extLst>
+          </p:cNvPr>
+          <p:cNvSpPr/>
+          <p:nvPr/>
+        </p:nvSpPr>
+        <p:spPr>
+          <a:xfrm>
+            <a:off x="9538448" y="3346962"/>
+            <a:ext cx="1636057" cy="681311"/>
+          </a:xfrm>
+          <a:prstGeom prst="ellipse">
+            <a:avLst/>
+          </a:prstGeom>
+        </p:spPr>
+        <p:style>
+          <a:lnRef idx="2">
+            <a:schemeClr val="accent1"/>
+          </a:lnRef>
+          <a:fillRef idx="1">
+            <a:schemeClr val="lt1"/>
+          </a:fillRef>
+          <a:effectRef idx="0">
+            <a:schemeClr val="accent1"/>
+          </a:effectRef>
+          <a:fontRef idx="minor">
+            <a:schemeClr val="dk1"/>
+          </a:fontRef>
+        </p:style>
+        <p:txBody>
+          <a:bodyPr rtlCol="0" anchor="ctr"/>
+          <a:lstStyle/>
+          <a:p>
+            <a:pPr algn="ctr"/>
+            <a:r>
+              <a:rPr lang="en-US" sz="1600" dirty="0"/>
+              <a:t>Correlation</a:t>
+            </a:r>
+          </a:p>
+          <a:p>
+            <a:pPr algn="ctr"/>
+            <a:r>
+              <a:rPr lang="en-US" sz="1600" dirty="0"/>
+              <a:t>Matrix</a:t>
+            </a:r>
+          </a:p>
+        </p:txBody>
+      </p:sp>
+      <p:cxnSp>
+        <p:nvCxnSpPr>
+          <p:cNvPr id="26" name="Straight Arrow Connector 25">
+            <a:extLst>
+              <a:ext uri="{FF2B5EF4-FFF2-40B4-BE49-F238E27FC236}">
+                <a16:creationId xmlns:a16="http://schemas.microsoft.com/office/drawing/2014/main" id="{2BFA8C25-E4B3-423D-B43F-18373ADFEA80}"/>
+              </a:ext>
+            </a:extLst>
+          </p:cNvPr>
+          <p:cNvCxnSpPr>
+            <a:cxnSpLocks/>
+            <a:stCxn id="18" idx="4"/>
+            <a:endCxn id="24" idx="0"/>
+          </p:cNvCxnSpPr>
+          <p:nvPr/>
+        </p:nvCxnSpPr>
+        <p:spPr>
+          <a:xfrm>
+            <a:off x="10275795" y="2598406"/>
+            <a:ext cx="80682" cy="748556"/>
+          </a:xfrm>
+          <a:prstGeom prst="straightConnector1">
+            <a:avLst/>
+          </a:prstGeom>
+          <a:ln>
+            <a:tailEnd type="triangle"/>
+          </a:ln>
+        </p:spPr>
+        <p:style>
+          <a:lnRef idx="1">
+            <a:schemeClr val="accent1"/>
+          </a:lnRef>
+          <a:fillRef idx="0">
+            <a:schemeClr val="accent1"/>
+          </a:fillRef>
+          <a:effectRef idx="0">
+            <a:schemeClr val="accent1"/>
+          </a:effectRef>
+          <a:fontRef idx="minor">
+            <a:schemeClr val="tx1"/>
+          </a:fontRef>
+        </p:style>
+      </p:cxnSp>
+      <p:sp>
+        <p:nvSpPr>
+          <p:cNvPr id="28" name="TextBox 27">
+            <a:extLst>
+              <a:ext uri="{FF2B5EF4-FFF2-40B4-BE49-F238E27FC236}">
+                <a16:creationId xmlns:a16="http://schemas.microsoft.com/office/drawing/2014/main" id="{A0D04C66-F14E-4980-8D5A-21560E34E75C}"/>
+              </a:ext>
+            </a:extLst>
+          </p:cNvPr>
+          <p:cNvSpPr txBox="1"/>
+          <p:nvPr/>
+        </p:nvSpPr>
+        <p:spPr>
+          <a:xfrm>
+            <a:off x="10441639" y="2672051"/>
+            <a:ext cx="1465731" cy="584775"/>
+          </a:xfrm>
+          <a:prstGeom prst="rect">
+            <a:avLst/>
+          </a:prstGeom>
+          <a:noFill/>
+        </p:spPr>
+        <p:txBody>
+          <a:bodyPr wrap="square" rtlCol="0">
+            <a:spAutoFit/>
+          </a:bodyPr>
+          <a:lstStyle/>
+          <a:p>
+            <a:r>
+              <a:rPr lang="en-US" sz="1600" dirty="0"/>
+              <a:t>Analyze data correlation</a:t>
+            </a:r>
+          </a:p>
+        </p:txBody>
+      </p:sp>
+      <p:sp>
+        <p:nvSpPr>
+          <p:cNvPr id="29" name="Oval 28">
+            <a:extLst>
+              <a:ext uri="{FF2B5EF4-FFF2-40B4-BE49-F238E27FC236}">
+                <a16:creationId xmlns:a16="http://schemas.microsoft.com/office/drawing/2014/main" id="{EF96E596-A0CF-4A7E-9662-ECEAE5C25994}"/>
+              </a:ext>
+            </a:extLst>
+          </p:cNvPr>
+          <p:cNvSpPr/>
+          <p:nvPr/>
+        </p:nvSpPr>
+        <p:spPr>
+          <a:xfrm>
+            <a:off x="6168838" y="3345860"/>
+            <a:ext cx="1636057" cy="681311"/>
+          </a:xfrm>
+          <a:prstGeom prst="ellipse">
+            <a:avLst/>
+          </a:prstGeom>
+        </p:spPr>
+        <p:style>
+          <a:lnRef idx="2">
+            <a:schemeClr val="accent1"/>
+          </a:lnRef>
+          <a:fillRef idx="1">
+            <a:schemeClr val="lt1"/>
+          </a:fillRef>
+          <a:effectRef idx="0">
+            <a:schemeClr val="accent1"/>
+          </a:effectRef>
+          <a:fontRef idx="minor">
+            <a:schemeClr val="dk1"/>
+          </a:fontRef>
+        </p:style>
+        <p:txBody>
+          <a:bodyPr rtlCol="0" anchor="ctr"/>
+          <a:lstStyle/>
+          <a:p>
+            <a:pPr algn="ctr"/>
+            <a:r>
+              <a:rPr lang="en-US" sz="1600" dirty="0"/>
+              <a:t>Feature</a:t>
+            </a:r>
+          </a:p>
+          <a:p>
+            <a:pPr algn="ctr"/>
+            <a:r>
+              <a:rPr lang="en-US" sz="1600" dirty="0" err="1"/>
+              <a:t>dataframe</a:t>
+            </a:r>
+            <a:endParaRPr lang="en-US" sz="1600" dirty="0"/>
+          </a:p>
+        </p:txBody>
+      </p:sp>
+      <p:cxnSp>
+        <p:nvCxnSpPr>
+          <p:cNvPr id="31" name="Straight Arrow Connector 30">
+            <a:extLst>
+              <a:ext uri="{FF2B5EF4-FFF2-40B4-BE49-F238E27FC236}">
+                <a16:creationId xmlns:a16="http://schemas.microsoft.com/office/drawing/2014/main" id="{50B60588-009D-4002-B31B-79650F856171}"/>
+              </a:ext>
+            </a:extLst>
+          </p:cNvPr>
+          <p:cNvCxnSpPr>
+            <a:cxnSpLocks/>
+            <a:stCxn id="24" idx="2"/>
+            <a:endCxn id="29" idx="6"/>
+          </p:cNvCxnSpPr>
+          <p:nvPr/>
+        </p:nvCxnSpPr>
+        <p:spPr>
+          <a:xfrm flipH="1" flipV="1">
+            <a:off x="7804895" y="3686516"/>
+            <a:ext cx="1733553" cy="1102"/>
+          </a:xfrm>
+          <a:prstGeom prst="straightConnector1">
+            <a:avLst/>
+          </a:prstGeom>
+          <a:ln>
+            <a:tailEnd type="triangle"/>
+          </a:ln>
+        </p:spPr>
+        <p:style>
+          <a:lnRef idx="1">
+            <a:schemeClr val="accent1"/>
+          </a:lnRef>
+          <a:fillRef idx="0">
+            <a:schemeClr val="accent1"/>
+          </a:fillRef>
+          <a:effectRef idx="0">
+            <a:schemeClr val="accent1"/>
+          </a:effectRef>
+          <a:fontRef idx="minor">
+            <a:schemeClr val="tx1"/>
+          </a:fontRef>
+        </p:style>
+      </p:cxnSp>
+      <p:sp>
+        <p:nvSpPr>
+          <p:cNvPr id="34" name="TextBox 33">
+            <a:extLst>
+              <a:ext uri="{FF2B5EF4-FFF2-40B4-BE49-F238E27FC236}">
+                <a16:creationId xmlns:a16="http://schemas.microsoft.com/office/drawing/2014/main" id="{57D9ACFF-616C-42F6-8843-38649202B86C}"/>
+              </a:ext>
+            </a:extLst>
+          </p:cNvPr>
+          <p:cNvSpPr txBox="1"/>
+          <p:nvPr/>
+        </p:nvSpPr>
+        <p:spPr>
+          <a:xfrm>
+            <a:off x="7902391" y="3424905"/>
+            <a:ext cx="1636057" cy="523220"/>
+          </a:xfrm>
+          <a:prstGeom prst="rect">
+            <a:avLst/>
+          </a:prstGeom>
+          <a:noFill/>
+        </p:spPr>
+        <p:txBody>
+          <a:bodyPr wrap="square" rtlCol="0">
+            <a:spAutoFit/>
+          </a:bodyPr>
+          <a:lstStyle/>
+          <a:p>
+            <a:r>
+              <a:rPr lang="en-US" sz="1400" dirty="0"/>
+              <a:t>Choose high related column as feature</a:t>
+            </a:r>
+          </a:p>
+        </p:txBody>
+      </p:sp>
+      <p:sp>
+        <p:nvSpPr>
+          <p:cNvPr id="36" name="Oval 35">
+            <a:extLst>
+              <a:ext uri="{FF2B5EF4-FFF2-40B4-BE49-F238E27FC236}">
+                <a16:creationId xmlns:a16="http://schemas.microsoft.com/office/drawing/2014/main" id="{DC2BF97A-6B05-4B16-BEEA-F03D1AE786C3}"/>
+              </a:ext>
+            </a:extLst>
+          </p:cNvPr>
+          <p:cNvSpPr/>
+          <p:nvPr/>
+        </p:nvSpPr>
+        <p:spPr>
+          <a:xfrm>
+            <a:off x="2061881" y="3345860"/>
+            <a:ext cx="1636057" cy="681311"/>
+          </a:xfrm>
+          <a:prstGeom prst="ellipse">
+            <a:avLst/>
+          </a:prstGeom>
+        </p:spPr>
+        <p:style>
+          <a:lnRef idx="2">
+            <a:schemeClr val="accent1"/>
+          </a:lnRef>
+          <a:fillRef idx="1">
+            <a:schemeClr val="lt1"/>
+          </a:fillRef>
+          <a:effectRef idx="0">
+            <a:schemeClr val="accent1"/>
+          </a:effectRef>
+          <a:fontRef idx="minor">
+            <a:schemeClr val="dk1"/>
+          </a:fontRef>
+        </p:style>
+        <p:txBody>
+          <a:bodyPr rtlCol="0" anchor="ctr"/>
+          <a:lstStyle/>
+          <a:p>
+            <a:pPr algn="ctr"/>
+            <a:r>
+              <a:rPr lang="en-US" sz="1600" dirty="0"/>
+              <a:t>Final</a:t>
+            </a:r>
+          </a:p>
+          <a:p>
+            <a:pPr algn="ctr"/>
+            <a:r>
+              <a:rPr lang="en-US" sz="1600" dirty="0" err="1"/>
+              <a:t>dataframe</a:t>
+            </a:r>
+            <a:endParaRPr lang="en-US" sz="1600" dirty="0"/>
+          </a:p>
+        </p:txBody>
+      </p:sp>
+      <p:cxnSp>
+        <p:nvCxnSpPr>
+          <p:cNvPr id="38" name="Straight Arrow Connector 37">
+            <a:extLst>
+              <a:ext uri="{FF2B5EF4-FFF2-40B4-BE49-F238E27FC236}">
+                <a16:creationId xmlns:a16="http://schemas.microsoft.com/office/drawing/2014/main" id="{F21D70BF-71C0-475B-A060-008DFEAE0051}"/>
+              </a:ext>
+            </a:extLst>
+          </p:cNvPr>
+          <p:cNvCxnSpPr>
+            <a:cxnSpLocks/>
+            <a:stCxn id="29" idx="2"/>
+            <a:endCxn id="36" idx="6"/>
+          </p:cNvCxnSpPr>
+          <p:nvPr/>
+        </p:nvCxnSpPr>
+        <p:spPr>
+          <a:xfrm flipH="1">
+            <a:off x="3697938" y="3686516"/>
+            <a:ext cx="2470900" cy="0"/>
+          </a:xfrm>
+          <a:prstGeom prst="straightConnector1">
+            <a:avLst/>
+          </a:prstGeom>
+          <a:ln>
+            <a:tailEnd type="triangle"/>
+          </a:ln>
+        </p:spPr>
+        <p:style>
+          <a:lnRef idx="1">
+            <a:schemeClr val="accent1"/>
+          </a:lnRef>
+          <a:fillRef idx="0">
+            <a:schemeClr val="accent1"/>
+          </a:fillRef>
+          <a:effectRef idx="0">
+            <a:schemeClr val="accent1"/>
+          </a:effectRef>
+          <a:fontRef idx="minor">
+            <a:schemeClr val="tx1"/>
+          </a:fontRef>
+        </p:style>
+      </p:cxnSp>
+      <p:sp>
+        <p:nvSpPr>
+          <p:cNvPr id="40" name="TextBox 39">
+            <a:extLst>
+              <a:ext uri="{FF2B5EF4-FFF2-40B4-BE49-F238E27FC236}">
+                <a16:creationId xmlns:a16="http://schemas.microsoft.com/office/drawing/2014/main" id="{0963CD46-5E0D-4CF2-991F-96C3B291017D}"/>
+              </a:ext>
+            </a:extLst>
+          </p:cNvPr>
+          <p:cNvSpPr txBox="1"/>
+          <p:nvPr/>
+        </p:nvSpPr>
+        <p:spPr>
+          <a:xfrm>
+            <a:off x="3889568" y="3345860"/>
+            <a:ext cx="2194108" cy="923330"/>
+          </a:xfrm>
+          <a:prstGeom prst="rect">
+            <a:avLst/>
+          </a:prstGeom>
+          <a:noFill/>
+        </p:spPr>
+        <p:txBody>
+          <a:bodyPr wrap="square" rtlCol="0">
+            <a:spAutoFit/>
+          </a:bodyPr>
+          <a:lstStyle/>
           <a:p>
             <a:r>
               <a:rPr lang="en-US" dirty="0"/>
-              <a:t>This dataset contains </a:t>
-            </a:r>
-            <a:r>
-              <a:rPr lang="en-US" altLang="zh-CN" dirty="0"/>
-              <a:t>about </a:t>
-            </a:r>
+              <a:t>Use smote algorithm to generate minority data</a:t>
+            </a:r>
+          </a:p>
+        </p:txBody>
+      </p:sp>
+      <p:sp>
+        <p:nvSpPr>
+          <p:cNvPr id="41" name="Rectangle 40">
+            <a:extLst>
+              <a:ext uri="{FF2B5EF4-FFF2-40B4-BE49-F238E27FC236}">
+                <a16:creationId xmlns:a16="http://schemas.microsoft.com/office/drawing/2014/main" id="{E2A25E47-B481-45F8-BF45-067FE2A1B8F3}"/>
+              </a:ext>
+            </a:extLst>
+          </p:cNvPr>
+          <p:cNvSpPr/>
+          <p:nvPr/>
+        </p:nvSpPr>
+        <p:spPr>
+          <a:xfrm>
+            <a:off x="1748115" y="4609846"/>
+            <a:ext cx="2169459" cy="1941993"/>
+          </a:xfrm>
+          <a:prstGeom prst="rect">
+            <a:avLst/>
+          </a:prstGeom>
+        </p:spPr>
+        <p:style>
+          <a:lnRef idx="2">
+            <a:schemeClr val="accent1"/>
+          </a:lnRef>
+          <a:fillRef idx="1">
+            <a:schemeClr val="lt1"/>
+          </a:fillRef>
+          <a:effectRef idx="0">
+            <a:schemeClr val="accent1"/>
+          </a:effectRef>
+          <a:fontRef idx="minor">
+            <a:schemeClr val="dk1"/>
+          </a:fontRef>
+        </p:style>
+        <p:txBody>
+          <a:bodyPr rtlCol="0" anchor="ctr"/>
+          <a:lstStyle/>
+          <a:p>
+            <a:pPr algn="ctr"/>
+            <a:endParaRPr lang="en-US" dirty="0"/>
+          </a:p>
+        </p:txBody>
+      </p:sp>
+      <p:sp>
+        <p:nvSpPr>
+          <p:cNvPr id="43" name="Rectangle 42">
+            <a:extLst>
+              <a:ext uri="{FF2B5EF4-FFF2-40B4-BE49-F238E27FC236}">
+                <a16:creationId xmlns:a16="http://schemas.microsoft.com/office/drawing/2014/main" id="{699CCA44-15AF-4B44-BC73-1CAC0711F7EB}"/>
+              </a:ext>
+            </a:extLst>
+          </p:cNvPr>
+          <p:cNvSpPr/>
+          <p:nvPr/>
+        </p:nvSpPr>
+        <p:spPr>
+          <a:xfrm>
+            <a:off x="1972233" y="4765660"/>
+            <a:ext cx="1721222" cy="493067"/>
+          </a:xfrm>
+          <a:prstGeom prst="rect">
+            <a:avLst/>
+          </a:prstGeom>
+        </p:spPr>
+        <p:style>
+          <a:lnRef idx="2">
+            <a:schemeClr val="dk1"/>
+          </a:lnRef>
+          <a:fillRef idx="1">
+            <a:schemeClr val="lt1"/>
+          </a:fillRef>
+          <a:effectRef idx="0">
+            <a:schemeClr val="dk1"/>
+          </a:effectRef>
+          <a:fontRef idx="minor">
+            <a:schemeClr val="dk1"/>
+          </a:fontRef>
+        </p:style>
+        <p:txBody>
+          <a:bodyPr rtlCol="0" anchor="ctr"/>
+          <a:lstStyle/>
+          <a:p>
+            <a:pPr algn="ctr"/>
             <a:r>
               <a:rPr lang="en-US" dirty="0"/>
-              <a:t>50000 rows, each row in the data provides related information about the patient.</a:t>
+              <a:t>Random Forest</a:t>
+            </a:r>
+          </a:p>
+        </p:txBody>
+      </p:sp>
+      <p:sp>
+        <p:nvSpPr>
+          <p:cNvPr id="44" name="Rectangle 43">
+            <a:extLst>
+              <a:ext uri="{FF2B5EF4-FFF2-40B4-BE49-F238E27FC236}">
+                <a16:creationId xmlns:a16="http://schemas.microsoft.com/office/drawing/2014/main" id="{81177283-4036-4E79-B492-367FC68680C4}"/>
+              </a:ext>
+            </a:extLst>
+          </p:cNvPr>
+          <p:cNvSpPr/>
+          <p:nvPr/>
+        </p:nvSpPr>
+        <p:spPr>
+          <a:xfrm>
+            <a:off x="1972233" y="5348335"/>
+            <a:ext cx="1721222" cy="493067"/>
+          </a:xfrm>
+          <a:prstGeom prst="rect">
+            <a:avLst/>
+          </a:prstGeom>
+        </p:spPr>
+        <p:style>
+          <a:lnRef idx="2">
+            <a:schemeClr val="dk1"/>
+          </a:lnRef>
+          <a:fillRef idx="1">
+            <a:schemeClr val="lt1"/>
+          </a:fillRef>
+          <a:effectRef idx="0">
+            <a:schemeClr val="dk1"/>
+          </a:effectRef>
+          <a:fontRef idx="minor">
+            <a:schemeClr val="dk1"/>
+          </a:fontRef>
+        </p:style>
+        <p:txBody>
+          <a:bodyPr rtlCol="0" anchor="ctr"/>
+          <a:lstStyle/>
+          <a:p>
+            <a:pPr algn="ctr"/>
+            <a:r>
+              <a:rPr lang="en-US" sz="1600" dirty="0"/>
+              <a:t>Logistic Regression</a:t>
+            </a:r>
+          </a:p>
+        </p:txBody>
+      </p:sp>
+      <p:sp>
+        <p:nvSpPr>
+          <p:cNvPr id="48" name="Rectangle 47">
+            <a:extLst>
+              <a:ext uri="{FF2B5EF4-FFF2-40B4-BE49-F238E27FC236}">
+                <a16:creationId xmlns:a16="http://schemas.microsoft.com/office/drawing/2014/main" id="{BD0DE916-48C5-469A-BD0F-D76B4F11D53D}"/>
+              </a:ext>
+            </a:extLst>
+          </p:cNvPr>
+          <p:cNvSpPr/>
+          <p:nvPr/>
+        </p:nvSpPr>
+        <p:spPr>
+          <a:xfrm>
+            <a:off x="1972233" y="5950087"/>
+            <a:ext cx="1721222" cy="493067"/>
+          </a:xfrm>
+          <a:prstGeom prst="rect">
+            <a:avLst/>
+          </a:prstGeom>
+        </p:spPr>
+        <p:style>
+          <a:lnRef idx="2">
+            <a:schemeClr val="dk1"/>
+          </a:lnRef>
+          <a:fillRef idx="1">
+            <a:schemeClr val="lt1"/>
+          </a:fillRef>
+          <a:effectRef idx="0">
+            <a:schemeClr val="dk1"/>
+          </a:effectRef>
+          <a:fontRef idx="minor">
+            <a:schemeClr val="dk1"/>
+          </a:fontRef>
+        </p:style>
+        <p:txBody>
+          <a:bodyPr rtlCol="0" anchor="ctr"/>
+          <a:lstStyle/>
+          <a:p>
+            <a:pPr algn="ctr"/>
+            <a:r>
+              <a:rPr lang="en-US" dirty="0"/>
+              <a:t>Decision Tree</a:t>
+            </a:r>
+          </a:p>
+        </p:txBody>
+      </p:sp>
+      <p:cxnSp>
+        <p:nvCxnSpPr>
+          <p:cNvPr id="50" name="Straight Arrow Connector 49">
+            <a:extLst>
+              <a:ext uri="{FF2B5EF4-FFF2-40B4-BE49-F238E27FC236}">
+                <a16:creationId xmlns:a16="http://schemas.microsoft.com/office/drawing/2014/main" id="{2F2BAAA8-A333-4187-834E-AD55367821D0}"/>
+              </a:ext>
+            </a:extLst>
+          </p:cNvPr>
+          <p:cNvCxnSpPr>
+            <a:cxnSpLocks/>
+            <a:stCxn id="36" idx="4"/>
+            <a:endCxn id="41" idx="0"/>
+          </p:cNvCxnSpPr>
+          <p:nvPr/>
+        </p:nvCxnSpPr>
+        <p:spPr>
+          <a:xfrm flipH="1">
+            <a:off x="2832845" y="4027171"/>
+            <a:ext cx="47065" cy="582675"/>
+          </a:xfrm>
+          <a:prstGeom prst="straightConnector1">
+            <a:avLst/>
+          </a:prstGeom>
+          <a:ln>
+            <a:tailEnd type="triangle"/>
+          </a:ln>
+        </p:spPr>
+        <p:style>
+          <a:lnRef idx="1">
+            <a:schemeClr val="accent1"/>
+          </a:lnRef>
+          <a:fillRef idx="0">
+            <a:schemeClr val="accent1"/>
+          </a:fillRef>
+          <a:effectRef idx="0">
+            <a:schemeClr val="accent1"/>
+          </a:effectRef>
+          <a:fontRef idx="minor">
+            <a:schemeClr val="tx1"/>
+          </a:fontRef>
+        </p:style>
+      </p:cxnSp>
+      <p:sp>
+        <p:nvSpPr>
+          <p:cNvPr id="52" name="TextBox 51">
+            <a:extLst>
+              <a:ext uri="{FF2B5EF4-FFF2-40B4-BE49-F238E27FC236}">
+                <a16:creationId xmlns:a16="http://schemas.microsoft.com/office/drawing/2014/main" id="{8046B27C-463A-4092-AD5B-5C8144CF3209}"/>
+              </a:ext>
+            </a:extLst>
+          </p:cNvPr>
+          <p:cNvSpPr txBox="1"/>
+          <p:nvPr/>
+        </p:nvSpPr>
+        <p:spPr>
+          <a:xfrm>
+            <a:off x="887503" y="4122856"/>
+            <a:ext cx="2169459" cy="338554"/>
+          </a:xfrm>
+          <a:prstGeom prst="rect">
+            <a:avLst/>
+          </a:prstGeom>
+          <a:noFill/>
+        </p:spPr>
+        <p:txBody>
+          <a:bodyPr wrap="square" rtlCol="0">
+            <a:spAutoFit/>
+          </a:bodyPr>
+          <a:lstStyle/>
+          <a:p>
+            <a:r>
+              <a:rPr lang="en-US" sz="1600" dirty="0"/>
+              <a:t>Train and Save model</a:t>
+            </a:r>
+          </a:p>
+        </p:txBody>
+      </p:sp>
+      <p:sp>
+        <p:nvSpPr>
+          <p:cNvPr id="53" name="Oval 52">
+            <a:extLst>
+              <a:ext uri="{FF2B5EF4-FFF2-40B4-BE49-F238E27FC236}">
+                <a16:creationId xmlns:a16="http://schemas.microsoft.com/office/drawing/2014/main" id="{C8AA4C94-E802-4858-B1AF-095EDA3558F3}"/>
+              </a:ext>
+            </a:extLst>
+          </p:cNvPr>
+          <p:cNvSpPr/>
+          <p:nvPr/>
+        </p:nvSpPr>
+        <p:spPr>
+          <a:xfrm>
+            <a:off x="5282462" y="4817255"/>
+            <a:ext cx="2619929" cy="923319"/>
+          </a:xfrm>
+          <a:prstGeom prst="ellipse">
+            <a:avLst/>
+          </a:prstGeom>
+        </p:spPr>
+        <p:style>
+          <a:lnRef idx="2">
+            <a:schemeClr val="accent1"/>
+          </a:lnRef>
+          <a:fillRef idx="1">
+            <a:schemeClr val="lt1"/>
+          </a:fillRef>
+          <a:effectRef idx="0">
+            <a:schemeClr val="accent1"/>
+          </a:effectRef>
+          <a:fontRef idx="minor">
+            <a:schemeClr val="dk1"/>
+          </a:fontRef>
+        </p:style>
+        <p:txBody>
+          <a:bodyPr rtlCol="0" anchor="ctr"/>
+          <a:lstStyle/>
+          <a:p>
+            <a:pPr algn="ctr"/>
+            <a:r>
+              <a:rPr lang="en-US" dirty="0"/>
+              <a:t>Prediction App</a:t>
+            </a:r>
+          </a:p>
+        </p:txBody>
+      </p:sp>
+      <p:cxnSp>
+        <p:nvCxnSpPr>
+          <p:cNvPr id="55" name="Straight Arrow Connector 54">
+            <a:extLst>
+              <a:ext uri="{FF2B5EF4-FFF2-40B4-BE49-F238E27FC236}">
+                <a16:creationId xmlns:a16="http://schemas.microsoft.com/office/drawing/2014/main" id="{5E743766-A3A6-4104-B5C3-CD9496CA2DDF}"/>
+              </a:ext>
+            </a:extLst>
+          </p:cNvPr>
+          <p:cNvCxnSpPr>
+            <a:stCxn id="41" idx="3"/>
+            <a:endCxn id="53" idx="2"/>
+          </p:cNvCxnSpPr>
+          <p:nvPr/>
+        </p:nvCxnSpPr>
+        <p:spPr>
+          <a:xfrm flipV="1">
+            <a:off x="3917574" y="5278915"/>
+            <a:ext cx="1364888" cy="301928"/>
+          </a:xfrm>
+          <a:prstGeom prst="straightConnector1">
+            <a:avLst/>
+          </a:prstGeom>
+          <a:ln>
+            <a:tailEnd type="triangle"/>
+          </a:ln>
+        </p:spPr>
+        <p:style>
+          <a:lnRef idx="1">
+            <a:schemeClr val="accent1"/>
+          </a:lnRef>
+          <a:fillRef idx="0">
+            <a:schemeClr val="accent1"/>
+          </a:fillRef>
+          <a:effectRef idx="0">
+            <a:schemeClr val="accent1"/>
+          </a:effectRef>
+          <a:fontRef idx="minor">
+            <a:schemeClr val="tx1"/>
+          </a:fontRef>
+        </p:style>
+      </p:cxnSp>
+      <p:sp>
+        <p:nvSpPr>
+          <p:cNvPr id="57" name="Oval 56">
+            <a:extLst>
+              <a:ext uri="{FF2B5EF4-FFF2-40B4-BE49-F238E27FC236}">
+                <a16:creationId xmlns:a16="http://schemas.microsoft.com/office/drawing/2014/main" id="{4A548561-718F-437C-A3B9-95AE9E098A86}"/>
+              </a:ext>
+            </a:extLst>
+          </p:cNvPr>
+          <p:cNvSpPr/>
+          <p:nvPr/>
+        </p:nvSpPr>
+        <p:spPr>
+          <a:xfrm>
+            <a:off x="9457765" y="4938258"/>
+            <a:ext cx="1636057" cy="681311"/>
+          </a:xfrm>
+          <a:prstGeom prst="ellipse">
+            <a:avLst/>
+          </a:prstGeom>
+        </p:spPr>
+        <p:style>
+          <a:lnRef idx="2">
+            <a:schemeClr val="accent1"/>
+          </a:lnRef>
+          <a:fillRef idx="1">
+            <a:schemeClr val="lt1"/>
+          </a:fillRef>
+          <a:effectRef idx="0">
+            <a:schemeClr val="accent1"/>
+          </a:effectRef>
+          <a:fontRef idx="minor">
+            <a:schemeClr val="dk1"/>
+          </a:fontRef>
+        </p:style>
+        <p:txBody>
+          <a:bodyPr rtlCol="0" anchor="ctr"/>
+          <a:lstStyle/>
+          <a:p>
+            <a:pPr algn="ctr"/>
+            <a:r>
+              <a:rPr lang="en-US" dirty="0"/>
+              <a:t>User input</a:t>
+            </a:r>
+          </a:p>
+        </p:txBody>
+      </p:sp>
+      <p:cxnSp>
+        <p:nvCxnSpPr>
+          <p:cNvPr id="59" name="Straight Arrow Connector 58">
+            <a:extLst>
+              <a:ext uri="{FF2B5EF4-FFF2-40B4-BE49-F238E27FC236}">
+                <a16:creationId xmlns:a16="http://schemas.microsoft.com/office/drawing/2014/main" id="{9CD34B5F-9C42-47DC-947A-AE4EBCA3AD3B}"/>
+              </a:ext>
+            </a:extLst>
+          </p:cNvPr>
+          <p:cNvCxnSpPr>
+            <a:cxnSpLocks/>
+            <a:stCxn id="57" idx="2"/>
+            <a:endCxn id="53" idx="6"/>
+          </p:cNvCxnSpPr>
+          <p:nvPr/>
+        </p:nvCxnSpPr>
+        <p:spPr>
+          <a:xfrm flipH="1">
+            <a:off x="7902391" y="5278914"/>
+            <a:ext cx="1555374" cy="1"/>
+          </a:xfrm>
+          <a:prstGeom prst="straightConnector1">
+            <a:avLst/>
+          </a:prstGeom>
+          <a:ln>
+            <a:tailEnd type="triangle"/>
+          </a:ln>
+        </p:spPr>
+        <p:style>
+          <a:lnRef idx="1">
+            <a:schemeClr val="accent1"/>
+          </a:lnRef>
+          <a:fillRef idx="0">
+            <a:schemeClr val="accent1"/>
+          </a:fillRef>
+          <a:effectRef idx="0">
+            <a:schemeClr val="accent1"/>
+          </a:effectRef>
+          <a:fontRef idx="minor">
+            <a:schemeClr val="tx1"/>
+          </a:fontRef>
+        </p:style>
+      </p:cxnSp>
+      <p:sp>
+        <p:nvSpPr>
+          <p:cNvPr id="61" name="Rectangle 60">
+            <a:extLst>
+              <a:ext uri="{FF2B5EF4-FFF2-40B4-BE49-F238E27FC236}">
+                <a16:creationId xmlns:a16="http://schemas.microsoft.com/office/drawing/2014/main" id="{79C57362-D72F-460A-95C9-1B544DC16BD8}"/>
+              </a:ext>
+            </a:extLst>
+          </p:cNvPr>
+          <p:cNvSpPr/>
+          <p:nvPr/>
+        </p:nvSpPr>
+        <p:spPr>
+          <a:xfrm>
+            <a:off x="5597348" y="6229741"/>
+            <a:ext cx="1990156" cy="460558"/>
+          </a:xfrm>
+          <a:prstGeom prst="rect">
+            <a:avLst/>
+          </a:prstGeom>
+        </p:spPr>
+        <p:style>
+          <a:lnRef idx="2">
+            <a:schemeClr val="accent1"/>
+          </a:lnRef>
+          <a:fillRef idx="1">
+            <a:schemeClr val="lt1"/>
+          </a:fillRef>
+          <a:effectRef idx="0">
+            <a:schemeClr val="accent1"/>
+          </a:effectRef>
+          <a:fontRef idx="minor">
+            <a:schemeClr val="dk1"/>
+          </a:fontRef>
+        </p:style>
+        <p:txBody>
+          <a:bodyPr rtlCol="0" anchor="ctr"/>
+          <a:lstStyle/>
+          <a:p>
+            <a:pPr algn="ctr"/>
+            <a:r>
+              <a:rPr lang="en-US" dirty="0"/>
+              <a:t>result</a:t>
+            </a:r>
+          </a:p>
+        </p:txBody>
+      </p:sp>
+      <p:cxnSp>
+        <p:nvCxnSpPr>
+          <p:cNvPr id="63" name="Straight Arrow Connector 62">
+            <a:extLst>
+              <a:ext uri="{FF2B5EF4-FFF2-40B4-BE49-F238E27FC236}">
+                <a16:creationId xmlns:a16="http://schemas.microsoft.com/office/drawing/2014/main" id="{C2FD164D-94B2-44D9-8790-E698F4732D2B}"/>
+              </a:ext>
+            </a:extLst>
+          </p:cNvPr>
+          <p:cNvCxnSpPr>
+            <a:cxnSpLocks/>
+            <a:stCxn id="53" idx="4"/>
+            <a:endCxn id="61" idx="0"/>
+          </p:cNvCxnSpPr>
+          <p:nvPr/>
+        </p:nvCxnSpPr>
+        <p:spPr>
+          <a:xfrm flipH="1">
+            <a:off x="6592426" y="5740574"/>
+            <a:ext cx="1" cy="489167"/>
+          </a:xfrm>
+          <a:prstGeom prst="straightConnector1">
+            <a:avLst/>
+          </a:prstGeom>
+          <a:ln>
+            <a:tailEnd type="triangle"/>
+          </a:ln>
+        </p:spPr>
+        <p:style>
+          <a:lnRef idx="1">
+            <a:schemeClr val="accent1"/>
+          </a:lnRef>
+          <a:fillRef idx="0">
+            <a:schemeClr val="accent1"/>
+          </a:fillRef>
+          <a:effectRef idx="0">
+            <a:schemeClr val="accent1"/>
+          </a:effectRef>
+          <a:fontRef idx="minor">
+            <a:schemeClr val="tx1"/>
+          </a:fontRef>
+        </p:style>
+      </p:cxnSp>
+      <p:sp>
+        <p:nvSpPr>
+          <p:cNvPr id="65" name="TextBox 64">
+            <a:extLst>
+              <a:ext uri="{FF2B5EF4-FFF2-40B4-BE49-F238E27FC236}">
+                <a16:creationId xmlns:a16="http://schemas.microsoft.com/office/drawing/2014/main" id="{3049EDF2-6070-42E6-93AF-F996438CDC65}"/>
+              </a:ext>
+            </a:extLst>
+          </p:cNvPr>
+          <p:cNvSpPr txBox="1"/>
+          <p:nvPr/>
+        </p:nvSpPr>
+        <p:spPr>
+          <a:xfrm>
+            <a:off x="4198861" y="5106713"/>
+            <a:ext cx="875163" cy="646331"/>
+          </a:xfrm>
+          <a:prstGeom prst="rect">
+            <a:avLst/>
+          </a:prstGeom>
+          <a:noFill/>
+        </p:spPr>
+        <p:txBody>
+          <a:bodyPr wrap="square" rtlCol="0">
+            <a:spAutoFit/>
+          </a:bodyPr>
+          <a:lstStyle/>
+          <a:p>
+            <a:r>
+              <a:rPr lang="en-US" dirty="0"/>
+              <a:t>Load</a:t>
+            </a:r>
+          </a:p>
+          <a:p>
+            <a:r>
+              <a:rPr lang="en-US" dirty="0"/>
+              <a:t>model</a:t>
             </a:r>
           </a:p>
         </p:txBody>
@@ -6418,7 +7579,7 @@
     </p:spTree>
     <p:extLst>
       <p:ext uri="{BB962C8B-B14F-4D97-AF65-F5344CB8AC3E}">
-        <p14:creationId xmlns:p14="http://schemas.microsoft.com/office/powerpoint/2010/main" val="372409799"/>
+        <p14:creationId xmlns:p14="http://schemas.microsoft.com/office/powerpoint/2010/main" val="2716125267"/>
       </p:ext>
     </p:extLst>
   </p:cSld>
@@ -6450,7 +7611,7 @@
           <p:cNvPr id="2" name="Title 1">
             <a:extLst>
               <a:ext uri="{FF2B5EF4-FFF2-40B4-BE49-F238E27FC236}">
-                <a16:creationId xmlns:a16="http://schemas.microsoft.com/office/drawing/2014/main" id="{1B431E7D-8BCA-4AB7-A1AC-28A0B1069BE2}"/>
+                <a16:creationId xmlns:a16="http://schemas.microsoft.com/office/drawing/2014/main" id="{18E10670-B611-4C4A-BE7C-E6580C09691D}"/>
               </a:ext>
             </a:extLst>
           </p:cNvPr>
@@ -6461,84 +7622,366 @@
             <p:ph type="title"/>
           </p:nvPr>
         </p:nvSpPr>
-        <p:spPr/>
+        <p:spPr>
+          <a:xfrm>
+            <a:off x="1295401" y="662536"/>
+            <a:ext cx="9601196" cy="1303867"/>
+          </a:xfrm>
+        </p:spPr>
         <p:txBody>
           <a:bodyPr/>
           <a:lstStyle/>
           <a:p>
             <a:r>
-              <a:rPr lang="en" dirty="0"/>
-              <a:t>Milestone</a:t>
-            </a:r>
+              <a:rPr lang="en-US" dirty="0"/>
+              <a:t>Use cases</a:t>
+            </a:r>
+          </a:p>
+        </p:txBody>
+      </p:sp>
+      <p:sp>
+        <p:nvSpPr>
+          <p:cNvPr id="3" name="Content Placeholder 2">
+            <a:extLst>
+              <a:ext uri="{FF2B5EF4-FFF2-40B4-BE49-F238E27FC236}">
+                <a16:creationId xmlns:a16="http://schemas.microsoft.com/office/drawing/2014/main" id="{971AC651-A0CA-488D-A36D-BEB0D9BE2486}"/>
+              </a:ext>
+            </a:extLst>
+          </p:cNvPr>
+          <p:cNvSpPr>
+            <a:spLocks noGrp="1"/>
+          </p:cNvSpPr>
+          <p:nvPr>
+            <p:ph idx="1"/>
+          </p:nvPr>
+        </p:nvSpPr>
+        <p:spPr>
+          <a:xfrm>
+            <a:off x="1480906" y="1695702"/>
+            <a:ext cx="8568523" cy="1303867"/>
+          </a:xfrm>
+        </p:spPr>
+        <p:txBody>
+          <a:bodyPr>
+            <a:normAutofit fontScale="70000" lnSpcReduction="20000"/>
+          </a:bodyPr>
+          <a:lstStyle/>
+          <a:p>
             <a:endParaRPr lang="en-US" dirty="0"/>
           </a:p>
-        </p:txBody>
-      </p:sp>
-      <p:sp>
-        <p:nvSpPr>
-          <p:cNvPr id="3" name="Content Placeholder 2">
-            <a:extLst>
-              <a:ext uri="{FF2B5EF4-FFF2-40B4-BE49-F238E27FC236}">
-                <a16:creationId xmlns:a16="http://schemas.microsoft.com/office/drawing/2014/main" id="{A60664D0-BACB-48B8-9992-2CEE15818A83}"/>
-              </a:ext>
-            </a:extLst>
-          </p:cNvPr>
-          <p:cNvSpPr>
-            <a:spLocks noGrp="1"/>
-          </p:cNvSpPr>
-          <p:nvPr>
-            <p:ph idx="1"/>
-          </p:nvPr>
-        </p:nvSpPr>
-        <p:spPr/>
-        <p:txBody>
-          <a:bodyPr>
-            <a:normAutofit lnSpcReduction="10000"/>
+          <a:p>
+            <a:r>
+              <a:rPr lang="en-US" sz="3100" dirty="0"/>
+              <a:t>User should input personal information by following the instructions</a:t>
+            </a:r>
+          </a:p>
+          <a:p>
+            <a:r>
+              <a:rPr lang="en-US" sz="2800" dirty="0">
+                <a:solidFill>
+                  <a:schemeClr val="tx1"/>
+                </a:solidFill>
+              </a:rPr>
+              <a:t>The predict model calculates whether user will get a stroke or not</a:t>
+            </a:r>
+          </a:p>
+          <a:p>
+            <a:endParaRPr lang="en-US" dirty="0"/>
+          </a:p>
+          <a:p>
+            <a:endParaRPr lang="en-US" dirty="0"/>
+          </a:p>
+          <a:p>
+            <a:endParaRPr lang="en-US" dirty="0"/>
+          </a:p>
+          <a:p>
+            <a:endParaRPr lang="en-US" dirty="0"/>
+          </a:p>
+          <a:p>
+            <a:endParaRPr lang="en-US" dirty="0"/>
+          </a:p>
+          <a:p>
+            <a:endParaRPr lang="en-US" dirty="0"/>
+          </a:p>
+        </p:txBody>
+      </p:sp>
+      <p:sp>
+        <p:nvSpPr>
+          <p:cNvPr id="8" name="Oval 7">
+            <a:extLst>
+              <a:ext uri="{FF2B5EF4-FFF2-40B4-BE49-F238E27FC236}">
+                <a16:creationId xmlns:a16="http://schemas.microsoft.com/office/drawing/2014/main" id="{DD5241AE-FBD9-4AA7-B145-04D1A632123D}"/>
+              </a:ext>
+            </a:extLst>
+          </p:cNvPr>
+          <p:cNvSpPr/>
+          <p:nvPr/>
+        </p:nvSpPr>
+        <p:spPr>
+          <a:xfrm>
+            <a:off x="764244" y="3236258"/>
+            <a:ext cx="1649506" cy="1547763"/>
+          </a:xfrm>
+          <a:prstGeom prst="ellipse">
+            <a:avLst/>
+          </a:prstGeom>
+        </p:spPr>
+        <p:style>
+          <a:lnRef idx="2">
+            <a:schemeClr val="accent1">
+              <a:shade val="50000"/>
+            </a:schemeClr>
+          </a:lnRef>
+          <a:fillRef idx="1">
+            <a:schemeClr val="accent1"/>
+          </a:fillRef>
+          <a:effectRef idx="0">
+            <a:schemeClr val="accent1"/>
+          </a:effectRef>
+          <a:fontRef idx="minor">
+            <a:schemeClr val="lt1"/>
+          </a:fontRef>
+        </p:style>
+        <p:txBody>
+          <a:bodyPr rtlCol="0" anchor="ctr"/>
+          <a:lstStyle/>
+          <a:p>
+            <a:pPr algn="ctr"/>
+            <a:r>
+              <a:rPr lang="en-US" sz="3200" dirty="0"/>
+              <a:t>user</a:t>
+            </a:r>
+          </a:p>
+        </p:txBody>
+      </p:sp>
+      <p:cxnSp>
+        <p:nvCxnSpPr>
+          <p:cNvPr id="10" name="Straight Arrow Connector 9">
+            <a:extLst>
+              <a:ext uri="{FF2B5EF4-FFF2-40B4-BE49-F238E27FC236}">
+                <a16:creationId xmlns:a16="http://schemas.microsoft.com/office/drawing/2014/main" id="{06A6FA62-1D8F-45B4-878C-A9EEBAFC2BEB}"/>
+              </a:ext>
+            </a:extLst>
+          </p:cNvPr>
+          <p:cNvCxnSpPr/>
+          <p:nvPr/>
+        </p:nvCxnSpPr>
+        <p:spPr>
+          <a:xfrm>
+            <a:off x="2402541" y="4019006"/>
+            <a:ext cx="1703294" cy="0"/>
+          </a:xfrm>
+          <a:prstGeom prst="straightConnector1">
+            <a:avLst/>
+          </a:prstGeom>
+          <a:ln>
+            <a:tailEnd type="triangle"/>
+          </a:ln>
+        </p:spPr>
+        <p:style>
+          <a:lnRef idx="1">
+            <a:schemeClr val="accent1"/>
+          </a:lnRef>
+          <a:fillRef idx="0">
+            <a:schemeClr val="accent1"/>
+          </a:fillRef>
+          <a:effectRef idx="0">
+            <a:schemeClr val="accent1"/>
+          </a:effectRef>
+          <a:fontRef idx="minor">
+            <a:schemeClr val="tx1"/>
+          </a:fontRef>
+        </p:style>
+      </p:cxnSp>
+      <p:sp>
+        <p:nvSpPr>
+          <p:cNvPr id="12" name="Rectangle 11">
+            <a:extLst>
+              <a:ext uri="{FF2B5EF4-FFF2-40B4-BE49-F238E27FC236}">
+                <a16:creationId xmlns:a16="http://schemas.microsoft.com/office/drawing/2014/main" id="{1D6A95C4-218C-43E5-8396-46FAB8EE4F6F}"/>
+              </a:ext>
+            </a:extLst>
+          </p:cNvPr>
+          <p:cNvSpPr/>
+          <p:nvPr/>
+        </p:nvSpPr>
+        <p:spPr>
+          <a:xfrm>
+            <a:off x="4105835" y="3283999"/>
+            <a:ext cx="2805953" cy="1452282"/>
+          </a:xfrm>
+          <a:prstGeom prst="rect">
+            <a:avLst/>
+          </a:prstGeom>
+        </p:spPr>
+        <p:style>
+          <a:lnRef idx="2">
+            <a:schemeClr val="accent4">
+              <a:shade val="50000"/>
+            </a:schemeClr>
+          </a:lnRef>
+          <a:fillRef idx="1">
+            <a:schemeClr val="accent4"/>
+          </a:fillRef>
+          <a:effectRef idx="0">
+            <a:schemeClr val="accent4"/>
+          </a:effectRef>
+          <a:fontRef idx="minor">
+            <a:schemeClr val="lt1"/>
+          </a:fontRef>
+        </p:style>
+        <p:txBody>
+          <a:bodyPr rtlCol="0" anchor="ctr"/>
+          <a:lstStyle/>
+          <a:p>
+            <a:pPr algn="ctr"/>
+            <a:r>
+              <a:rPr lang="en-US" sz="2800" dirty="0">
+                <a:solidFill>
+                  <a:schemeClr val="tx1"/>
+                </a:solidFill>
+              </a:rPr>
+              <a:t>Prediction APP</a:t>
+            </a:r>
+          </a:p>
+        </p:txBody>
+      </p:sp>
+      <p:sp>
+        <p:nvSpPr>
+          <p:cNvPr id="13" name="Oval 12">
+            <a:extLst>
+              <a:ext uri="{FF2B5EF4-FFF2-40B4-BE49-F238E27FC236}">
+                <a16:creationId xmlns:a16="http://schemas.microsoft.com/office/drawing/2014/main" id="{7FA9C584-CD1F-4E72-8019-3D9BD6782170}"/>
+              </a:ext>
+            </a:extLst>
+          </p:cNvPr>
+          <p:cNvSpPr/>
+          <p:nvPr/>
+        </p:nvSpPr>
+        <p:spPr>
+          <a:xfrm>
+            <a:off x="8646453" y="3245124"/>
+            <a:ext cx="2805953" cy="1547763"/>
+          </a:xfrm>
+          <a:prstGeom prst="ellipse">
+            <a:avLst/>
+          </a:prstGeom>
+        </p:spPr>
+        <p:style>
+          <a:lnRef idx="2">
+            <a:schemeClr val="accent6">
+              <a:shade val="50000"/>
+            </a:schemeClr>
+          </a:lnRef>
+          <a:fillRef idx="1">
+            <a:schemeClr val="accent6"/>
+          </a:fillRef>
+          <a:effectRef idx="0">
+            <a:schemeClr val="accent6"/>
+          </a:effectRef>
+          <a:fontRef idx="minor">
+            <a:schemeClr val="lt1"/>
+          </a:fontRef>
+        </p:style>
+        <p:txBody>
+          <a:bodyPr rtlCol="0" anchor="ctr"/>
+          <a:lstStyle/>
+          <a:p>
+            <a:pPr algn="ctr"/>
+            <a:r>
+              <a:rPr lang="en-US" sz="2400" dirty="0"/>
+              <a:t>Will/</a:t>
+            </a:r>
+            <a:r>
+              <a:rPr lang="en-US" sz="2400" dirty="0" err="1"/>
+              <a:t>Willn’t</a:t>
+            </a:r>
+            <a:r>
+              <a:rPr lang="en-US" sz="2400" dirty="0"/>
+              <a:t> have stroke</a:t>
+            </a:r>
+          </a:p>
+        </p:txBody>
+      </p:sp>
+      <p:cxnSp>
+        <p:nvCxnSpPr>
+          <p:cNvPr id="15" name="Straight Arrow Connector 14">
+            <a:extLst>
+              <a:ext uri="{FF2B5EF4-FFF2-40B4-BE49-F238E27FC236}">
+                <a16:creationId xmlns:a16="http://schemas.microsoft.com/office/drawing/2014/main" id="{83AE3E71-D8AB-44BD-AE9C-66CC3503F4FC}"/>
+              </a:ext>
+            </a:extLst>
+          </p:cNvPr>
+          <p:cNvCxnSpPr>
+            <a:cxnSpLocks/>
+            <a:endCxn id="13" idx="2"/>
+          </p:cNvCxnSpPr>
+          <p:nvPr/>
+        </p:nvCxnSpPr>
+        <p:spPr>
+          <a:xfrm>
+            <a:off x="6925234" y="4019006"/>
+            <a:ext cx="1721219" cy="0"/>
+          </a:xfrm>
+          <a:prstGeom prst="straightConnector1">
+            <a:avLst/>
+          </a:prstGeom>
+          <a:ln>
+            <a:tailEnd type="triangle"/>
+          </a:ln>
+        </p:spPr>
+        <p:style>
+          <a:lnRef idx="1">
+            <a:schemeClr val="accent1"/>
+          </a:lnRef>
+          <a:fillRef idx="0">
+            <a:schemeClr val="accent1"/>
+          </a:fillRef>
+          <a:effectRef idx="0">
+            <a:schemeClr val="accent1"/>
+          </a:effectRef>
+          <a:fontRef idx="minor">
+            <a:schemeClr val="tx1"/>
+          </a:fontRef>
+        </p:style>
+      </p:cxnSp>
+      <p:sp>
+        <p:nvSpPr>
+          <p:cNvPr id="17" name="TextBox 16">
+            <a:extLst>
+              <a:ext uri="{FF2B5EF4-FFF2-40B4-BE49-F238E27FC236}">
+                <a16:creationId xmlns:a16="http://schemas.microsoft.com/office/drawing/2014/main" id="{A41A879F-2A8A-4D32-9838-E2F7E3267D10}"/>
+              </a:ext>
+            </a:extLst>
+          </p:cNvPr>
+          <p:cNvSpPr txBox="1"/>
+          <p:nvPr/>
+        </p:nvSpPr>
+        <p:spPr>
+          <a:xfrm>
+            <a:off x="2622176" y="3695839"/>
+            <a:ext cx="1317812" cy="646331"/>
+          </a:xfrm>
+          <a:prstGeom prst="rect">
+            <a:avLst/>
+          </a:prstGeom>
+          <a:noFill/>
+        </p:spPr>
+        <p:txBody>
+          <a:bodyPr wrap="square" rtlCol="0">
+            <a:spAutoFit/>
           </a:bodyPr>
           <a:lstStyle/>
           <a:p>
             <a:r>
               <a:rPr lang="en-US" dirty="0"/>
-              <a:t>Week 1-2, data clean and learn spark</a:t>
-            </a:r>
-          </a:p>
-          <a:p>
-            <a:pPr marL="0" indent="0">
-              <a:buNone/>
-            </a:pPr>
+              <a:t>Input</a:t>
+            </a:r>
+          </a:p>
+          <a:p>
             <a:r>
               <a:rPr lang="en-US" dirty="0"/>
-              <a:t>	clean and break down the text of CSV format, eliminate errors and missing data, store them in the program or the database</a:t>
-            </a:r>
-          </a:p>
-          <a:p>
-            <a:r>
-              <a:rPr lang="en-US" dirty="0"/>
-              <a:t>Week 3 -4, build prediction model and train the model</a:t>
-            </a:r>
-          </a:p>
-          <a:p>
-            <a:pPr marL="0" indent="0">
-              <a:buNone/>
-            </a:pPr>
-            <a:r>
-              <a:rPr lang="en-US" dirty="0"/>
-              <a:t>	Train multiple models, and get the result	</a:t>
-            </a:r>
-          </a:p>
-          <a:p>
-            <a:r>
-              <a:rPr lang="en-US" dirty="0"/>
-              <a:t>Week 5, test model and build prediction app</a:t>
-            </a:r>
-          </a:p>
-          <a:p>
-            <a:pPr marL="0" indent="0">
-              <a:buNone/>
-            </a:pPr>
-            <a:r>
-              <a:rPr lang="en-US" dirty="0"/>
-              <a:t>	use the test set to test models and find the best one, and build the prediction app, once the user inputs information, give the result</a:t>
+              <a:t>information</a:t>
             </a:r>
           </a:p>
         </p:txBody>
@@ -6546,7 +7989,7 @@
     </p:spTree>
     <p:extLst>
       <p:ext uri="{BB962C8B-B14F-4D97-AF65-F5344CB8AC3E}">
-        <p14:creationId xmlns:p14="http://schemas.microsoft.com/office/powerpoint/2010/main" val="950556719"/>
+        <p14:creationId xmlns:p14="http://schemas.microsoft.com/office/powerpoint/2010/main" val="895585380"/>
       </p:ext>
     </p:extLst>
   </p:cSld>
@@ -6578,7 +8021,7 @@
           <p:cNvPr id="2" name="Title 1">
             <a:extLst>
               <a:ext uri="{FF2B5EF4-FFF2-40B4-BE49-F238E27FC236}">
-                <a16:creationId xmlns:a16="http://schemas.microsoft.com/office/drawing/2014/main" id="{87CDC66F-AFF3-4AFA-8C98-FF6236F4CAB0}"/>
+                <a16:creationId xmlns:a16="http://schemas.microsoft.com/office/drawing/2014/main" id="{18E10670-B611-4C4A-BE7C-E6580C09691D}"/>
               </a:ext>
             </a:extLst>
           </p:cNvPr>
@@ -6591,7 +8034,7 @@
         </p:nvSpPr>
         <p:spPr>
           <a:xfrm>
-            <a:off x="1098178" y="426319"/>
+            <a:off x="1295401" y="662536"/>
             <a:ext cx="9601196" cy="1303867"/>
           </a:xfrm>
         </p:spPr>
@@ -6600,156 +8043,47 @@
           <a:lstStyle/>
           <a:p>
             <a:r>
-              <a:rPr lang="en" dirty="0"/>
-              <a:t>Methodology</a:t>
-            </a:r>
-            <a:endParaRPr lang="en-US" dirty="0"/>
-          </a:p>
-        </p:txBody>
-      </p:sp>
-      <p:sp>
-        <p:nvSpPr>
-          <p:cNvPr id="6" name="Oval 5">
-            <a:extLst>
-              <a:ext uri="{FF2B5EF4-FFF2-40B4-BE49-F238E27FC236}">
-                <a16:creationId xmlns:a16="http://schemas.microsoft.com/office/drawing/2014/main" id="{ED57CADC-0207-4E71-9255-C7692D8D0F67}"/>
-              </a:ext>
-            </a:extLst>
-          </p:cNvPr>
-          <p:cNvSpPr/>
+              <a:rPr lang="en-US" dirty="0"/>
+              <a:t>Use cases</a:t>
+            </a:r>
+          </a:p>
+        </p:txBody>
+      </p:sp>
+      <p:pic>
+        <p:nvPicPr>
+          <p:cNvPr id="5" name="Picture 4">
+            <a:extLst>
+              <a:ext uri="{FF2B5EF4-FFF2-40B4-BE49-F238E27FC236}">
+                <a16:creationId xmlns:a16="http://schemas.microsoft.com/office/drawing/2014/main" id="{E6E7EECA-FB91-422C-9F47-B87E2706F12B}"/>
+              </a:ext>
+            </a:extLst>
+          </p:cNvPr>
+          <p:cNvPicPr>
+            <a:picLocks noChangeAspect="1"/>
+          </p:cNvPicPr>
           <p:nvPr/>
-        </p:nvSpPr>
-        <p:spPr>
-          <a:xfrm>
-            <a:off x="887503" y="1926051"/>
-            <a:ext cx="1402978" cy="681320"/>
-          </a:xfrm>
-          <a:prstGeom prst="ellipse">
+        </p:nvPicPr>
+        <p:blipFill rotWithShape="1">
+          <a:blip r:embed="rId2"/>
+          <a:srcRect t="2616" r="3028"/>
+          <a:stretch/>
+        </p:blipFill>
+        <p:spPr>
+          <a:xfrm>
+            <a:off x="1309543" y="2285157"/>
+            <a:ext cx="8931737" cy="2866236"/>
+          </a:xfrm>
+          <a:prstGeom prst="rect">
             <a:avLst/>
           </a:prstGeom>
         </p:spPr>
-        <p:style>
-          <a:lnRef idx="2">
-            <a:schemeClr val="accent1"/>
-          </a:lnRef>
-          <a:fillRef idx="1">
-            <a:schemeClr val="lt1"/>
-          </a:fillRef>
-          <a:effectRef idx="0">
-            <a:schemeClr val="accent1"/>
-          </a:effectRef>
-          <a:fontRef idx="minor">
-            <a:schemeClr val="dk1"/>
-          </a:fontRef>
-        </p:style>
-        <p:txBody>
-          <a:bodyPr rtlCol="0" anchor="ctr"/>
-          <a:lstStyle/>
-          <a:p>
-            <a:pPr algn="ctr"/>
-            <a:r>
-              <a:rPr lang="en-US" dirty="0"/>
-              <a:t>Original data</a:t>
-            </a:r>
-          </a:p>
-        </p:txBody>
-      </p:sp>
-      <p:cxnSp>
-        <p:nvCxnSpPr>
-          <p:cNvPr id="8" name="Straight Arrow Connector 7">
-            <a:extLst>
-              <a:ext uri="{FF2B5EF4-FFF2-40B4-BE49-F238E27FC236}">
-                <a16:creationId xmlns:a16="http://schemas.microsoft.com/office/drawing/2014/main" id="{E45D55D6-C87D-4256-8F39-B2C1C35A5428}"/>
-              </a:ext>
-            </a:extLst>
-          </p:cNvPr>
-          <p:cNvCxnSpPr>
-            <a:cxnSpLocks/>
-            <a:stCxn id="6" idx="6"/>
-          </p:cNvCxnSpPr>
-          <p:nvPr/>
-        </p:nvCxnSpPr>
-        <p:spPr>
-          <a:xfrm>
-            <a:off x="2290481" y="2266711"/>
-            <a:ext cx="1084729" cy="0"/>
-          </a:xfrm>
-          <a:prstGeom prst="straightConnector1">
-            <a:avLst/>
-          </a:prstGeom>
-          <a:ln>
-            <a:tailEnd type="triangle"/>
-          </a:ln>
-        </p:spPr>
-        <p:style>
-          <a:lnRef idx="1">
-            <a:schemeClr val="accent1"/>
-          </a:lnRef>
-          <a:fillRef idx="0">
-            <a:schemeClr val="accent1"/>
-          </a:fillRef>
-          <a:effectRef idx="0">
-            <a:schemeClr val="accent1"/>
-          </a:effectRef>
-          <a:fontRef idx="minor">
-            <a:schemeClr val="tx1"/>
-          </a:fontRef>
-        </p:style>
-      </p:cxnSp>
-      <p:sp>
-        <p:nvSpPr>
-          <p:cNvPr id="9" name="Oval 8">
-            <a:extLst>
-              <a:ext uri="{FF2B5EF4-FFF2-40B4-BE49-F238E27FC236}">
-                <a16:creationId xmlns:a16="http://schemas.microsoft.com/office/drawing/2014/main" id="{963DC5C3-B653-409F-8D7D-FA3DCA0E0E5C}"/>
-              </a:ext>
-            </a:extLst>
-          </p:cNvPr>
-          <p:cNvSpPr/>
-          <p:nvPr/>
-        </p:nvSpPr>
-        <p:spPr>
-          <a:xfrm>
-            <a:off x="3375210" y="1926060"/>
-            <a:ext cx="1568824" cy="681311"/>
-          </a:xfrm>
-          <a:prstGeom prst="ellipse">
-            <a:avLst/>
-          </a:prstGeom>
-        </p:spPr>
-        <p:style>
-          <a:lnRef idx="2">
-            <a:schemeClr val="accent1"/>
-          </a:lnRef>
-          <a:fillRef idx="1">
-            <a:schemeClr val="lt1"/>
-          </a:fillRef>
-          <a:effectRef idx="0">
-            <a:schemeClr val="accent1"/>
-          </a:effectRef>
-          <a:fontRef idx="minor">
-            <a:schemeClr val="dk1"/>
-          </a:fontRef>
-        </p:style>
-        <p:txBody>
-          <a:bodyPr rtlCol="0" anchor="ctr"/>
-          <a:lstStyle/>
-          <a:p>
-            <a:pPr algn="ctr"/>
-            <a:r>
-              <a:rPr lang="en-US" sz="1600" dirty="0" err="1"/>
-              <a:t>dataframe</a:t>
-            </a:r>
-            <a:endParaRPr lang="en-US" sz="1600" dirty="0"/>
-          </a:p>
-        </p:txBody>
-      </p:sp>
-      <p:sp>
-        <p:nvSpPr>
-          <p:cNvPr id="10" name="TextBox 9">
-            <a:extLst>
-              <a:ext uri="{FF2B5EF4-FFF2-40B4-BE49-F238E27FC236}">
-                <a16:creationId xmlns:a16="http://schemas.microsoft.com/office/drawing/2014/main" id="{A69149A6-5E0F-447A-AC6B-BFDFC60B7355}"/>
+      </p:pic>
+      <p:sp>
+        <p:nvSpPr>
+          <p:cNvPr id="7" name="TextBox 6">
+            <a:extLst>
+              <a:ext uri="{FF2B5EF4-FFF2-40B4-BE49-F238E27FC236}">
+                <a16:creationId xmlns:a16="http://schemas.microsoft.com/office/drawing/2014/main" id="{0F301348-C029-439E-84F3-0993F20B155A}"/>
               </a:ext>
             </a:extLst>
           </p:cNvPr>
@@ -6758,8 +8092,8 @@
         </p:nvSpPr>
         <p:spPr>
           <a:xfrm>
-            <a:off x="2290481" y="1946973"/>
-            <a:ext cx="1084729" cy="307777"/>
+            <a:off x="1309543" y="1852778"/>
+            <a:ext cx="1582270" cy="369332"/>
           </a:xfrm>
           <a:prstGeom prst="rect">
             <a:avLst/>
@@ -6773,60 +8107,18 @@
           <a:lstStyle/>
           <a:p>
             <a:r>
-              <a:rPr lang="en-US" sz="1400" dirty="0"/>
-              <a:t>Read csv file</a:t>
-            </a:r>
-          </a:p>
-        </p:txBody>
-      </p:sp>
-      <p:cxnSp>
-        <p:nvCxnSpPr>
-          <p:cNvPr id="12" name="Straight Arrow Connector 11">
-            <a:extLst>
-              <a:ext uri="{FF2B5EF4-FFF2-40B4-BE49-F238E27FC236}">
-                <a16:creationId xmlns:a16="http://schemas.microsoft.com/office/drawing/2014/main" id="{9EE078F0-D103-414C-BA17-F40EC70D80AB}"/>
-              </a:ext>
-            </a:extLst>
-          </p:cNvPr>
-          <p:cNvCxnSpPr>
-            <a:cxnSpLocks/>
-            <a:stCxn id="9" idx="6"/>
-          </p:cNvCxnSpPr>
-          <p:nvPr/>
-        </p:nvCxnSpPr>
-        <p:spPr>
-          <a:xfrm flipV="1">
-            <a:off x="4944034" y="2254750"/>
-            <a:ext cx="1566581" cy="11966"/>
-          </a:xfrm>
-          <a:prstGeom prst="straightConnector1">
-            <a:avLst/>
-          </a:prstGeom>
-          <a:ln>
-            <a:tailEnd type="triangle"/>
-          </a:ln>
-        </p:spPr>
-        <p:style>
-          <a:lnRef idx="1">
-            <a:schemeClr val="accent1"/>
-          </a:lnRef>
-          <a:fillRef idx="0">
-            <a:schemeClr val="accent1"/>
-          </a:fillRef>
-          <a:effectRef idx="0">
-            <a:schemeClr val="accent1"/>
-          </a:effectRef>
-          <a:fontRef idx="minor">
-            <a:schemeClr val="tx1"/>
-          </a:fontRef>
-        </p:style>
-      </p:cxnSp>
-      <p:sp>
-        <p:nvSpPr>
-          <p:cNvPr id="14" name="TextBox 13">
-            <a:extLst>
-              <a:ext uri="{FF2B5EF4-FFF2-40B4-BE49-F238E27FC236}">
-                <a16:creationId xmlns:a16="http://schemas.microsoft.com/office/drawing/2014/main" id="{A74082E4-A066-4FD3-B0A2-458056BD917E}"/>
+              <a:rPr lang="en-US" dirty="0"/>
+              <a:t>User input:</a:t>
+            </a:r>
+          </a:p>
+        </p:txBody>
+      </p:sp>
+      <p:sp>
+        <p:nvSpPr>
+          <p:cNvPr id="8" name="TextBox 7">
+            <a:extLst>
+              <a:ext uri="{FF2B5EF4-FFF2-40B4-BE49-F238E27FC236}">
+                <a16:creationId xmlns:a16="http://schemas.microsoft.com/office/drawing/2014/main" id="{984767C8-8BD4-4565-9C49-1AADCE8A2EF2}"/>
               </a:ext>
             </a:extLst>
           </p:cNvPr>
@@ -6835,8 +8127,8 @@
         </p:nvSpPr>
         <p:spPr>
           <a:xfrm>
-            <a:off x="5074024" y="1891401"/>
-            <a:ext cx="1290918" cy="369332"/>
+            <a:off x="1295401" y="5214441"/>
+            <a:ext cx="1582270" cy="369332"/>
           </a:xfrm>
           <a:prstGeom prst="rect">
             <a:avLst/>
@@ -6851,1174 +8143,45 @@
           <a:p>
             <a:r>
               <a:rPr lang="en-US" dirty="0"/>
-              <a:t>Clean data</a:t>
-            </a:r>
-          </a:p>
-        </p:txBody>
-      </p:sp>
-      <p:sp>
-        <p:nvSpPr>
-          <p:cNvPr id="17" name="Oval 16">
-            <a:extLst>
-              <a:ext uri="{FF2B5EF4-FFF2-40B4-BE49-F238E27FC236}">
-                <a16:creationId xmlns:a16="http://schemas.microsoft.com/office/drawing/2014/main" id="{1609DD6C-A1E5-4734-AF58-C7E1FF8C9AA6}"/>
-              </a:ext>
-            </a:extLst>
-          </p:cNvPr>
-          <p:cNvSpPr/>
+              <a:t>Result:</a:t>
+            </a:r>
+          </a:p>
+        </p:txBody>
+      </p:sp>
+      <p:pic>
+        <p:nvPicPr>
+          <p:cNvPr id="10" name="Picture 9">
+            <a:extLst>
+              <a:ext uri="{FF2B5EF4-FFF2-40B4-BE49-F238E27FC236}">
+                <a16:creationId xmlns:a16="http://schemas.microsoft.com/office/drawing/2014/main" id="{0F821262-B7A7-4756-9D3F-A694C58022F3}"/>
+              </a:ext>
+            </a:extLst>
+          </p:cNvPr>
+          <p:cNvPicPr>
+            <a:picLocks noChangeAspect="1"/>
+          </p:cNvPicPr>
           <p:nvPr/>
-        </p:nvSpPr>
-        <p:spPr>
-          <a:xfrm>
-            <a:off x="6526305" y="1927260"/>
-            <a:ext cx="1636057" cy="681311"/>
-          </a:xfrm>
-          <a:prstGeom prst="ellipse">
-            <a:avLst/>
-          </a:prstGeom>
-        </p:spPr>
-        <p:style>
-          <a:lnRef idx="2">
-            <a:schemeClr val="accent1"/>
-          </a:lnRef>
-          <a:fillRef idx="1">
-            <a:schemeClr val="lt1"/>
-          </a:fillRef>
-          <a:effectRef idx="0">
-            <a:schemeClr val="accent1"/>
-          </a:effectRef>
-          <a:fontRef idx="minor">
-            <a:schemeClr val="dk1"/>
-          </a:fontRef>
-        </p:style>
-        <p:txBody>
-          <a:bodyPr rtlCol="0" anchor="ctr"/>
-          <a:lstStyle/>
-          <a:p>
-            <a:pPr algn="ctr"/>
-            <a:r>
-              <a:rPr lang="en-US" sz="1600" dirty="0"/>
-              <a:t>Cleaned</a:t>
-            </a:r>
-          </a:p>
-          <a:p>
-            <a:pPr algn="ctr"/>
-            <a:r>
-              <a:rPr lang="en-US" sz="1600" dirty="0" err="1"/>
-              <a:t>dataframe</a:t>
-            </a:r>
-            <a:endParaRPr lang="en-US" sz="1600" dirty="0"/>
-          </a:p>
-        </p:txBody>
-      </p:sp>
-      <p:sp>
-        <p:nvSpPr>
-          <p:cNvPr id="18" name="Oval 17">
-            <a:extLst>
-              <a:ext uri="{FF2B5EF4-FFF2-40B4-BE49-F238E27FC236}">
-                <a16:creationId xmlns:a16="http://schemas.microsoft.com/office/drawing/2014/main" id="{2A53AC43-B2C2-4639-A94E-AC51768DB419}"/>
-              </a:ext>
-            </a:extLst>
-          </p:cNvPr>
-          <p:cNvSpPr/>
-          <p:nvPr/>
-        </p:nvSpPr>
-        <p:spPr>
-          <a:xfrm>
-            <a:off x="9457766" y="1917095"/>
-            <a:ext cx="1636057" cy="681311"/>
-          </a:xfrm>
-          <a:prstGeom prst="ellipse">
-            <a:avLst/>
-          </a:prstGeom>
-        </p:spPr>
-        <p:style>
-          <a:lnRef idx="2">
-            <a:schemeClr val="accent1"/>
-          </a:lnRef>
-          <a:fillRef idx="1">
-            <a:schemeClr val="lt1"/>
-          </a:fillRef>
-          <a:effectRef idx="0">
-            <a:schemeClr val="accent1"/>
-          </a:effectRef>
-          <a:fontRef idx="minor">
-            <a:schemeClr val="dk1"/>
-          </a:fontRef>
-        </p:style>
-        <p:txBody>
-          <a:bodyPr rtlCol="0" anchor="ctr"/>
-          <a:lstStyle/>
-          <a:p>
-            <a:pPr algn="ctr"/>
-            <a:r>
-              <a:rPr lang="en-US" sz="1600" dirty="0"/>
-              <a:t>Standard</a:t>
-            </a:r>
-          </a:p>
-          <a:p>
-            <a:pPr algn="ctr"/>
-            <a:r>
-              <a:rPr lang="en-US" sz="1600" dirty="0" err="1"/>
-              <a:t>dataframe</a:t>
-            </a:r>
-            <a:endParaRPr lang="en-US" sz="1600" dirty="0"/>
-          </a:p>
-        </p:txBody>
-      </p:sp>
-      <p:cxnSp>
-        <p:nvCxnSpPr>
-          <p:cNvPr id="20" name="Straight Arrow Connector 19">
-            <a:extLst>
-              <a:ext uri="{FF2B5EF4-FFF2-40B4-BE49-F238E27FC236}">
-                <a16:creationId xmlns:a16="http://schemas.microsoft.com/office/drawing/2014/main" id="{26E3FD9E-FCEB-43A6-93F4-761D717034C6}"/>
-              </a:ext>
-            </a:extLst>
-          </p:cNvPr>
-          <p:cNvCxnSpPr>
-            <a:cxnSpLocks/>
-            <a:stCxn id="17" idx="6"/>
-            <a:endCxn id="18" idx="2"/>
-          </p:cNvCxnSpPr>
-          <p:nvPr/>
-        </p:nvCxnSpPr>
-        <p:spPr>
-          <a:xfrm flipV="1">
-            <a:off x="8162362" y="2257751"/>
-            <a:ext cx="1295404" cy="10165"/>
-          </a:xfrm>
-          <a:prstGeom prst="straightConnector1">
-            <a:avLst/>
-          </a:prstGeom>
-          <a:ln>
-            <a:tailEnd type="triangle"/>
-          </a:ln>
-        </p:spPr>
-        <p:style>
-          <a:lnRef idx="1">
-            <a:schemeClr val="accent1"/>
-          </a:lnRef>
-          <a:fillRef idx="0">
-            <a:schemeClr val="accent1"/>
-          </a:fillRef>
-          <a:effectRef idx="0">
-            <a:schemeClr val="accent1"/>
-          </a:effectRef>
-          <a:fontRef idx="minor">
-            <a:schemeClr val="tx1"/>
-          </a:fontRef>
-        </p:style>
-      </p:cxnSp>
-      <p:sp>
-        <p:nvSpPr>
-          <p:cNvPr id="23" name="TextBox 22">
-            <a:extLst>
-              <a:ext uri="{FF2B5EF4-FFF2-40B4-BE49-F238E27FC236}">
-                <a16:creationId xmlns:a16="http://schemas.microsoft.com/office/drawing/2014/main" id="{239C2D28-7640-4DB3-8466-86E501A77EAD}"/>
-              </a:ext>
-            </a:extLst>
-          </p:cNvPr>
-          <p:cNvSpPr txBox="1"/>
-          <p:nvPr/>
-        </p:nvSpPr>
-        <p:spPr>
-          <a:xfrm>
-            <a:off x="8099610" y="1946973"/>
-            <a:ext cx="1864659" cy="338554"/>
+        </p:nvPicPr>
+        <p:blipFill>
+          <a:blip r:embed="rId3"/>
+          <a:stretch>
+            <a:fillRect/>
+          </a:stretch>
+        </p:blipFill>
+        <p:spPr>
+          <a:xfrm>
+            <a:off x="1295401" y="5569385"/>
+            <a:ext cx="3943350" cy="533400"/>
           </a:xfrm>
           <a:prstGeom prst="rect">
             <a:avLst/>
           </a:prstGeom>
-          <a:noFill/>
-        </p:spPr>
-        <p:txBody>
-          <a:bodyPr wrap="square">
-            <a:spAutoFit/>
-          </a:bodyPr>
-          <a:lstStyle/>
-          <a:p>
-            <a:r>
-              <a:rPr lang="en-US" sz="1600" dirty="0"/>
-              <a:t>standardization</a:t>
-            </a:r>
-          </a:p>
-        </p:txBody>
-      </p:sp>
-      <p:sp>
-        <p:nvSpPr>
-          <p:cNvPr id="24" name="Oval 23">
-            <a:extLst>
-              <a:ext uri="{FF2B5EF4-FFF2-40B4-BE49-F238E27FC236}">
-                <a16:creationId xmlns:a16="http://schemas.microsoft.com/office/drawing/2014/main" id="{42A28EA1-41F4-4A42-97BA-60E0B63EFBFE}"/>
-              </a:ext>
-            </a:extLst>
-          </p:cNvPr>
-          <p:cNvSpPr/>
-          <p:nvPr/>
-        </p:nvSpPr>
-        <p:spPr>
-          <a:xfrm>
-            <a:off x="9538448" y="3346962"/>
-            <a:ext cx="1636057" cy="681311"/>
-          </a:xfrm>
-          <a:prstGeom prst="ellipse">
-            <a:avLst/>
-          </a:prstGeom>
-        </p:spPr>
-        <p:style>
-          <a:lnRef idx="2">
-            <a:schemeClr val="accent1"/>
-          </a:lnRef>
-          <a:fillRef idx="1">
-            <a:schemeClr val="lt1"/>
-          </a:fillRef>
-          <a:effectRef idx="0">
-            <a:schemeClr val="accent1"/>
-          </a:effectRef>
-          <a:fontRef idx="minor">
-            <a:schemeClr val="dk1"/>
-          </a:fontRef>
-        </p:style>
-        <p:txBody>
-          <a:bodyPr rtlCol="0" anchor="ctr"/>
-          <a:lstStyle/>
-          <a:p>
-            <a:pPr algn="ctr"/>
-            <a:r>
-              <a:rPr lang="en-US" sz="1600" dirty="0"/>
-              <a:t>Correlation</a:t>
-            </a:r>
-          </a:p>
-          <a:p>
-            <a:pPr algn="ctr"/>
-            <a:r>
-              <a:rPr lang="en-US" sz="1600" dirty="0"/>
-              <a:t>Matrix</a:t>
-            </a:r>
-          </a:p>
-        </p:txBody>
-      </p:sp>
-      <p:cxnSp>
-        <p:nvCxnSpPr>
-          <p:cNvPr id="26" name="Straight Arrow Connector 25">
-            <a:extLst>
-              <a:ext uri="{FF2B5EF4-FFF2-40B4-BE49-F238E27FC236}">
-                <a16:creationId xmlns:a16="http://schemas.microsoft.com/office/drawing/2014/main" id="{2BFA8C25-E4B3-423D-B43F-18373ADFEA80}"/>
-              </a:ext>
-            </a:extLst>
-          </p:cNvPr>
-          <p:cNvCxnSpPr>
-            <a:cxnSpLocks/>
-            <a:stCxn id="18" idx="4"/>
-            <a:endCxn id="24" idx="0"/>
-          </p:cNvCxnSpPr>
-          <p:nvPr/>
-        </p:nvCxnSpPr>
-        <p:spPr>
-          <a:xfrm>
-            <a:off x="10275795" y="2598406"/>
-            <a:ext cx="80682" cy="748556"/>
-          </a:xfrm>
-          <a:prstGeom prst="straightConnector1">
-            <a:avLst/>
-          </a:prstGeom>
-          <a:ln>
-            <a:tailEnd type="triangle"/>
-          </a:ln>
-        </p:spPr>
-        <p:style>
-          <a:lnRef idx="1">
-            <a:schemeClr val="accent1"/>
-          </a:lnRef>
-          <a:fillRef idx="0">
-            <a:schemeClr val="accent1"/>
-          </a:fillRef>
-          <a:effectRef idx="0">
-            <a:schemeClr val="accent1"/>
-          </a:effectRef>
-          <a:fontRef idx="minor">
-            <a:schemeClr val="tx1"/>
-          </a:fontRef>
-        </p:style>
-      </p:cxnSp>
-      <p:sp>
-        <p:nvSpPr>
-          <p:cNvPr id="28" name="TextBox 27">
-            <a:extLst>
-              <a:ext uri="{FF2B5EF4-FFF2-40B4-BE49-F238E27FC236}">
-                <a16:creationId xmlns:a16="http://schemas.microsoft.com/office/drawing/2014/main" id="{A0D04C66-F14E-4980-8D5A-21560E34E75C}"/>
-              </a:ext>
-            </a:extLst>
-          </p:cNvPr>
-          <p:cNvSpPr txBox="1"/>
-          <p:nvPr/>
-        </p:nvSpPr>
-        <p:spPr>
-          <a:xfrm>
-            <a:off x="10441639" y="2672051"/>
-            <a:ext cx="1465731" cy="584775"/>
-          </a:xfrm>
-          <a:prstGeom prst="rect">
-            <a:avLst/>
-          </a:prstGeom>
-          <a:noFill/>
-        </p:spPr>
-        <p:txBody>
-          <a:bodyPr wrap="square" rtlCol="0">
-            <a:spAutoFit/>
-          </a:bodyPr>
-          <a:lstStyle/>
-          <a:p>
-            <a:r>
-              <a:rPr lang="en-US" sz="1600" dirty="0"/>
-              <a:t>Analyze data correlation</a:t>
-            </a:r>
-          </a:p>
-        </p:txBody>
-      </p:sp>
-      <p:sp>
-        <p:nvSpPr>
-          <p:cNvPr id="29" name="Oval 28">
-            <a:extLst>
-              <a:ext uri="{FF2B5EF4-FFF2-40B4-BE49-F238E27FC236}">
-                <a16:creationId xmlns:a16="http://schemas.microsoft.com/office/drawing/2014/main" id="{EF96E596-A0CF-4A7E-9662-ECEAE5C25994}"/>
-              </a:ext>
-            </a:extLst>
-          </p:cNvPr>
-          <p:cNvSpPr/>
-          <p:nvPr/>
-        </p:nvSpPr>
-        <p:spPr>
-          <a:xfrm>
-            <a:off x="6168838" y="3345860"/>
-            <a:ext cx="1636057" cy="681311"/>
-          </a:xfrm>
-          <a:prstGeom prst="ellipse">
-            <a:avLst/>
-          </a:prstGeom>
-        </p:spPr>
-        <p:style>
-          <a:lnRef idx="2">
-            <a:schemeClr val="accent1"/>
-          </a:lnRef>
-          <a:fillRef idx="1">
-            <a:schemeClr val="lt1"/>
-          </a:fillRef>
-          <a:effectRef idx="0">
-            <a:schemeClr val="accent1"/>
-          </a:effectRef>
-          <a:fontRef idx="minor">
-            <a:schemeClr val="dk1"/>
-          </a:fontRef>
-        </p:style>
-        <p:txBody>
-          <a:bodyPr rtlCol="0" anchor="ctr"/>
-          <a:lstStyle/>
-          <a:p>
-            <a:pPr algn="ctr"/>
-            <a:r>
-              <a:rPr lang="en-US" sz="1600" dirty="0"/>
-              <a:t>Feature</a:t>
-            </a:r>
-          </a:p>
-          <a:p>
-            <a:pPr algn="ctr"/>
-            <a:r>
-              <a:rPr lang="en-US" sz="1600" dirty="0" err="1"/>
-              <a:t>dataframe</a:t>
-            </a:r>
-            <a:endParaRPr lang="en-US" sz="1600" dirty="0"/>
-          </a:p>
-        </p:txBody>
-      </p:sp>
-      <p:cxnSp>
-        <p:nvCxnSpPr>
-          <p:cNvPr id="31" name="Straight Arrow Connector 30">
-            <a:extLst>
-              <a:ext uri="{FF2B5EF4-FFF2-40B4-BE49-F238E27FC236}">
-                <a16:creationId xmlns:a16="http://schemas.microsoft.com/office/drawing/2014/main" id="{50B60588-009D-4002-B31B-79650F856171}"/>
-              </a:ext>
-            </a:extLst>
-          </p:cNvPr>
-          <p:cNvCxnSpPr>
-            <a:cxnSpLocks/>
-            <a:stCxn id="24" idx="2"/>
-            <a:endCxn id="29" idx="6"/>
-          </p:cNvCxnSpPr>
-          <p:nvPr/>
-        </p:nvCxnSpPr>
-        <p:spPr>
-          <a:xfrm flipH="1" flipV="1">
-            <a:off x="7804895" y="3686516"/>
-            <a:ext cx="1733553" cy="1102"/>
-          </a:xfrm>
-          <a:prstGeom prst="straightConnector1">
-            <a:avLst/>
-          </a:prstGeom>
-          <a:ln>
-            <a:tailEnd type="triangle"/>
-          </a:ln>
-        </p:spPr>
-        <p:style>
-          <a:lnRef idx="1">
-            <a:schemeClr val="accent1"/>
-          </a:lnRef>
-          <a:fillRef idx="0">
-            <a:schemeClr val="accent1"/>
-          </a:fillRef>
-          <a:effectRef idx="0">
-            <a:schemeClr val="accent1"/>
-          </a:effectRef>
-          <a:fontRef idx="minor">
-            <a:schemeClr val="tx1"/>
-          </a:fontRef>
-        </p:style>
-      </p:cxnSp>
-      <p:sp>
-        <p:nvSpPr>
-          <p:cNvPr id="34" name="TextBox 33">
-            <a:extLst>
-              <a:ext uri="{FF2B5EF4-FFF2-40B4-BE49-F238E27FC236}">
-                <a16:creationId xmlns:a16="http://schemas.microsoft.com/office/drawing/2014/main" id="{57D9ACFF-616C-42F6-8843-38649202B86C}"/>
-              </a:ext>
-            </a:extLst>
-          </p:cNvPr>
-          <p:cNvSpPr txBox="1"/>
-          <p:nvPr/>
-        </p:nvSpPr>
-        <p:spPr>
-          <a:xfrm>
-            <a:off x="7902391" y="3424905"/>
-            <a:ext cx="1636057" cy="523220"/>
-          </a:xfrm>
-          <a:prstGeom prst="rect">
-            <a:avLst/>
-          </a:prstGeom>
-          <a:noFill/>
-        </p:spPr>
-        <p:txBody>
-          <a:bodyPr wrap="square" rtlCol="0">
-            <a:spAutoFit/>
-          </a:bodyPr>
-          <a:lstStyle/>
-          <a:p>
-            <a:r>
-              <a:rPr lang="en-US" sz="1400" dirty="0"/>
-              <a:t>Choose high related column as feature</a:t>
-            </a:r>
-          </a:p>
-        </p:txBody>
-      </p:sp>
-      <p:sp>
-        <p:nvSpPr>
-          <p:cNvPr id="36" name="Oval 35">
-            <a:extLst>
-              <a:ext uri="{FF2B5EF4-FFF2-40B4-BE49-F238E27FC236}">
-                <a16:creationId xmlns:a16="http://schemas.microsoft.com/office/drawing/2014/main" id="{DC2BF97A-6B05-4B16-BEEA-F03D1AE786C3}"/>
-              </a:ext>
-            </a:extLst>
-          </p:cNvPr>
-          <p:cNvSpPr/>
-          <p:nvPr/>
-        </p:nvSpPr>
-        <p:spPr>
-          <a:xfrm>
-            <a:off x="2061881" y="3345860"/>
-            <a:ext cx="1636057" cy="681311"/>
-          </a:xfrm>
-          <a:prstGeom prst="ellipse">
-            <a:avLst/>
-          </a:prstGeom>
-        </p:spPr>
-        <p:style>
-          <a:lnRef idx="2">
-            <a:schemeClr val="accent1"/>
-          </a:lnRef>
-          <a:fillRef idx="1">
-            <a:schemeClr val="lt1"/>
-          </a:fillRef>
-          <a:effectRef idx="0">
-            <a:schemeClr val="accent1"/>
-          </a:effectRef>
-          <a:fontRef idx="minor">
-            <a:schemeClr val="dk1"/>
-          </a:fontRef>
-        </p:style>
-        <p:txBody>
-          <a:bodyPr rtlCol="0" anchor="ctr"/>
-          <a:lstStyle/>
-          <a:p>
-            <a:pPr algn="ctr"/>
-            <a:r>
-              <a:rPr lang="en-US" sz="1600" dirty="0"/>
-              <a:t>Final</a:t>
-            </a:r>
-          </a:p>
-          <a:p>
-            <a:pPr algn="ctr"/>
-            <a:r>
-              <a:rPr lang="en-US" sz="1600" dirty="0" err="1"/>
-              <a:t>dataframe</a:t>
-            </a:r>
-            <a:endParaRPr lang="en-US" sz="1600" dirty="0"/>
-          </a:p>
-        </p:txBody>
-      </p:sp>
-      <p:cxnSp>
-        <p:nvCxnSpPr>
-          <p:cNvPr id="38" name="Straight Arrow Connector 37">
-            <a:extLst>
-              <a:ext uri="{FF2B5EF4-FFF2-40B4-BE49-F238E27FC236}">
-                <a16:creationId xmlns:a16="http://schemas.microsoft.com/office/drawing/2014/main" id="{F21D70BF-71C0-475B-A060-008DFEAE0051}"/>
-              </a:ext>
-            </a:extLst>
-          </p:cNvPr>
-          <p:cNvCxnSpPr>
-            <a:cxnSpLocks/>
-            <a:stCxn id="29" idx="2"/>
-            <a:endCxn id="36" idx="6"/>
-          </p:cNvCxnSpPr>
-          <p:nvPr/>
-        </p:nvCxnSpPr>
-        <p:spPr>
-          <a:xfrm flipH="1">
-            <a:off x="3697938" y="3686516"/>
-            <a:ext cx="2470900" cy="0"/>
-          </a:xfrm>
-          <a:prstGeom prst="straightConnector1">
-            <a:avLst/>
-          </a:prstGeom>
-          <a:ln>
-            <a:tailEnd type="triangle"/>
-          </a:ln>
-        </p:spPr>
-        <p:style>
-          <a:lnRef idx="1">
-            <a:schemeClr val="accent1"/>
-          </a:lnRef>
-          <a:fillRef idx="0">
-            <a:schemeClr val="accent1"/>
-          </a:fillRef>
-          <a:effectRef idx="0">
-            <a:schemeClr val="accent1"/>
-          </a:effectRef>
-          <a:fontRef idx="minor">
-            <a:schemeClr val="tx1"/>
-          </a:fontRef>
-        </p:style>
-      </p:cxnSp>
-      <p:sp>
-        <p:nvSpPr>
-          <p:cNvPr id="40" name="TextBox 39">
-            <a:extLst>
-              <a:ext uri="{FF2B5EF4-FFF2-40B4-BE49-F238E27FC236}">
-                <a16:creationId xmlns:a16="http://schemas.microsoft.com/office/drawing/2014/main" id="{0963CD46-5E0D-4CF2-991F-96C3B291017D}"/>
-              </a:ext>
-            </a:extLst>
-          </p:cNvPr>
-          <p:cNvSpPr txBox="1"/>
-          <p:nvPr/>
-        </p:nvSpPr>
-        <p:spPr>
-          <a:xfrm>
-            <a:off x="3889568" y="3345860"/>
-            <a:ext cx="2194108" cy="923330"/>
-          </a:xfrm>
-          <a:prstGeom prst="rect">
-            <a:avLst/>
-          </a:prstGeom>
-          <a:noFill/>
-        </p:spPr>
-        <p:txBody>
-          <a:bodyPr wrap="square" rtlCol="0">
-            <a:spAutoFit/>
-          </a:bodyPr>
-          <a:lstStyle/>
-          <a:p>
-            <a:r>
-              <a:rPr lang="en-US" dirty="0"/>
-              <a:t>Use smote algorithm to generate minority data</a:t>
-            </a:r>
-          </a:p>
-        </p:txBody>
-      </p:sp>
-      <p:sp>
-        <p:nvSpPr>
-          <p:cNvPr id="41" name="Rectangle 40">
-            <a:extLst>
-              <a:ext uri="{FF2B5EF4-FFF2-40B4-BE49-F238E27FC236}">
-                <a16:creationId xmlns:a16="http://schemas.microsoft.com/office/drawing/2014/main" id="{E2A25E47-B481-45F8-BF45-067FE2A1B8F3}"/>
-              </a:ext>
-            </a:extLst>
-          </p:cNvPr>
-          <p:cNvSpPr/>
-          <p:nvPr/>
-        </p:nvSpPr>
-        <p:spPr>
-          <a:xfrm>
-            <a:off x="1748115" y="4609846"/>
-            <a:ext cx="2169459" cy="1941993"/>
-          </a:xfrm>
-          <a:prstGeom prst="rect">
-            <a:avLst/>
-          </a:prstGeom>
-        </p:spPr>
-        <p:style>
-          <a:lnRef idx="2">
-            <a:schemeClr val="accent1"/>
-          </a:lnRef>
-          <a:fillRef idx="1">
-            <a:schemeClr val="lt1"/>
-          </a:fillRef>
-          <a:effectRef idx="0">
-            <a:schemeClr val="accent1"/>
-          </a:effectRef>
-          <a:fontRef idx="minor">
-            <a:schemeClr val="dk1"/>
-          </a:fontRef>
-        </p:style>
-        <p:txBody>
-          <a:bodyPr rtlCol="0" anchor="ctr"/>
-          <a:lstStyle/>
-          <a:p>
-            <a:pPr algn="ctr"/>
-            <a:endParaRPr lang="en-US" dirty="0"/>
-          </a:p>
-        </p:txBody>
-      </p:sp>
-      <p:sp>
-        <p:nvSpPr>
-          <p:cNvPr id="43" name="Rectangle 42">
-            <a:extLst>
-              <a:ext uri="{FF2B5EF4-FFF2-40B4-BE49-F238E27FC236}">
-                <a16:creationId xmlns:a16="http://schemas.microsoft.com/office/drawing/2014/main" id="{699CCA44-15AF-4B44-BC73-1CAC0711F7EB}"/>
-              </a:ext>
-            </a:extLst>
-          </p:cNvPr>
-          <p:cNvSpPr/>
-          <p:nvPr/>
-        </p:nvSpPr>
-        <p:spPr>
-          <a:xfrm>
-            <a:off x="1972233" y="4765660"/>
-            <a:ext cx="1721222" cy="493067"/>
-          </a:xfrm>
-          <a:prstGeom prst="rect">
-            <a:avLst/>
-          </a:prstGeom>
-        </p:spPr>
-        <p:style>
-          <a:lnRef idx="2">
-            <a:schemeClr val="dk1"/>
-          </a:lnRef>
-          <a:fillRef idx="1">
-            <a:schemeClr val="lt1"/>
-          </a:fillRef>
-          <a:effectRef idx="0">
-            <a:schemeClr val="dk1"/>
-          </a:effectRef>
-          <a:fontRef idx="minor">
-            <a:schemeClr val="dk1"/>
-          </a:fontRef>
-        </p:style>
-        <p:txBody>
-          <a:bodyPr rtlCol="0" anchor="ctr"/>
-          <a:lstStyle/>
-          <a:p>
-            <a:pPr algn="ctr"/>
-            <a:r>
-              <a:rPr lang="en-US" dirty="0"/>
-              <a:t>Random Forest</a:t>
-            </a:r>
-          </a:p>
-        </p:txBody>
-      </p:sp>
-      <p:sp>
-        <p:nvSpPr>
-          <p:cNvPr id="44" name="Rectangle 43">
-            <a:extLst>
-              <a:ext uri="{FF2B5EF4-FFF2-40B4-BE49-F238E27FC236}">
-                <a16:creationId xmlns:a16="http://schemas.microsoft.com/office/drawing/2014/main" id="{81177283-4036-4E79-B492-367FC68680C4}"/>
-              </a:ext>
-            </a:extLst>
-          </p:cNvPr>
-          <p:cNvSpPr/>
-          <p:nvPr/>
-        </p:nvSpPr>
-        <p:spPr>
-          <a:xfrm>
-            <a:off x="1972233" y="5348335"/>
-            <a:ext cx="1721222" cy="493067"/>
-          </a:xfrm>
-          <a:prstGeom prst="rect">
-            <a:avLst/>
-          </a:prstGeom>
-        </p:spPr>
-        <p:style>
-          <a:lnRef idx="2">
-            <a:schemeClr val="dk1"/>
-          </a:lnRef>
-          <a:fillRef idx="1">
-            <a:schemeClr val="lt1"/>
-          </a:fillRef>
-          <a:effectRef idx="0">
-            <a:schemeClr val="dk1"/>
-          </a:effectRef>
-          <a:fontRef idx="minor">
-            <a:schemeClr val="dk1"/>
-          </a:fontRef>
-        </p:style>
-        <p:txBody>
-          <a:bodyPr rtlCol="0" anchor="ctr"/>
-          <a:lstStyle/>
-          <a:p>
-            <a:pPr algn="ctr"/>
-            <a:r>
-              <a:rPr lang="en-US" sz="1600" dirty="0"/>
-              <a:t>Logistic Regression</a:t>
-            </a:r>
-          </a:p>
-        </p:txBody>
-      </p:sp>
-      <p:sp>
-        <p:nvSpPr>
-          <p:cNvPr id="48" name="Rectangle 47">
-            <a:extLst>
-              <a:ext uri="{FF2B5EF4-FFF2-40B4-BE49-F238E27FC236}">
-                <a16:creationId xmlns:a16="http://schemas.microsoft.com/office/drawing/2014/main" id="{BD0DE916-48C5-469A-BD0F-D76B4F11D53D}"/>
-              </a:ext>
-            </a:extLst>
-          </p:cNvPr>
-          <p:cNvSpPr/>
-          <p:nvPr/>
-        </p:nvSpPr>
-        <p:spPr>
-          <a:xfrm>
-            <a:off x="1972233" y="5950087"/>
-            <a:ext cx="1721222" cy="493067"/>
-          </a:xfrm>
-          <a:prstGeom prst="rect">
-            <a:avLst/>
-          </a:prstGeom>
-        </p:spPr>
-        <p:style>
-          <a:lnRef idx="2">
-            <a:schemeClr val="dk1"/>
-          </a:lnRef>
-          <a:fillRef idx="1">
-            <a:schemeClr val="lt1"/>
-          </a:fillRef>
-          <a:effectRef idx="0">
-            <a:schemeClr val="dk1"/>
-          </a:effectRef>
-          <a:fontRef idx="minor">
-            <a:schemeClr val="dk1"/>
-          </a:fontRef>
-        </p:style>
-        <p:txBody>
-          <a:bodyPr rtlCol="0" anchor="ctr"/>
-          <a:lstStyle/>
-          <a:p>
-            <a:pPr algn="ctr"/>
-            <a:r>
-              <a:rPr lang="en-US" dirty="0"/>
-              <a:t>Decision Tree</a:t>
-            </a:r>
-          </a:p>
-        </p:txBody>
-      </p:sp>
-      <p:cxnSp>
-        <p:nvCxnSpPr>
-          <p:cNvPr id="50" name="Straight Arrow Connector 49">
-            <a:extLst>
-              <a:ext uri="{FF2B5EF4-FFF2-40B4-BE49-F238E27FC236}">
-                <a16:creationId xmlns:a16="http://schemas.microsoft.com/office/drawing/2014/main" id="{2F2BAAA8-A333-4187-834E-AD55367821D0}"/>
-              </a:ext>
-            </a:extLst>
-          </p:cNvPr>
-          <p:cNvCxnSpPr>
-            <a:cxnSpLocks/>
-            <a:stCxn id="36" idx="4"/>
-            <a:endCxn id="41" idx="0"/>
-          </p:cNvCxnSpPr>
-          <p:nvPr/>
-        </p:nvCxnSpPr>
-        <p:spPr>
-          <a:xfrm flipH="1">
-            <a:off x="2832845" y="4027171"/>
-            <a:ext cx="47065" cy="582675"/>
-          </a:xfrm>
-          <a:prstGeom prst="straightConnector1">
-            <a:avLst/>
-          </a:prstGeom>
-          <a:ln>
-            <a:tailEnd type="triangle"/>
-          </a:ln>
-        </p:spPr>
-        <p:style>
-          <a:lnRef idx="1">
-            <a:schemeClr val="accent1"/>
-          </a:lnRef>
-          <a:fillRef idx="0">
-            <a:schemeClr val="accent1"/>
-          </a:fillRef>
-          <a:effectRef idx="0">
-            <a:schemeClr val="accent1"/>
-          </a:effectRef>
-          <a:fontRef idx="minor">
-            <a:schemeClr val="tx1"/>
-          </a:fontRef>
-        </p:style>
-      </p:cxnSp>
-      <p:sp>
-        <p:nvSpPr>
-          <p:cNvPr id="52" name="TextBox 51">
-            <a:extLst>
-              <a:ext uri="{FF2B5EF4-FFF2-40B4-BE49-F238E27FC236}">
-                <a16:creationId xmlns:a16="http://schemas.microsoft.com/office/drawing/2014/main" id="{8046B27C-463A-4092-AD5B-5C8144CF3209}"/>
-              </a:ext>
-            </a:extLst>
-          </p:cNvPr>
-          <p:cNvSpPr txBox="1"/>
-          <p:nvPr/>
-        </p:nvSpPr>
-        <p:spPr>
-          <a:xfrm>
-            <a:off x="887503" y="4122856"/>
-            <a:ext cx="2169459" cy="338554"/>
-          </a:xfrm>
-          <a:prstGeom prst="rect">
-            <a:avLst/>
-          </a:prstGeom>
-          <a:noFill/>
-        </p:spPr>
-        <p:txBody>
-          <a:bodyPr wrap="square" rtlCol="0">
-            <a:spAutoFit/>
-          </a:bodyPr>
-          <a:lstStyle/>
-          <a:p>
-            <a:r>
-              <a:rPr lang="en-US" sz="1600" dirty="0"/>
-              <a:t>Train and Save model</a:t>
-            </a:r>
-          </a:p>
-        </p:txBody>
-      </p:sp>
-      <p:sp>
-        <p:nvSpPr>
-          <p:cNvPr id="53" name="Oval 52">
-            <a:extLst>
-              <a:ext uri="{FF2B5EF4-FFF2-40B4-BE49-F238E27FC236}">
-                <a16:creationId xmlns:a16="http://schemas.microsoft.com/office/drawing/2014/main" id="{C8AA4C94-E802-4858-B1AF-095EDA3558F3}"/>
-              </a:ext>
-            </a:extLst>
-          </p:cNvPr>
-          <p:cNvSpPr/>
-          <p:nvPr/>
-        </p:nvSpPr>
-        <p:spPr>
-          <a:xfrm>
-            <a:off x="5282462" y="4817255"/>
-            <a:ext cx="2619929" cy="923319"/>
-          </a:xfrm>
-          <a:prstGeom prst="ellipse">
-            <a:avLst/>
-          </a:prstGeom>
-        </p:spPr>
-        <p:style>
-          <a:lnRef idx="2">
-            <a:schemeClr val="accent1"/>
-          </a:lnRef>
-          <a:fillRef idx="1">
-            <a:schemeClr val="lt1"/>
-          </a:fillRef>
-          <a:effectRef idx="0">
-            <a:schemeClr val="accent1"/>
-          </a:effectRef>
-          <a:fontRef idx="minor">
-            <a:schemeClr val="dk1"/>
-          </a:fontRef>
-        </p:style>
-        <p:txBody>
-          <a:bodyPr rtlCol="0" anchor="ctr"/>
-          <a:lstStyle/>
-          <a:p>
-            <a:pPr algn="ctr"/>
-            <a:r>
-              <a:rPr lang="en-US" dirty="0"/>
-              <a:t>Prediction App</a:t>
-            </a:r>
-          </a:p>
-        </p:txBody>
-      </p:sp>
-      <p:cxnSp>
-        <p:nvCxnSpPr>
-          <p:cNvPr id="55" name="Straight Arrow Connector 54">
-            <a:extLst>
-              <a:ext uri="{FF2B5EF4-FFF2-40B4-BE49-F238E27FC236}">
-                <a16:creationId xmlns:a16="http://schemas.microsoft.com/office/drawing/2014/main" id="{5E743766-A3A6-4104-B5C3-CD9496CA2DDF}"/>
-              </a:ext>
-            </a:extLst>
-          </p:cNvPr>
-          <p:cNvCxnSpPr>
-            <a:stCxn id="41" idx="3"/>
-            <a:endCxn id="53" idx="2"/>
-          </p:cNvCxnSpPr>
-          <p:nvPr/>
-        </p:nvCxnSpPr>
-        <p:spPr>
-          <a:xfrm flipV="1">
-            <a:off x="3917574" y="5278915"/>
-            <a:ext cx="1364888" cy="301928"/>
-          </a:xfrm>
-          <a:prstGeom prst="straightConnector1">
-            <a:avLst/>
-          </a:prstGeom>
-          <a:ln>
-            <a:tailEnd type="triangle"/>
-          </a:ln>
-        </p:spPr>
-        <p:style>
-          <a:lnRef idx="1">
-            <a:schemeClr val="accent1"/>
-          </a:lnRef>
-          <a:fillRef idx="0">
-            <a:schemeClr val="accent1"/>
-          </a:fillRef>
-          <a:effectRef idx="0">
-            <a:schemeClr val="accent1"/>
-          </a:effectRef>
-          <a:fontRef idx="minor">
-            <a:schemeClr val="tx1"/>
-          </a:fontRef>
-        </p:style>
-      </p:cxnSp>
-      <p:sp>
-        <p:nvSpPr>
-          <p:cNvPr id="57" name="Oval 56">
-            <a:extLst>
-              <a:ext uri="{FF2B5EF4-FFF2-40B4-BE49-F238E27FC236}">
-                <a16:creationId xmlns:a16="http://schemas.microsoft.com/office/drawing/2014/main" id="{4A548561-718F-437C-A3B9-95AE9E098A86}"/>
-              </a:ext>
-            </a:extLst>
-          </p:cNvPr>
-          <p:cNvSpPr/>
-          <p:nvPr/>
-        </p:nvSpPr>
-        <p:spPr>
-          <a:xfrm>
-            <a:off x="9457765" y="4938258"/>
-            <a:ext cx="1636057" cy="681311"/>
-          </a:xfrm>
-          <a:prstGeom prst="ellipse">
-            <a:avLst/>
-          </a:prstGeom>
-        </p:spPr>
-        <p:style>
-          <a:lnRef idx="2">
-            <a:schemeClr val="accent1"/>
-          </a:lnRef>
-          <a:fillRef idx="1">
-            <a:schemeClr val="lt1"/>
-          </a:fillRef>
-          <a:effectRef idx="0">
-            <a:schemeClr val="accent1"/>
-          </a:effectRef>
-          <a:fontRef idx="minor">
-            <a:schemeClr val="dk1"/>
-          </a:fontRef>
-        </p:style>
-        <p:txBody>
-          <a:bodyPr rtlCol="0" anchor="ctr"/>
-          <a:lstStyle/>
-          <a:p>
-            <a:pPr algn="ctr"/>
-            <a:r>
-              <a:rPr lang="en-US" dirty="0"/>
-              <a:t>User input</a:t>
-            </a:r>
-          </a:p>
-        </p:txBody>
-      </p:sp>
-      <p:cxnSp>
-        <p:nvCxnSpPr>
-          <p:cNvPr id="59" name="Straight Arrow Connector 58">
-            <a:extLst>
-              <a:ext uri="{FF2B5EF4-FFF2-40B4-BE49-F238E27FC236}">
-                <a16:creationId xmlns:a16="http://schemas.microsoft.com/office/drawing/2014/main" id="{9CD34B5F-9C42-47DC-947A-AE4EBCA3AD3B}"/>
-              </a:ext>
-            </a:extLst>
-          </p:cNvPr>
-          <p:cNvCxnSpPr>
-            <a:cxnSpLocks/>
-            <a:stCxn id="57" idx="2"/>
-            <a:endCxn id="53" idx="6"/>
-          </p:cNvCxnSpPr>
-          <p:nvPr/>
-        </p:nvCxnSpPr>
-        <p:spPr>
-          <a:xfrm flipH="1">
-            <a:off x="7902391" y="5278914"/>
-            <a:ext cx="1555374" cy="1"/>
-          </a:xfrm>
-          <a:prstGeom prst="straightConnector1">
-            <a:avLst/>
-          </a:prstGeom>
-          <a:ln>
-            <a:tailEnd type="triangle"/>
-          </a:ln>
-        </p:spPr>
-        <p:style>
-          <a:lnRef idx="1">
-            <a:schemeClr val="accent1"/>
-          </a:lnRef>
-          <a:fillRef idx="0">
-            <a:schemeClr val="accent1"/>
-          </a:fillRef>
-          <a:effectRef idx="0">
-            <a:schemeClr val="accent1"/>
-          </a:effectRef>
-          <a:fontRef idx="minor">
-            <a:schemeClr val="tx1"/>
-          </a:fontRef>
-        </p:style>
-      </p:cxnSp>
-      <p:sp>
-        <p:nvSpPr>
-          <p:cNvPr id="61" name="Rectangle 60">
-            <a:extLst>
-              <a:ext uri="{FF2B5EF4-FFF2-40B4-BE49-F238E27FC236}">
-                <a16:creationId xmlns:a16="http://schemas.microsoft.com/office/drawing/2014/main" id="{79C57362-D72F-460A-95C9-1B544DC16BD8}"/>
-              </a:ext>
-            </a:extLst>
-          </p:cNvPr>
-          <p:cNvSpPr/>
-          <p:nvPr/>
-        </p:nvSpPr>
-        <p:spPr>
-          <a:xfrm>
-            <a:off x="5597348" y="6229741"/>
-            <a:ext cx="1990156" cy="460558"/>
-          </a:xfrm>
-          <a:prstGeom prst="rect">
-            <a:avLst/>
-          </a:prstGeom>
-        </p:spPr>
-        <p:style>
-          <a:lnRef idx="2">
-            <a:schemeClr val="accent1"/>
-          </a:lnRef>
-          <a:fillRef idx="1">
-            <a:schemeClr val="lt1"/>
-          </a:fillRef>
-          <a:effectRef idx="0">
-            <a:schemeClr val="accent1"/>
-          </a:effectRef>
-          <a:fontRef idx="minor">
-            <a:schemeClr val="dk1"/>
-          </a:fontRef>
-        </p:style>
-        <p:txBody>
-          <a:bodyPr rtlCol="0" anchor="ctr"/>
-          <a:lstStyle/>
-          <a:p>
-            <a:pPr algn="ctr"/>
-            <a:r>
-              <a:rPr lang="en-US" dirty="0"/>
-              <a:t>result</a:t>
-            </a:r>
-          </a:p>
-        </p:txBody>
-      </p:sp>
-      <p:cxnSp>
-        <p:nvCxnSpPr>
-          <p:cNvPr id="63" name="Straight Arrow Connector 62">
-            <a:extLst>
-              <a:ext uri="{FF2B5EF4-FFF2-40B4-BE49-F238E27FC236}">
-                <a16:creationId xmlns:a16="http://schemas.microsoft.com/office/drawing/2014/main" id="{C2FD164D-94B2-44D9-8790-E698F4732D2B}"/>
-              </a:ext>
-            </a:extLst>
-          </p:cNvPr>
-          <p:cNvCxnSpPr>
-            <a:cxnSpLocks/>
-            <a:stCxn id="53" idx="4"/>
-            <a:endCxn id="61" idx="0"/>
-          </p:cNvCxnSpPr>
-          <p:nvPr/>
-        </p:nvCxnSpPr>
-        <p:spPr>
-          <a:xfrm flipH="1">
-            <a:off x="6592426" y="5740574"/>
-            <a:ext cx="1" cy="489167"/>
-          </a:xfrm>
-          <a:prstGeom prst="straightConnector1">
-            <a:avLst/>
-          </a:prstGeom>
-          <a:ln>
-            <a:tailEnd type="triangle"/>
-          </a:ln>
-        </p:spPr>
-        <p:style>
-          <a:lnRef idx="1">
-            <a:schemeClr val="accent1"/>
-          </a:lnRef>
-          <a:fillRef idx="0">
-            <a:schemeClr val="accent1"/>
-          </a:fillRef>
-          <a:effectRef idx="0">
-            <a:schemeClr val="accent1"/>
-          </a:effectRef>
-          <a:fontRef idx="minor">
-            <a:schemeClr val="tx1"/>
-          </a:fontRef>
-        </p:style>
-      </p:cxnSp>
-      <p:sp>
-        <p:nvSpPr>
-          <p:cNvPr id="65" name="TextBox 64">
-            <a:extLst>
-              <a:ext uri="{FF2B5EF4-FFF2-40B4-BE49-F238E27FC236}">
-                <a16:creationId xmlns:a16="http://schemas.microsoft.com/office/drawing/2014/main" id="{3049EDF2-6070-42E6-93AF-F996438CDC65}"/>
-              </a:ext>
-            </a:extLst>
-          </p:cNvPr>
-          <p:cNvSpPr txBox="1"/>
-          <p:nvPr/>
-        </p:nvSpPr>
-        <p:spPr>
-          <a:xfrm>
-            <a:off x="4198861" y="5106713"/>
-            <a:ext cx="875163" cy="646331"/>
-          </a:xfrm>
-          <a:prstGeom prst="rect">
-            <a:avLst/>
-          </a:prstGeom>
-          <a:noFill/>
-        </p:spPr>
-        <p:txBody>
-          <a:bodyPr wrap="square" rtlCol="0">
-            <a:spAutoFit/>
-          </a:bodyPr>
-          <a:lstStyle/>
-          <a:p>
-            <a:r>
-              <a:rPr lang="en-US" dirty="0"/>
-              <a:t>Load</a:t>
-            </a:r>
-          </a:p>
-          <a:p>
-            <a:r>
-              <a:rPr lang="en-US" dirty="0"/>
-              <a:t>model</a:t>
-            </a:r>
-          </a:p>
-        </p:txBody>
-      </p:sp>
+        </p:spPr>
+      </p:pic>
     </p:spTree>
     <p:extLst>
       <p:ext uri="{BB962C8B-B14F-4D97-AF65-F5344CB8AC3E}">
-        <p14:creationId xmlns:p14="http://schemas.microsoft.com/office/powerpoint/2010/main" val="2716125267"/>
+        <p14:creationId xmlns:p14="http://schemas.microsoft.com/office/powerpoint/2010/main" val="1670763351"/>
       </p:ext>
     </p:extLst>
   </p:cSld>
